--- a/改造シート_exmPC.pptx
+++ b/改造シート_exmPC.pptx
@@ -2,7 +2,7 @@
 <file path=ppt/presentation.xml><?xml version="1.0" encoding="utf-8"?>
 <p:presentation xmlns:a="http://schemas.openxmlformats.org/drawingml/2006/main" xmlns:r="http://schemas.openxmlformats.org/officeDocument/2006/relationships" xmlns:p="http://schemas.openxmlformats.org/presentationml/2006/main" saveSubsetFonts="1">
   <p:sldMasterIdLst>
-    <p:sldMasterId id="2147483648" r:id="rId1"/>
+    <p:sldMasterId id="2147483660" r:id="rId1"/>
   </p:sldMasterIdLst>
   <p:sldIdLst>
     <p:sldId id="256" r:id="rId2"/>
@@ -15,10 +15,10 @@
   <p:notesSz cx="6858000" cy="9144000"/>
   <p:defaultTextStyle>
     <a:defPPr>
-      <a:defRPr lang="ja-JP"/>
+      <a:defRPr lang="en-US"/>
     </a:defPPr>
-    <a:lvl1pPr marL="0" algn="l" defTabSz="914400" rtl="0" eaLnBrk="1" latinLnBrk="0" hangingPunct="1">
-      <a:defRPr kumimoji="1" sz="1800" kern="1200">
+    <a:lvl1pPr marL="0" algn="l" defTabSz="457200" rtl="0" eaLnBrk="1" latinLnBrk="0" hangingPunct="1">
+      <a:defRPr sz="1800" kern="1200">
         <a:solidFill>
           <a:schemeClr val="tx1"/>
         </a:solidFill>
@@ -27,8 +27,8 @@
         <a:cs typeface="+mn-cs"/>
       </a:defRPr>
     </a:lvl1pPr>
-    <a:lvl2pPr marL="457200" algn="l" defTabSz="914400" rtl="0" eaLnBrk="1" latinLnBrk="0" hangingPunct="1">
-      <a:defRPr kumimoji="1" sz="1800" kern="1200">
+    <a:lvl2pPr marL="457200" algn="l" defTabSz="457200" rtl="0" eaLnBrk="1" latinLnBrk="0" hangingPunct="1">
+      <a:defRPr sz="1800" kern="1200">
         <a:solidFill>
           <a:schemeClr val="tx1"/>
         </a:solidFill>
@@ -37,8 +37,8 @@
         <a:cs typeface="+mn-cs"/>
       </a:defRPr>
     </a:lvl2pPr>
-    <a:lvl3pPr marL="914400" algn="l" defTabSz="914400" rtl="0" eaLnBrk="1" latinLnBrk="0" hangingPunct="1">
-      <a:defRPr kumimoji="1" sz="1800" kern="1200">
+    <a:lvl3pPr marL="914400" algn="l" defTabSz="457200" rtl="0" eaLnBrk="1" latinLnBrk="0" hangingPunct="1">
+      <a:defRPr sz="1800" kern="1200">
         <a:solidFill>
           <a:schemeClr val="tx1"/>
         </a:solidFill>
@@ -47,8 +47,8 @@
         <a:cs typeface="+mn-cs"/>
       </a:defRPr>
     </a:lvl3pPr>
-    <a:lvl4pPr marL="1371600" algn="l" defTabSz="914400" rtl="0" eaLnBrk="1" latinLnBrk="0" hangingPunct="1">
-      <a:defRPr kumimoji="1" sz="1800" kern="1200">
+    <a:lvl4pPr marL="1371600" algn="l" defTabSz="457200" rtl="0" eaLnBrk="1" latinLnBrk="0" hangingPunct="1">
+      <a:defRPr sz="1800" kern="1200">
         <a:solidFill>
           <a:schemeClr val="tx1"/>
         </a:solidFill>
@@ -57,8 +57,8 @@
         <a:cs typeface="+mn-cs"/>
       </a:defRPr>
     </a:lvl4pPr>
-    <a:lvl5pPr marL="1828800" algn="l" defTabSz="914400" rtl="0" eaLnBrk="1" latinLnBrk="0" hangingPunct="1">
-      <a:defRPr kumimoji="1" sz="1800" kern="1200">
+    <a:lvl5pPr marL="1828800" algn="l" defTabSz="457200" rtl="0" eaLnBrk="1" latinLnBrk="0" hangingPunct="1">
+      <a:defRPr sz="1800" kern="1200">
         <a:solidFill>
           <a:schemeClr val="tx1"/>
         </a:solidFill>
@@ -67,8 +67,8 @@
         <a:cs typeface="+mn-cs"/>
       </a:defRPr>
     </a:lvl5pPr>
-    <a:lvl6pPr marL="2286000" algn="l" defTabSz="914400" rtl="0" eaLnBrk="1" latinLnBrk="0" hangingPunct="1">
-      <a:defRPr kumimoji="1" sz="1800" kern="1200">
+    <a:lvl6pPr marL="2286000" algn="l" defTabSz="457200" rtl="0" eaLnBrk="1" latinLnBrk="0" hangingPunct="1">
+      <a:defRPr sz="1800" kern="1200">
         <a:solidFill>
           <a:schemeClr val="tx1"/>
         </a:solidFill>
@@ -77,8 +77,8 @@
         <a:cs typeface="+mn-cs"/>
       </a:defRPr>
     </a:lvl6pPr>
-    <a:lvl7pPr marL="2743200" algn="l" defTabSz="914400" rtl="0" eaLnBrk="1" latinLnBrk="0" hangingPunct="1">
-      <a:defRPr kumimoji="1" sz="1800" kern="1200">
+    <a:lvl7pPr marL="2743200" algn="l" defTabSz="457200" rtl="0" eaLnBrk="1" latinLnBrk="0" hangingPunct="1">
+      <a:defRPr sz="1800" kern="1200">
         <a:solidFill>
           <a:schemeClr val="tx1"/>
         </a:solidFill>
@@ -87,8 +87,8 @@
         <a:cs typeface="+mn-cs"/>
       </a:defRPr>
     </a:lvl7pPr>
-    <a:lvl8pPr marL="3200400" algn="l" defTabSz="914400" rtl="0" eaLnBrk="1" latinLnBrk="0" hangingPunct="1">
-      <a:defRPr kumimoji="1" sz="1800" kern="1200">
+    <a:lvl8pPr marL="3200400" algn="l" defTabSz="457200" rtl="0" eaLnBrk="1" latinLnBrk="0" hangingPunct="1">
+      <a:defRPr sz="1800" kern="1200">
         <a:solidFill>
           <a:schemeClr val="tx1"/>
         </a:solidFill>
@@ -97,8 +97,8 @@
         <a:cs typeface="+mn-cs"/>
       </a:defRPr>
     </a:lvl8pPr>
-    <a:lvl9pPr marL="3657600" algn="l" defTabSz="914400" rtl="0" eaLnBrk="1" latinLnBrk="0" hangingPunct="1">
-      <a:defRPr kumimoji="1" sz="1800" kern="1200">
+    <a:lvl9pPr marL="3657600" algn="l" defTabSz="457200" rtl="0" eaLnBrk="1" latinLnBrk="0" hangingPunct="1">
+      <a:defRPr sz="1800" kern="1200">
         <a:solidFill>
           <a:schemeClr val="tx1"/>
         </a:solidFill>
@@ -108,6 +108,11 @@
       </a:defRPr>
     </a:lvl9pPr>
   </p:defaultTextStyle>
+  <p:extLst>
+    <p:ext uri="{EFAFB233-063F-42B5-8137-9DF3F51BA10A}">
+      <p15:sldGuideLst xmlns:p15="http://schemas.microsoft.com/office/powerpoint/2012/main"/>
+    </p:ext>
+  </p:extLst>
 </p:presentation>
 </file>
 
@@ -990,7 +995,7 @@
 <dgm:dataModel xmlns:dgm="http://schemas.openxmlformats.org/drawingml/2006/diagram" xmlns:a="http://schemas.openxmlformats.org/drawingml/2006/main">
   <dgm:ptLst>
     <dgm:pt modelId="{970A776F-B844-4D78-80F7-08109714DD16}" type="doc">
-      <dgm:prSet loTypeId="urn:microsoft.com/office/officeart/2005/8/layout/hierarchy2" loCatId="hierarchy" qsTypeId="urn:microsoft.com/office/officeart/2005/8/quickstyle/simple1" qsCatId="simple" csTypeId="urn:microsoft.com/office/officeart/2005/8/colors/accent2_3" csCatId="accent2" phldr="1"/>
+      <dgm:prSet loTypeId="urn:microsoft.com/office/officeart/2005/8/layout/hierarchy2" loCatId="hierarchy" qsTypeId="urn:microsoft.com/office/officeart/2005/8/quickstyle/simple3" qsCatId="simple" csTypeId="urn:microsoft.com/office/officeart/2005/8/colors/accent2_3" csCatId="accent2" phldr="1"/>
       <dgm:spPr/>
       <dgm:t>
         <a:bodyPr/>
@@ -1233,9 +1238,9 @@
       <dgm:prSet phldrT="[テキスト]"/>
       <dgm:spPr>
         <a:solidFill>
-          <a:schemeClr val="tx1">
-            <a:lumMod val="50000"/>
-            <a:lumOff val="50000"/>
+          <a:schemeClr val="accent3">
+            <a:lumMod val="20000"/>
+            <a:lumOff val="80000"/>
           </a:schemeClr>
         </a:solidFill>
       </dgm:spPr>
@@ -1443,9 +1448,9 @@
       <dgm:prSet/>
       <dgm:spPr>
         <a:solidFill>
-          <a:schemeClr val="tx1">
-            <a:lumMod val="50000"/>
-            <a:lumOff val="50000"/>
+          <a:schemeClr val="accent3">
+            <a:lumMod val="20000"/>
+            <a:lumOff val="80000"/>
           </a:schemeClr>
         </a:solidFill>
       </dgm:spPr>
@@ -1916,41 +1921,74 @@
             <a:gd name="adj" fmla="val 10000"/>
           </a:avLst>
         </a:prstGeom>
-        <a:solidFill>
-          <a:schemeClr val="accent2">
-            <a:shade val="80000"/>
-            <a:hueOff val="0"/>
-            <a:satOff val="0"/>
-            <a:lumOff val="0"/>
-            <a:alphaOff val="0"/>
-          </a:schemeClr>
-        </a:solidFill>
-        <a:ln w="19050" cap="flat" cmpd="sng" algn="ctr">
-          <a:solidFill>
-            <a:schemeClr val="lt1">
-              <a:hueOff val="0"/>
-              <a:satOff val="0"/>
-              <a:lumOff val="0"/>
-              <a:alphaOff val="0"/>
-            </a:schemeClr>
-          </a:solidFill>
-          <a:prstDash val="solid"/>
-          <a:miter lim="800000"/>
+        <a:gradFill rotWithShape="0">
+          <a:gsLst>
+            <a:gs pos="0">
+              <a:schemeClr val="accent2">
+                <a:shade val="80000"/>
+                <a:hueOff val="0"/>
+                <a:satOff val="0"/>
+                <a:lumOff val="0"/>
+                <a:alphaOff val="0"/>
+                <a:tint val="50000"/>
+                <a:satMod val="300000"/>
+              </a:schemeClr>
+            </a:gs>
+            <a:gs pos="35000">
+              <a:schemeClr val="accent2">
+                <a:shade val="80000"/>
+                <a:hueOff val="0"/>
+                <a:satOff val="0"/>
+                <a:lumOff val="0"/>
+                <a:alphaOff val="0"/>
+                <a:tint val="37000"/>
+                <a:satMod val="300000"/>
+              </a:schemeClr>
+            </a:gs>
+            <a:gs pos="100000">
+              <a:schemeClr val="accent2">
+                <a:shade val="80000"/>
+                <a:hueOff val="0"/>
+                <a:satOff val="0"/>
+                <a:lumOff val="0"/>
+                <a:alphaOff val="0"/>
+                <a:tint val="15000"/>
+                <a:satMod val="350000"/>
+              </a:schemeClr>
+            </a:gs>
+          </a:gsLst>
+          <a:lin ang="16200000" scaled="1"/>
+        </a:gradFill>
+        <a:ln>
+          <a:noFill/>
         </a:ln>
-        <a:effectLst/>
+        <a:effectLst>
+          <a:outerShdw blurRad="40000" dist="20000" dir="5400000" rotWithShape="0">
+            <a:srgbClr val="000000">
+              <a:alpha val="38000"/>
+            </a:srgbClr>
+          </a:outerShdw>
+        </a:effectLst>
+        <a:scene3d>
+          <a:camera prst="orthographicFront"/>
+          <a:lightRig rig="flat" dir="t"/>
+        </a:scene3d>
+        <a:sp3d prstMaterial="dkEdge">
+          <a:bevelT w="8200" h="38100"/>
+        </a:sp3d>
       </dsp:spPr>
       <dsp:style>
-        <a:lnRef idx="2">
+        <a:lnRef idx="0">
           <a:scrgbClr r="0" g="0" b="0"/>
         </a:lnRef>
-        <a:fillRef idx="1">
+        <a:fillRef idx="2">
           <a:scrgbClr r="0" g="0" b="0"/>
         </a:fillRef>
-        <a:effectRef idx="0">
+        <a:effectRef idx="1">
           <a:scrgbClr r="0" g="0" b="0"/>
         </a:effectRef>
         <a:fontRef idx="minor">
-          <a:schemeClr val="lt1"/>
+          <a:schemeClr val="dk1"/>
         </a:fontRef>
       </dsp:style>
       <dsp:txBody>
@@ -2010,7 +2048,7 @@
           </a:pathLst>
         </a:custGeom>
         <a:noFill/>
-        <a:ln w="19050" cap="flat" cmpd="sng" algn="ctr">
+        <a:ln w="25400" cap="flat" cmpd="sng" algn="ctr">
           <a:solidFill>
             <a:schemeClr val="accent2">
               <a:tint val="99000"/>
@@ -2021,7 +2059,6 @@
             </a:schemeClr>
           </a:solidFill>
           <a:prstDash val="solid"/>
-          <a:miter lim="800000"/>
         </a:ln>
         <a:effectLst/>
       </dsp:spPr>
@@ -2078,41 +2115,74 @@
             <a:gd name="adj" fmla="val 10000"/>
           </a:avLst>
         </a:prstGeom>
-        <a:solidFill>
-          <a:schemeClr val="accent2">
-            <a:tint val="99000"/>
-            <a:hueOff val="0"/>
-            <a:satOff val="0"/>
-            <a:lumOff val="0"/>
-            <a:alphaOff val="0"/>
-          </a:schemeClr>
-        </a:solidFill>
-        <a:ln w="19050" cap="flat" cmpd="sng" algn="ctr">
-          <a:solidFill>
-            <a:schemeClr val="lt1">
-              <a:hueOff val="0"/>
-              <a:satOff val="0"/>
-              <a:lumOff val="0"/>
-              <a:alphaOff val="0"/>
-            </a:schemeClr>
-          </a:solidFill>
-          <a:prstDash val="solid"/>
-          <a:miter lim="800000"/>
+        <a:gradFill rotWithShape="0">
+          <a:gsLst>
+            <a:gs pos="0">
+              <a:schemeClr val="accent2">
+                <a:tint val="99000"/>
+                <a:hueOff val="0"/>
+                <a:satOff val="0"/>
+                <a:lumOff val="0"/>
+                <a:alphaOff val="0"/>
+                <a:tint val="50000"/>
+                <a:satMod val="300000"/>
+              </a:schemeClr>
+            </a:gs>
+            <a:gs pos="35000">
+              <a:schemeClr val="accent2">
+                <a:tint val="99000"/>
+                <a:hueOff val="0"/>
+                <a:satOff val="0"/>
+                <a:lumOff val="0"/>
+                <a:alphaOff val="0"/>
+                <a:tint val="37000"/>
+                <a:satMod val="300000"/>
+              </a:schemeClr>
+            </a:gs>
+            <a:gs pos="100000">
+              <a:schemeClr val="accent2">
+                <a:tint val="99000"/>
+                <a:hueOff val="0"/>
+                <a:satOff val="0"/>
+                <a:lumOff val="0"/>
+                <a:alphaOff val="0"/>
+                <a:tint val="15000"/>
+                <a:satMod val="350000"/>
+              </a:schemeClr>
+            </a:gs>
+          </a:gsLst>
+          <a:lin ang="16200000" scaled="1"/>
+        </a:gradFill>
+        <a:ln>
+          <a:noFill/>
         </a:ln>
-        <a:effectLst/>
+        <a:effectLst>
+          <a:outerShdw blurRad="40000" dist="20000" dir="5400000" rotWithShape="0">
+            <a:srgbClr val="000000">
+              <a:alpha val="38000"/>
+            </a:srgbClr>
+          </a:outerShdw>
+        </a:effectLst>
+        <a:scene3d>
+          <a:camera prst="orthographicFront"/>
+          <a:lightRig rig="flat" dir="t"/>
+        </a:scene3d>
+        <a:sp3d prstMaterial="dkEdge">
+          <a:bevelT w="8200" h="38100"/>
+        </a:sp3d>
       </dsp:spPr>
       <dsp:style>
-        <a:lnRef idx="2">
+        <a:lnRef idx="0">
           <a:scrgbClr r="0" g="0" b="0"/>
         </a:lnRef>
-        <a:fillRef idx="1">
+        <a:fillRef idx="2">
           <a:scrgbClr r="0" g="0" b="0"/>
         </a:fillRef>
-        <a:effectRef idx="0">
+        <a:effectRef idx="1">
           <a:scrgbClr r="0" g="0" b="0"/>
         </a:effectRef>
         <a:fontRef idx="minor">
-          <a:schemeClr val="lt1"/>
+          <a:schemeClr val="dk1"/>
         </a:fontRef>
       </dsp:style>
       <dsp:txBody>
@@ -2172,7 +2242,7 @@
           </a:pathLst>
         </a:custGeom>
         <a:noFill/>
-        <a:ln w="19050" cap="flat" cmpd="sng" algn="ctr">
+        <a:ln w="25400" cap="flat" cmpd="sng" algn="ctr">
           <a:solidFill>
             <a:schemeClr val="accent2">
               <a:tint val="80000"/>
@@ -2183,7 +2253,6 @@
             </a:schemeClr>
           </a:solidFill>
           <a:prstDash val="solid"/>
-          <a:miter lim="800000"/>
         </a:ln>
         <a:effectLst/>
       </dsp:spPr>
@@ -2240,41 +2309,74 @@
             <a:gd name="adj" fmla="val 10000"/>
           </a:avLst>
         </a:prstGeom>
-        <a:solidFill>
-          <a:schemeClr val="accent2">
-            <a:tint val="80000"/>
-            <a:hueOff val="0"/>
-            <a:satOff val="0"/>
-            <a:lumOff val="0"/>
-            <a:alphaOff val="0"/>
-          </a:schemeClr>
-        </a:solidFill>
-        <a:ln w="19050" cap="flat" cmpd="sng" algn="ctr">
-          <a:solidFill>
-            <a:schemeClr val="lt1">
-              <a:hueOff val="0"/>
-              <a:satOff val="0"/>
-              <a:lumOff val="0"/>
-              <a:alphaOff val="0"/>
-            </a:schemeClr>
-          </a:solidFill>
-          <a:prstDash val="solid"/>
-          <a:miter lim="800000"/>
+        <a:gradFill rotWithShape="0">
+          <a:gsLst>
+            <a:gs pos="0">
+              <a:schemeClr val="accent2">
+                <a:tint val="80000"/>
+                <a:hueOff val="0"/>
+                <a:satOff val="0"/>
+                <a:lumOff val="0"/>
+                <a:alphaOff val="0"/>
+                <a:tint val="50000"/>
+                <a:satMod val="300000"/>
+              </a:schemeClr>
+            </a:gs>
+            <a:gs pos="35000">
+              <a:schemeClr val="accent2">
+                <a:tint val="80000"/>
+                <a:hueOff val="0"/>
+                <a:satOff val="0"/>
+                <a:lumOff val="0"/>
+                <a:alphaOff val="0"/>
+                <a:tint val="37000"/>
+                <a:satMod val="300000"/>
+              </a:schemeClr>
+            </a:gs>
+            <a:gs pos="100000">
+              <a:schemeClr val="accent2">
+                <a:tint val="80000"/>
+                <a:hueOff val="0"/>
+                <a:satOff val="0"/>
+                <a:lumOff val="0"/>
+                <a:alphaOff val="0"/>
+                <a:tint val="15000"/>
+                <a:satMod val="350000"/>
+              </a:schemeClr>
+            </a:gs>
+          </a:gsLst>
+          <a:lin ang="16200000" scaled="1"/>
+        </a:gradFill>
+        <a:ln>
+          <a:noFill/>
         </a:ln>
-        <a:effectLst/>
+        <a:effectLst>
+          <a:outerShdw blurRad="40000" dist="20000" dir="5400000" rotWithShape="0">
+            <a:srgbClr val="000000">
+              <a:alpha val="38000"/>
+            </a:srgbClr>
+          </a:outerShdw>
+        </a:effectLst>
+        <a:scene3d>
+          <a:camera prst="orthographicFront"/>
+          <a:lightRig rig="flat" dir="t"/>
+        </a:scene3d>
+        <a:sp3d prstMaterial="dkEdge">
+          <a:bevelT w="8200" h="38100"/>
+        </a:sp3d>
       </dsp:spPr>
       <dsp:style>
-        <a:lnRef idx="2">
+        <a:lnRef idx="0">
           <a:scrgbClr r="0" g="0" b="0"/>
         </a:lnRef>
-        <a:fillRef idx="1">
+        <a:fillRef idx="2">
           <a:scrgbClr r="0" g="0" b="0"/>
         </a:fillRef>
-        <a:effectRef idx="0">
+        <a:effectRef idx="1">
           <a:scrgbClr r="0" g="0" b="0"/>
         </a:effectRef>
         <a:fontRef idx="minor">
-          <a:schemeClr val="lt1"/>
+          <a:schemeClr val="dk1"/>
         </a:fontRef>
       </dsp:style>
       <dsp:txBody>
@@ -2339,7 +2441,7 @@
           </a:pathLst>
         </a:custGeom>
         <a:noFill/>
-        <a:ln w="19050" cap="flat" cmpd="sng" algn="ctr">
+        <a:ln w="25400" cap="flat" cmpd="sng" algn="ctr">
           <a:solidFill>
             <a:schemeClr val="accent2">
               <a:tint val="80000"/>
@@ -2350,7 +2452,6 @@
             </a:schemeClr>
           </a:solidFill>
           <a:prstDash val="solid"/>
-          <a:miter lim="800000"/>
         </a:ln>
         <a:effectLst/>
       </dsp:spPr>
@@ -2407,41 +2508,74 @@
             <a:gd name="adj" fmla="val 10000"/>
           </a:avLst>
         </a:prstGeom>
-        <a:solidFill>
-          <a:schemeClr val="accent2">
-            <a:tint val="80000"/>
-            <a:hueOff val="0"/>
-            <a:satOff val="0"/>
-            <a:lumOff val="0"/>
-            <a:alphaOff val="0"/>
-          </a:schemeClr>
-        </a:solidFill>
-        <a:ln w="19050" cap="flat" cmpd="sng" algn="ctr">
-          <a:solidFill>
-            <a:schemeClr val="lt1">
-              <a:hueOff val="0"/>
-              <a:satOff val="0"/>
-              <a:lumOff val="0"/>
-              <a:alphaOff val="0"/>
-            </a:schemeClr>
-          </a:solidFill>
-          <a:prstDash val="solid"/>
-          <a:miter lim="800000"/>
+        <a:gradFill rotWithShape="0">
+          <a:gsLst>
+            <a:gs pos="0">
+              <a:schemeClr val="accent2">
+                <a:tint val="80000"/>
+                <a:hueOff val="0"/>
+                <a:satOff val="0"/>
+                <a:lumOff val="0"/>
+                <a:alphaOff val="0"/>
+                <a:tint val="50000"/>
+                <a:satMod val="300000"/>
+              </a:schemeClr>
+            </a:gs>
+            <a:gs pos="35000">
+              <a:schemeClr val="accent2">
+                <a:tint val="80000"/>
+                <a:hueOff val="0"/>
+                <a:satOff val="0"/>
+                <a:lumOff val="0"/>
+                <a:alphaOff val="0"/>
+                <a:tint val="37000"/>
+                <a:satMod val="300000"/>
+              </a:schemeClr>
+            </a:gs>
+            <a:gs pos="100000">
+              <a:schemeClr val="accent2">
+                <a:tint val="80000"/>
+                <a:hueOff val="0"/>
+                <a:satOff val="0"/>
+                <a:lumOff val="0"/>
+                <a:alphaOff val="0"/>
+                <a:tint val="15000"/>
+                <a:satMod val="350000"/>
+              </a:schemeClr>
+            </a:gs>
+          </a:gsLst>
+          <a:lin ang="16200000" scaled="1"/>
+        </a:gradFill>
+        <a:ln>
+          <a:noFill/>
         </a:ln>
-        <a:effectLst/>
+        <a:effectLst>
+          <a:outerShdw blurRad="40000" dist="20000" dir="5400000" rotWithShape="0">
+            <a:srgbClr val="000000">
+              <a:alpha val="38000"/>
+            </a:srgbClr>
+          </a:outerShdw>
+        </a:effectLst>
+        <a:scene3d>
+          <a:camera prst="orthographicFront"/>
+          <a:lightRig rig="flat" dir="t"/>
+        </a:scene3d>
+        <a:sp3d prstMaterial="dkEdge">
+          <a:bevelT w="8200" h="38100"/>
+        </a:sp3d>
       </dsp:spPr>
       <dsp:style>
-        <a:lnRef idx="2">
+        <a:lnRef idx="0">
           <a:scrgbClr r="0" g="0" b="0"/>
         </a:lnRef>
-        <a:fillRef idx="1">
+        <a:fillRef idx="2">
           <a:scrgbClr r="0" g="0" b="0"/>
         </a:fillRef>
-        <a:effectRef idx="0">
+        <a:effectRef idx="1">
           <a:scrgbClr r="0" g="0" b="0"/>
         </a:effectRef>
         <a:fontRef idx="minor">
-          <a:schemeClr val="lt1"/>
+          <a:schemeClr val="dk1"/>
         </a:fontRef>
       </dsp:style>
       <dsp:txBody>
@@ -2509,7 +2643,7 @@
           </a:pathLst>
         </a:custGeom>
         <a:noFill/>
-        <a:ln w="19050" cap="flat" cmpd="sng" algn="ctr">
+        <a:ln w="25400" cap="flat" cmpd="sng" algn="ctr">
           <a:solidFill>
             <a:schemeClr val="accent2">
               <a:tint val="80000"/>
@@ -2520,7 +2654,6 @@
             </a:schemeClr>
           </a:solidFill>
           <a:prstDash val="solid"/>
-          <a:miter lim="800000"/>
         </a:ln>
         <a:effectLst/>
       </dsp:spPr>
@@ -2578,37 +2711,41 @@
           </a:avLst>
         </a:prstGeom>
         <a:solidFill>
-          <a:schemeClr val="tx1">
-            <a:lumMod val="50000"/>
-            <a:lumOff val="50000"/>
+          <a:schemeClr val="accent3">
+            <a:lumMod val="20000"/>
+            <a:lumOff val="80000"/>
           </a:schemeClr>
         </a:solidFill>
-        <a:ln w="19050" cap="flat" cmpd="sng" algn="ctr">
-          <a:solidFill>
-            <a:schemeClr val="lt1">
-              <a:hueOff val="0"/>
-              <a:satOff val="0"/>
-              <a:lumOff val="0"/>
-              <a:alphaOff val="0"/>
-            </a:schemeClr>
-          </a:solidFill>
-          <a:prstDash val="solid"/>
-          <a:miter lim="800000"/>
+        <a:ln>
+          <a:noFill/>
         </a:ln>
-        <a:effectLst/>
+        <a:effectLst>
+          <a:outerShdw blurRad="40000" dist="20000" dir="5400000" rotWithShape="0">
+            <a:srgbClr val="000000">
+              <a:alpha val="38000"/>
+            </a:srgbClr>
+          </a:outerShdw>
+        </a:effectLst>
+        <a:scene3d>
+          <a:camera prst="orthographicFront"/>
+          <a:lightRig rig="flat" dir="t"/>
+        </a:scene3d>
+        <a:sp3d prstMaterial="dkEdge">
+          <a:bevelT w="8200" h="38100"/>
+        </a:sp3d>
       </dsp:spPr>
       <dsp:style>
-        <a:lnRef idx="2">
+        <a:lnRef idx="0">
           <a:scrgbClr r="0" g="0" b="0"/>
         </a:lnRef>
-        <a:fillRef idx="1">
+        <a:fillRef idx="2">
           <a:scrgbClr r="0" g="0" b="0"/>
         </a:fillRef>
-        <a:effectRef idx="0">
+        <a:effectRef idx="1">
           <a:scrgbClr r="0" g="0" b="0"/>
         </a:effectRef>
         <a:fontRef idx="minor">
-          <a:schemeClr val="lt1"/>
+          <a:schemeClr val="dk1"/>
         </a:fontRef>
       </dsp:style>
       <dsp:txBody>
@@ -2684,7 +2821,7 @@
           </a:pathLst>
         </a:custGeom>
         <a:noFill/>
-        <a:ln w="19050" cap="flat" cmpd="sng" algn="ctr">
+        <a:ln w="25400" cap="flat" cmpd="sng" algn="ctr">
           <a:solidFill>
             <a:schemeClr val="accent2">
               <a:tint val="99000"/>
@@ -2695,7 +2832,6 @@
             </a:schemeClr>
           </a:solidFill>
           <a:prstDash val="solid"/>
-          <a:miter lim="800000"/>
         </a:ln>
         <a:effectLst/>
       </dsp:spPr>
@@ -2752,41 +2888,74 @@
             <a:gd name="adj" fmla="val 10000"/>
           </a:avLst>
         </a:prstGeom>
-        <a:solidFill>
-          <a:schemeClr val="accent2">
-            <a:tint val="99000"/>
-            <a:hueOff val="0"/>
-            <a:satOff val="0"/>
-            <a:lumOff val="0"/>
-            <a:alphaOff val="0"/>
-          </a:schemeClr>
-        </a:solidFill>
-        <a:ln w="19050" cap="flat" cmpd="sng" algn="ctr">
-          <a:solidFill>
-            <a:schemeClr val="lt1">
-              <a:hueOff val="0"/>
-              <a:satOff val="0"/>
-              <a:lumOff val="0"/>
-              <a:alphaOff val="0"/>
-            </a:schemeClr>
-          </a:solidFill>
-          <a:prstDash val="solid"/>
-          <a:miter lim="800000"/>
+        <a:gradFill rotWithShape="0">
+          <a:gsLst>
+            <a:gs pos="0">
+              <a:schemeClr val="accent2">
+                <a:tint val="99000"/>
+                <a:hueOff val="0"/>
+                <a:satOff val="0"/>
+                <a:lumOff val="0"/>
+                <a:alphaOff val="0"/>
+                <a:tint val="50000"/>
+                <a:satMod val="300000"/>
+              </a:schemeClr>
+            </a:gs>
+            <a:gs pos="35000">
+              <a:schemeClr val="accent2">
+                <a:tint val="99000"/>
+                <a:hueOff val="0"/>
+                <a:satOff val="0"/>
+                <a:lumOff val="0"/>
+                <a:alphaOff val="0"/>
+                <a:tint val="37000"/>
+                <a:satMod val="300000"/>
+              </a:schemeClr>
+            </a:gs>
+            <a:gs pos="100000">
+              <a:schemeClr val="accent2">
+                <a:tint val="99000"/>
+                <a:hueOff val="0"/>
+                <a:satOff val="0"/>
+                <a:lumOff val="0"/>
+                <a:alphaOff val="0"/>
+                <a:tint val="15000"/>
+                <a:satMod val="350000"/>
+              </a:schemeClr>
+            </a:gs>
+          </a:gsLst>
+          <a:lin ang="16200000" scaled="1"/>
+        </a:gradFill>
+        <a:ln>
+          <a:noFill/>
         </a:ln>
-        <a:effectLst/>
+        <a:effectLst>
+          <a:outerShdw blurRad="40000" dist="20000" dir="5400000" rotWithShape="0">
+            <a:srgbClr val="000000">
+              <a:alpha val="38000"/>
+            </a:srgbClr>
+          </a:outerShdw>
+        </a:effectLst>
+        <a:scene3d>
+          <a:camera prst="orthographicFront"/>
+          <a:lightRig rig="flat" dir="t"/>
+        </a:scene3d>
+        <a:sp3d prstMaterial="dkEdge">
+          <a:bevelT w="8200" h="38100"/>
+        </a:sp3d>
       </dsp:spPr>
       <dsp:style>
-        <a:lnRef idx="2">
+        <a:lnRef idx="0">
           <a:scrgbClr r="0" g="0" b="0"/>
         </a:lnRef>
-        <a:fillRef idx="1">
+        <a:fillRef idx="2">
           <a:scrgbClr r="0" g="0" b="0"/>
         </a:fillRef>
-        <a:effectRef idx="0">
+        <a:effectRef idx="1">
           <a:scrgbClr r="0" g="0" b="0"/>
         </a:effectRef>
         <a:fontRef idx="minor">
-          <a:schemeClr val="lt1"/>
+          <a:schemeClr val="dk1"/>
         </a:fontRef>
       </dsp:style>
       <dsp:txBody>
@@ -2846,7 +3015,7 @@
           </a:pathLst>
         </a:custGeom>
         <a:noFill/>
-        <a:ln w="19050" cap="flat" cmpd="sng" algn="ctr">
+        <a:ln w="25400" cap="flat" cmpd="sng" algn="ctr">
           <a:solidFill>
             <a:schemeClr val="accent2">
               <a:tint val="80000"/>
@@ -2857,7 +3026,6 @@
             </a:schemeClr>
           </a:solidFill>
           <a:prstDash val="solid"/>
-          <a:miter lim="800000"/>
         </a:ln>
         <a:effectLst/>
       </dsp:spPr>
@@ -2914,41 +3082,74 @@
             <a:gd name="adj" fmla="val 10000"/>
           </a:avLst>
         </a:prstGeom>
-        <a:solidFill>
-          <a:schemeClr val="accent2">
-            <a:tint val="80000"/>
-            <a:hueOff val="0"/>
-            <a:satOff val="0"/>
-            <a:lumOff val="0"/>
-            <a:alphaOff val="0"/>
-          </a:schemeClr>
-        </a:solidFill>
-        <a:ln w="19050" cap="flat" cmpd="sng" algn="ctr">
-          <a:solidFill>
-            <a:schemeClr val="lt1">
-              <a:hueOff val="0"/>
-              <a:satOff val="0"/>
-              <a:lumOff val="0"/>
-              <a:alphaOff val="0"/>
-            </a:schemeClr>
-          </a:solidFill>
-          <a:prstDash val="solid"/>
-          <a:miter lim="800000"/>
+        <a:gradFill rotWithShape="0">
+          <a:gsLst>
+            <a:gs pos="0">
+              <a:schemeClr val="accent2">
+                <a:tint val="80000"/>
+                <a:hueOff val="0"/>
+                <a:satOff val="0"/>
+                <a:lumOff val="0"/>
+                <a:alphaOff val="0"/>
+                <a:tint val="50000"/>
+                <a:satMod val="300000"/>
+              </a:schemeClr>
+            </a:gs>
+            <a:gs pos="35000">
+              <a:schemeClr val="accent2">
+                <a:tint val="80000"/>
+                <a:hueOff val="0"/>
+                <a:satOff val="0"/>
+                <a:lumOff val="0"/>
+                <a:alphaOff val="0"/>
+                <a:tint val="37000"/>
+                <a:satMod val="300000"/>
+              </a:schemeClr>
+            </a:gs>
+            <a:gs pos="100000">
+              <a:schemeClr val="accent2">
+                <a:tint val="80000"/>
+                <a:hueOff val="0"/>
+                <a:satOff val="0"/>
+                <a:lumOff val="0"/>
+                <a:alphaOff val="0"/>
+                <a:tint val="15000"/>
+                <a:satMod val="350000"/>
+              </a:schemeClr>
+            </a:gs>
+          </a:gsLst>
+          <a:lin ang="16200000" scaled="1"/>
+        </a:gradFill>
+        <a:ln>
+          <a:noFill/>
         </a:ln>
-        <a:effectLst/>
+        <a:effectLst>
+          <a:outerShdw blurRad="40000" dist="20000" dir="5400000" rotWithShape="0">
+            <a:srgbClr val="000000">
+              <a:alpha val="38000"/>
+            </a:srgbClr>
+          </a:outerShdw>
+        </a:effectLst>
+        <a:scene3d>
+          <a:camera prst="orthographicFront"/>
+          <a:lightRig rig="flat" dir="t"/>
+        </a:scene3d>
+        <a:sp3d prstMaterial="dkEdge">
+          <a:bevelT w="8200" h="38100"/>
+        </a:sp3d>
       </dsp:spPr>
       <dsp:style>
-        <a:lnRef idx="2">
+        <a:lnRef idx="0">
           <a:scrgbClr r="0" g="0" b="0"/>
         </a:lnRef>
-        <a:fillRef idx="1">
+        <a:fillRef idx="2">
           <a:scrgbClr r="0" g="0" b="0"/>
         </a:fillRef>
-        <a:effectRef idx="0">
+        <a:effectRef idx="1">
           <a:scrgbClr r="0" g="0" b="0"/>
         </a:effectRef>
         <a:fontRef idx="minor">
-          <a:schemeClr val="lt1"/>
+          <a:schemeClr val="dk1"/>
         </a:fontRef>
       </dsp:style>
       <dsp:txBody>
@@ -3008,7 +3209,7 @@
           </a:pathLst>
         </a:custGeom>
         <a:noFill/>
-        <a:ln w="19050" cap="flat" cmpd="sng" algn="ctr">
+        <a:ln w="25400" cap="flat" cmpd="sng" algn="ctr">
           <a:solidFill>
             <a:schemeClr val="accent2">
               <a:tint val="80000"/>
@@ -3019,7 +3220,6 @@
             </a:schemeClr>
           </a:solidFill>
           <a:prstDash val="solid"/>
-          <a:miter lim="800000"/>
         </a:ln>
         <a:effectLst/>
       </dsp:spPr>
@@ -3076,41 +3276,74 @@
             <a:gd name="adj" fmla="val 10000"/>
           </a:avLst>
         </a:prstGeom>
-        <a:solidFill>
-          <a:schemeClr val="accent2">
-            <a:tint val="80000"/>
-            <a:hueOff val="0"/>
-            <a:satOff val="0"/>
-            <a:lumOff val="0"/>
-            <a:alphaOff val="0"/>
-          </a:schemeClr>
-        </a:solidFill>
-        <a:ln w="19050" cap="flat" cmpd="sng" algn="ctr">
-          <a:solidFill>
-            <a:schemeClr val="lt1">
-              <a:hueOff val="0"/>
-              <a:satOff val="0"/>
-              <a:lumOff val="0"/>
-              <a:alphaOff val="0"/>
-            </a:schemeClr>
-          </a:solidFill>
-          <a:prstDash val="solid"/>
-          <a:miter lim="800000"/>
+        <a:gradFill rotWithShape="0">
+          <a:gsLst>
+            <a:gs pos="0">
+              <a:schemeClr val="accent2">
+                <a:tint val="80000"/>
+                <a:hueOff val="0"/>
+                <a:satOff val="0"/>
+                <a:lumOff val="0"/>
+                <a:alphaOff val="0"/>
+                <a:tint val="50000"/>
+                <a:satMod val="300000"/>
+              </a:schemeClr>
+            </a:gs>
+            <a:gs pos="35000">
+              <a:schemeClr val="accent2">
+                <a:tint val="80000"/>
+                <a:hueOff val="0"/>
+                <a:satOff val="0"/>
+                <a:lumOff val="0"/>
+                <a:alphaOff val="0"/>
+                <a:tint val="37000"/>
+                <a:satMod val="300000"/>
+              </a:schemeClr>
+            </a:gs>
+            <a:gs pos="100000">
+              <a:schemeClr val="accent2">
+                <a:tint val="80000"/>
+                <a:hueOff val="0"/>
+                <a:satOff val="0"/>
+                <a:lumOff val="0"/>
+                <a:alphaOff val="0"/>
+                <a:tint val="15000"/>
+                <a:satMod val="350000"/>
+              </a:schemeClr>
+            </a:gs>
+          </a:gsLst>
+          <a:lin ang="16200000" scaled="1"/>
+        </a:gradFill>
+        <a:ln>
+          <a:noFill/>
         </a:ln>
-        <a:effectLst/>
+        <a:effectLst>
+          <a:outerShdw blurRad="40000" dist="20000" dir="5400000" rotWithShape="0">
+            <a:srgbClr val="000000">
+              <a:alpha val="38000"/>
+            </a:srgbClr>
+          </a:outerShdw>
+        </a:effectLst>
+        <a:scene3d>
+          <a:camera prst="orthographicFront"/>
+          <a:lightRig rig="flat" dir="t"/>
+        </a:scene3d>
+        <a:sp3d prstMaterial="dkEdge">
+          <a:bevelT w="8200" h="38100"/>
+        </a:sp3d>
       </dsp:spPr>
       <dsp:style>
-        <a:lnRef idx="2">
+        <a:lnRef idx="0">
           <a:scrgbClr r="0" g="0" b="0"/>
         </a:lnRef>
-        <a:fillRef idx="1">
+        <a:fillRef idx="2">
           <a:scrgbClr r="0" g="0" b="0"/>
         </a:fillRef>
-        <a:effectRef idx="0">
+        <a:effectRef idx="1">
           <a:scrgbClr r="0" g="0" b="0"/>
         </a:effectRef>
         <a:fontRef idx="minor">
-          <a:schemeClr val="lt1"/>
+          <a:schemeClr val="dk1"/>
         </a:fontRef>
       </dsp:style>
       <dsp:txBody>
@@ -3170,7 +3403,7 @@
           </a:pathLst>
         </a:custGeom>
         <a:noFill/>
-        <a:ln w="19050" cap="flat" cmpd="sng" algn="ctr">
+        <a:ln w="25400" cap="flat" cmpd="sng" algn="ctr">
           <a:solidFill>
             <a:schemeClr val="accent2">
               <a:tint val="80000"/>
@@ -3181,7 +3414,6 @@
             </a:schemeClr>
           </a:solidFill>
           <a:prstDash val="solid"/>
-          <a:miter lim="800000"/>
         </a:ln>
         <a:effectLst/>
       </dsp:spPr>
@@ -3238,41 +3470,74 @@
             <a:gd name="adj" fmla="val 10000"/>
           </a:avLst>
         </a:prstGeom>
-        <a:solidFill>
-          <a:schemeClr val="accent2">
-            <a:tint val="80000"/>
-            <a:hueOff val="0"/>
-            <a:satOff val="0"/>
-            <a:lumOff val="0"/>
-            <a:alphaOff val="0"/>
-          </a:schemeClr>
-        </a:solidFill>
-        <a:ln w="19050" cap="flat" cmpd="sng" algn="ctr">
-          <a:solidFill>
-            <a:schemeClr val="lt1">
-              <a:hueOff val="0"/>
-              <a:satOff val="0"/>
-              <a:lumOff val="0"/>
-              <a:alphaOff val="0"/>
-            </a:schemeClr>
-          </a:solidFill>
-          <a:prstDash val="solid"/>
-          <a:miter lim="800000"/>
+        <a:gradFill rotWithShape="0">
+          <a:gsLst>
+            <a:gs pos="0">
+              <a:schemeClr val="accent2">
+                <a:tint val="80000"/>
+                <a:hueOff val="0"/>
+                <a:satOff val="0"/>
+                <a:lumOff val="0"/>
+                <a:alphaOff val="0"/>
+                <a:tint val="50000"/>
+                <a:satMod val="300000"/>
+              </a:schemeClr>
+            </a:gs>
+            <a:gs pos="35000">
+              <a:schemeClr val="accent2">
+                <a:tint val="80000"/>
+                <a:hueOff val="0"/>
+                <a:satOff val="0"/>
+                <a:lumOff val="0"/>
+                <a:alphaOff val="0"/>
+                <a:tint val="37000"/>
+                <a:satMod val="300000"/>
+              </a:schemeClr>
+            </a:gs>
+            <a:gs pos="100000">
+              <a:schemeClr val="accent2">
+                <a:tint val="80000"/>
+                <a:hueOff val="0"/>
+                <a:satOff val="0"/>
+                <a:lumOff val="0"/>
+                <a:alphaOff val="0"/>
+                <a:tint val="15000"/>
+                <a:satMod val="350000"/>
+              </a:schemeClr>
+            </a:gs>
+          </a:gsLst>
+          <a:lin ang="16200000" scaled="1"/>
+        </a:gradFill>
+        <a:ln>
+          <a:noFill/>
         </a:ln>
-        <a:effectLst/>
+        <a:effectLst>
+          <a:outerShdw blurRad="40000" dist="20000" dir="5400000" rotWithShape="0">
+            <a:srgbClr val="000000">
+              <a:alpha val="38000"/>
+            </a:srgbClr>
+          </a:outerShdw>
+        </a:effectLst>
+        <a:scene3d>
+          <a:camera prst="orthographicFront"/>
+          <a:lightRig rig="flat" dir="t"/>
+        </a:scene3d>
+        <a:sp3d prstMaterial="dkEdge">
+          <a:bevelT w="8200" h="38100"/>
+        </a:sp3d>
       </dsp:spPr>
       <dsp:style>
-        <a:lnRef idx="2">
+        <a:lnRef idx="0">
           <a:scrgbClr r="0" g="0" b="0"/>
         </a:lnRef>
-        <a:fillRef idx="1">
+        <a:fillRef idx="2">
           <a:scrgbClr r="0" g="0" b="0"/>
         </a:fillRef>
-        <a:effectRef idx="0">
+        <a:effectRef idx="1">
           <a:scrgbClr r="0" g="0" b="0"/>
         </a:effectRef>
         <a:fontRef idx="minor">
-          <a:schemeClr val="lt1"/>
+          <a:schemeClr val="dk1"/>
         </a:fontRef>
       </dsp:style>
       <dsp:txBody>
@@ -3337,7 +3602,7 @@
           </a:pathLst>
         </a:custGeom>
         <a:noFill/>
-        <a:ln w="19050" cap="flat" cmpd="sng" algn="ctr">
+        <a:ln w="25400" cap="flat" cmpd="sng" algn="ctr">
           <a:solidFill>
             <a:schemeClr val="accent2">
               <a:tint val="80000"/>
@@ -3348,7 +3613,6 @@
             </a:schemeClr>
           </a:solidFill>
           <a:prstDash val="solid"/>
-          <a:miter lim="800000"/>
         </a:ln>
         <a:effectLst/>
       </dsp:spPr>
@@ -3405,41 +3669,74 @@
             <a:gd name="adj" fmla="val 10000"/>
           </a:avLst>
         </a:prstGeom>
-        <a:solidFill>
-          <a:schemeClr val="accent2">
-            <a:tint val="80000"/>
-            <a:hueOff val="0"/>
-            <a:satOff val="0"/>
-            <a:lumOff val="0"/>
-            <a:alphaOff val="0"/>
-          </a:schemeClr>
-        </a:solidFill>
-        <a:ln w="19050" cap="flat" cmpd="sng" algn="ctr">
-          <a:solidFill>
-            <a:schemeClr val="lt1">
-              <a:hueOff val="0"/>
-              <a:satOff val="0"/>
-              <a:lumOff val="0"/>
-              <a:alphaOff val="0"/>
-            </a:schemeClr>
-          </a:solidFill>
-          <a:prstDash val="solid"/>
-          <a:miter lim="800000"/>
+        <a:gradFill rotWithShape="0">
+          <a:gsLst>
+            <a:gs pos="0">
+              <a:schemeClr val="accent2">
+                <a:tint val="80000"/>
+                <a:hueOff val="0"/>
+                <a:satOff val="0"/>
+                <a:lumOff val="0"/>
+                <a:alphaOff val="0"/>
+                <a:tint val="50000"/>
+                <a:satMod val="300000"/>
+              </a:schemeClr>
+            </a:gs>
+            <a:gs pos="35000">
+              <a:schemeClr val="accent2">
+                <a:tint val="80000"/>
+                <a:hueOff val="0"/>
+                <a:satOff val="0"/>
+                <a:lumOff val="0"/>
+                <a:alphaOff val="0"/>
+                <a:tint val="37000"/>
+                <a:satMod val="300000"/>
+              </a:schemeClr>
+            </a:gs>
+            <a:gs pos="100000">
+              <a:schemeClr val="accent2">
+                <a:tint val="80000"/>
+                <a:hueOff val="0"/>
+                <a:satOff val="0"/>
+                <a:lumOff val="0"/>
+                <a:alphaOff val="0"/>
+                <a:tint val="15000"/>
+                <a:satMod val="350000"/>
+              </a:schemeClr>
+            </a:gs>
+          </a:gsLst>
+          <a:lin ang="16200000" scaled="1"/>
+        </a:gradFill>
+        <a:ln>
+          <a:noFill/>
         </a:ln>
-        <a:effectLst/>
+        <a:effectLst>
+          <a:outerShdw blurRad="40000" dist="20000" dir="5400000" rotWithShape="0">
+            <a:srgbClr val="000000">
+              <a:alpha val="38000"/>
+            </a:srgbClr>
+          </a:outerShdw>
+        </a:effectLst>
+        <a:scene3d>
+          <a:camera prst="orthographicFront"/>
+          <a:lightRig rig="flat" dir="t"/>
+        </a:scene3d>
+        <a:sp3d prstMaterial="dkEdge">
+          <a:bevelT w="8200" h="38100"/>
+        </a:sp3d>
       </dsp:spPr>
       <dsp:style>
-        <a:lnRef idx="2">
+        <a:lnRef idx="0">
           <a:scrgbClr r="0" g="0" b="0"/>
         </a:lnRef>
-        <a:fillRef idx="1">
+        <a:fillRef idx="2">
           <a:scrgbClr r="0" g="0" b="0"/>
         </a:fillRef>
-        <a:effectRef idx="0">
+        <a:effectRef idx="1">
           <a:scrgbClr r="0" g="0" b="0"/>
         </a:effectRef>
         <a:fontRef idx="minor">
-          <a:schemeClr val="lt1"/>
+          <a:schemeClr val="dk1"/>
         </a:fontRef>
       </dsp:style>
       <dsp:txBody>
@@ -3500,7 +3797,7 @@
           </a:pathLst>
         </a:custGeom>
         <a:noFill/>
-        <a:ln w="19050" cap="flat" cmpd="sng" algn="ctr">
+        <a:ln w="25400" cap="flat" cmpd="sng" algn="ctr">
           <a:solidFill>
             <a:schemeClr val="accent2">
               <a:tint val="80000"/>
@@ -3511,7 +3808,6 @@
             </a:schemeClr>
           </a:solidFill>
           <a:prstDash val="solid"/>
-          <a:miter lim="800000"/>
         </a:ln>
         <a:effectLst/>
       </dsp:spPr>
@@ -3568,41 +3864,74 @@
             <a:gd name="adj" fmla="val 10000"/>
           </a:avLst>
         </a:prstGeom>
-        <a:solidFill>
-          <a:schemeClr val="accent2">
-            <a:tint val="80000"/>
-            <a:hueOff val="0"/>
-            <a:satOff val="0"/>
-            <a:lumOff val="0"/>
-            <a:alphaOff val="0"/>
-          </a:schemeClr>
-        </a:solidFill>
-        <a:ln w="19050" cap="flat" cmpd="sng" algn="ctr">
-          <a:solidFill>
-            <a:schemeClr val="lt1">
-              <a:hueOff val="0"/>
-              <a:satOff val="0"/>
-              <a:lumOff val="0"/>
-              <a:alphaOff val="0"/>
-            </a:schemeClr>
-          </a:solidFill>
-          <a:prstDash val="solid"/>
-          <a:miter lim="800000"/>
+        <a:gradFill rotWithShape="0">
+          <a:gsLst>
+            <a:gs pos="0">
+              <a:schemeClr val="accent2">
+                <a:tint val="80000"/>
+                <a:hueOff val="0"/>
+                <a:satOff val="0"/>
+                <a:lumOff val="0"/>
+                <a:alphaOff val="0"/>
+                <a:tint val="50000"/>
+                <a:satMod val="300000"/>
+              </a:schemeClr>
+            </a:gs>
+            <a:gs pos="35000">
+              <a:schemeClr val="accent2">
+                <a:tint val="80000"/>
+                <a:hueOff val="0"/>
+                <a:satOff val="0"/>
+                <a:lumOff val="0"/>
+                <a:alphaOff val="0"/>
+                <a:tint val="37000"/>
+                <a:satMod val="300000"/>
+              </a:schemeClr>
+            </a:gs>
+            <a:gs pos="100000">
+              <a:schemeClr val="accent2">
+                <a:tint val="80000"/>
+                <a:hueOff val="0"/>
+                <a:satOff val="0"/>
+                <a:lumOff val="0"/>
+                <a:alphaOff val="0"/>
+                <a:tint val="15000"/>
+                <a:satMod val="350000"/>
+              </a:schemeClr>
+            </a:gs>
+          </a:gsLst>
+          <a:lin ang="16200000" scaled="1"/>
+        </a:gradFill>
+        <a:ln>
+          <a:noFill/>
         </a:ln>
-        <a:effectLst/>
+        <a:effectLst>
+          <a:outerShdw blurRad="40000" dist="20000" dir="5400000" rotWithShape="0">
+            <a:srgbClr val="000000">
+              <a:alpha val="38000"/>
+            </a:srgbClr>
+          </a:outerShdw>
+        </a:effectLst>
+        <a:scene3d>
+          <a:camera prst="orthographicFront"/>
+          <a:lightRig rig="flat" dir="t"/>
+        </a:scene3d>
+        <a:sp3d prstMaterial="dkEdge">
+          <a:bevelT w="8200" h="38100"/>
+        </a:sp3d>
       </dsp:spPr>
       <dsp:style>
-        <a:lnRef idx="2">
+        <a:lnRef idx="0">
           <a:scrgbClr r="0" g="0" b="0"/>
         </a:lnRef>
-        <a:fillRef idx="1">
+        <a:fillRef idx="2">
           <a:scrgbClr r="0" g="0" b="0"/>
         </a:fillRef>
-        <a:effectRef idx="0">
+        <a:effectRef idx="1">
           <a:scrgbClr r="0" g="0" b="0"/>
         </a:effectRef>
         <a:fontRef idx="minor">
-          <a:schemeClr val="lt1"/>
+          <a:schemeClr val="dk1"/>
         </a:fontRef>
       </dsp:style>
       <dsp:txBody>
@@ -3663,7 +3992,7 @@
           </a:pathLst>
         </a:custGeom>
         <a:noFill/>
-        <a:ln w="19050" cap="flat" cmpd="sng" algn="ctr">
+        <a:ln w="25400" cap="flat" cmpd="sng" algn="ctr">
           <a:solidFill>
             <a:schemeClr val="accent2">
               <a:tint val="80000"/>
@@ -3674,7 +4003,6 @@
             </a:schemeClr>
           </a:solidFill>
           <a:prstDash val="solid"/>
-          <a:miter lim="800000"/>
         </a:ln>
         <a:effectLst/>
       </dsp:spPr>
@@ -3732,37 +4060,41 @@
           </a:avLst>
         </a:prstGeom>
         <a:solidFill>
-          <a:schemeClr val="tx1">
-            <a:lumMod val="50000"/>
-            <a:lumOff val="50000"/>
+          <a:schemeClr val="accent3">
+            <a:lumMod val="20000"/>
+            <a:lumOff val="80000"/>
           </a:schemeClr>
         </a:solidFill>
-        <a:ln w="19050" cap="flat" cmpd="sng" algn="ctr">
-          <a:solidFill>
-            <a:schemeClr val="lt1">
-              <a:hueOff val="0"/>
-              <a:satOff val="0"/>
-              <a:lumOff val="0"/>
-              <a:alphaOff val="0"/>
-            </a:schemeClr>
-          </a:solidFill>
-          <a:prstDash val="solid"/>
-          <a:miter lim="800000"/>
+        <a:ln>
+          <a:noFill/>
         </a:ln>
-        <a:effectLst/>
+        <a:effectLst>
+          <a:outerShdw blurRad="40000" dist="20000" dir="5400000" rotWithShape="0">
+            <a:srgbClr val="000000">
+              <a:alpha val="38000"/>
+            </a:srgbClr>
+          </a:outerShdw>
+        </a:effectLst>
+        <a:scene3d>
+          <a:camera prst="orthographicFront"/>
+          <a:lightRig rig="flat" dir="t"/>
+        </a:scene3d>
+        <a:sp3d prstMaterial="dkEdge">
+          <a:bevelT w="8200" h="38100"/>
+        </a:sp3d>
       </dsp:spPr>
       <dsp:style>
-        <a:lnRef idx="2">
+        <a:lnRef idx="0">
           <a:scrgbClr r="0" g="0" b="0"/>
         </a:lnRef>
-        <a:fillRef idx="1">
+        <a:fillRef idx="2">
           <a:scrgbClr r="0" g="0" b="0"/>
         </a:fillRef>
-        <a:effectRef idx="0">
+        <a:effectRef idx="1">
           <a:scrgbClr r="0" g="0" b="0"/>
         </a:effectRef>
         <a:fontRef idx="minor">
-          <a:schemeClr val="lt1"/>
+          <a:schemeClr val="dk1"/>
         </a:fontRef>
       </dsp:style>
       <dsp:txBody>
@@ -4120,11 +4452,11 @@
 </file>
 
 <file path=ppt/diagrams/quickStyle1.xml><?xml version="1.0" encoding="utf-8"?>
-<dgm:styleDef xmlns:dgm="http://schemas.openxmlformats.org/drawingml/2006/diagram" xmlns:a="http://schemas.openxmlformats.org/drawingml/2006/main" uniqueId="urn:microsoft.com/office/officeart/2005/8/quickstyle/simple1">
+<dgm:styleDef xmlns:dgm="http://schemas.openxmlformats.org/drawingml/2006/diagram" xmlns:a="http://schemas.openxmlformats.org/drawingml/2006/main" uniqueId="urn:microsoft.com/office/officeart/2005/8/quickstyle/simple3">
   <dgm:title val=""/>
   <dgm:desc val=""/>
   <dgm:catLst>
-    <dgm:cat type="simple" pri="10100"/>
+    <dgm:cat type="simple" pri="10300"/>
   </dgm:catLst>
   <dgm:scene3d>
     <a:camera prst="orthographicFront"/>
@@ -4133,59 +4465,65 @@
   <dgm:styleLbl name="node0">
     <dgm:scene3d>
       <a:camera prst="orthographicFront"/>
-      <a:lightRig rig="threePt" dir="t"/>
+      <a:lightRig rig="flat" dir="t"/>
     </dgm:scene3d>
-    <dgm:sp3d/>
+    <dgm:sp3d prstMaterial="dkEdge">
+      <a:bevelT w="8200" h="38100"/>
+    </dgm:sp3d>
     <dgm:txPr/>
     <dgm:style>
-      <a:lnRef idx="2">
+      <a:lnRef idx="0">
         <a:scrgbClr r="0" g="0" b="0"/>
       </a:lnRef>
-      <a:fillRef idx="1">
+      <a:fillRef idx="2">
         <a:scrgbClr r="0" g="0" b="0"/>
       </a:fillRef>
-      <a:effectRef idx="0">
+      <a:effectRef idx="1">
         <a:scrgbClr r="0" g="0" b="0"/>
       </a:effectRef>
       <a:fontRef idx="minor">
-        <a:schemeClr val="lt1"/>
+        <a:schemeClr val="dk1"/>
       </a:fontRef>
     </dgm:style>
   </dgm:styleLbl>
   <dgm:styleLbl name="lnNode1">
     <dgm:scene3d>
       <a:camera prst="orthographicFront"/>
-      <a:lightRig rig="threePt" dir="t"/>
+      <a:lightRig rig="flat" dir="t"/>
     </dgm:scene3d>
-    <dgm:sp3d/>
+    <dgm:sp3d prstMaterial="dkEdge">
+      <a:bevelT w="8200" h="38100"/>
+    </dgm:sp3d>
     <dgm:txPr/>
     <dgm:style>
-      <a:lnRef idx="2">
+      <a:lnRef idx="1">
         <a:scrgbClr r="0" g="0" b="0"/>
       </a:lnRef>
-      <a:fillRef idx="1">
+      <a:fillRef idx="2">
         <a:scrgbClr r="0" g="0" b="0"/>
       </a:fillRef>
       <a:effectRef idx="0">
         <a:scrgbClr r="0" g="0" b="0"/>
       </a:effectRef>
       <a:fontRef idx="minor">
-        <a:schemeClr val="lt1"/>
+        <a:schemeClr val="dk1"/>
       </a:fontRef>
     </dgm:style>
   </dgm:styleLbl>
   <dgm:styleLbl name="vennNode1">
     <dgm:scene3d>
       <a:camera prst="orthographicFront"/>
-      <a:lightRig rig="threePt" dir="t"/>
+      <a:lightRig rig="flat" dir="t"/>
     </dgm:scene3d>
-    <dgm:sp3d/>
+    <dgm:sp3d prstMaterial="dkEdge">
+      <a:bevelT w="8200" h="38100"/>
+    </dgm:sp3d>
     <dgm:txPr/>
     <dgm:style>
-      <a:lnRef idx="2">
+      <a:lnRef idx="0">
         <a:scrgbClr r="0" g="0" b="0"/>
       </a:lnRef>
-      <a:fillRef idx="1">
+      <a:fillRef idx="2">
         <a:scrgbClr r="0" g="0" b="0"/>
       </a:fillRef>
       <a:effectRef idx="0">
@@ -4204,105 +4542,113 @@
     <dgm:sp3d/>
     <dgm:txPr/>
     <dgm:style>
-      <a:lnRef idx="2">
+      <a:lnRef idx="1">
         <a:scrgbClr r="0" g="0" b="0"/>
       </a:lnRef>
-      <a:fillRef idx="1">
+      <a:fillRef idx="2">
         <a:scrgbClr r="0" g="0" b="0"/>
       </a:fillRef>
-      <a:effectRef idx="0">
+      <a:effectRef idx="1">
         <a:scrgbClr r="0" g="0" b="0"/>
       </a:effectRef>
       <a:fontRef idx="minor">
-        <a:schemeClr val="lt1"/>
+        <a:schemeClr val="dk1"/>
       </a:fontRef>
     </dgm:style>
   </dgm:styleLbl>
   <dgm:styleLbl name="node1">
     <dgm:scene3d>
       <a:camera prst="orthographicFront"/>
-      <a:lightRig rig="threePt" dir="t"/>
+      <a:lightRig rig="flat" dir="t"/>
     </dgm:scene3d>
-    <dgm:sp3d/>
+    <dgm:sp3d prstMaterial="dkEdge">
+      <a:bevelT w="8200" h="38100"/>
+    </dgm:sp3d>
     <dgm:txPr/>
     <dgm:style>
-      <a:lnRef idx="2">
+      <a:lnRef idx="0">
         <a:scrgbClr r="0" g="0" b="0"/>
       </a:lnRef>
-      <a:fillRef idx="1">
+      <a:fillRef idx="2">
         <a:scrgbClr r="0" g="0" b="0"/>
       </a:fillRef>
-      <a:effectRef idx="0">
+      <a:effectRef idx="1">
         <a:scrgbClr r="0" g="0" b="0"/>
       </a:effectRef>
       <a:fontRef idx="minor">
-        <a:schemeClr val="lt1"/>
+        <a:schemeClr val="dk1"/>
       </a:fontRef>
     </dgm:style>
   </dgm:styleLbl>
   <dgm:styleLbl name="node2">
     <dgm:scene3d>
       <a:camera prst="orthographicFront"/>
-      <a:lightRig rig="threePt" dir="t"/>
+      <a:lightRig rig="flat" dir="t"/>
     </dgm:scene3d>
-    <dgm:sp3d/>
+    <dgm:sp3d prstMaterial="dkEdge">
+      <a:bevelT w="8200" h="38100"/>
+    </dgm:sp3d>
     <dgm:txPr/>
     <dgm:style>
-      <a:lnRef idx="2">
+      <a:lnRef idx="0">
         <a:scrgbClr r="0" g="0" b="0"/>
       </a:lnRef>
-      <a:fillRef idx="1">
+      <a:fillRef idx="2">
         <a:scrgbClr r="0" g="0" b="0"/>
       </a:fillRef>
-      <a:effectRef idx="0">
+      <a:effectRef idx="1">
         <a:scrgbClr r="0" g="0" b="0"/>
       </a:effectRef>
       <a:fontRef idx="minor">
-        <a:schemeClr val="lt1"/>
+        <a:schemeClr val="dk1"/>
       </a:fontRef>
     </dgm:style>
   </dgm:styleLbl>
   <dgm:styleLbl name="node3">
     <dgm:scene3d>
       <a:camera prst="orthographicFront"/>
-      <a:lightRig rig="threePt" dir="t"/>
+      <a:lightRig rig="flat" dir="t"/>
     </dgm:scene3d>
-    <dgm:sp3d/>
+    <dgm:sp3d prstMaterial="dkEdge">
+      <a:bevelT w="8200" h="38100"/>
+    </dgm:sp3d>
     <dgm:txPr/>
     <dgm:style>
-      <a:lnRef idx="2">
+      <a:lnRef idx="0">
         <a:scrgbClr r="0" g="0" b="0"/>
       </a:lnRef>
-      <a:fillRef idx="1">
+      <a:fillRef idx="2">
         <a:scrgbClr r="0" g="0" b="0"/>
       </a:fillRef>
-      <a:effectRef idx="0">
+      <a:effectRef idx="1">
         <a:scrgbClr r="0" g="0" b="0"/>
       </a:effectRef>
       <a:fontRef idx="minor">
-        <a:schemeClr val="lt1"/>
+        <a:schemeClr val="dk1"/>
       </a:fontRef>
     </dgm:style>
   </dgm:styleLbl>
   <dgm:styleLbl name="node4">
     <dgm:scene3d>
       <a:camera prst="orthographicFront"/>
-      <a:lightRig rig="threePt" dir="t"/>
+      <a:lightRig rig="flat" dir="t"/>
     </dgm:scene3d>
-    <dgm:sp3d/>
+    <dgm:sp3d prstMaterial="dkEdge">
+      <a:bevelT w="8200" h="38100"/>
+    </dgm:sp3d>
     <dgm:txPr/>
     <dgm:style>
-      <a:lnRef idx="2">
+      <a:lnRef idx="0">
         <a:scrgbClr r="0" g="0" b="0"/>
       </a:lnRef>
-      <a:fillRef idx="1">
+      <a:fillRef idx="2">
         <a:scrgbClr r="0" g="0" b="0"/>
       </a:fillRef>
-      <a:effectRef idx="0">
+      <a:effectRef idx="1">
         <a:scrgbClr r="0" g="0" b="0"/>
       </a:effectRef>
       <a:fontRef idx="minor">
-        <a:schemeClr val="lt1"/>
+        <a:schemeClr val="dk1"/>
       </a:fontRef>
     </dgm:style>
   </dgm:styleLbl>
@@ -4314,13 +4660,13 @@
     <dgm:sp3d/>
     <dgm:txPr/>
     <dgm:style>
-      <a:lnRef idx="2">
+      <a:lnRef idx="1">
         <a:scrgbClr r="0" g="0" b="0"/>
       </a:lnRef>
       <a:fillRef idx="1">
         <a:scrgbClr r="0" g="0" b="0"/>
       </a:fillRef>
-      <a:effectRef idx="0">
+      <a:effectRef idx="1">
         <a:scrgbClr r="0" g="0" b="0"/>
       </a:effectRef>
       <a:fontRef idx="minor"/>
@@ -4334,13 +4680,13 @@
     <dgm:sp3d/>
     <dgm:txPr/>
     <dgm:style>
-      <a:lnRef idx="2">
+      <a:lnRef idx="1">
         <a:scrgbClr r="0" g="0" b="0"/>
       </a:lnRef>
       <a:fillRef idx="1">
         <a:scrgbClr r="0" g="0" b="0"/>
       </a:fillRef>
-      <a:effectRef idx="0">
+      <a:effectRef idx="1">
         <a:scrgbClr r="0" g="0" b="0"/>
       </a:effectRef>
       <a:fontRef idx="minor"/>
@@ -4354,13 +4700,13 @@
     <dgm:sp3d/>
     <dgm:txPr/>
     <dgm:style>
-      <a:lnRef idx="2">
+      <a:lnRef idx="1">
         <a:scrgbClr r="0" g="0" b="0"/>
       </a:lnRef>
       <a:fillRef idx="1">
         <a:scrgbClr r="0" g="0" b="0"/>
       </a:fillRef>
-      <a:effectRef idx="0">
+      <a:effectRef idx="1">
         <a:scrgbClr r="0" g="0" b="0"/>
       </a:effectRef>
       <a:fontRef idx="minor"/>
@@ -4377,14 +4723,14 @@
       <a:lnRef idx="0">
         <a:scrgbClr r="0" g="0" b="0"/>
       </a:lnRef>
-      <a:fillRef idx="1">
+      <a:fillRef idx="2">
         <a:scrgbClr r="0" g="0" b="0"/>
       </a:fillRef>
-      <a:effectRef idx="0">
+      <a:effectRef idx="1">
         <a:scrgbClr r="0" g="0" b="0"/>
       </a:effectRef>
       <a:fontRef idx="minor">
-        <a:schemeClr val="lt1"/>
+        <a:schemeClr val="dk1"/>
       </a:fontRef>
     </dgm:style>
   </dgm:styleLbl>
@@ -4399,14 +4745,14 @@
       <a:lnRef idx="0">
         <a:scrgbClr r="0" g="0" b="0"/>
       </a:lnRef>
-      <a:fillRef idx="1">
+      <a:fillRef idx="2">
         <a:scrgbClr r="0" g="0" b="0"/>
       </a:fillRef>
-      <a:effectRef idx="0">
+      <a:effectRef idx="1">
         <a:scrgbClr r="0" g="0" b="0"/>
       </a:effectRef>
       <a:fontRef idx="minor">
-        <a:schemeClr val="lt1"/>
+        <a:schemeClr val="dk1"/>
       </a:fontRef>
     </dgm:style>
   </dgm:styleLbl>
@@ -4421,14 +4767,14 @@
       <a:lnRef idx="0">
         <a:scrgbClr r="0" g="0" b="0"/>
       </a:lnRef>
-      <a:fillRef idx="1">
+      <a:fillRef idx="2">
         <a:scrgbClr r="0" g="0" b="0"/>
       </a:fillRef>
-      <a:effectRef idx="0">
+      <a:effectRef idx="1">
         <a:scrgbClr r="0" g="0" b="0"/>
       </a:effectRef>
       <a:fontRef idx="minor">
-        <a:schemeClr val="lt1"/>
+        <a:schemeClr val="dk1"/>
       </a:fontRef>
     </dgm:style>
   </dgm:styleLbl>
@@ -4460,13 +4806,13 @@
     <dgm:sp3d/>
     <dgm:txPr/>
     <dgm:style>
-      <a:lnRef idx="2">
+      <a:lnRef idx="1">
         <a:scrgbClr r="0" g="0" b="0"/>
       </a:lnRef>
-      <a:fillRef idx="1">
+      <a:fillRef idx="2">
         <a:scrgbClr r="0" g="0" b="0"/>
       </a:fillRef>
-      <a:effectRef idx="0">
+      <a:effectRef idx="1">
         <a:scrgbClr r="0" g="0" b="0"/>
       </a:effectRef>
       <a:fontRef idx="minor"/>
@@ -4475,110 +4821,120 @@
   <dgm:styleLbl name="asst0">
     <dgm:scene3d>
       <a:camera prst="orthographicFront"/>
-      <a:lightRig rig="threePt" dir="t"/>
+      <a:lightRig rig="flat" dir="t"/>
     </dgm:scene3d>
-    <dgm:sp3d/>
+    <dgm:sp3d prstMaterial="dkEdge">
+      <a:bevelT w="8200" h="38100"/>
+    </dgm:sp3d>
     <dgm:txPr/>
     <dgm:style>
-      <a:lnRef idx="2">
+      <a:lnRef idx="0">
         <a:scrgbClr r="0" g="0" b="0"/>
       </a:lnRef>
-      <a:fillRef idx="1">
+      <a:fillRef idx="2">
         <a:scrgbClr r="0" g="0" b="0"/>
       </a:fillRef>
-      <a:effectRef idx="0">
+      <a:effectRef idx="1">
         <a:scrgbClr r="0" g="0" b="0"/>
       </a:effectRef>
       <a:fontRef idx="minor">
-        <a:schemeClr val="lt1"/>
+        <a:schemeClr val="dk1"/>
       </a:fontRef>
     </dgm:style>
   </dgm:styleLbl>
   <dgm:styleLbl name="asst1">
     <dgm:scene3d>
       <a:camera prst="orthographicFront"/>
-      <a:lightRig rig="threePt" dir="t"/>
+      <a:lightRig rig="flat" dir="t"/>
     </dgm:scene3d>
-    <dgm:sp3d/>
+    <dgm:sp3d prstMaterial="dkEdge">
+      <a:bevelT w="8200" h="38100"/>
+    </dgm:sp3d>
     <dgm:txPr/>
     <dgm:style>
-      <a:lnRef idx="2">
+      <a:lnRef idx="0">
         <a:scrgbClr r="0" g="0" b="0"/>
       </a:lnRef>
-      <a:fillRef idx="1">
+      <a:fillRef idx="2">
         <a:scrgbClr r="0" g="0" b="0"/>
       </a:fillRef>
-      <a:effectRef idx="0">
+      <a:effectRef idx="1">
         <a:scrgbClr r="0" g="0" b="0"/>
       </a:effectRef>
       <a:fontRef idx="minor">
-        <a:schemeClr val="lt1"/>
+        <a:schemeClr val="dk1"/>
       </a:fontRef>
     </dgm:style>
   </dgm:styleLbl>
   <dgm:styleLbl name="asst2">
     <dgm:scene3d>
       <a:camera prst="orthographicFront"/>
-      <a:lightRig rig="threePt" dir="t"/>
+      <a:lightRig rig="flat" dir="t"/>
     </dgm:scene3d>
-    <dgm:sp3d/>
+    <dgm:sp3d prstMaterial="dkEdge">
+      <a:bevelT w="8200" h="38100"/>
+    </dgm:sp3d>
     <dgm:txPr/>
     <dgm:style>
-      <a:lnRef idx="2">
+      <a:lnRef idx="0">
         <a:scrgbClr r="0" g="0" b="0"/>
       </a:lnRef>
-      <a:fillRef idx="1">
+      <a:fillRef idx="2">
         <a:scrgbClr r="0" g="0" b="0"/>
       </a:fillRef>
-      <a:effectRef idx="0">
+      <a:effectRef idx="1">
         <a:scrgbClr r="0" g="0" b="0"/>
       </a:effectRef>
       <a:fontRef idx="minor">
-        <a:schemeClr val="lt1"/>
+        <a:schemeClr val="dk1"/>
       </a:fontRef>
     </dgm:style>
   </dgm:styleLbl>
   <dgm:styleLbl name="asst3">
     <dgm:scene3d>
       <a:camera prst="orthographicFront"/>
-      <a:lightRig rig="threePt" dir="t"/>
+      <a:lightRig rig="flat" dir="t"/>
     </dgm:scene3d>
-    <dgm:sp3d/>
+    <dgm:sp3d prstMaterial="dkEdge">
+      <a:bevelT w="8200" h="38100"/>
+    </dgm:sp3d>
     <dgm:txPr/>
     <dgm:style>
-      <a:lnRef idx="2">
+      <a:lnRef idx="0">
         <a:scrgbClr r="0" g="0" b="0"/>
       </a:lnRef>
-      <a:fillRef idx="1">
+      <a:fillRef idx="2">
         <a:scrgbClr r="0" g="0" b="0"/>
       </a:fillRef>
-      <a:effectRef idx="0">
+      <a:effectRef idx="1">
         <a:scrgbClr r="0" g="0" b="0"/>
       </a:effectRef>
       <a:fontRef idx="minor">
-        <a:schemeClr val="lt1"/>
+        <a:schemeClr val="dk1"/>
       </a:fontRef>
     </dgm:style>
   </dgm:styleLbl>
   <dgm:styleLbl name="asst4">
     <dgm:scene3d>
       <a:camera prst="orthographicFront"/>
-      <a:lightRig rig="threePt" dir="t"/>
+      <a:lightRig rig="flat" dir="t"/>
     </dgm:scene3d>
-    <dgm:sp3d/>
+    <dgm:sp3d prstMaterial="dkEdge">
+      <a:bevelT w="8200" h="38100"/>
+    </dgm:sp3d>
     <dgm:txPr/>
     <dgm:style>
-      <a:lnRef idx="2">
+      <a:lnRef idx="0">
         <a:scrgbClr r="0" g="0" b="0"/>
       </a:lnRef>
-      <a:fillRef idx="1">
+      <a:fillRef idx="2">
         <a:scrgbClr r="0" g="0" b="0"/>
       </a:fillRef>
-      <a:effectRef idx="0">
+      <a:effectRef idx="1">
         <a:scrgbClr r="0" g="0" b="0"/>
       </a:effectRef>
       <a:fontRef idx="minor">
-        <a:schemeClr val="lt1"/>
+        <a:schemeClr val="dk1"/>
       </a:fontRef>
     </dgm:style>
   </dgm:styleLbl>
@@ -4590,17 +4946,17 @@
     <dgm:sp3d/>
     <dgm:txPr/>
     <dgm:style>
-      <a:lnRef idx="2">
+      <a:lnRef idx="1">
         <a:scrgbClr r="0" g="0" b="0"/>
       </a:lnRef>
-      <a:fillRef idx="1">
+      <a:fillRef idx="2">
         <a:scrgbClr r="0" g="0" b="0"/>
       </a:fillRef>
-      <a:effectRef idx="0">
+      <a:effectRef idx="1">
         <a:scrgbClr r="0" g="0" b="0"/>
       </a:effectRef>
       <a:fontRef idx="minor">
-        <a:schemeClr val="lt1"/>
+        <a:schemeClr val="dk1"/>
       </a:fontRef>
     </dgm:style>
   </dgm:styleLbl>
@@ -4612,17 +4968,17 @@
     <dgm:sp3d/>
     <dgm:txPr/>
     <dgm:style>
-      <a:lnRef idx="2">
+      <a:lnRef idx="1">
         <a:scrgbClr r="0" g="0" b="0"/>
       </a:lnRef>
-      <a:fillRef idx="1">
+      <a:fillRef idx="2">
         <a:scrgbClr r="0" g="0" b="0"/>
       </a:fillRef>
-      <a:effectRef idx="0">
+      <a:effectRef idx="1">
         <a:scrgbClr r="0" g="0" b="0"/>
       </a:effectRef>
       <a:fontRef idx="minor">
-        <a:schemeClr val="lt1"/>
+        <a:schemeClr val="dk1"/>
       </a:fontRef>
     </dgm:style>
   </dgm:styleLbl>
@@ -4634,17 +4990,17 @@
     <dgm:sp3d/>
     <dgm:txPr/>
     <dgm:style>
-      <a:lnRef idx="2">
+      <a:lnRef idx="1">
         <a:scrgbClr r="0" g="0" b="0"/>
       </a:lnRef>
-      <a:fillRef idx="1">
+      <a:fillRef idx="2">
         <a:scrgbClr r="0" g="0" b="0"/>
       </a:fillRef>
-      <a:effectRef idx="0">
+      <a:effectRef idx="1">
         <a:scrgbClr r="0" g="0" b="0"/>
       </a:effectRef>
       <a:fontRef idx="minor">
-        <a:schemeClr val="lt1"/>
+        <a:schemeClr val="dk1"/>
       </a:fontRef>
     </dgm:style>
   </dgm:styleLbl>
@@ -4656,17 +5012,17 @@
     <dgm:sp3d/>
     <dgm:txPr/>
     <dgm:style>
-      <a:lnRef idx="2">
+      <a:lnRef idx="1">
         <a:scrgbClr r="0" g="0" b="0"/>
       </a:lnRef>
-      <a:fillRef idx="1">
+      <a:fillRef idx="2">
         <a:scrgbClr r="0" g="0" b="0"/>
       </a:fillRef>
-      <a:effectRef idx="0">
+      <a:effectRef idx="1">
         <a:scrgbClr r="0" g="0" b="0"/>
       </a:effectRef>
       <a:fontRef idx="minor">
-        <a:schemeClr val="lt1"/>
+        <a:schemeClr val="dk1"/>
       </a:fontRef>
     </dgm:style>
   </dgm:styleLbl>
@@ -4758,7 +5114,7 @@
     <dgm:sp3d/>
     <dgm:txPr/>
     <dgm:style>
-      <a:lnRef idx="2">
+      <a:lnRef idx="1">
         <a:scrgbClr r="0" g="0" b="0"/>
       </a:lnRef>
       <a:fillRef idx="1">
@@ -4778,7 +5134,7 @@
     <dgm:sp3d/>
     <dgm:txPr/>
     <dgm:style>
-      <a:lnRef idx="2">
+      <a:lnRef idx="1">
         <a:scrgbClr r="0" g="0" b="0"/>
       </a:lnRef>
       <a:fillRef idx="1">
@@ -4798,7 +5154,7 @@
     <dgm:sp3d/>
     <dgm:txPr/>
     <dgm:style>
-      <a:lnRef idx="2">
+      <a:lnRef idx="1">
         <a:scrgbClr r="0" g="0" b="0"/>
       </a:lnRef>
       <a:fillRef idx="1">
@@ -4838,7 +5194,7 @@
     <dgm:sp3d/>
     <dgm:txPr/>
     <dgm:style>
-      <a:lnRef idx="2">
+      <a:lnRef idx="1">
         <a:scrgbClr r="0" g="0" b="0"/>
       </a:lnRef>
       <a:fillRef idx="1">
@@ -4858,10 +5214,10 @@
     <dgm:sp3d/>
     <dgm:txPr/>
     <dgm:style>
-      <a:lnRef idx="2">
+      <a:lnRef idx="1">
         <a:scrgbClr r="0" g="0" b="0"/>
       </a:lnRef>
-      <a:fillRef idx="1">
+      <a:fillRef idx="2">
         <a:scrgbClr r="0" g="0" b="0"/>
       </a:fillRef>
       <a:effectRef idx="0">
@@ -4878,7 +5234,7 @@
     <dgm:sp3d/>
     <dgm:txPr/>
     <dgm:style>
-      <a:lnRef idx="2">
+      <a:lnRef idx="1">
         <a:scrgbClr r="0" g="0" b="0"/>
       </a:lnRef>
       <a:fillRef idx="1">
@@ -4898,7 +5254,7 @@
     <dgm:sp3d/>
     <dgm:txPr/>
     <dgm:style>
-      <a:lnRef idx="2">
+      <a:lnRef idx="1">
         <a:scrgbClr r="0" g="0" b="0"/>
       </a:lnRef>
       <a:fillRef idx="1">
@@ -4918,7 +5274,7 @@
     <dgm:sp3d/>
     <dgm:txPr/>
     <dgm:style>
-      <a:lnRef idx="2">
+      <a:lnRef idx="1">
         <a:scrgbClr r="0" g="0" b="0"/>
       </a:lnRef>
       <a:fillRef idx="1">
@@ -4938,7 +5294,7 @@
     <dgm:sp3d/>
     <dgm:txPr/>
     <dgm:style>
-      <a:lnRef idx="2">
+      <a:lnRef idx="1">
         <a:scrgbClr r="0" g="0" b="0"/>
       </a:lnRef>
       <a:fillRef idx="1">
@@ -4958,7 +5314,7 @@
     <dgm:sp3d/>
     <dgm:txPr/>
     <dgm:style>
-      <a:lnRef idx="2">
+      <a:lnRef idx="1">
         <a:scrgbClr r="0" g="0" b="0"/>
       </a:lnRef>
       <a:fillRef idx="1">
@@ -4978,7 +5334,7 @@
     <dgm:sp3d/>
     <dgm:txPr/>
     <dgm:style>
-      <a:lnRef idx="2">
+      <a:lnRef idx="1">
         <a:scrgbClr r="0" g="0" b="0"/>
       </a:lnRef>
       <a:fillRef idx="1">
@@ -4998,7 +5354,7 @@
     <dgm:sp3d/>
     <dgm:txPr/>
     <dgm:style>
-      <a:lnRef idx="2">
+      <a:lnRef idx="1">
         <a:scrgbClr r="0" g="0" b="0"/>
       </a:lnRef>
       <a:fillRef idx="1">
@@ -5018,7 +5374,7 @@
     <dgm:sp3d/>
     <dgm:txPr/>
     <dgm:style>
-      <a:lnRef idx="2">
+      <a:lnRef idx="1">
         <a:scrgbClr r="0" g="0" b="0"/>
       </a:lnRef>
       <a:fillRef idx="1">
@@ -5038,7 +5394,7 @@
     <dgm:sp3d/>
     <dgm:txPr/>
     <dgm:style>
-      <a:lnRef idx="2">
+      <a:lnRef idx="1">
         <a:scrgbClr r="0" g="0" b="0"/>
       </a:lnRef>
       <a:fillRef idx="1">
@@ -5064,7 +5420,7 @@
       <a:fillRef idx="1">
         <a:scrgbClr r="0" g="0" b="0"/>
       </a:fillRef>
-      <a:effectRef idx="0">
+      <a:effectRef idx="1">
         <a:scrgbClr r="0" g="0" b="0"/>
       </a:effectRef>
       <a:fontRef idx="minor"/>
@@ -5084,7 +5440,7 @@
       <a:fillRef idx="1">
         <a:scrgbClr r="0" g="0" b="0"/>
       </a:fillRef>
-      <a:effectRef idx="0">
+      <a:effectRef idx="1">
         <a:scrgbClr r="0" g="0" b="0"/>
       </a:effectRef>
       <a:fontRef idx="minor"/>
@@ -5113,18 +5469,20 @@
   <dgm:styleLbl name="fgShp">
     <dgm:scene3d>
       <a:camera prst="orthographicFront"/>
-      <a:lightRig rig="threePt" dir="t"/>
+      <a:lightRig rig="flat" dir="t"/>
     </dgm:scene3d>
-    <dgm:sp3d/>
+    <dgm:sp3d prstMaterial="dkEdge">
+      <a:bevelT w="8200" h="38100"/>
+    </dgm:sp3d>
     <dgm:txPr/>
     <dgm:style>
-      <a:lnRef idx="2">
+      <a:lnRef idx="1">
         <a:scrgbClr r="0" g="0" b="0"/>
       </a:lnRef>
-      <a:fillRef idx="1">
+      <a:fillRef idx="2">
         <a:scrgbClr r="0" g="0" b="0"/>
       </a:fillRef>
-      <a:effectRef idx="0">
+      <a:effectRef idx="1">
         <a:scrgbClr r="0" g="0" b="0"/>
       </a:effectRef>
       <a:fontRef idx="minor"/>
@@ -5155,7 +5513,7 @@
 
 <file path=ppt/slideLayouts/slideLayout1.xml><?xml version="1.0" encoding="utf-8"?>
 <p:sldLayout xmlns:a="http://schemas.openxmlformats.org/drawingml/2006/main" xmlns:r="http://schemas.openxmlformats.org/officeDocument/2006/relationships" xmlns:p="http://schemas.openxmlformats.org/presentationml/2006/main" type="title" preserve="1">
-  <p:cSld name="タイトル スライド">
+  <p:cSld name="1_タイトル スライド">
     <p:spTree>
       <p:nvGrpSpPr>
         <p:cNvPr id="1" name=""/>
@@ -5172,13 +5530,7 @@
       </p:grpSpPr>
       <p:sp>
         <p:nvSpPr>
-          <p:cNvPr id="2" name="タイトル 1">
-            <a:extLst>
-              <a:ext uri="{FF2B5EF4-FFF2-40B4-BE49-F238E27FC236}">
-                <a16:creationId xmlns:a16="http://schemas.microsoft.com/office/drawing/2014/main" id="{8B2F6158-B013-C6C9-D22D-FB3908568509}"/>
-              </a:ext>
-            </a:extLst>
-          </p:cNvPr>
+          <p:cNvPr id="2" name="タイトル 1"/>
           <p:cNvSpPr>
             <a:spLocks noGrp="1"/>
           </p:cNvSpPr>
@@ -5188,15 +5540,23 @@
         </p:nvSpPr>
         <p:spPr>
           <a:xfrm>
-            <a:off x="1524000" y="1122363"/>
-            <a:ext cx="9144000" cy="2387600"/>
+            <a:off x="0" y="2153032"/>
+            <a:ext cx="12192000" cy="1285883"/>
           </a:xfrm>
+          <a:prstGeom prst="rect">
+            <a:avLst/>
+          </a:prstGeom>
         </p:spPr>
         <p:txBody>
-          <a:bodyPr anchor="b"/>
+          <a:bodyPr anchor="b" anchorCtr="0">
+            <a:normAutofit/>
+          </a:bodyPr>
           <a:lstStyle>
             <a:lvl1pPr algn="ctr">
-              <a:defRPr sz="6000"/>
+              <a:defRPr sz="4000" b="0">
+                <a:latin typeface="+mj-ea"/>
+                <a:ea typeface="+mj-ea"/>
+              </a:defRPr>
             </a:lvl1pPr>
           </a:lstStyle>
           <a:p>
@@ -5204,18 +5564,13 @@
               <a:rPr kumimoji="1" lang="ja-JP" altLang="en-US"/>
               <a:t>マスター タイトルの書式設定</a:t>
             </a:r>
+            <a:endParaRPr kumimoji="1" lang="ja-JP" altLang="en-US" dirty="0"/>
           </a:p>
         </p:txBody>
       </p:sp>
       <p:sp>
         <p:nvSpPr>
-          <p:cNvPr id="3" name="字幕 2">
-            <a:extLst>
-              <a:ext uri="{FF2B5EF4-FFF2-40B4-BE49-F238E27FC236}">
-                <a16:creationId xmlns:a16="http://schemas.microsoft.com/office/drawing/2014/main" id="{B44B6FE2-95A8-E8D4-EAF4-B196EB77B821}"/>
-              </a:ext>
-            </a:extLst>
-          </p:cNvPr>
+          <p:cNvPr id="3" name="サブタイトル 2"/>
           <p:cNvSpPr>
             <a:spLocks noGrp="1"/>
           </p:cNvSpPr>
@@ -5225,48 +5580,107 @@
         </p:nvSpPr>
         <p:spPr>
           <a:xfrm>
-            <a:off x="1524000" y="3602038"/>
-            <a:ext cx="9144000" cy="1655762"/>
+            <a:off x="3" y="3812007"/>
+            <a:ext cx="12191999" cy="508001"/>
           </a:xfrm>
+          <a:prstGeom prst="rect">
+            <a:avLst/>
+          </a:prstGeom>
         </p:spPr>
         <p:txBody>
           <a:bodyPr/>
           <a:lstStyle>
             <a:lvl1pPr marL="0" indent="0" algn="ctr">
               <a:buNone/>
-              <a:defRPr sz="2400"/>
+              <a:defRPr sz="2000">
+                <a:solidFill>
+                  <a:schemeClr val="tx1">
+                    <a:tint val="75000"/>
+                  </a:schemeClr>
+                </a:solidFill>
+                <a:latin typeface="+mj-ea"/>
+                <a:ea typeface="+mj-ea"/>
+              </a:defRPr>
             </a:lvl1pPr>
-            <a:lvl2pPr marL="457200" indent="0" algn="ctr">
+            <a:lvl2pPr marL="457189" indent="0" algn="ctr">
               <a:buNone/>
-              <a:defRPr sz="2000"/>
+              <a:defRPr>
+                <a:solidFill>
+                  <a:schemeClr val="tx1">
+                    <a:tint val="75000"/>
+                  </a:schemeClr>
+                </a:solidFill>
+              </a:defRPr>
             </a:lvl2pPr>
-            <a:lvl3pPr marL="914400" indent="0" algn="ctr">
+            <a:lvl3pPr marL="914377" indent="0" algn="ctr">
               <a:buNone/>
-              <a:defRPr sz="1800"/>
+              <a:defRPr>
+                <a:solidFill>
+                  <a:schemeClr val="tx1">
+                    <a:tint val="75000"/>
+                  </a:schemeClr>
+                </a:solidFill>
+              </a:defRPr>
             </a:lvl3pPr>
-            <a:lvl4pPr marL="1371600" indent="0" algn="ctr">
+            <a:lvl4pPr marL="1371566" indent="0" algn="ctr">
               <a:buNone/>
-              <a:defRPr sz="1600"/>
+              <a:defRPr>
+                <a:solidFill>
+                  <a:schemeClr val="tx1">
+                    <a:tint val="75000"/>
+                  </a:schemeClr>
+                </a:solidFill>
+              </a:defRPr>
             </a:lvl4pPr>
-            <a:lvl5pPr marL="1828800" indent="0" algn="ctr">
+            <a:lvl5pPr marL="1828754" indent="0" algn="ctr">
               <a:buNone/>
-              <a:defRPr sz="1600"/>
+              <a:defRPr>
+                <a:solidFill>
+                  <a:schemeClr val="tx1">
+                    <a:tint val="75000"/>
+                  </a:schemeClr>
+                </a:solidFill>
+              </a:defRPr>
             </a:lvl5pPr>
-            <a:lvl6pPr marL="2286000" indent="0" algn="ctr">
+            <a:lvl6pPr marL="2285943" indent="0" algn="ctr">
               <a:buNone/>
-              <a:defRPr sz="1600"/>
+              <a:defRPr>
+                <a:solidFill>
+                  <a:schemeClr val="tx1">
+                    <a:tint val="75000"/>
+                  </a:schemeClr>
+                </a:solidFill>
+              </a:defRPr>
             </a:lvl6pPr>
-            <a:lvl7pPr marL="2743200" indent="0" algn="ctr">
+            <a:lvl7pPr marL="2743131" indent="0" algn="ctr">
               <a:buNone/>
-              <a:defRPr sz="1600"/>
+              <a:defRPr>
+                <a:solidFill>
+                  <a:schemeClr val="tx1">
+                    <a:tint val="75000"/>
+                  </a:schemeClr>
+                </a:solidFill>
+              </a:defRPr>
             </a:lvl7pPr>
-            <a:lvl8pPr marL="3200400" indent="0" algn="ctr">
+            <a:lvl8pPr marL="3200320" indent="0" algn="ctr">
               <a:buNone/>
-              <a:defRPr sz="1600"/>
+              <a:defRPr>
+                <a:solidFill>
+                  <a:schemeClr val="tx1">
+                    <a:tint val="75000"/>
+                  </a:schemeClr>
+                </a:solidFill>
+              </a:defRPr>
             </a:lvl8pPr>
-            <a:lvl9pPr marL="3657600" indent="0" algn="ctr">
+            <a:lvl9pPr marL="3657509" indent="0" algn="ctr">
               <a:buNone/>
-              <a:defRPr sz="1600"/>
+              <a:defRPr>
+                <a:solidFill>
+                  <a:schemeClr val="tx1">
+                    <a:tint val="75000"/>
+                  </a:schemeClr>
+                </a:solidFill>
+              </a:defRPr>
             </a:lvl9pPr>
           </a:lstStyle>
           <a:p>
@@ -5274,96 +5688,242 @@
               <a:rPr kumimoji="1" lang="ja-JP" altLang="en-US"/>
               <a:t>マスター サブタイトルの書式設定</a:t>
             </a:r>
+            <a:endParaRPr kumimoji="1" lang="ja-JP" altLang="en-US" dirty="0"/>
           </a:p>
         </p:txBody>
       </p:sp>
       <p:sp>
         <p:nvSpPr>
-          <p:cNvPr id="4" name="日付プレースホルダー 3">
+          <p:cNvPr id="5" name="正方形/長方形 4">
             <a:extLst>
               <a:ext uri="{FF2B5EF4-FFF2-40B4-BE49-F238E27FC236}">
-                <a16:creationId xmlns:a16="http://schemas.microsoft.com/office/drawing/2014/main" id="{9BA1CF55-8618-B15A-E25E-4365C8C2C63F}"/>
+                <a16:creationId xmlns:a16="http://schemas.microsoft.com/office/drawing/2014/main" id="{37752099-D9CF-42A8-8671-C5612DFCD100}"/>
               </a:ext>
             </a:extLst>
           </p:cNvPr>
-          <p:cNvSpPr>
-            <a:spLocks noGrp="1"/>
-          </p:cNvSpPr>
-          <p:nvPr>
-            <p:ph type="dt" sz="half" idx="10"/>
-          </p:nvPr>
+          <p:cNvSpPr/>
+          <p:nvPr/>
         </p:nvSpPr>
-        <p:spPr/>
+        <p:spPr>
+          <a:xfrm>
+            <a:off x="0" y="0"/>
+            <a:ext cx="12192000" cy="288000"/>
+          </a:xfrm>
+          <a:prstGeom prst="rect">
+            <a:avLst/>
+          </a:prstGeom>
+          <a:solidFill>
+            <a:schemeClr val="accent1"/>
+          </a:solidFill>
+          <a:ln w="25400" cap="flat" cmpd="sng" algn="ctr">
+            <a:noFill/>
+            <a:prstDash val="solid"/>
+          </a:ln>
+          <a:effectLst/>
+        </p:spPr>
         <p:txBody>
-          <a:bodyPr/>
+          <a:bodyPr rtlCol="0" anchor="ctr"/>
           <a:lstStyle/>
           <a:p>
-            <a:fld id="{91F07EAE-C093-4CCA-B3C0-4B8D0B679D15}" type="datetimeFigureOut">
-              <a:rPr kumimoji="1" lang="ja-JP" altLang="en-US" smtClean="0"/>
-              <a:t>2025/11/20</a:t>
-            </a:fld>
-            <a:endParaRPr kumimoji="1" lang="ja-JP" altLang="en-US"/>
+            <a:pPr lvl="0" algn="ctr">
+              <a:lnSpc>
+                <a:spcPct val="110000"/>
+              </a:lnSpc>
+              <a:defRPr/>
+            </a:pPr>
+            <a:endParaRPr kumimoji="0" lang="ja-JP" altLang="en-US" sz="1051" kern="0" dirty="0">
+              <a:solidFill>
+                <a:srgbClr val="0B0905"/>
+              </a:solidFill>
+              <a:latin typeface="メイリオ" panose="020B0604030504040204" pitchFamily="50" charset="-128"/>
+              <a:ea typeface="メイリオ" panose="020B0604030504040204" pitchFamily="50" charset="-128"/>
+              <a:cs typeface="メイリオ" panose="020B0604030504040204" pitchFamily="50" charset="-128"/>
+            </a:endParaRPr>
           </a:p>
         </p:txBody>
       </p:sp>
       <p:sp>
         <p:nvSpPr>
-          <p:cNvPr id="5" name="フッター プレースホルダー 4">
+          <p:cNvPr id="9" name="テキスト ボックス 8">
             <a:extLst>
               <a:ext uri="{FF2B5EF4-FFF2-40B4-BE49-F238E27FC236}">
-                <a16:creationId xmlns:a16="http://schemas.microsoft.com/office/drawing/2014/main" id="{DAB07B60-4C82-7C87-D8D6-39A52ECC7B1E}"/>
+                <a16:creationId xmlns:a16="http://schemas.microsoft.com/office/drawing/2014/main" id="{651A1ADA-1838-48D5-9BBA-B690409ACAD6}"/>
               </a:ext>
             </a:extLst>
           </p:cNvPr>
-          <p:cNvSpPr>
-            <a:spLocks noGrp="1"/>
-          </p:cNvSpPr>
-          <p:nvPr>
-            <p:ph type="ftr" sz="quarter" idx="11"/>
-          </p:nvPr>
+          <p:cNvSpPr txBox="1"/>
+          <p:nvPr/>
         </p:nvSpPr>
-        <p:spPr/>
+        <p:spPr>
+          <a:xfrm>
+            <a:off x="9761199" y="6244921"/>
+            <a:ext cx="1965603" cy="246221"/>
+          </a:xfrm>
+          <a:prstGeom prst="rect">
+            <a:avLst/>
+          </a:prstGeom>
+          <a:noFill/>
+        </p:spPr>
         <p:txBody>
-          <a:bodyPr/>
+          <a:bodyPr wrap="none" rtlCol="0">
+            <a:spAutoFit/>
+          </a:bodyPr>
           <a:lstStyle/>
           <a:p>
-            <a:endParaRPr kumimoji="1" lang="ja-JP" altLang="en-US"/>
+            <a:pPr algn="ctr"/>
+            <a:r>
+              <a:rPr kumimoji="1" lang="en-US" altLang="ja-JP" sz="1000" baseline="0" dirty="0">
+                <a:solidFill>
+                  <a:schemeClr val="tx1">
+                    <a:lumMod val="75000"/>
+                    <a:lumOff val="25000"/>
+                  </a:schemeClr>
+                </a:solidFill>
+                <a:latin typeface="メイリオ" panose="020B0604030504040204" pitchFamily="50" charset="-128"/>
+                <a:ea typeface="メイリオ" panose="020B0604030504040204" pitchFamily="50" charset="-128"/>
+              </a:rPr>
+              <a:t>http://www.exmotion.co.jp/</a:t>
+            </a:r>
+            <a:endParaRPr kumimoji="1" lang="ja-JP" altLang="en-US" sz="1000" baseline="0" dirty="0">
+              <a:solidFill>
+                <a:schemeClr val="tx1">
+                  <a:lumMod val="75000"/>
+                  <a:lumOff val="25000"/>
+                </a:schemeClr>
+              </a:solidFill>
+              <a:latin typeface="メイリオ" panose="020B0604030504040204" pitchFamily="50" charset="-128"/>
+              <a:ea typeface="メイリオ" panose="020B0604030504040204" pitchFamily="50" charset="-128"/>
+            </a:endParaRPr>
           </a:p>
         </p:txBody>
       </p:sp>
-      <p:sp>
-        <p:nvSpPr>
-          <p:cNvPr id="6" name="スライド番号プレースホルダー 5">
+      <p:pic>
+        <p:nvPicPr>
+          <p:cNvPr id="10" name="Picture 2" descr="C:\Documents and Settings\miki.yoshimura\デスクトップ\ロゴ\背景透明\黒字_背景透明_350x110.png">
             <a:extLst>
               <a:ext uri="{FF2B5EF4-FFF2-40B4-BE49-F238E27FC236}">
-                <a16:creationId xmlns:a16="http://schemas.microsoft.com/office/drawing/2014/main" id="{3B9802EC-F3E1-40F6-619D-468508C65F17}"/>
+                <a16:creationId xmlns:a16="http://schemas.microsoft.com/office/drawing/2014/main" id="{8F2A4BC6-17C4-421C-8EC7-133483372EB2}"/>
               </a:ext>
             </a:extLst>
           </p:cNvPr>
-          <p:cNvSpPr>
-            <a:spLocks noGrp="1"/>
-          </p:cNvSpPr>
-          <p:nvPr>
-            <p:ph type="sldNum" sz="quarter" idx="12"/>
-          </p:nvPr>
+          <p:cNvPicPr>
+            <a:picLocks noChangeAspect="1" noChangeArrowheads="1"/>
+          </p:cNvPicPr>
+          <p:nvPr/>
+        </p:nvPicPr>
+        <p:blipFill>
+          <a:blip r:embed="rId2" cstate="print"/>
+          <a:srcRect/>
+          <a:stretch>
+            <a:fillRect/>
+          </a:stretch>
+        </p:blipFill>
+        <p:spPr bwMode="auto">
+          <a:xfrm>
+            <a:off x="9618453" y="5593565"/>
+            <a:ext cx="2251096" cy="674720"/>
+          </a:xfrm>
+          <a:prstGeom prst="rect">
+            <a:avLst/>
+          </a:prstGeom>
+          <a:noFill/>
+        </p:spPr>
+      </p:pic>
+      <p:sp>
+        <p:nvSpPr>
+          <p:cNvPr id="11" name="正方形/長方形 10">
+            <a:extLst>
+              <a:ext uri="{FF2B5EF4-FFF2-40B4-BE49-F238E27FC236}">
+                <a16:creationId xmlns:a16="http://schemas.microsoft.com/office/drawing/2014/main" id="{2ADE163D-5CDB-44DA-B853-B4742030F000}"/>
+              </a:ext>
+            </a:extLst>
+          </p:cNvPr>
+          <p:cNvSpPr/>
+          <p:nvPr/>
         </p:nvSpPr>
-        <p:spPr/>
+        <p:spPr>
+          <a:xfrm>
+            <a:off x="0" y="6714000"/>
+            <a:ext cx="12192000" cy="144000"/>
+          </a:xfrm>
+          <a:prstGeom prst="rect">
+            <a:avLst/>
+          </a:prstGeom>
+          <a:solidFill>
+            <a:schemeClr val="accent1"/>
+          </a:solidFill>
+          <a:ln w="25400" cap="flat" cmpd="sng" algn="ctr">
+            <a:noFill/>
+            <a:prstDash val="solid"/>
+          </a:ln>
+          <a:effectLst/>
+        </p:spPr>
         <p:txBody>
-          <a:bodyPr/>
+          <a:bodyPr rtlCol="0" anchor="ctr"/>
           <a:lstStyle/>
           <a:p>
-            <a:fld id="{4A39AF54-13FC-4832-9337-370E1C3382B0}" type="slidenum">
-              <a:rPr kumimoji="1" lang="ja-JP" altLang="en-US" smtClean="0"/>
-              <a:t>‹#›</a:t>
-            </a:fld>
-            <a:endParaRPr kumimoji="1" lang="ja-JP" altLang="en-US"/>
+            <a:pPr lvl="0" algn="ctr">
+              <a:lnSpc>
+                <a:spcPct val="110000"/>
+              </a:lnSpc>
+              <a:defRPr/>
+            </a:pPr>
+            <a:endParaRPr kumimoji="0" lang="ja-JP" altLang="en-US" sz="1051" kern="0" dirty="0">
+              <a:solidFill>
+                <a:srgbClr val="0B0905"/>
+              </a:solidFill>
+              <a:latin typeface="メイリオ" panose="020B0604030504040204" pitchFamily="50" charset="-128"/>
+              <a:ea typeface="メイリオ" panose="020B0604030504040204" pitchFamily="50" charset="-128"/>
+              <a:cs typeface="メイリオ" panose="020B0604030504040204" pitchFamily="50" charset="-128"/>
+            </a:endParaRPr>
           </a:p>
         </p:txBody>
       </p:sp>
+      <p:cxnSp>
+        <p:nvCxnSpPr>
+          <p:cNvPr id="12" name="直線コネクタ 11">
+            <a:extLst>
+              <a:ext uri="{FF2B5EF4-FFF2-40B4-BE49-F238E27FC236}">
+                <a16:creationId xmlns:a16="http://schemas.microsoft.com/office/drawing/2014/main" id="{12D8CB42-5DF8-4765-857F-D24FFB159924}"/>
+              </a:ext>
+            </a:extLst>
+          </p:cNvPr>
+          <p:cNvCxnSpPr/>
+          <p:nvPr/>
+        </p:nvCxnSpPr>
+        <p:spPr>
+          <a:xfrm>
+            <a:off x="1446665" y="3603010"/>
+            <a:ext cx="9298675" cy="0"/>
+          </a:xfrm>
+          <a:prstGeom prst="line">
+            <a:avLst/>
+          </a:prstGeom>
+          <a:ln>
+            <a:solidFill>
+              <a:schemeClr val="tx1"/>
+            </a:solidFill>
+          </a:ln>
+        </p:spPr>
+        <p:style>
+          <a:lnRef idx="1">
+            <a:schemeClr val="accent1"/>
+          </a:lnRef>
+          <a:fillRef idx="0">
+            <a:schemeClr val="accent1"/>
+          </a:fillRef>
+          <a:effectRef idx="0">
+            <a:schemeClr val="accent1"/>
+          </a:effectRef>
+          <a:fontRef idx="minor">
+            <a:schemeClr val="tx1"/>
+          </a:fontRef>
+        </p:style>
+      </p:cxnSp>
     </p:spTree>
     <p:extLst>
       <p:ext uri="{BB962C8B-B14F-4D97-AF65-F5344CB8AC3E}">
-        <p14:creationId xmlns:p14="http://schemas.microsoft.com/office/powerpoint/2010/main" val="3995844823"/>
+        <p14:creationId xmlns:p14="http://schemas.microsoft.com/office/powerpoint/2010/main" val="3748658466"/>
       </p:ext>
     </p:extLst>
   </p:cSld>
@@ -5374,8 +5934,8 @@
 </file>
 
 <file path=ppt/slideLayouts/slideLayout10.xml><?xml version="1.0" encoding="utf-8"?>
-<p:sldLayout xmlns:a="http://schemas.openxmlformats.org/drawingml/2006/main" xmlns:r="http://schemas.openxmlformats.org/officeDocument/2006/relationships" xmlns:p="http://schemas.openxmlformats.org/presentationml/2006/main" type="vertTx" preserve="1">
-  <p:cSld name="タイトルと縦書きテキスト">
+<p:sldLayout xmlns:a="http://schemas.openxmlformats.org/drawingml/2006/main" xmlns:r="http://schemas.openxmlformats.org/officeDocument/2006/relationships" xmlns:p="http://schemas.openxmlformats.org/presentationml/2006/main" preserve="1">
+  <p:cSld name="10_終了">
     <p:spTree>
       <p:nvGrpSpPr>
         <p:cNvPr id="1" name=""/>
@@ -5392,208 +5952,235 @@
       </p:grpSpPr>
       <p:sp>
         <p:nvSpPr>
-          <p:cNvPr id="2" name="タイトル 1">
-            <a:extLst>
-              <a:ext uri="{FF2B5EF4-FFF2-40B4-BE49-F238E27FC236}">
-                <a16:creationId xmlns:a16="http://schemas.microsoft.com/office/drawing/2014/main" id="{409D3021-DB9E-A8FE-04C7-AF74523D1701}"/>
-              </a:ext>
-            </a:extLst>
-          </p:cNvPr>
+          <p:cNvPr id="2" name="タイトル 1"/>
           <p:cNvSpPr>
             <a:spLocks noGrp="1"/>
           </p:cNvSpPr>
           <p:nvPr>
-            <p:ph type="title"/>
+            <p:ph type="ctrTitle"/>
           </p:nvPr>
         </p:nvSpPr>
-        <p:spPr/>
+        <p:spPr>
+          <a:xfrm>
+            <a:off x="891348" y="1813437"/>
+            <a:ext cx="10614213" cy="3042877"/>
+          </a:xfrm>
+          <a:prstGeom prst="rect">
+            <a:avLst/>
+          </a:prstGeom>
+        </p:spPr>
         <p:txBody>
-          <a:bodyPr/>
-          <a:lstStyle/>
+          <a:bodyPr anchor="ctr" anchorCtr="0">
+            <a:normAutofit/>
+          </a:bodyPr>
+          <a:lstStyle>
+            <a:lvl1pPr algn="ctr">
+              <a:defRPr sz="2800" b="0">
+                <a:latin typeface="+mj-ea"/>
+                <a:ea typeface="+mj-ea"/>
+              </a:defRPr>
+            </a:lvl1pPr>
+          </a:lstStyle>
           <a:p>
             <a:r>
               <a:rPr kumimoji="1" lang="ja-JP" altLang="en-US"/>
               <a:t>マスター タイトルの書式設定</a:t>
             </a:r>
+            <a:endParaRPr kumimoji="1" lang="ja-JP" altLang="en-US" dirty="0"/>
           </a:p>
         </p:txBody>
       </p:sp>
       <p:sp>
         <p:nvSpPr>
-          <p:cNvPr id="3" name="縦書きテキスト プレースホルダー 2">
+          <p:cNvPr id="5" name="正方形/長方形 4">
             <a:extLst>
               <a:ext uri="{FF2B5EF4-FFF2-40B4-BE49-F238E27FC236}">
-                <a16:creationId xmlns:a16="http://schemas.microsoft.com/office/drawing/2014/main" id="{F99A0606-34BF-E768-836B-1739E0CE15FE}"/>
+                <a16:creationId xmlns:a16="http://schemas.microsoft.com/office/drawing/2014/main" id="{37752099-D9CF-42A8-8671-C5612DFCD100}"/>
               </a:ext>
             </a:extLst>
           </p:cNvPr>
-          <p:cNvSpPr>
-            <a:spLocks noGrp="1"/>
-          </p:cNvSpPr>
-          <p:nvPr>
-            <p:ph type="body" orient="vert" idx="1"/>
-          </p:nvPr>
+          <p:cNvSpPr/>
+          <p:nvPr/>
         </p:nvSpPr>
-        <p:spPr/>
+        <p:spPr>
+          <a:xfrm>
+            <a:off x="0" y="0"/>
+            <a:ext cx="12192000" cy="288000"/>
+          </a:xfrm>
+          <a:prstGeom prst="rect">
+            <a:avLst/>
+          </a:prstGeom>
+          <a:solidFill>
+            <a:schemeClr val="accent1"/>
+          </a:solidFill>
+          <a:ln w="25400" cap="flat" cmpd="sng" algn="ctr">
+            <a:noFill/>
+            <a:prstDash val="solid"/>
+          </a:ln>
+          <a:effectLst/>
+        </p:spPr>
         <p:txBody>
-          <a:bodyPr vert="eaVert"/>
+          <a:bodyPr rtlCol="0" anchor="ctr"/>
           <a:lstStyle/>
           <a:p>
-            <a:pPr lvl="0"/>
-            <a:r>
-              <a:rPr kumimoji="1" lang="ja-JP" altLang="en-US"/>
-              <a:t>マスター テキストの書式設定</a:t>
-            </a:r>
-          </a:p>
-          <a:p>
-            <a:pPr lvl="1"/>
-            <a:r>
-              <a:rPr kumimoji="1" lang="ja-JP" altLang="en-US"/>
-              <a:t>第 </a:t>
-            </a:r>
-            <a:r>
-              <a:rPr kumimoji="1" lang="en-US" altLang="ja-JP"/>
-              <a:t>2 </a:t>
-            </a:r>
-            <a:r>
-              <a:rPr kumimoji="1" lang="ja-JP" altLang="en-US"/>
-              <a:t>レベル</a:t>
-            </a:r>
-          </a:p>
-          <a:p>
-            <a:pPr lvl="2"/>
-            <a:r>
-              <a:rPr kumimoji="1" lang="ja-JP" altLang="en-US"/>
-              <a:t>第 </a:t>
-            </a:r>
-            <a:r>
-              <a:rPr kumimoji="1" lang="en-US" altLang="ja-JP"/>
-              <a:t>3 </a:t>
-            </a:r>
-            <a:r>
-              <a:rPr kumimoji="1" lang="ja-JP" altLang="en-US"/>
-              <a:t>レベル</a:t>
-            </a:r>
-          </a:p>
-          <a:p>
-            <a:pPr lvl="3"/>
-            <a:r>
-              <a:rPr kumimoji="1" lang="ja-JP" altLang="en-US"/>
-              <a:t>第 </a:t>
-            </a:r>
-            <a:r>
-              <a:rPr kumimoji="1" lang="en-US" altLang="ja-JP"/>
-              <a:t>4 </a:t>
-            </a:r>
-            <a:r>
-              <a:rPr kumimoji="1" lang="ja-JP" altLang="en-US"/>
-              <a:t>レベル</a:t>
-            </a:r>
-          </a:p>
-          <a:p>
-            <a:pPr lvl="4"/>
-            <a:r>
-              <a:rPr kumimoji="1" lang="ja-JP" altLang="en-US"/>
-              <a:t>第 </a:t>
-            </a:r>
-            <a:r>
-              <a:rPr kumimoji="1" lang="en-US" altLang="ja-JP"/>
-              <a:t>5 </a:t>
-            </a:r>
-            <a:r>
-              <a:rPr kumimoji="1" lang="ja-JP" altLang="en-US"/>
-              <a:t>レベル</a:t>
-            </a:r>
+            <a:pPr lvl="0" algn="ctr">
+              <a:lnSpc>
+                <a:spcPct val="110000"/>
+              </a:lnSpc>
+              <a:defRPr/>
+            </a:pPr>
+            <a:endParaRPr kumimoji="0" lang="ja-JP" altLang="en-US" sz="1051" kern="0" dirty="0">
+              <a:solidFill>
+                <a:srgbClr val="0B0905"/>
+              </a:solidFill>
+              <a:latin typeface="メイリオ" panose="020B0604030504040204" pitchFamily="50" charset="-128"/>
+              <a:ea typeface="メイリオ" panose="020B0604030504040204" pitchFamily="50" charset="-128"/>
+              <a:cs typeface="メイリオ" panose="020B0604030504040204" pitchFamily="50" charset="-128"/>
+            </a:endParaRPr>
           </a:p>
         </p:txBody>
       </p:sp>
       <p:sp>
         <p:nvSpPr>
-          <p:cNvPr id="4" name="日付プレースホルダー 3">
+          <p:cNvPr id="9" name="テキスト ボックス 8">
             <a:extLst>
               <a:ext uri="{FF2B5EF4-FFF2-40B4-BE49-F238E27FC236}">
-                <a16:creationId xmlns:a16="http://schemas.microsoft.com/office/drawing/2014/main" id="{F9ED3ADE-18B8-2048-9B2C-6E4CAA813143}"/>
+                <a16:creationId xmlns:a16="http://schemas.microsoft.com/office/drawing/2014/main" id="{651A1ADA-1838-48D5-9BBA-B690409ACAD6}"/>
               </a:ext>
             </a:extLst>
           </p:cNvPr>
-          <p:cNvSpPr>
-            <a:spLocks noGrp="1"/>
-          </p:cNvSpPr>
-          <p:nvPr>
-            <p:ph type="dt" sz="half" idx="10"/>
-          </p:nvPr>
+          <p:cNvSpPr txBox="1"/>
+          <p:nvPr/>
         </p:nvSpPr>
-        <p:spPr/>
+        <p:spPr>
+          <a:xfrm>
+            <a:off x="9455015" y="6220665"/>
+            <a:ext cx="1965603" cy="246221"/>
+          </a:xfrm>
+          <a:prstGeom prst="rect">
+            <a:avLst/>
+          </a:prstGeom>
+          <a:noFill/>
+        </p:spPr>
         <p:txBody>
-          <a:bodyPr/>
+          <a:bodyPr wrap="none" rtlCol="0">
+            <a:spAutoFit/>
+          </a:bodyPr>
           <a:lstStyle/>
           <a:p>
-            <a:fld id="{91F07EAE-C093-4CCA-B3C0-4B8D0B679D15}" type="datetimeFigureOut">
-              <a:rPr kumimoji="1" lang="ja-JP" altLang="en-US" smtClean="0"/>
-              <a:t>2025/11/20</a:t>
-            </a:fld>
-            <a:endParaRPr kumimoji="1" lang="ja-JP" altLang="en-US"/>
+            <a:pPr algn="ctr"/>
+            <a:r>
+              <a:rPr kumimoji="1" lang="en-US" altLang="ja-JP" sz="1000" baseline="0" dirty="0">
+                <a:solidFill>
+                  <a:schemeClr val="tx1">
+                    <a:lumMod val="75000"/>
+                    <a:lumOff val="25000"/>
+                  </a:schemeClr>
+                </a:solidFill>
+                <a:latin typeface="メイリオ" panose="020B0604030504040204" pitchFamily="50" charset="-128"/>
+                <a:ea typeface="メイリオ" panose="020B0604030504040204" pitchFamily="50" charset="-128"/>
+              </a:rPr>
+              <a:t>http://www.exmotion.co.jp/</a:t>
+            </a:r>
+            <a:endParaRPr kumimoji="1" lang="ja-JP" altLang="en-US" sz="1000" baseline="0" dirty="0">
+              <a:solidFill>
+                <a:schemeClr val="tx1">
+                  <a:lumMod val="75000"/>
+                  <a:lumOff val="25000"/>
+                </a:schemeClr>
+              </a:solidFill>
+              <a:latin typeface="メイリオ" panose="020B0604030504040204" pitchFamily="50" charset="-128"/>
+              <a:ea typeface="メイリオ" panose="020B0604030504040204" pitchFamily="50" charset="-128"/>
+            </a:endParaRPr>
           </a:p>
         </p:txBody>
       </p:sp>
-      <p:sp>
-        <p:nvSpPr>
-          <p:cNvPr id="5" name="フッター プレースホルダー 4">
+      <p:pic>
+        <p:nvPicPr>
+          <p:cNvPr id="10" name="Picture 2" descr="C:\Documents and Settings\miki.yoshimura\デスクトップ\ロゴ\背景透明\黒字_背景透明_350x110.png">
             <a:extLst>
               <a:ext uri="{FF2B5EF4-FFF2-40B4-BE49-F238E27FC236}">
-                <a16:creationId xmlns:a16="http://schemas.microsoft.com/office/drawing/2014/main" id="{10E88F4A-915C-5938-70AC-17481526AD9E}"/>
+                <a16:creationId xmlns:a16="http://schemas.microsoft.com/office/drawing/2014/main" id="{8F2A4BC6-17C4-421C-8EC7-133483372EB2}"/>
               </a:ext>
             </a:extLst>
           </p:cNvPr>
-          <p:cNvSpPr>
-            <a:spLocks noGrp="1"/>
-          </p:cNvSpPr>
-          <p:nvPr>
-            <p:ph type="ftr" sz="quarter" idx="11"/>
-          </p:nvPr>
-        </p:nvSpPr>
-        <p:spPr/>
-        <p:txBody>
-          <a:bodyPr/>
-          <a:lstStyle/>
-          <a:p>
-            <a:endParaRPr kumimoji="1" lang="ja-JP" altLang="en-US"/>
-          </a:p>
-        </p:txBody>
-      </p:sp>
+          <p:cNvPicPr>
+            <a:picLocks noChangeAspect="1" noChangeArrowheads="1"/>
+          </p:cNvPicPr>
+          <p:nvPr/>
+        </p:nvPicPr>
+        <p:blipFill>
+          <a:blip r:embed="rId2" cstate="print"/>
+          <a:srcRect/>
+          <a:stretch>
+            <a:fillRect/>
+          </a:stretch>
+        </p:blipFill>
+        <p:spPr bwMode="auto">
+          <a:xfrm>
+            <a:off x="9006080" y="5593565"/>
+            <a:ext cx="2863469" cy="674720"/>
+          </a:xfrm>
+          <a:prstGeom prst="rect">
+            <a:avLst/>
+          </a:prstGeom>
+          <a:noFill/>
+        </p:spPr>
+      </p:pic>
       <p:sp>
         <p:nvSpPr>
-          <p:cNvPr id="6" name="スライド番号プレースホルダー 5">
+          <p:cNvPr id="11" name="正方形/長方形 10">
             <a:extLst>
               <a:ext uri="{FF2B5EF4-FFF2-40B4-BE49-F238E27FC236}">
-                <a16:creationId xmlns:a16="http://schemas.microsoft.com/office/drawing/2014/main" id="{8C241A10-E7D1-2883-E839-74712B0FB7C2}"/>
+                <a16:creationId xmlns:a16="http://schemas.microsoft.com/office/drawing/2014/main" id="{2ADE163D-5CDB-44DA-B853-B4742030F000}"/>
               </a:ext>
             </a:extLst>
           </p:cNvPr>
-          <p:cNvSpPr>
-            <a:spLocks noGrp="1"/>
-          </p:cNvSpPr>
-          <p:nvPr>
-            <p:ph type="sldNum" sz="quarter" idx="12"/>
-          </p:nvPr>
+          <p:cNvSpPr/>
+          <p:nvPr/>
         </p:nvSpPr>
-        <p:spPr/>
+        <p:spPr>
+          <a:xfrm>
+            <a:off x="0" y="6714000"/>
+            <a:ext cx="12192000" cy="144000"/>
+          </a:xfrm>
+          <a:prstGeom prst="rect">
+            <a:avLst/>
+          </a:prstGeom>
+          <a:solidFill>
+            <a:schemeClr val="accent1"/>
+          </a:solidFill>
+          <a:ln w="25400" cap="flat" cmpd="sng" algn="ctr">
+            <a:noFill/>
+            <a:prstDash val="solid"/>
+          </a:ln>
+          <a:effectLst/>
+        </p:spPr>
         <p:txBody>
-          <a:bodyPr/>
+          <a:bodyPr rtlCol="0" anchor="ctr"/>
           <a:lstStyle/>
           <a:p>
-            <a:fld id="{4A39AF54-13FC-4832-9337-370E1C3382B0}" type="slidenum">
-              <a:rPr kumimoji="1" lang="ja-JP" altLang="en-US" smtClean="0"/>
-              <a:t>‹#›</a:t>
-            </a:fld>
-            <a:endParaRPr kumimoji="1" lang="ja-JP" altLang="en-US"/>
+            <a:pPr lvl="0" algn="ctr">
+              <a:lnSpc>
+                <a:spcPct val="110000"/>
+              </a:lnSpc>
+              <a:defRPr/>
+            </a:pPr>
+            <a:endParaRPr kumimoji="0" lang="ja-JP" altLang="en-US" sz="1051" kern="0" dirty="0">
+              <a:solidFill>
+                <a:srgbClr val="0B0905"/>
+              </a:solidFill>
+              <a:latin typeface="メイリオ" panose="020B0604030504040204" pitchFamily="50" charset="-128"/>
+              <a:ea typeface="メイリオ" panose="020B0604030504040204" pitchFamily="50" charset="-128"/>
+              <a:cs typeface="メイリオ" panose="020B0604030504040204" pitchFamily="50" charset="-128"/>
+            </a:endParaRPr>
           </a:p>
         </p:txBody>
       </p:sp>
     </p:spTree>
     <p:extLst>
       <p:ext uri="{BB962C8B-B14F-4D97-AF65-F5344CB8AC3E}">
-        <p14:creationId xmlns:p14="http://schemas.microsoft.com/office/powerpoint/2010/main" val="1013739963"/>
+        <p14:creationId xmlns:p14="http://schemas.microsoft.com/office/powerpoint/2010/main" val="209982489"/>
       </p:ext>
     </p:extLst>
   </p:cSld>
@@ -5604,247 +6191,7 @@
 </file>
 
 <file path=ppt/slideLayouts/slideLayout11.xml><?xml version="1.0" encoding="utf-8"?>
-<p:sldLayout xmlns:a="http://schemas.openxmlformats.org/drawingml/2006/main" xmlns:r="http://schemas.openxmlformats.org/officeDocument/2006/relationships" xmlns:p="http://schemas.openxmlformats.org/presentationml/2006/main" type="vertTitleAndTx" preserve="1">
-  <p:cSld name="縦書きタイトルと&#10;縦書きテキスト">
-    <p:spTree>
-      <p:nvGrpSpPr>
-        <p:cNvPr id="1" name=""/>
-        <p:cNvGrpSpPr/>
-        <p:nvPr/>
-      </p:nvGrpSpPr>
-      <p:grpSpPr>
-        <a:xfrm>
-          <a:off x="0" y="0"/>
-          <a:ext cx="0" cy="0"/>
-          <a:chOff x="0" y="0"/>
-          <a:chExt cx="0" cy="0"/>
-        </a:xfrm>
-      </p:grpSpPr>
-      <p:sp>
-        <p:nvSpPr>
-          <p:cNvPr id="2" name="縦書きタイトル 1">
-            <a:extLst>
-              <a:ext uri="{FF2B5EF4-FFF2-40B4-BE49-F238E27FC236}">
-                <a16:creationId xmlns:a16="http://schemas.microsoft.com/office/drawing/2014/main" id="{5EB82733-892D-BD88-E81F-67EB2E2B1195}"/>
-              </a:ext>
-            </a:extLst>
-          </p:cNvPr>
-          <p:cNvSpPr>
-            <a:spLocks noGrp="1"/>
-          </p:cNvSpPr>
-          <p:nvPr>
-            <p:ph type="title" orient="vert"/>
-          </p:nvPr>
-        </p:nvSpPr>
-        <p:spPr>
-          <a:xfrm>
-            <a:off x="8724900" y="365125"/>
-            <a:ext cx="2628900" cy="5811838"/>
-          </a:xfrm>
-        </p:spPr>
-        <p:txBody>
-          <a:bodyPr vert="eaVert"/>
-          <a:lstStyle/>
-          <a:p>
-            <a:r>
-              <a:rPr kumimoji="1" lang="ja-JP" altLang="en-US"/>
-              <a:t>マスター タイトルの書式設定</a:t>
-            </a:r>
-          </a:p>
-        </p:txBody>
-      </p:sp>
-      <p:sp>
-        <p:nvSpPr>
-          <p:cNvPr id="3" name="縦書きテキスト プレースホルダー 2">
-            <a:extLst>
-              <a:ext uri="{FF2B5EF4-FFF2-40B4-BE49-F238E27FC236}">
-                <a16:creationId xmlns:a16="http://schemas.microsoft.com/office/drawing/2014/main" id="{B5EAF72D-AD4B-74D9-DEA9-6074DF4138CD}"/>
-              </a:ext>
-            </a:extLst>
-          </p:cNvPr>
-          <p:cNvSpPr>
-            <a:spLocks noGrp="1"/>
-          </p:cNvSpPr>
-          <p:nvPr>
-            <p:ph type="body" orient="vert" idx="1"/>
-          </p:nvPr>
-        </p:nvSpPr>
-        <p:spPr>
-          <a:xfrm>
-            <a:off x="838200" y="365125"/>
-            <a:ext cx="7734300" cy="5811838"/>
-          </a:xfrm>
-        </p:spPr>
-        <p:txBody>
-          <a:bodyPr vert="eaVert"/>
-          <a:lstStyle/>
-          <a:p>
-            <a:pPr lvl="0"/>
-            <a:r>
-              <a:rPr kumimoji="1" lang="ja-JP" altLang="en-US"/>
-              <a:t>マスター テキストの書式設定</a:t>
-            </a:r>
-          </a:p>
-          <a:p>
-            <a:pPr lvl="1"/>
-            <a:r>
-              <a:rPr kumimoji="1" lang="ja-JP" altLang="en-US"/>
-              <a:t>第 </a:t>
-            </a:r>
-            <a:r>
-              <a:rPr kumimoji="1" lang="en-US" altLang="ja-JP"/>
-              <a:t>2 </a:t>
-            </a:r>
-            <a:r>
-              <a:rPr kumimoji="1" lang="ja-JP" altLang="en-US"/>
-              <a:t>レベル</a:t>
-            </a:r>
-          </a:p>
-          <a:p>
-            <a:pPr lvl="2"/>
-            <a:r>
-              <a:rPr kumimoji="1" lang="ja-JP" altLang="en-US"/>
-              <a:t>第 </a:t>
-            </a:r>
-            <a:r>
-              <a:rPr kumimoji="1" lang="en-US" altLang="ja-JP"/>
-              <a:t>3 </a:t>
-            </a:r>
-            <a:r>
-              <a:rPr kumimoji="1" lang="ja-JP" altLang="en-US"/>
-              <a:t>レベル</a:t>
-            </a:r>
-          </a:p>
-          <a:p>
-            <a:pPr lvl="3"/>
-            <a:r>
-              <a:rPr kumimoji="1" lang="ja-JP" altLang="en-US"/>
-              <a:t>第 </a:t>
-            </a:r>
-            <a:r>
-              <a:rPr kumimoji="1" lang="en-US" altLang="ja-JP"/>
-              <a:t>4 </a:t>
-            </a:r>
-            <a:r>
-              <a:rPr kumimoji="1" lang="ja-JP" altLang="en-US"/>
-              <a:t>レベル</a:t>
-            </a:r>
-          </a:p>
-          <a:p>
-            <a:pPr lvl="4"/>
-            <a:r>
-              <a:rPr kumimoji="1" lang="ja-JP" altLang="en-US"/>
-              <a:t>第 </a:t>
-            </a:r>
-            <a:r>
-              <a:rPr kumimoji="1" lang="en-US" altLang="ja-JP"/>
-              <a:t>5 </a:t>
-            </a:r>
-            <a:r>
-              <a:rPr kumimoji="1" lang="ja-JP" altLang="en-US"/>
-              <a:t>レベル</a:t>
-            </a:r>
-          </a:p>
-        </p:txBody>
-      </p:sp>
-      <p:sp>
-        <p:nvSpPr>
-          <p:cNvPr id="4" name="日付プレースホルダー 3">
-            <a:extLst>
-              <a:ext uri="{FF2B5EF4-FFF2-40B4-BE49-F238E27FC236}">
-                <a16:creationId xmlns:a16="http://schemas.microsoft.com/office/drawing/2014/main" id="{A4C82117-C4F1-24DC-A4B2-BDEDD5AF470A}"/>
-              </a:ext>
-            </a:extLst>
-          </p:cNvPr>
-          <p:cNvSpPr>
-            <a:spLocks noGrp="1"/>
-          </p:cNvSpPr>
-          <p:nvPr>
-            <p:ph type="dt" sz="half" idx="10"/>
-          </p:nvPr>
-        </p:nvSpPr>
-        <p:spPr/>
-        <p:txBody>
-          <a:bodyPr/>
-          <a:lstStyle/>
-          <a:p>
-            <a:fld id="{91F07EAE-C093-4CCA-B3C0-4B8D0B679D15}" type="datetimeFigureOut">
-              <a:rPr kumimoji="1" lang="ja-JP" altLang="en-US" smtClean="0"/>
-              <a:t>2025/11/20</a:t>
-            </a:fld>
-            <a:endParaRPr kumimoji="1" lang="ja-JP" altLang="en-US"/>
-          </a:p>
-        </p:txBody>
-      </p:sp>
-      <p:sp>
-        <p:nvSpPr>
-          <p:cNvPr id="5" name="フッター プレースホルダー 4">
-            <a:extLst>
-              <a:ext uri="{FF2B5EF4-FFF2-40B4-BE49-F238E27FC236}">
-                <a16:creationId xmlns:a16="http://schemas.microsoft.com/office/drawing/2014/main" id="{77264373-9DF3-7C5D-4557-BA4425182D2E}"/>
-              </a:ext>
-            </a:extLst>
-          </p:cNvPr>
-          <p:cNvSpPr>
-            <a:spLocks noGrp="1"/>
-          </p:cNvSpPr>
-          <p:nvPr>
-            <p:ph type="ftr" sz="quarter" idx="11"/>
-          </p:nvPr>
-        </p:nvSpPr>
-        <p:spPr/>
-        <p:txBody>
-          <a:bodyPr/>
-          <a:lstStyle/>
-          <a:p>
-            <a:endParaRPr kumimoji="1" lang="ja-JP" altLang="en-US"/>
-          </a:p>
-        </p:txBody>
-      </p:sp>
-      <p:sp>
-        <p:nvSpPr>
-          <p:cNvPr id="6" name="スライド番号プレースホルダー 5">
-            <a:extLst>
-              <a:ext uri="{FF2B5EF4-FFF2-40B4-BE49-F238E27FC236}">
-                <a16:creationId xmlns:a16="http://schemas.microsoft.com/office/drawing/2014/main" id="{B54A575D-3E6D-C562-A90C-B989238C77AE}"/>
-              </a:ext>
-            </a:extLst>
-          </p:cNvPr>
-          <p:cNvSpPr>
-            <a:spLocks noGrp="1"/>
-          </p:cNvSpPr>
-          <p:nvPr>
-            <p:ph type="sldNum" sz="quarter" idx="12"/>
-          </p:nvPr>
-        </p:nvSpPr>
-        <p:spPr/>
-        <p:txBody>
-          <a:bodyPr/>
-          <a:lstStyle/>
-          <a:p>
-            <a:fld id="{4A39AF54-13FC-4832-9337-370E1C3382B0}" type="slidenum">
-              <a:rPr kumimoji="1" lang="ja-JP" altLang="en-US" smtClean="0"/>
-              <a:t>‹#›</a:t>
-            </a:fld>
-            <a:endParaRPr kumimoji="1" lang="ja-JP" altLang="en-US"/>
-          </a:p>
-        </p:txBody>
-      </p:sp>
-    </p:spTree>
-    <p:extLst>
-      <p:ext uri="{BB962C8B-B14F-4D97-AF65-F5344CB8AC3E}">
-        <p14:creationId xmlns:p14="http://schemas.microsoft.com/office/powerpoint/2010/main" val="3738643313"/>
-      </p:ext>
-    </p:extLst>
-  </p:cSld>
-  <p:clrMapOvr>
-    <a:masterClrMapping/>
-  </p:clrMapOvr>
-</p:sldLayout>
-</file>
-
-<file path=ppt/slideLayouts/slideLayout2.xml><?xml version="1.0" encoding="utf-8"?>
-<p:sldLayout xmlns:a="http://schemas.openxmlformats.org/drawingml/2006/main" xmlns:r="http://schemas.openxmlformats.org/officeDocument/2006/relationships" xmlns:p="http://schemas.openxmlformats.org/presentationml/2006/main" type="obj" preserve="1">
+<p:sldLayout xmlns:a="http://schemas.openxmlformats.org/drawingml/2006/main" xmlns:r="http://schemas.openxmlformats.org/officeDocument/2006/relationships" xmlns:p="http://schemas.openxmlformats.org/presentationml/2006/main" type="obj">
   <p:cSld name="タイトルとコンテンツ">
     <p:spTree>
       <p:nvGrpSpPr>
@@ -6000,7 +6347,7 @@
           <a:p>
             <a:fld id="{91F07EAE-C093-4CCA-B3C0-4B8D0B679D15}" type="datetimeFigureOut">
               <a:rPr kumimoji="1" lang="ja-JP" altLang="en-US" smtClean="0"/>
-              <a:t>2025/11/20</a:t>
+              <a:t>2025/11/26</a:t>
             </a:fld>
             <a:endParaRPr kumimoji="1" lang="ja-JP" altLang="en-US"/>
           </a:p>
@@ -6063,7 +6410,7 @@
     </p:spTree>
     <p:extLst>
       <p:ext uri="{BB962C8B-B14F-4D97-AF65-F5344CB8AC3E}">
-        <p14:creationId xmlns:p14="http://schemas.microsoft.com/office/powerpoint/2010/main" val="2148274657"/>
+        <p14:creationId xmlns:p14="http://schemas.microsoft.com/office/powerpoint/2010/main" val="626987629"/>
       </p:ext>
     </p:extLst>
   </p:cSld>
@@ -6073,9 +6420,936 @@
 </p:sldLayout>
 </file>
 
+<file path=ppt/slideLayouts/slideLayout2.xml><?xml version="1.0" encoding="utf-8"?>
+<p:sldLayout xmlns:a="http://schemas.openxmlformats.org/drawingml/2006/main" xmlns:r="http://schemas.openxmlformats.org/officeDocument/2006/relationships" xmlns:p="http://schemas.openxmlformats.org/presentationml/2006/main" preserve="1">
+  <p:cSld name="2_目次">
+    <p:spTree>
+      <p:nvGrpSpPr>
+        <p:cNvPr id="1" name=""/>
+        <p:cNvGrpSpPr/>
+        <p:nvPr/>
+      </p:nvGrpSpPr>
+      <p:grpSpPr>
+        <a:xfrm>
+          <a:off x="0" y="0"/>
+          <a:ext cx="0" cy="0"/>
+          <a:chOff x="0" y="0"/>
+          <a:chExt cx="0" cy="0"/>
+        </a:xfrm>
+      </p:grpSpPr>
+      <p:pic>
+        <p:nvPicPr>
+          <p:cNvPr id="17" name="Picture 2" descr="C:\Documents and Settings\yuji.miwa\My Documents\My Pictures\00_EXM\X_回転\10sec_small.gif">
+            <a:extLst>
+              <a:ext uri="{FF2B5EF4-FFF2-40B4-BE49-F238E27FC236}">
+                <a16:creationId xmlns:a16="http://schemas.microsoft.com/office/drawing/2014/main" id="{B5EC4486-32A8-403E-B103-586783B4CF4F}"/>
+              </a:ext>
+            </a:extLst>
+          </p:cNvPr>
+          <p:cNvPicPr>
+            <a:picLocks noChangeAspect="1" noChangeArrowheads="1" noCrop="1"/>
+          </p:cNvPicPr>
+          <p:nvPr/>
+        </p:nvPicPr>
+        <p:blipFill>
+          <a:blip r:embed="rId2" cstate="print"/>
+          <a:srcRect/>
+          <a:stretch>
+            <a:fillRect/>
+          </a:stretch>
+        </p:blipFill>
+        <p:spPr bwMode="auto">
+          <a:xfrm>
+            <a:off x="11507637" y="204686"/>
+            <a:ext cx="528719" cy="476250"/>
+          </a:xfrm>
+          <a:prstGeom prst="rect">
+            <a:avLst/>
+          </a:prstGeom>
+          <a:noFill/>
+        </p:spPr>
+      </p:pic>
+      <p:sp>
+        <p:nvSpPr>
+          <p:cNvPr id="3" name="正方形/長方形 2">
+            <a:extLst>
+              <a:ext uri="{FF2B5EF4-FFF2-40B4-BE49-F238E27FC236}">
+                <a16:creationId xmlns:a16="http://schemas.microsoft.com/office/drawing/2014/main" id="{9EE20FBF-DC22-45F8-9935-807EF2E0F6C9}"/>
+              </a:ext>
+            </a:extLst>
+          </p:cNvPr>
+          <p:cNvSpPr/>
+          <p:nvPr/>
+        </p:nvSpPr>
+        <p:spPr>
+          <a:xfrm>
+            <a:off x="575733" y="2153764"/>
+            <a:ext cx="11040000" cy="792000"/>
+          </a:xfrm>
+          <a:prstGeom prst="rect">
+            <a:avLst/>
+          </a:prstGeom>
+          <a:solidFill>
+            <a:schemeClr val="bg1">
+              <a:lumMod val="95000"/>
+            </a:schemeClr>
+          </a:solidFill>
+          <a:ln>
+            <a:noFill/>
+          </a:ln>
+        </p:spPr>
+        <p:style>
+          <a:lnRef idx="2">
+            <a:schemeClr val="accent1">
+              <a:shade val="50000"/>
+            </a:schemeClr>
+          </a:lnRef>
+          <a:fillRef idx="1">
+            <a:schemeClr val="accent1"/>
+          </a:fillRef>
+          <a:effectRef idx="0">
+            <a:schemeClr val="accent1"/>
+          </a:effectRef>
+          <a:fontRef idx="minor">
+            <a:schemeClr val="lt1"/>
+          </a:fontRef>
+        </p:style>
+        <p:txBody>
+          <a:bodyPr lIns="720000" tIns="72000" bIns="36000" rtlCol="0" anchor="ctr"/>
+          <a:lstStyle/>
+          <a:p>
+            <a:endParaRPr lang="ja-JP" altLang="en-US" sz="1600" dirty="0">
+              <a:solidFill>
+                <a:schemeClr val="accent3"/>
+              </a:solidFill>
+              <a:latin typeface="+mn-ea"/>
+            </a:endParaRPr>
+          </a:p>
+        </p:txBody>
+      </p:sp>
+      <p:sp>
+        <p:nvSpPr>
+          <p:cNvPr id="4" name="正方形/長方形 3">
+            <a:extLst>
+              <a:ext uri="{FF2B5EF4-FFF2-40B4-BE49-F238E27FC236}">
+                <a16:creationId xmlns:a16="http://schemas.microsoft.com/office/drawing/2014/main" id="{BECF91AB-0A53-4972-8411-1F809AF369B1}"/>
+              </a:ext>
+            </a:extLst>
+          </p:cNvPr>
+          <p:cNvSpPr/>
+          <p:nvPr/>
+        </p:nvSpPr>
+        <p:spPr>
+          <a:xfrm>
+            <a:off x="575733" y="3191496"/>
+            <a:ext cx="11040000" cy="792000"/>
+          </a:xfrm>
+          <a:prstGeom prst="rect">
+            <a:avLst/>
+          </a:prstGeom>
+          <a:solidFill>
+            <a:schemeClr val="bg1">
+              <a:lumMod val="95000"/>
+            </a:schemeClr>
+          </a:solidFill>
+          <a:ln>
+            <a:noFill/>
+          </a:ln>
+        </p:spPr>
+        <p:style>
+          <a:lnRef idx="2">
+            <a:schemeClr val="accent1">
+              <a:shade val="50000"/>
+            </a:schemeClr>
+          </a:lnRef>
+          <a:fillRef idx="1">
+            <a:schemeClr val="accent1"/>
+          </a:fillRef>
+          <a:effectRef idx="0">
+            <a:schemeClr val="accent1"/>
+          </a:effectRef>
+          <a:fontRef idx="minor">
+            <a:schemeClr val="lt1"/>
+          </a:fontRef>
+        </p:style>
+        <p:txBody>
+          <a:bodyPr lIns="720000" tIns="72000" bIns="36000" rtlCol="0" anchor="ctr"/>
+          <a:lstStyle/>
+          <a:p>
+            <a:endParaRPr lang="ja-JP" altLang="en-US" sz="1600" dirty="0">
+              <a:solidFill>
+                <a:schemeClr val="accent3"/>
+              </a:solidFill>
+              <a:latin typeface="+mn-ea"/>
+            </a:endParaRPr>
+          </a:p>
+        </p:txBody>
+      </p:sp>
+      <p:sp>
+        <p:nvSpPr>
+          <p:cNvPr id="5" name="正方形/長方形 4">
+            <a:extLst>
+              <a:ext uri="{FF2B5EF4-FFF2-40B4-BE49-F238E27FC236}">
+                <a16:creationId xmlns:a16="http://schemas.microsoft.com/office/drawing/2014/main" id="{5C4D9F77-F250-44BA-99FE-940553A55084}"/>
+              </a:ext>
+            </a:extLst>
+          </p:cNvPr>
+          <p:cNvSpPr/>
+          <p:nvPr/>
+        </p:nvSpPr>
+        <p:spPr>
+          <a:xfrm>
+            <a:off x="575733" y="4229228"/>
+            <a:ext cx="11040000" cy="792000"/>
+          </a:xfrm>
+          <a:prstGeom prst="rect">
+            <a:avLst/>
+          </a:prstGeom>
+          <a:solidFill>
+            <a:schemeClr val="bg1">
+              <a:lumMod val="95000"/>
+            </a:schemeClr>
+          </a:solidFill>
+          <a:ln>
+            <a:noFill/>
+          </a:ln>
+        </p:spPr>
+        <p:style>
+          <a:lnRef idx="2">
+            <a:schemeClr val="accent1">
+              <a:shade val="50000"/>
+            </a:schemeClr>
+          </a:lnRef>
+          <a:fillRef idx="1">
+            <a:schemeClr val="accent1"/>
+          </a:fillRef>
+          <a:effectRef idx="0">
+            <a:schemeClr val="accent1"/>
+          </a:effectRef>
+          <a:fontRef idx="minor">
+            <a:schemeClr val="lt1"/>
+          </a:fontRef>
+        </p:style>
+        <p:txBody>
+          <a:bodyPr lIns="720000" tIns="72000" bIns="36000" rtlCol="0" anchor="ctr"/>
+          <a:lstStyle/>
+          <a:p>
+            <a:endParaRPr lang="ja-JP" altLang="en-US" sz="1600" dirty="0">
+              <a:solidFill>
+                <a:schemeClr val="accent3"/>
+              </a:solidFill>
+              <a:latin typeface="+mn-ea"/>
+            </a:endParaRPr>
+          </a:p>
+        </p:txBody>
+      </p:sp>
+      <p:sp>
+        <p:nvSpPr>
+          <p:cNvPr id="6" name="正方形/長方形 5">
+            <a:extLst>
+              <a:ext uri="{FF2B5EF4-FFF2-40B4-BE49-F238E27FC236}">
+                <a16:creationId xmlns:a16="http://schemas.microsoft.com/office/drawing/2014/main" id="{29D9715A-34CF-46E3-A60E-1130189E95CF}"/>
+              </a:ext>
+            </a:extLst>
+          </p:cNvPr>
+          <p:cNvSpPr/>
+          <p:nvPr/>
+        </p:nvSpPr>
+        <p:spPr>
+          <a:xfrm>
+            <a:off x="575733" y="5266959"/>
+            <a:ext cx="11040000" cy="792000"/>
+          </a:xfrm>
+          <a:prstGeom prst="rect">
+            <a:avLst/>
+          </a:prstGeom>
+          <a:solidFill>
+            <a:schemeClr val="bg1">
+              <a:lumMod val="95000"/>
+            </a:schemeClr>
+          </a:solidFill>
+          <a:ln>
+            <a:noFill/>
+          </a:ln>
+        </p:spPr>
+        <p:style>
+          <a:lnRef idx="2">
+            <a:schemeClr val="accent1">
+              <a:shade val="50000"/>
+            </a:schemeClr>
+          </a:lnRef>
+          <a:fillRef idx="1">
+            <a:schemeClr val="accent1"/>
+          </a:fillRef>
+          <a:effectRef idx="0">
+            <a:schemeClr val="accent1"/>
+          </a:effectRef>
+          <a:fontRef idx="minor">
+            <a:schemeClr val="lt1"/>
+          </a:fontRef>
+        </p:style>
+        <p:txBody>
+          <a:bodyPr lIns="720000" tIns="72000" bIns="36000" rtlCol="0" anchor="ctr"/>
+          <a:lstStyle/>
+          <a:p>
+            <a:endParaRPr lang="en-US" altLang="ja-JP" sz="1600" dirty="0">
+              <a:solidFill>
+                <a:schemeClr val="accent3"/>
+              </a:solidFill>
+              <a:latin typeface="+mn-ea"/>
+            </a:endParaRPr>
+          </a:p>
+        </p:txBody>
+      </p:sp>
+      <p:sp>
+        <p:nvSpPr>
+          <p:cNvPr id="7" name="正方形/長方形 6">
+            <a:extLst>
+              <a:ext uri="{FF2B5EF4-FFF2-40B4-BE49-F238E27FC236}">
+                <a16:creationId xmlns:a16="http://schemas.microsoft.com/office/drawing/2014/main" id="{FD069DEF-F7D8-4E50-B3F9-3A60B90B9315}"/>
+              </a:ext>
+            </a:extLst>
+          </p:cNvPr>
+          <p:cNvSpPr/>
+          <p:nvPr/>
+        </p:nvSpPr>
+        <p:spPr>
+          <a:xfrm>
+            <a:off x="575733" y="1116032"/>
+            <a:ext cx="11040000" cy="792000"/>
+          </a:xfrm>
+          <a:prstGeom prst="rect">
+            <a:avLst/>
+          </a:prstGeom>
+          <a:solidFill>
+            <a:schemeClr val="bg1">
+              <a:lumMod val="95000"/>
+            </a:schemeClr>
+          </a:solidFill>
+          <a:ln>
+            <a:noFill/>
+          </a:ln>
+        </p:spPr>
+        <p:style>
+          <a:lnRef idx="2">
+            <a:schemeClr val="accent1">
+              <a:shade val="50000"/>
+            </a:schemeClr>
+          </a:lnRef>
+          <a:fillRef idx="1">
+            <a:schemeClr val="accent1"/>
+          </a:fillRef>
+          <a:effectRef idx="0">
+            <a:schemeClr val="accent1"/>
+          </a:effectRef>
+          <a:fontRef idx="minor">
+            <a:schemeClr val="lt1"/>
+          </a:fontRef>
+        </p:style>
+        <p:txBody>
+          <a:bodyPr lIns="720000" tIns="72000" bIns="36000" rtlCol="0" anchor="ctr"/>
+          <a:lstStyle/>
+          <a:p>
+            <a:endParaRPr lang="ja-JP" altLang="en-US" sz="1600" b="1" dirty="0">
+              <a:solidFill>
+                <a:schemeClr val="bg1"/>
+              </a:solidFill>
+              <a:latin typeface="+mn-ea"/>
+            </a:endParaRPr>
+          </a:p>
+        </p:txBody>
+      </p:sp>
+      <p:sp>
+        <p:nvSpPr>
+          <p:cNvPr id="8" name="正方形/長方形 7">
+            <a:extLst>
+              <a:ext uri="{FF2B5EF4-FFF2-40B4-BE49-F238E27FC236}">
+                <a16:creationId xmlns:a16="http://schemas.microsoft.com/office/drawing/2014/main" id="{E282FD4F-1CE0-462B-A6CF-01F7CA529503}"/>
+              </a:ext>
+            </a:extLst>
+          </p:cNvPr>
+          <p:cNvSpPr/>
+          <p:nvPr/>
+        </p:nvSpPr>
+        <p:spPr>
+          <a:xfrm>
+            <a:off x="763821" y="2279764"/>
+            <a:ext cx="720000" cy="540000"/>
+          </a:xfrm>
+          <a:prstGeom prst="rect">
+            <a:avLst/>
+          </a:prstGeom>
+          <a:solidFill>
+            <a:schemeClr val="accent3"/>
+          </a:solidFill>
+          <a:ln>
+            <a:noFill/>
+          </a:ln>
+        </p:spPr>
+        <p:style>
+          <a:lnRef idx="2">
+            <a:schemeClr val="accent1">
+              <a:shade val="50000"/>
+            </a:schemeClr>
+          </a:lnRef>
+          <a:fillRef idx="1">
+            <a:schemeClr val="accent1"/>
+          </a:fillRef>
+          <a:effectRef idx="0">
+            <a:schemeClr val="accent1"/>
+          </a:effectRef>
+          <a:fontRef idx="minor">
+            <a:schemeClr val="lt1"/>
+          </a:fontRef>
+        </p:style>
+        <p:txBody>
+          <a:bodyPr tIns="72000" bIns="36000" rtlCol="0" anchor="ctr"/>
+          <a:lstStyle/>
+          <a:p>
+            <a:pPr algn="ctr"/>
+            <a:r>
+              <a:rPr lang="en-US" altLang="ja-JP" sz="2000" b="1" dirty="0">
+                <a:solidFill>
+                  <a:schemeClr val="bg1"/>
+                </a:solidFill>
+                <a:latin typeface="+mn-ea"/>
+              </a:rPr>
+              <a:t>2</a:t>
+            </a:r>
+            <a:endParaRPr lang="ja-JP" altLang="en-US" sz="2000" b="1" dirty="0">
+              <a:solidFill>
+                <a:schemeClr val="bg1"/>
+              </a:solidFill>
+              <a:latin typeface="+mn-ea"/>
+            </a:endParaRPr>
+          </a:p>
+        </p:txBody>
+      </p:sp>
+      <p:sp>
+        <p:nvSpPr>
+          <p:cNvPr id="9" name="正方形/長方形 8">
+            <a:extLst>
+              <a:ext uri="{FF2B5EF4-FFF2-40B4-BE49-F238E27FC236}">
+                <a16:creationId xmlns:a16="http://schemas.microsoft.com/office/drawing/2014/main" id="{02AC4DCF-DE5A-4F0A-A57E-322A9D9A13BA}"/>
+              </a:ext>
+            </a:extLst>
+          </p:cNvPr>
+          <p:cNvSpPr/>
+          <p:nvPr/>
+        </p:nvSpPr>
+        <p:spPr>
+          <a:xfrm>
+            <a:off x="763821" y="3317496"/>
+            <a:ext cx="720000" cy="540000"/>
+          </a:xfrm>
+          <a:prstGeom prst="rect">
+            <a:avLst/>
+          </a:prstGeom>
+          <a:solidFill>
+            <a:schemeClr val="accent3"/>
+          </a:solidFill>
+          <a:ln>
+            <a:noFill/>
+          </a:ln>
+        </p:spPr>
+        <p:style>
+          <a:lnRef idx="2">
+            <a:schemeClr val="accent1">
+              <a:shade val="50000"/>
+            </a:schemeClr>
+          </a:lnRef>
+          <a:fillRef idx="1">
+            <a:schemeClr val="accent1"/>
+          </a:fillRef>
+          <a:effectRef idx="0">
+            <a:schemeClr val="accent1"/>
+          </a:effectRef>
+          <a:fontRef idx="minor">
+            <a:schemeClr val="lt1"/>
+          </a:fontRef>
+        </p:style>
+        <p:txBody>
+          <a:bodyPr tIns="72000" bIns="36000" rtlCol="0" anchor="ctr"/>
+          <a:lstStyle/>
+          <a:p>
+            <a:pPr algn="ctr"/>
+            <a:r>
+              <a:rPr lang="en-US" altLang="ja-JP" sz="2000" b="1" dirty="0">
+                <a:solidFill>
+                  <a:schemeClr val="bg1"/>
+                </a:solidFill>
+                <a:latin typeface="+mn-ea"/>
+              </a:rPr>
+              <a:t>3</a:t>
+            </a:r>
+            <a:endParaRPr lang="ja-JP" altLang="en-US" sz="2000" b="1" dirty="0">
+              <a:solidFill>
+                <a:schemeClr val="bg1"/>
+              </a:solidFill>
+              <a:latin typeface="+mn-ea"/>
+            </a:endParaRPr>
+          </a:p>
+        </p:txBody>
+      </p:sp>
+      <p:sp>
+        <p:nvSpPr>
+          <p:cNvPr id="10" name="正方形/長方形 9">
+            <a:extLst>
+              <a:ext uri="{FF2B5EF4-FFF2-40B4-BE49-F238E27FC236}">
+                <a16:creationId xmlns:a16="http://schemas.microsoft.com/office/drawing/2014/main" id="{D0D4D703-5EE0-42A7-83A1-8EE3257EB3ED}"/>
+              </a:ext>
+            </a:extLst>
+          </p:cNvPr>
+          <p:cNvSpPr/>
+          <p:nvPr/>
+        </p:nvSpPr>
+        <p:spPr>
+          <a:xfrm>
+            <a:off x="763821" y="4355228"/>
+            <a:ext cx="720000" cy="540000"/>
+          </a:xfrm>
+          <a:prstGeom prst="rect">
+            <a:avLst/>
+          </a:prstGeom>
+          <a:solidFill>
+            <a:schemeClr val="accent3"/>
+          </a:solidFill>
+          <a:ln>
+            <a:noFill/>
+          </a:ln>
+        </p:spPr>
+        <p:style>
+          <a:lnRef idx="2">
+            <a:schemeClr val="accent1">
+              <a:shade val="50000"/>
+            </a:schemeClr>
+          </a:lnRef>
+          <a:fillRef idx="1">
+            <a:schemeClr val="accent1"/>
+          </a:fillRef>
+          <a:effectRef idx="0">
+            <a:schemeClr val="accent1"/>
+          </a:effectRef>
+          <a:fontRef idx="minor">
+            <a:schemeClr val="lt1"/>
+          </a:fontRef>
+        </p:style>
+        <p:txBody>
+          <a:bodyPr tIns="72000" bIns="36000" rtlCol="0" anchor="ctr"/>
+          <a:lstStyle/>
+          <a:p>
+            <a:pPr algn="ctr"/>
+            <a:r>
+              <a:rPr lang="en-US" altLang="ja-JP" sz="2000" b="1" dirty="0">
+                <a:solidFill>
+                  <a:schemeClr val="bg1"/>
+                </a:solidFill>
+                <a:latin typeface="+mn-ea"/>
+              </a:rPr>
+              <a:t>4</a:t>
+            </a:r>
+            <a:endParaRPr lang="ja-JP" altLang="en-US" sz="2000" b="1" dirty="0">
+              <a:solidFill>
+                <a:schemeClr val="bg1"/>
+              </a:solidFill>
+              <a:latin typeface="+mn-ea"/>
+            </a:endParaRPr>
+          </a:p>
+        </p:txBody>
+      </p:sp>
+      <p:sp>
+        <p:nvSpPr>
+          <p:cNvPr id="11" name="正方形/長方形 10">
+            <a:extLst>
+              <a:ext uri="{FF2B5EF4-FFF2-40B4-BE49-F238E27FC236}">
+                <a16:creationId xmlns:a16="http://schemas.microsoft.com/office/drawing/2014/main" id="{034846BC-E224-4D1C-8018-8305E2350883}"/>
+              </a:ext>
+            </a:extLst>
+          </p:cNvPr>
+          <p:cNvSpPr/>
+          <p:nvPr/>
+        </p:nvSpPr>
+        <p:spPr>
+          <a:xfrm>
+            <a:off x="763821" y="5392959"/>
+            <a:ext cx="720000" cy="540000"/>
+          </a:xfrm>
+          <a:prstGeom prst="rect">
+            <a:avLst/>
+          </a:prstGeom>
+          <a:solidFill>
+            <a:schemeClr val="accent3"/>
+          </a:solidFill>
+          <a:ln>
+            <a:noFill/>
+          </a:ln>
+        </p:spPr>
+        <p:style>
+          <a:lnRef idx="2">
+            <a:schemeClr val="accent1">
+              <a:shade val="50000"/>
+            </a:schemeClr>
+          </a:lnRef>
+          <a:fillRef idx="1">
+            <a:schemeClr val="accent1"/>
+          </a:fillRef>
+          <a:effectRef idx="0">
+            <a:schemeClr val="accent1"/>
+          </a:effectRef>
+          <a:fontRef idx="minor">
+            <a:schemeClr val="lt1"/>
+          </a:fontRef>
+        </p:style>
+        <p:txBody>
+          <a:bodyPr tIns="72000" bIns="36000" rtlCol="0" anchor="ctr"/>
+          <a:lstStyle/>
+          <a:p>
+            <a:pPr algn="ctr"/>
+            <a:r>
+              <a:rPr lang="en-US" altLang="ja-JP" sz="2000" b="1" dirty="0">
+                <a:solidFill>
+                  <a:schemeClr val="bg1"/>
+                </a:solidFill>
+                <a:latin typeface="+mn-ea"/>
+              </a:rPr>
+              <a:t>5</a:t>
+            </a:r>
+            <a:endParaRPr lang="ja-JP" altLang="en-US" sz="2000" b="1" dirty="0">
+              <a:solidFill>
+                <a:schemeClr val="bg1"/>
+              </a:solidFill>
+              <a:latin typeface="+mn-ea"/>
+            </a:endParaRPr>
+          </a:p>
+        </p:txBody>
+      </p:sp>
+      <p:sp>
+        <p:nvSpPr>
+          <p:cNvPr id="12" name="正方形/長方形 11">
+            <a:extLst>
+              <a:ext uri="{FF2B5EF4-FFF2-40B4-BE49-F238E27FC236}">
+                <a16:creationId xmlns:a16="http://schemas.microsoft.com/office/drawing/2014/main" id="{C974E7BA-B1DE-4553-ACCC-1419B7137128}"/>
+              </a:ext>
+            </a:extLst>
+          </p:cNvPr>
+          <p:cNvSpPr/>
+          <p:nvPr/>
+        </p:nvSpPr>
+        <p:spPr>
+          <a:xfrm>
+            <a:off x="763821" y="1242032"/>
+            <a:ext cx="720000" cy="540000"/>
+          </a:xfrm>
+          <a:prstGeom prst="rect">
+            <a:avLst/>
+          </a:prstGeom>
+          <a:solidFill>
+            <a:schemeClr val="accent3"/>
+          </a:solidFill>
+          <a:ln>
+            <a:noFill/>
+          </a:ln>
+        </p:spPr>
+        <p:style>
+          <a:lnRef idx="2">
+            <a:schemeClr val="accent1">
+              <a:shade val="50000"/>
+            </a:schemeClr>
+          </a:lnRef>
+          <a:fillRef idx="1">
+            <a:schemeClr val="accent1"/>
+          </a:fillRef>
+          <a:effectRef idx="0">
+            <a:schemeClr val="accent1"/>
+          </a:effectRef>
+          <a:fontRef idx="minor">
+            <a:schemeClr val="lt1"/>
+          </a:fontRef>
+        </p:style>
+        <p:txBody>
+          <a:bodyPr tIns="72000" bIns="36000" rtlCol="0" anchor="ctr"/>
+          <a:lstStyle/>
+          <a:p>
+            <a:pPr algn="ctr"/>
+            <a:r>
+              <a:rPr lang="en-US" altLang="ja-JP" sz="2000" b="1" dirty="0">
+                <a:solidFill>
+                  <a:schemeClr val="bg1"/>
+                </a:solidFill>
+                <a:latin typeface="+mn-ea"/>
+              </a:rPr>
+              <a:t>1</a:t>
+            </a:r>
+            <a:endParaRPr lang="ja-JP" altLang="en-US" sz="2000" b="1" dirty="0">
+              <a:solidFill>
+                <a:schemeClr val="bg1"/>
+              </a:solidFill>
+              <a:latin typeface="+mn-ea"/>
+            </a:endParaRPr>
+          </a:p>
+        </p:txBody>
+      </p:sp>
+      <p:sp>
+        <p:nvSpPr>
+          <p:cNvPr id="13" name="テキスト プレースホルダー 12">
+            <a:extLst>
+              <a:ext uri="{FF2B5EF4-FFF2-40B4-BE49-F238E27FC236}">
+                <a16:creationId xmlns:a16="http://schemas.microsoft.com/office/drawing/2014/main" id="{C2A59D92-8727-4D8A-BE2F-9B86F7CBB2F9}"/>
+              </a:ext>
+            </a:extLst>
+          </p:cNvPr>
+          <p:cNvSpPr>
+            <a:spLocks noGrp="1"/>
+          </p:cNvSpPr>
+          <p:nvPr>
+            <p:ph type="body" sz="quarter" idx="10" hasCustomPrompt="1"/>
+          </p:nvPr>
+        </p:nvSpPr>
+        <p:spPr>
+          <a:xfrm>
+            <a:off x="1691220" y="1241425"/>
+            <a:ext cx="9709149" cy="541338"/>
+          </a:xfrm>
+          <a:prstGeom prst="rect">
+            <a:avLst/>
+          </a:prstGeom>
+        </p:spPr>
+        <p:txBody>
+          <a:bodyPr anchor="ctr"/>
+          <a:lstStyle>
+            <a:lvl1pPr marL="0" indent="0">
+              <a:buNone/>
+              <a:defRPr sz="2000"/>
+            </a:lvl1pPr>
+          </a:lstStyle>
+          <a:p>
+            <a:pPr lvl="0"/>
+            <a:r>
+              <a:rPr kumimoji="1" lang="ja-JP" altLang="en-US" dirty="0"/>
+              <a:t>製造業のソフトウェア開発に求められるもの</a:t>
+            </a:r>
+          </a:p>
+        </p:txBody>
+      </p:sp>
+      <p:sp>
+        <p:nvSpPr>
+          <p:cNvPr id="15" name="テキスト プレースホルダー 12">
+            <a:extLst>
+              <a:ext uri="{FF2B5EF4-FFF2-40B4-BE49-F238E27FC236}">
+                <a16:creationId xmlns:a16="http://schemas.microsoft.com/office/drawing/2014/main" id="{C5162572-65AA-4674-B98C-3F2C60B5916E}"/>
+              </a:ext>
+            </a:extLst>
+          </p:cNvPr>
+          <p:cNvSpPr>
+            <a:spLocks noGrp="1"/>
+          </p:cNvSpPr>
+          <p:nvPr>
+            <p:ph type="body" sz="quarter" idx="11" hasCustomPrompt="1"/>
+          </p:nvPr>
+        </p:nvSpPr>
+        <p:spPr>
+          <a:xfrm>
+            <a:off x="1691220" y="5398092"/>
+            <a:ext cx="9709149" cy="541338"/>
+          </a:xfrm>
+          <a:prstGeom prst="rect">
+            <a:avLst/>
+          </a:prstGeom>
+        </p:spPr>
+        <p:txBody>
+          <a:bodyPr anchor="ctr"/>
+          <a:lstStyle>
+            <a:lvl1pPr marL="0" indent="0">
+              <a:buNone/>
+              <a:defRPr sz="2000"/>
+            </a:lvl1pPr>
+          </a:lstStyle>
+          <a:p>
+            <a:pPr lvl="0"/>
+            <a:r>
+              <a:rPr kumimoji="1" lang="ja-JP" altLang="en-US" dirty="0"/>
+              <a:t>まとめ</a:t>
+            </a:r>
+            <a:endParaRPr kumimoji="1" lang="en-US" altLang="ja-JP" dirty="0"/>
+          </a:p>
+        </p:txBody>
+      </p:sp>
+      <p:sp>
+        <p:nvSpPr>
+          <p:cNvPr id="16" name="テキスト プレースホルダー 12">
+            <a:extLst>
+              <a:ext uri="{FF2B5EF4-FFF2-40B4-BE49-F238E27FC236}">
+                <a16:creationId xmlns:a16="http://schemas.microsoft.com/office/drawing/2014/main" id="{F0A3642A-7FC1-41B9-B14E-945FE3976080}"/>
+              </a:ext>
+            </a:extLst>
+          </p:cNvPr>
+          <p:cNvSpPr>
+            <a:spLocks noGrp="1"/>
+          </p:cNvSpPr>
+          <p:nvPr>
+            <p:ph type="body" sz="quarter" idx="12" hasCustomPrompt="1"/>
+          </p:nvPr>
+        </p:nvSpPr>
+        <p:spPr>
+          <a:xfrm>
+            <a:off x="1691220" y="2313923"/>
+            <a:ext cx="9709149" cy="541338"/>
+          </a:xfrm>
+          <a:prstGeom prst="rect">
+            <a:avLst/>
+          </a:prstGeom>
+        </p:spPr>
+        <p:txBody>
+          <a:bodyPr anchor="ctr"/>
+          <a:lstStyle>
+            <a:lvl1pPr marL="0" indent="0">
+              <a:buNone/>
+              <a:defRPr sz="2000"/>
+            </a:lvl1pPr>
+          </a:lstStyle>
+          <a:p>
+            <a:pPr lvl="0"/>
+            <a:r>
+              <a:rPr kumimoji="1" lang="ja-JP" altLang="en-US" dirty="0"/>
+              <a:t>製造業のソフトウェアにおける「設計品質」の問題点と課題</a:t>
+            </a:r>
+          </a:p>
+        </p:txBody>
+      </p:sp>
+      <p:sp>
+        <p:nvSpPr>
+          <p:cNvPr id="18" name="テキスト プレースホルダー 12">
+            <a:extLst>
+              <a:ext uri="{FF2B5EF4-FFF2-40B4-BE49-F238E27FC236}">
+                <a16:creationId xmlns:a16="http://schemas.microsoft.com/office/drawing/2014/main" id="{11A10625-B0F9-47DC-9A97-3EC70565D2D3}"/>
+              </a:ext>
+            </a:extLst>
+          </p:cNvPr>
+          <p:cNvSpPr>
+            <a:spLocks noGrp="1"/>
+          </p:cNvSpPr>
+          <p:nvPr>
+            <p:ph type="body" sz="quarter" idx="13" hasCustomPrompt="1"/>
+          </p:nvPr>
+        </p:nvSpPr>
+        <p:spPr>
+          <a:xfrm>
+            <a:off x="1719032" y="3321242"/>
+            <a:ext cx="9709149" cy="541338"/>
+          </a:xfrm>
+          <a:prstGeom prst="rect">
+            <a:avLst/>
+          </a:prstGeom>
+        </p:spPr>
+        <p:txBody>
+          <a:bodyPr anchor="ctr"/>
+          <a:lstStyle>
+            <a:lvl1pPr marL="0" indent="0">
+              <a:buNone/>
+              <a:defRPr sz="2000"/>
+            </a:lvl1pPr>
+          </a:lstStyle>
+          <a:p>
+            <a:pPr lvl="0"/>
+            <a:r>
+              <a:rPr kumimoji="1" lang="ja-JP" altLang="en-US" dirty="0"/>
+              <a:t>なぜモデルなのか？</a:t>
+            </a:r>
+          </a:p>
+        </p:txBody>
+      </p:sp>
+      <p:sp>
+        <p:nvSpPr>
+          <p:cNvPr id="19" name="テキスト プレースホルダー 12">
+            <a:extLst>
+              <a:ext uri="{FF2B5EF4-FFF2-40B4-BE49-F238E27FC236}">
+                <a16:creationId xmlns:a16="http://schemas.microsoft.com/office/drawing/2014/main" id="{9E55F54E-1006-448E-B7C9-17FC1C923AC2}"/>
+              </a:ext>
+            </a:extLst>
+          </p:cNvPr>
+          <p:cNvSpPr>
+            <a:spLocks noGrp="1"/>
+          </p:cNvSpPr>
+          <p:nvPr>
+            <p:ph type="body" sz="quarter" idx="14" hasCustomPrompt="1"/>
+          </p:nvPr>
+        </p:nvSpPr>
+        <p:spPr>
+          <a:xfrm>
+            <a:off x="1719032" y="4358974"/>
+            <a:ext cx="9709149" cy="541338"/>
+          </a:xfrm>
+          <a:prstGeom prst="rect">
+            <a:avLst/>
+          </a:prstGeom>
+        </p:spPr>
+        <p:txBody>
+          <a:bodyPr anchor="ctr"/>
+          <a:lstStyle>
+            <a:lvl1pPr marL="0" indent="0">
+              <a:buNone/>
+              <a:defRPr sz="2000"/>
+            </a:lvl1pPr>
+          </a:lstStyle>
+          <a:p>
+            <a:pPr lvl="0"/>
+            <a:r>
+              <a:rPr kumimoji="1" lang="ja-JP" altLang="en-US" dirty="0"/>
+              <a:t>良いモデルを描くためには</a:t>
+            </a:r>
+          </a:p>
+        </p:txBody>
+      </p:sp>
+    </p:spTree>
+    <p:extLst>
+      <p:ext uri="{BB962C8B-B14F-4D97-AF65-F5344CB8AC3E}">
+        <p14:creationId xmlns:p14="http://schemas.microsoft.com/office/powerpoint/2010/main" val="2313272702"/>
+      </p:ext>
+    </p:extLst>
+  </p:cSld>
+  <p:clrMapOvr>
+    <a:masterClrMapping/>
+  </p:clrMapOvr>
+  <p:extLst>
+    <p:ext uri="{DCECCB84-F9BA-43D5-87BE-67443E8EF086}">
+      <p15:sldGuideLst xmlns:p15="http://schemas.microsoft.com/office/powerpoint/2012/main">
+        <p15:guide id="1" pos="136">
+          <p15:clr>
+            <a:srgbClr val="FBAE40"/>
+          </p15:clr>
+        </p15:guide>
+        <p15:guide id="2" pos="5624">
+          <p15:clr>
+            <a:srgbClr val="FBAE40"/>
+          </p15:clr>
+        </p15:guide>
+        <p15:guide id="3" pos="272">
+          <p15:clr>
+            <a:srgbClr val="FBAE40"/>
+          </p15:clr>
+        </p15:guide>
+        <p15:guide id="4" pos="5488">
+          <p15:clr>
+            <a:srgbClr val="FBAE40"/>
+          </p15:clr>
+        </p15:guide>
+      </p15:sldGuideLst>
+    </p:ext>
+  </p:extLst>
+</p:sldLayout>
+</file>
+
 <file path=ppt/slideLayouts/slideLayout3.xml><?xml version="1.0" encoding="utf-8"?>
-<p:sldLayout xmlns:a="http://schemas.openxmlformats.org/drawingml/2006/main" xmlns:r="http://schemas.openxmlformats.org/officeDocument/2006/relationships" xmlns:p="http://schemas.openxmlformats.org/presentationml/2006/main" type="secHead" preserve="1">
-  <p:cSld name="セクション見出し">
+<p:sldLayout xmlns:a="http://schemas.openxmlformats.org/drawingml/2006/main" xmlns:r="http://schemas.openxmlformats.org/officeDocument/2006/relationships" xmlns:p="http://schemas.openxmlformats.org/presentationml/2006/main" preserve="1">
+  <p:cSld name="3_セクションブレイク">
+    <p:bg>
+      <p:bgPr>
+        <a:solidFill>
+          <a:schemeClr val="accent1"/>
+        </a:solidFill>
+        <a:effectLst/>
+      </p:bgPr>
+    </p:bg>
     <p:spTree>
       <p:nvGrpSpPr>
         <p:cNvPr id="1" name=""/>
@@ -6092,10 +7366,10 @@
       </p:grpSpPr>
       <p:sp>
         <p:nvSpPr>
-          <p:cNvPr id="2" name="タイトル 1">
+          <p:cNvPr id="4" name="テキスト プレースホルダー 3">
             <a:extLst>
               <a:ext uri="{FF2B5EF4-FFF2-40B4-BE49-F238E27FC236}">
-                <a16:creationId xmlns:a16="http://schemas.microsoft.com/office/drawing/2014/main" id="{FDB1B828-8F1C-A77D-3183-DE903A11153B}"/>
+                <a16:creationId xmlns:a16="http://schemas.microsoft.com/office/drawing/2014/main" id="{70630168-7B1E-4056-9DC5-8B22630778C1}"/>
               </a:ext>
             </a:extLst>
           </p:cNvPr>
@@ -6103,145 +7377,29 @@
             <a:spLocks noGrp="1"/>
           </p:cNvSpPr>
           <p:nvPr>
-            <p:ph type="title"/>
+            <p:ph type="body" sz="quarter" idx="10"/>
           </p:nvPr>
         </p:nvSpPr>
         <p:spPr>
           <a:xfrm>
-            <a:off x="831850" y="1709738"/>
-            <a:ext cx="10515600" cy="2852737"/>
+            <a:off x="0" y="1414130"/>
+            <a:ext cx="12192000" cy="3763926"/>
           </a:xfrm>
+          <a:prstGeom prst="rect">
+            <a:avLst/>
+          </a:prstGeom>
         </p:spPr>
         <p:txBody>
-          <a:bodyPr anchor="b"/>
+          <a:bodyPr lIns="180000" rIns="180000" anchor="ctr"/>
           <a:lstStyle>
-            <a:lvl1pPr>
-              <a:defRPr sz="6000"/>
-            </a:lvl1pPr>
-          </a:lstStyle>
-          <a:p>
-            <a:r>
-              <a:rPr kumimoji="1" lang="ja-JP" altLang="en-US"/>
-              <a:t>マスター タイトルの書式設定</a:t>
-            </a:r>
-          </a:p>
-        </p:txBody>
-      </p:sp>
-      <p:sp>
-        <p:nvSpPr>
-          <p:cNvPr id="3" name="テキスト プレースホルダー 2">
-            <a:extLst>
-              <a:ext uri="{FF2B5EF4-FFF2-40B4-BE49-F238E27FC236}">
-                <a16:creationId xmlns:a16="http://schemas.microsoft.com/office/drawing/2014/main" id="{9F63A508-DF42-47A6-AEA5-D800D6EB48D3}"/>
-              </a:ext>
-            </a:extLst>
-          </p:cNvPr>
-          <p:cNvSpPr>
-            <a:spLocks noGrp="1"/>
-          </p:cNvSpPr>
-          <p:nvPr>
-            <p:ph type="body" idx="1"/>
-          </p:nvPr>
-        </p:nvSpPr>
-        <p:spPr>
-          <a:xfrm>
-            <a:off x="831850" y="4589463"/>
-            <a:ext cx="10515600" cy="1500187"/>
-          </a:xfrm>
-        </p:spPr>
-        <p:txBody>
-          <a:bodyPr/>
-          <a:lstStyle>
-            <a:lvl1pPr marL="0" indent="0">
+            <a:lvl1pPr marL="0" indent="0" algn="ctr">
               <a:buNone/>
-              <a:defRPr sz="2400">
+              <a:defRPr>
                 <a:solidFill>
-                  <a:schemeClr val="tx1">
-                    <a:tint val="82000"/>
-                  </a:schemeClr>
+                  <a:schemeClr val="bg1"/>
                 </a:solidFill>
               </a:defRPr>
             </a:lvl1pPr>
-            <a:lvl2pPr marL="457200" indent="0">
-              <a:buNone/>
-              <a:defRPr sz="2000">
-                <a:solidFill>
-                  <a:schemeClr val="tx1">
-                    <a:tint val="82000"/>
-                  </a:schemeClr>
-                </a:solidFill>
-              </a:defRPr>
-            </a:lvl2pPr>
-            <a:lvl3pPr marL="914400" indent="0">
-              <a:buNone/>
-              <a:defRPr sz="1800">
-                <a:solidFill>
-                  <a:schemeClr val="tx1">
-                    <a:tint val="82000"/>
-                  </a:schemeClr>
-                </a:solidFill>
-              </a:defRPr>
-            </a:lvl3pPr>
-            <a:lvl4pPr marL="1371600" indent="0">
-              <a:buNone/>
-              <a:defRPr sz="1600">
-                <a:solidFill>
-                  <a:schemeClr val="tx1">
-                    <a:tint val="82000"/>
-                  </a:schemeClr>
-                </a:solidFill>
-              </a:defRPr>
-            </a:lvl4pPr>
-            <a:lvl5pPr marL="1828800" indent="0">
-              <a:buNone/>
-              <a:defRPr sz="1600">
-                <a:solidFill>
-                  <a:schemeClr val="tx1">
-                    <a:tint val="82000"/>
-                  </a:schemeClr>
-                </a:solidFill>
-              </a:defRPr>
-            </a:lvl5pPr>
-            <a:lvl6pPr marL="2286000" indent="0">
-              <a:buNone/>
-              <a:defRPr sz="1600">
-                <a:solidFill>
-                  <a:schemeClr val="tx1">
-                    <a:tint val="82000"/>
-                  </a:schemeClr>
-                </a:solidFill>
-              </a:defRPr>
-            </a:lvl6pPr>
-            <a:lvl7pPr marL="2743200" indent="0">
-              <a:buNone/>
-              <a:defRPr sz="1600">
-                <a:solidFill>
-                  <a:schemeClr val="tx1">
-                    <a:tint val="82000"/>
-                  </a:schemeClr>
-                </a:solidFill>
-              </a:defRPr>
-            </a:lvl7pPr>
-            <a:lvl8pPr marL="3200400" indent="0">
-              <a:buNone/>
-              <a:defRPr sz="1600">
-                <a:solidFill>
-                  <a:schemeClr val="tx1">
-                    <a:tint val="82000"/>
-                  </a:schemeClr>
-                </a:solidFill>
-              </a:defRPr>
-            </a:lvl8pPr>
-            <a:lvl9pPr marL="3657600" indent="0">
-              <a:buNone/>
-              <a:defRPr sz="1600">
-                <a:solidFill>
-                  <a:schemeClr val="tx1">
-                    <a:tint val="82000"/>
-                  </a:schemeClr>
-                </a:solidFill>
-              </a:defRPr>
-            </a:lvl9pPr>
           </a:lstStyle>
           <a:p>
             <a:pPr lvl="0"/>
@@ -6252,93 +7410,10 @@
           </a:p>
         </p:txBody>
       </p:sp>
-      <p:sp>
-        <p:nvSpPr>
-          <p:cNvPr id="4" name="日付プレースホルダー 3">
-            <a:extLst>
-              <a:ext uri="{FF2B5EF4-FFF2-40B4-BE49-F238E27FC236}">
-                <a16:creationId xmlns:a16="http://schemas.microsoft.com/office/drawing/2014/main" id="{92C94362-DC18-648A-85E6-D6110DA2646D}"/>
-              </a:ext>
-            </a:extLst>
-          </p:cNvPr>
-          <p:cNvSpPr>
-            <a:spLocks noGrp="1"/>
-          </p:cNvSpPr>
-          <p:nvPr>
-            <p:ph type="dt" sz="half" idx="10"/>
-          </p:nvPr>
-        </p:nvSpPr>
-        <p:spPr/>
-        <p:txBody>
-          <a:bodyPr/>
-          <a:lstStyle/>
-          <a:p>
-            <a:fld id="{91F07EAE-C093-4CCA-B3C0-4B8D0B679D15}" type="datetimeFigureOut">
-              <a:rPr kumimoji="1" lang="ja-JP" altLang="en-US" smtClean="0"/>
-              <a:t>2025/11/20</a:t>
-            </a:fld>
-            <a:endParaRPr kumimoji="1" lang="ja-JP" altLang="en-US"/>
-          </a:p>
-        </p:txBody>
-      </p:sp>
-      <p:sp>
-        <p:nvSpPr>
-          <p:cNvPr id="5" name="フッター プレースホルダー 4">
-            <a:extLst>
-              <a:ext uri="{FF2B5EF4-FFF2-40B4-BE49-F238E27FC236}">
-                <a16:creationId xmlns:a16="http://schemas.microsoft.com/office/drawing/2014/main" id="{CC4D6BAA-AE8D-CEAA-F703-1A785887C2DF}"/>
-              </a:ext>
-            </a:extLst>
-          </p:cNvPr>
-          <p:cNvSpPr>
-            <a:spLocks noGrp="1"/>
-          </p:cNvSpPr>
-          <p:nvPr>
-            <p:ph type="ftr" sz="quarter" idx="11"/>
-          </p:nvPr>
-        </p:nvSpPr>
-        <p:spPr/>
-        <p:txBody>
-          <a:bodyPr/>
-          <a:lstStyle/>
-          <a:p>
-            <a:endParaRPr kumimoji="1" lang="ja-JP" altLang="en-US"/>
-          </a:p>
-        </p:txBody>
-      </p:sp>
-      <p:sp>
-        <p:nvSpPr>
-          <p:cNvPr id="6" name="スライド番号プレースホルダー 5">
-            <a:extLst>
-              <a:ext uri="{FF2B5EF4-FFF2-40B4-BE49-F238E27FC236}">
-                <a16:creationId xmlns:a16="http://schemas.microsoft.com/office/drawing/2014/main" id="{ED66AAA3-9135-09CF-B372-7FE943653AD7}"/>
-              </a:ext>
-            </a:extLst>
-          </p:cNvPr>
-          <p:cNvSpPr>
-            <a:spLocks noGrp="1"/>
-          </p:cNvSpPr>
-          <p:nvPr>
-            <p:ph type="sldNum" sz="quarter" idx="12"/>
-          </p:nvPr>
-        </p:nvSpPr>
-        <p:spPr/>
-        <p:txBody>
-          <a:bodyPr/>
-          <a:lstStyle/>
-          <a:p>
-            <a:fld id="{4A39AF54-13FC-4832-9337-370E1C3382B0}" type="slidenum">
-              <a:rPr kumimoji="1" lang="ja-JP" altLang="en-US" smtClean="0"/>
-              <a:t>‹#›</a:t>
-            </a:fld>
-            <a:endParaRPr kumimoji="1" lang="ja-JP" altLang="en-US"/>
-          </a:p>
-        </p:txBody>
-      </p:sp>
     </p:spTree>
     <p:extLst>
       <p:ext uri="{BB962C8B-B14F-4D97-AF65-F5344CB8AC3E}">
-        <p14:creationId xmlns:p14="http://schemas.microsoft.com/office/powerpoint/2010/main" val="865669712"/>
+        <p14:creationId xmlns:p14="http://schemas.microsoft.com/office/powerpoint/2010/main" val="1462193363"/>
       </p:ext>
     </p:extLst>
   </p:cSld>
@@ -6349,8 +7424,8 @@
 </file>
 
 <file path=ppt/slideLayouts/slideLayout4.xml><?xml version="1.0" encoding="utf-8"?>
-<p:sldLayout xmlns:a="http://schemas.openxmlformats.org/drawingml/2006/main" xmlns:r="http://schemas.openxmlformats.org/officeDocument/2006/relationships" xmlns:p="http://schemas.openxmlformats.org/presentationml/2006/main" type="twoObj" preserve="1">
-  <p:cSld name="2 つのコンテンツ">
+<p:sldLayout xmlns:a="http://schemas.openxmlformats.org/drawingml/2006/main" xmlns:r="http://schemas.openxmlformats.org/officeDocument/2006/relationships" xmlns:p="http://schemas.openxmlformats.org/presentationml/2006/main" preserve="1">
+  <p:cSld name="4_タイトルとコンテンツ">
     <p:spTree>
       <p:nvGrpSpPr>
         <p:cNvPr id="1" name=""/>
@@ -6367,10 +7442,187 @@
       </p:grpSpPr>
       <p:sp>
         <p:nvSpPr>
-          <p:cNvPr id="2" name="タイトル 1">
+          <p:cNvPr id="2" name="タイトル 1"/>
+          <p:cNvSpPr>
+            <a:spLocks noGrp="1"/>
+          </p:cNvSpPr>
+          <p:nvPr>
+            <p:ph type="title" hasCustomPrompt="1"/>
+          </p:nvPr>
+        </p:nvSpPr>
+        <p:spPr>
+          <a:xfrm>
+            <a:off x="311648" y="218819"/>
+            <a:ext cx="11620581" cy="483310"/>
+          </a:xfrm>
+          <a:prstGeom prst="rect">
+            <a:avLst/>
+          </a:prstGeom>
+        </p:spPr>
+        <p:txBody>
+          <a:bodyPr lIns="180000" tIns="108000">
+            <a:noAutofit/>
+          </a:bodyPr>
+          <a:lstStyle>
+            <a:lvl1pPr algn="l">
+              <a:defRPr sz="2800" b="1">
+                <a:solidFill>
+                  <a:srgbClr val="1E1E1E"/>
+                </a:solidFill>
+                <a:latin typeface="+mj-ea"/>
+                <a:ea typeface="+mj-ea"/>
+              </a:defRPr>
+            </a:lvl1pPr>
+          </a:lstStyle>
+          <a:p>
+            <a:r>
+              <a:rPr kumimoji="1" lang="ja-JP" altLang="en-US" dirty="0"/>
+              <a:t>マスタ タイトルの書式設定</a:t>
+            </a:r>
+          </a:p>
+        </p:txBody>
+      </p:sp>
+      <p:sp>
+        <p:nvSpPr>
+          <p:cNvPr id="5" name="正方形/長方形 4">
             <a:extLst>
               <a:ext uri="{FF2B5EF4-FFF2-40B4-BE49-F238E27FC236}">
-                <a16:creationId xmlns:a16="http://schemas.microsoft.com/office/drawing/2014/main" id="{023585AD-132D-1104-DE7F-CA125D56BA4E}"/>
+                <a16:creationId xmlns:a16="http://schemas.microsoft.com/office/drawing/2014/main" id="{49878991-B6FE-48BC-BB89-27A03811152B}"/>
+              </a:ext>
+            </a:extLst>
+          </p:cNvPr>
+          <p:cNvSpPr/>
+          <p:nvPr/>
+        </p:nvSpPr>
+        <p:spPr>
+          <a:xfrm>
+            <a:off x="298318" y="252919"/>
+            <a:ext cx="60959" cy="449210"/>
+          </a:xfrm>
+          <a:prstGeom prst="rect">
+            <a:avLst/>
+          </a:prstGeom>
+          <a:solidFill>
+            <a:srgbClr val="1E1E1E"/>
+          </a:solidFill>
+          <a:ln w="19050">
+            <a:solidFill>
+              <a:srgbClr val="000000"/>
+            </a:solidFill>
+          </a:ln>
+        </p:spPr>
+        <p:style>
+          <a:lnRef idx="2">
+            <a:schemeClr val="accent1">
+              <a:shade val="50000"/>
+            </a:schemeClr>
+          </a:lnRef>
+          <a:fillRef idx="1">
+            <a:schemeClr val="accent1"/>
+          </a:fillRef>
+          <a:effectRef idx="0">
+            <a:schemeClr val="accent1"/>
+          </a:effectRef>
+          <a:fontRef idx="minor">
+            <a:schemeClr val="lt1"/>
+          </a:fontRef>
+        </p:style>
+        <p:txBody>
+          <a:bodyPr rtlCol="0" anchor="ctr"/>
+          <a:lstStyle/>
+          <a:p>
+            <a:pPr algn="ctr"/>
+            <a:endParaRPr kumimoji="1" lang="ja-JP" altLang="en-US" sz="1800"/>
+          </a:p>
+        </p:txBody>
+      </p:sp>
+      <p:sp>
+        <p:nvSpPr>
+          <p:cNvPr id="6" name="テキスト ボックス 5">
+            <a:extLst>
+              <a:ext uri="{FF2B5EF4-FFF2-40B4-BE49-F238E27FC236}">
+                <a16:creationId xmlns:a16="http://schemas.microsoft.com/office/drawing/2014/main" id="{78FEB836-1D44-4E6D-91A9-0100FF7663F1}"/>
+              </a:ext>
+            </a:extLst>
+          </p:cNvPr>
+          <p:cNvSpPr txBox="1"/>
+          <p:nvPr/>
+        </p:nvSpPr>
+        <p:spPr>
+          <a:xfrm>
+            <a:off x="11517551" y="6632480"/>
+            <a:ext cx="576000" cy="230832"/>
+          </a:xfrm>
+          <a:prstGeom prst="rect">
+            <a:avLst/>
+          </a:prstGeom>
+          <a:noFill/>
+        </p:spPr>
+        <p:txBody>
+          <a:bodyPr wrap="square" rtlCol="0">
+            <a:spAutoFit/>
+          </a:bodyPr>
+          <a:lstStyle/>
+          <a:p>
+            <a:pPr algn="ctr"/>
+            <a:fld id="{FCBA7EC3-AB9E-46E6-85D8-3FAAF4CF299E}" type="slidenum">
+              <a:rPr kumimoji="1" lang="ja-JP" altLang="en-US" sz="900" smtClean="0"/>
+              <a:pPr algn="ctr"/>
+              <a:t>‹#›</a:t>
+            </a:fld>
+            <a:endParaRPr kumimoji="1" lang="ja-JP" altLang="en-US" sz="900"/>
+          </a:p>
+        </p:txBody>
+      </p:sp>
+      <p:cxnSp>
+        <p:nvCxnSpPr>
+          <p:cNvPr id="8" name="直線コネクタ 7">
+            <a:extLst>
+              <a:ext uri="{FF2B5EF4-FFF2-40B4-BE49-F238E27FC236}">
+                <a16:creationId xmlns:a16="http://schemas.microsoft.com/office/drawing/2014/main" id="{E9A3C70C-CA5C-4B50-9A1D-EE521BC63546}"/>
+              </a:ext>
+            </a:extLst>
+          </p:cNvPr>
+          <p:cNvCxnSpPr>
+            <a:cxnSpLocks/>
+          </p:cNvCxnSpPr>
+          <p:nvPr/>
+        </p:nvCxnSpPr>
+        <p:spPr>
+          <a:xfrm>
+            <a:off x="575735" y="846640"/>
+            <a:ext cx="11040532" cy="0"/>
+          </a:xfrm>
+          <a:prstGeom prst="line">
+            <a:avLst/>
+          </a:prstGeom>
+          <a:ln>
+            <a:solidFill>
+              <a:schemeClr val="tx1"/>
+            </a:solidFill>
+          </a:ln>
+        </p:spPr>
+        <p:style>
+          <a:lnRef idx="1">
+            <a:schemeClr val="accent1"/>
+          </a:lnRef>
+          <a:fillRef idx="0">
+            <a:schemeClr val="accent1"/>
+          </a:fillRef>
+          <a:effectRef idx="0">
+            <a:schemeClr val="accent1"/>
+          </a:effectRef>
+          <a:fontRef idx="minor">
+            <a:schemeClr val="tx1"/>
+          </a:fontRef>
+        </p:style>
+      </p:cxnSp>
+      <p:sp>
+        <p:nvSpPr>
+          <p:cNvPr id="9" name="テキスト プレースホルダー 8">
+            <a:extLst>
+              <a:ext uri="{FF2B5EF4-FFF2-40B4-BE49-F238E27FC236}">
+                <a16:creationId xmlns:a16="http://schemas.microsoft.com/office/drawing/2014/main" id="{CB6C442C-C9C2-4238-94D9-9B6F426B66D5}"/>
               </a:ext>
             </a:extLst>
           </p:cNvPr>
@@ -6378,1141 +7630,54 @@
             <a:spLocks noGrp="1"/>
           </p:cNvSpPr>
           <p:nvPr>
-            <p:ph type="title"/>
-          </p:nvPr>
-        </p:nvSpPr>
-        <p:spPr/>
-        <p:txBody>
-          <a:bodyPr/>
-          <a:lstStyle/>
-          <a:p>
-            <a:r>
-              <a:rPr kumimoji="1" lang="ja-JP" altLang="en-US"/>
-              <a:t>マスター タイトルの書式設定</a:t>
-            </a:r>
-          </a:p>
-        </p:txBody>
-      </p:sp>
-      <p:sp>
-        <p:nvSpPr>
-          <p:cNvPr id="3" name="コンテンツ プレースホルダー 2">
-            <a:extLst>
-              <a:ext uri="{FF2B5EF4-FFF2-40B4-BE49-F238E27FC236}">
-                <a16:creationId xmlns:a16="http://schemas.microsoft.com/office/drawing/2014/main" id="{62B32C3A-B18D-4587-FAB5-32DD6CAB08E6}"/>
-              </a:ext>
-            </a:extLst>
-          </p:cNvPr>
-          <p:cNvSpPr>
-            <a:spLocks noGrp="1"/>
-          </p:cNvSpPr>
-          <p:nvPr>
-            <p:ph sz="half" idx="1"/>
+            <p:ph type="body" sz="quarter" idx="10"/>
           </p:nvPr>
         </p:nvSpPr>
         <p:spPr>
           <a:xfrm>
-            <a:off x="838200" y="1825625"/>
-            <a:ext cx="5181600" cy="4351338"/>
+            <a:off x="575736" y="944563"/>
+            <a:ext cx="11040533" cy="5543550"/>
           </a:xfrm>
-        </p:spPr>
-        <p:txBody>
-          <a:bodyPr/>
-          <a:lstStyle/>
-          <a:p>
-            <a:pPr lvl="0"/>
-            <a:r>
-              <a:rPr kumimoji="1" lang="ja-JP" altLang="en-US"/>
-              <a:t>マスター テキストの書式設定</a:t>
-            </a:r>
-          </a:p>
-          <a:p>
-            <a:pPr lvl="1"/>
-            <a:r>
-              <a:rPr kumimoji="1" lang="ja-JP" altLang="en-US"/>
-              <a:t>第 </a:t>
-            </a:r>
-            <a:r>
-              <a:rPr kumimoji="1" lang="en-US" altLang="ja-JP"/>
-              <a:t>2 </a:t>
-            </a:r>
-            <a:r>
-              <a:rPr kumimoji="1" lang="ja-JP" altLang="en-US"/>
-              <a:t>レベル</a:t>
-            </a:r>
-          </a:p>
-          <a:p>
-            <a:pPr lvl="2"/>
-            <a:r>
-              <a:rPr kumimoji="1" lang="ja-JP" altLang="en-US"/>
-              <a:t>第 </a:t>
-            </a:r>
-            <a:r>
-              <a:rPr kumimoji="1" lang="en-US" altLang="ja-JP"/>
-              <a:t>3 </a:t>
-            </a:r>
-            <a:r>
-              <a:rPr kumimoji="1" lang="ja-JP" altLang="en-US"/>
-              <a:t>レベル</a:t>
-            </a:r>
-          </a:p>
-          <a:p>
-            <a:pPr lvl="3"/>
-            <a:r>
-              <a:rPr kumimoji="1" lang="ja-JP" altLang="en-US"/>
-              <a:t>第 </a:t>
-            </a:r>
-            <a:r>
-              <a:rPr kumimoji="1" lang="en-US" altLang="ja-JP"/>
-              <a:t>4 </a:t>
-            </a:r>
-            <a:r>
-              <a:rPr kumimoji="1" lang="ja-JP" altLang="en-US"/>
-              <a:t>レベル</a:t>
-            </a:r>
-          </a:p>
-          <a:p>
-            <a:pPr lvl="4"/>
-            <a:r>
-              <a:rPr kumimoji="1" lang="ja-JP" altLang="en-US"/>
-              <a:t>第 </a:t>
-            </a:r>
-            <a:r>
-              <a:rPr kumimoji="1" lang="en-US" altLang="ja-JP"/>
-              <a:t>5 </a:t>
-            </a:r>
-            <a:r>
-              <a:rPr kumimoji="1" lang="ja-JP" altLang="en-US"/>
-              <a:t>レベル</a:t>
-            </a:r>
-          </a:p>
-        </p:txBody>
-      </p:sp>
-      <p:sp>
-        <p:nvSpPr>
-          <p:cNvPr id="4" name="コンテンツ プレースホルダー 3">
-            <a:extLst>
-              <a:ext uri="{FF2B5EF4-FFF2-40B4-BE49-F238E27FC236}">
-                <a16:creationId xmlns:a16="http://schemas.microsoft.com/office/drawing/2014/main" id="{DF734307-8193-F0F8-EB34-89828C118B21}"/>
-              </a:ext>
-            </a:extLst>
-          </p:cNvPr>
-          <p:cNvSpPr>
-            <a:spLocks noGrp="1"/>
-          </p:cNvSpPr>
-          <p:nvPr>
-            <p:ph sz="half" idx="2"/>
-          </p:nvPr>
-        </p:nvSpPr>
-        <p:spPr>
-          <a:xfrm>
-            <a:off x="6172200" y="1825625"/>
-            <a:ext cx="5181600" cy="4351338"/>
-          </a:xfrm>
-        </p:spPr>
-        <p:txBody>
-          <a:bodyPr/>
-          <a:lstStyle/>
-          <a:p>
-            <a:pPr lvl="0"/>
-            <a:r>
-              <a:rPr kumimoji="1" lang="ja-JP" altLang="en-US"/>
-              <a:t>マスター テキストの書式設定</a:t>
-            </a:r>
-          </a:p>
-          <a:p>
-            <a:pPr lvl="1"/>
-            <a:r>
-              <a:rPr kumimoji="1" lang="ja-JP" altLang="en-US"/>
-              <a:t>第 </a:t>
-            </a:r>
-            <a:r>
-              <a:rPr kumimoji="1" lang="en-US" altLang="ja-JP"/>
-              <a:t>2 </a:t>
-            </a:r>
-            <a:r>
-              <a:rPr kumimoji="1" lang="ja-JP" altLang="en-US"/>
-              <a:t>レベル</a:t>
-            </a:r>
-          </a:p>
-          <a:p>
-            <a:pPr lvl="2"/>
-            <a:r>
-              <a:rPr kumimoji="1" lang="ja-JP" altLang="en-US"/>
-              <a:t>第 </a:t>
-            </a:r>
-            <a:r>
-              <a:rPr kumimoji="1" lang="en-US" altLang="ja-JP"/>
-              <a:t>3 </a:t>
-            </a:r>
-            <a:r>
-              <a:rPr kumimoji="1" lang="ja-JP" altLang="en-US"/>
-              <a:t>レベル</a:t>
-            </a:r>
-          </a:p>
-          <a:p>
-            <a:pPr lvl="3"/>
-            <a:r>
-              <a:rPr kumimoji="1" lang="ja-JP" altLang="en-US"/>
-              <a:t>第 </a:t>
-            </a:r>
-            <a:r>
-              <a:rPr kumimoji="1" lang="en-US" altLang="ja-JP"/>
-              <a:t>4 </a:t>
-            </a:r>
-            <a:r>
-              <a:rPr kumimoji="1" lang="ja-JP" altLang="en-US"/>
-              <a:t>レベル</a:t>
-            </a:r>
-          </a:p>
-          <a:p>
-            <a:pPr lvl="4"/>
-            <a:r>
-              <a:rPr kumimoji="1" lang="ja-JP" altLang="en-US"/>
-              <a:t>第 </a:t>
-            </a:r>
-            <a:r>
-              <a:rPr kumimoji="1" lang="en-US" altLang="ja-JP"/>
-              <a:t>5 </a:t>
-            </a:r>
-            <a:r>
-              <a:rPr kumimoji="1" lang="ja-JP" altLang="en-US"/>
-              <a:t>レベル</a:t>
-            </a:r>
-          </a:p>
-        </p:txBody>
-      </p:sp>
-      <p:sp>
-        <p:nvSpPr>
-          <p:cNvPr id="5" name="日付プレースホルダー 4">
-            <a:extLst>
-              <a:ext uri="{FF2B5EF4-FFF2-40B4-BE49-F238E27FC236}">
-                <a16:creationId xmlns:a16="http://schemas.microsoft.com/office/drawing/2014/main" id="{23ED3591-8955-A0BC-E9B4-F68E5C01331E}"/>
-              </a:ext>
-            </a:extLst>
-          </p:cNvPr>
-          <p:cNvSpPr>
-            <a:spLocks noGrp="1"/>
-          </p:cNvSpPr>
-          <p:nvPr>
-            <p:ph type="dt" sz="half" idx="10"/>
-          </p:nvPr>
-        </p:nvSpPr>
-        <p:spPr/>
-        <p:txBody>
-          <a:bodyPr/>
-          <a:lstStyle/>
-          <a:p>
-            <a:fld id="{91F07EAE-C093-4CCA-B3C0-4B8D0B679D15}" type="datetimeFigureOut">
-              <a:rPr kumimoji="1" lang="ja-JP" altLang="en-US" smtClean="0"/>
-              <a:t>2025/11/20</a:t>
-            </a:fld>
-            <a:endParaRPr kumimoji="1" lang="ja-JP" altLang="en-US"/>
-          </a:p>
-        </p:txBody>
-      </p:sp>
-      <p:sp>
-        <p:nvSpPr>
-          <p:cNvPr id="6" name="フッター プレースホルダー 5">
-            <a:extLst>
-              <a:ext uri="{FF2B5EF4-FFF2-40B4-BE49-F238E27FC236}">
-                <a16:creationId xmlns:a16="http://schemas.microsoft.com/office/drawing/2014/main" id="{EA76A948-9321-0118-389E-FBDA8C8EC786}"/>
-              </a:ext>
-            </a:extLst>
-          </p:cNvPr>
-          <p:cNvSpPr>
-            <a:spLocks noGrp="1"/>
-          </p:cNvSpPr>
-          <p:nvPr>
-            <p:ph type="ftr" sz="quarter" idx="11"/>
-          </p:nvPr>
-        </p:nvSpPr>
-        <p:spPr/>
-        <p:txBody>
-          <a:bodyPr/>
-          <a:lstStyle/>
-          <a:p>
-            <a:endParaRPr kumimoji="1" lang="ja-JP" altLang="en-US"/>
-          </a:p>
-        </p:txBody>
-      </p:sp>
-      <p:sp>
-        <p:nvSpPr>
-          <p:cNvPr id="7" name="スライド番号プレースホルダー 6">
-            <a:extLst>
-              <a:ext uri="{FF2B5EF4-FFF2-40B4-BE49-F238E27FC236}">
-                <a16:creationId xmlns:a16="http://schemas.microsoft.com/office/drawing/2014/main" id="{6F522700-E3F8-5B1F-D05D-C980F6D28084}"/>
-              </a:ext>
-            </a:extLst>
-          </p:cNvPr>
-          <p:cNvSpPr>
-            <a:spLocks noGrp="1"/>
-          </p:cNvSpPr>
-          <p:nvPr>
-            <p:ph type="sldNum" sz="quarter" idx="12"/>
-          </p:nvPr>
-        </p:nvSpPr>
-        <p:spPr/>
-        <p:txBody>
-          <a:bodyPr/>
-          <a:lstStyle/>
-          <a:p>
-            <a:fld id="{4A39AF54-13FC-4832-9337-370E1C3382B0}" type="slidenum">
-              <a:rPr kumimoji="1" lang="ja-JP" altLang="en-US" smtClean="0"/>
-              <a:t>‹#›</a:t>
-            </a:fld>
-            <a:endParaRPr kumimoji="1" lang="ja-JP" altLang="en-US"/>
-          </a:p>
-        </p:txBody>
-      </p:sp>
-    </p:spTree>
-    <p:extLst>
-      <p:ext uri="{BB962C8B-B14F-4D97-AF65-F5344CB8AC3E}">
-        <p14:creationId xmlns:p14="http://schemas.microsoft.com/office/powerpoint/2010/main" val="2698546587"/>
-      </p:ext>
-    </p:extLst>
-  </p:cSld>
-  <p:clrMapOvr>
-    <a:masterClrMapping/>
-  </p:clrMapOvr>
-</p:sldLayout>
-</file>
-
-<file path=ppt/slideLayouts/slideLayout5.xml><?xml version="1.0" encoding="utf-8"?>
-<p:sldLayout xmlns:a="http://schemas.openxmlformats.org/drawingml/2006/main" xmlns:r="http://schemas.openxmlformats.org/officeDocument/2006/relationships" xmlns:p="http://schemas.openxmlformats.org/presentationml/2006/main" type="twoTxTwoObj" preserve="1">
-  <p:cSld name="比較">
-    <p:spTree>
-      <p:nvGrpSpPr>
-        <p:cNvPr id="1" name=""/>
-        <p:cNvGrpSpPr/>
-        <p:nvPr/>
-      </p:nvGrpSpPr>
-      <p:grpSpPr>
-        <a:xfrm>
-          <a:off x="0" y="0"/>
-          <a:ext cx="0" cy="0"/>
-          <a:chOff x="0" y="0"/>
-          <a:chExt cx="0" cy="0"/>
-        </a:xfrm>
-      </p:grpSpPr>
-      <p:sp>
-        <p:nvSpPr>
-          <p:cNvPr id="2" name="タイトル 1">
-            <a:extLst>
-              <a:ext uri="{FF2B5EF4-FFF2-40B4-BE49-F238E27FC236}">
-                <a16:creationId xmlns:a16="http://schemas.microsoft.com/office/drawing/2014/main" id="{4F4F4D06-36C1-8A05-0A3B-616573180488}"/>
-              </a:ext>
-            </a:extLst>
-          </p:cNvPr>
-          <p:cNvSpPr>
-            <a:spLocks noGrp="1"/>
-          </p:cNvSpPr>
-          <p:nvPr>
-            <p:ph type="title"/>
-          </p:nvPr>
-        </p:nvSpPr>
-        <p:spPr>
-          <a:xfrm>
-            <a:off x="839788" y="365125"/>
-            <a:ext cx="10515600" cy="1325563"/>
-          </a:xfrm>
-        </p:spPr>
-        <p:txBody>
-          <a:bodyPr/>
-          <a:lstStyle/>
-          <a:p>
-            <a:r>
-              <a:rPr kumimoji="1" lang="ja-JP" altLang="en-US"/>
-              <a:t>マスター タイトルの書式設定</a:t>
-            </a:r>
-          </a:p>
-        </p:txBody>
-      </p:sp>
-      <p:sp>
-        <p:nvSpPr>
-          <p:cNvPr id="3" name="テキスト プレースホルダー 2">
-            <a:extLst>
-              <a:ext uri="{FF2B5EF4-FFF2-40B4-BE49-F238E27FC236}">
-                <a16:creationId xmlns:a16="http://schemas.microsoft.com/office/drawing/2014/main" id="{9367D3BB-3B68-55DC-E8C0-A375F3737E54}"/>
-              </a:ext>
-            </a:extLst>
-          </p:cNvPr>
-          <p:cNvSpPr>
-            <a:spLocks noGrp="1"/>
-          </p:cNvSpPr>
-          <p:nvPr>
-            <p:ph type="body" idx="1"/>
-          </p:nvPr>
-        </p:nvSpPr>
-        <p:spPr>
-          <a:xfrm>
-            <a:off x="839788" y="1681163"/>
-            <a:ext cx="5157787" cy="823912"/>
-          </a:xfrm>
-        </p:spPr>
-        <p:txBody>
-          <a:bodyPr anchor="b"/>
-          <a:lstStyle>
-            <a:lvl1pPr marL="0" indent="0">
-              <a:buNone/>
-              <a:defRPr sz="2400" b="1"/>
-            </a:lvl1pPr>
-            <a:lvl2pPr marL="457200" indent="0">
-              <a:buNone/>
-              <a:defRPr sz="2000" b="1"/>
-            </a:lvl2pPr>
-            <a:lvl3pPr marL="914400" indent="0">
-              <a:buNone/>
-              <a:defRPr sz="1800" b="1"/>
-            </a:lvl3pPr>
-            <a:lvl4pPr marL="1371600" indent="0">
-              <a:buNone/>
-              <a:defRPr sz="1600" b="1"/>
-            </a:lvl4pPr>
-            <a:lvl5pPr marL="1828800" indent="0">
-              <a:buNone/>
-              <a:defRPr sz="1600" b="1"/>
-            </a:lvl5pPr>
-            <a:lvl6pPr marL="2286000" indent="0">
-              <a:buNone/>
-              <a:defRPr sz="1600" b="1"/>
-            </a:lvl6pPr>
-            <a:lvl7pPr marL="2743200" indent="0">
-              <a:buNone/>
-              <a:defRPr sz="1600" b="1"/>
-            </a:lvl7pPr>
-            <a:lvl8pPr marL="3200400" indent="0">
-              <a:buNone/>
-              <a:defRPr sz="1600" b="1"/>
-            </a:lvl8pPr>
-            <a:lvl9pPr marL="3657600" indent="0">
-              <a:buNone/>
-              <a:defRPr sz="1600" b="1"/>
-            </a:lvl9pPr>
-          </a:lstStyle>
-          <a:p>
-            <a:pPr lvl="0"/>
-            <a:r>
-              <a:rPr kumimoji="1" lang="ja-JP" altLang="en-US"/>
-              <a:t>マスター テキストの書式設定</a:t>
-            </a:r>
-          </a:p>
-        </p:txBody>
-      </p:sp>
-      <p:sp>
-        <p:nvSpPr>
-          <p:cNvPr id="4" name="コンテンツ プレースホルダー 3">
-            <a:extLst>
-              <a:ext uri="{FF2B5EF4-FFF2-40B4-BE49-F238E27FC236}">
-                <a16:creationId xmlns:a16="http://schemas.microsoft.com/office/drawing/2014/main" id="{3944953E-1F9E-4DC2-9122-FE6AC3B6419D}"/>
-              </a:ext>
-            </a:extLst>
-          </p:cNvPr>
-          <p:cNvSpPr>
-            <a:spLocks noGrp="1"/>
-          </p:cNvSpPr>
-          <p:nvPr>
-            <p:ph sz="half" idx="2"/>
-          </p:nvPr>
-        </p:nvSpPr>
-        <p:spPr>
-          <a:xfrm>
-            <a:off x="839788" y="2505075"/>
-            <a:ext cx="5157787" cy="3684588"/>
-          </a:xfrm>
-        </p:spPr>
-        <p:txBody>
-          <a:bodyPr/>
-          <a:lstStyle/>
-          <a:p>
-            <a:pPr lvl="0"/>
-            <a:r>
-              <a:rPr kumimoji="1" lang="ja-JP" altLang="en-US"/>
-              <a:t>マスター テキストの書式設定</a:t>
-            </a:r>
-          </a:p>
-          <a:p>
-            <a:pPr lvl="1"/>
-            <a:r>
-              <a:rPr kumimoji="1" lang="ja-JP" altLang="en-US"/>
-              <a:t>第 </a:t>
-            </a:r>
-            <a:r>
-              <a:rPr kumimoji="1" lang="en-US" altLang="ja-JP"/>
-              <a:t>2 </a:t>
-            </a:r>
-            <a:r>
-              <a:rPr kumimoji="1" lang="ja-JP" altLang="en-US"/>
-              <a:t>レベル</a:t>
-            </a:r>
-          </a:p>
-          <a:p>
-            <a:pPr lvl="2"/>
-            <a:r>
-              <a:rPr kumimoji="1" lang="ja-JP" altLang="en-US"/>
-              <a:t>第 </a:t>
-            </a:r>
-            <a:r>
-              <a:rPr kumimoji="1" lang="en-US" altLang="ja-JP"/>
-              <a:t>3 </a:t>
-            </a:r>
-            <a:r>
-              <a:rPr kumimoji="1" lang="ja-JP" altLang="en-US"/>
-              <a:t>レベル</a:t>
-            </a:r>
-          </a:p>
-          <a:p>
-            <a:pPr lvl="3"/>
-            <a:r>
-              <a:rPr kumimoji="1" lang="ja-JP" altLang="en-US"/>
-              <a:t>第 </a:t>
-            </a:r>
-            <a:r>
-              <a:rPr kumimoji="1" lang="en-US" altLang="ja-JP"/>
-              <a:t>4 </a:t>
-            </a:r>
-            <a:r>
-              <a:rPr kumimoji="1" lang="ja-JP" altLang="en-US"/>
-              <a:t>レベル</a:t>
-            </a:r>
-          </a:p>
-          <a:p>
-            <a:pPr lvl="4"/>
-            <a:r>
-              <a:rPr kumimoji="1" lang="ja-JP" altLang="en-US"/>
-              <a:t>第 </a:t>
-            </a:r>
-            <a:r>
-              <a:rPr kumimoji="1" lang="en-US" altLang="ja-JP"/>
-              <a:t>5 </a:t>
-            </a:r>
-            <a:r>
-              <a:rPr kumimoji="1" lang="ja-JP" altLang="en-US"/>
-              <a:t>レベル</a:t>
-            </a:r>
-          </a:p>
-        </p:txBody>
-      </p:sp>
-      <p:sp>
-        <p:nvSpPr>
-          <p:cNvPr id="5" name="テキスト プレースホルダー 4">
-            <a:extLst>
-              <a:ext uri="{FF2B5EF4-FFF2-40B4-BE49-F238E27FC236}">
-                <a16:creationId xmlns:a16="http://schemas.microsoft.com/office/drawing/2014/main" id="{38F1E270-2560-7841-BADD-E1FFCCFDD114}"/>
-              </a:ext>
-            </a:extLst>
-          </p:cNvPr>
-          <p:cNvSpPr>
-            <a:spLocks noGrp="1"/>
-          </p:cNvSpPr>
-          <p:nvPr>
-            <p:ph type="body" sz="quarter" idx="3"/>
-          </p:nvPr>
-        </p:nvSpPr>
-        <p:spPr>
-          <a:xfrm>
-            <a:off x="6172200" y="1681163"/>
-            <a:ext cx="5183188" cy="823912"/>
-          </a:xfrm>
-        </p:spPr>
-        <p:txBody>
-          <a:bodyPr anchor="b"/>
-          <a:lstStyle>
-            <a:lvl1pPr marL="0" indent="0">
-              <a:buNone/>
-              <a:defRPr sz="2400" b="1"/>
-            </a:lvl1pPr>
-            <a:lvl2pPr marL="457200" indent="0">
-              <a:buNone/>
-              <a:defRPr sz="2000" b="1"/>
-            </a:lvl2pPr>
-            <a:lvl3pPr marL="914400" indent="0">
-              <a:buNone/>
-              <a:defRPr sz="1800" b="1"/>
-            </a:lvl3pPr>
-            <a:lvl4pPr marL="1371600" indent="0">
-              <a:buNone/>
-              <a:defRPr sz="1600" b="1"/>
-            </a:lvl4pPr>
-            <a:lvl5pPr marL="1828800" indent="0">
-              <a:buNone/>
-              <a:defRPr sz="1600" b="1"/>
-            </a:lvl5pPr>
-            <a:lvl6pPr marL="2286000" indent="0">
-              <a:buNone/>
-              <a:defRPr sz="1600" b="1"/>
-            </a:lvl6pPr>
-            <a:lvl7pPr marL="2743200" indent="0">
-              <a:buNone/>
-              <a:defRPr sz="1600" b="1"/>
-            </a:lvl7pPr>
-            <a:lvl8pPr marL="3200400" indent="0">
-              <a:buNone/>
-              <a:defRPr sz="1600" b="1"/>
-            </a:lvl8pPr>
-            <a:lvl9pPr marL="3657600" indent="0">
-              <a:buNone/>
-              <a:defRPr sz="1600" b="1"/>
-            </a:lvl9pPr>
-          </a:lstStyle>
-          <a:p>
-            <a:pPr lvl="0"/>
-            <a:r>
-              <a:rPr kumimoji="1" lang="ja-JP" altLang="en-US"/>
-              <a:t>マスター テキストの書式設定</a:t>
-            </a:r>
-          </a:p>
-        </p:txBody>
-      </p:sp>
-      <p:sp>
-        <p:nvSpPr>
-          <p:cNvPr id="6" name="コンテンツ プレースホルダー 5">
-            <a:extLst>
-              <a:ext uri="{FF2B5EF4-FFF2-40B4-BE49-F238E27FC236}">
-                <a16:creationId xmlns:a16="http://schemas.microsoft.com/office/drawing/2014/main" id="{A65AC850-A259-D9C2-06DD-8F4E174493C4}"/>
-              </a:ext>
-            </a:extLst>
-          </p:cNvPr>
-          <p:cNvSpPr>
-            <a:spLocks noGrp="1"/>
-          </p:cNvSpPr>
-          <p:nvPr>
-            <p:ph sz="quarter" idx="4"/>
-          </p:nvPr>
-        </p:nvSpPr>
-        <p:spPr>
-          <a:xfrm>
-            <a:off x="6172200" y="2505075"/>
-            <a:ext cx="5183188" cy="3684588"/>
-          </a:xfrm>
-        </p:spPr>
-        <p:txBody>
-          <a:bodyPr/>
-          <a:lstStyle/>
-          <a:p>
-            <a:pPr lvl="0"/>
-            <a:r>
-              <a:rPr kumimoji="1" lang="ja-JP" altLang="en-US"/>
-              <a:t>マスター テキストの書式設定</a:t>
-            </a:r>
-          </a:p>
-          <a:p>
-            <a:pPr lvl="1"/>
-            <a:r>
-              <a:rPr kumimoji="1" lang="ja-JP" altLang="en-US"/>
-              <a:t>第 </a:t>
-            </a:r>
-            <a:r>
-              <a:rPr kumimoji="1" lang="en-US" altLang="ja-JP"/>
-              <a:t>2 </a:t>
-            </a:r>
-            <a:r>
-              <a:rPr kumimoji="1" lang="ja-JP" altLang="en-US"/>
-              <a:t>レベル</a:t>
-            </a:r>
-          </a:p>
-          <a:p>
-            <a:pPr lvl="2"/>
-            <a:r>
-              <a:rPr kumimoji="1" lang="ja-JP" altLang="en-US"/>
-              <a:t>第 </a:t>
-            </a:r>
-            <a:r>
-              <a:rPr kumimoji="1" lang="en-US" altLang="ja-JP"/>
-              <a:t>3 </a:t>
-            </a:r>
-            <a:r>
-              <a:rPr kumimoji="1" lang="ja-JP" altLang="en-US"/>
-              <a:t>レベル</a:t>
-            </a:r>
-          </a:p>
-          <a:p>
-            <a:pPr lvl="3"/>
-            <a:r>
-              <a:rPr kumimoji="1" lang="ja-JP" altLang="en-US"/>
-              <a:t>第 </a:t>
-            </a:r>
-            <a:r>
-              <a:rPr kumimoji="1" lang="en-US" altLang="ja-JP"/>
-              <a:t>4 </a:t>
-            </a:r>
-            <a:r>
-              <a:rPr kumimoji="1" lang="ja-JP" altLang="en-US"/>
-              <a:t>レベル</a:t>
-            </a:r>
-          </a:p>
-          <a:p>
-            <a:pPr lvl="4"/>
-            <a:r>
-              <a:rPr kumimoji="1" lang="ja-JP" altLang="en-US"/>
-              <a:t>第 </a:t>
-            </a:r>
-            <a:r>
-              <a:rPr kumimoji="1" lang="en-US" altLang="ja-JP"/>
-              <a:t>5 </a:t>
-            </a:r>
-            <a:r>
-              <a:rPr kumimoji="1" lang="ja-JP" altLang="en-US"/>
-              <a:t>レベル</a:t>
-            </a:r>
-          </a:p>
-        </p:txBody>
-      </p:sp>
-      <p:sp>
-        <p:nvSpPr>
-          <p:cNvPr id="7" name="日付プレースホルダー 6">
-            <a:extLst>
-              <a:ext uri="{FF2B5EF4-FFF2-40B4-BE49-F238E27FC236}">
-                <a16:creationId xmlns:a16="http://schemas.microsoft.com/office/drawing/2014/main" id="{690365A7-84A7-B475-6E28-39ADF1226934}"/>
-              </a:ext>
-            </a:extLst>
-          </p:cNvPr>
-          <p:cNvSpPr>
-            <a:spLocks noGrp="1"/>
-          </p:cNvSpPr>
-          <p:nvPr>
-            <p:ph type="dt" sz="half" idx="10"/>
-          </p:nvPr>
-        </p:nvSpPr>
-        <p:spPr/>
-        <p:txBody>
-          <a:bodyPr/>
-          <a:lstStyle/>
-          <a:p>
-            <a:fld id="{91F07EAE-C093-4CCA-B3C0-4B8D0B679D15}" type="datetimeFigureOut">
-              <a:rPr kumimoji="1" lang="ja-JP" altLang="en-US" smtClean="0"/>
-              <a:t>2025/11/20</a:t>
-            </a:fld>
-            <a:endParaRPr kumimoji="1" lang="ja-JP" altLang="en-US"/>
-          </a:p>
-        </p:txBody>
-      </p:sp>
-      <p:sp>
-        <p:nvSpPr>
-          <p:cNvPr id="8" name="フッター プレースホルダー 7">
-            <a:extLst>
-              <a:ext uri="{FF2B5EF4-FFF2-40B4-BE49-F238E27FC236}">
-                <a16:creationId xmlns:a16="http://schemas.microsoft.com/office/drawing/2014/main" id="{118632D7-E706-103E-512E-9522BDC85BE1}"/>
-              </a:ext>
-            </a:extLst>
-          </p:cNvPr>
-          <p:cNvSpPr>
-            <a:spLocks noGrp="1"/>
-          </p:cNvSpPr>
-          <p:nvPr>
-            <p:ph type="ftr" sz="quarter" idx="11"/>
-          </p:nvPr>
-        </p:nvSpPr>
-        <p:spPr/>
-        <p:txBody>
-          <a:bodyPr/>
-          <a:lstStyle/>
-          <a:p>
-            <a:endParaRPr kumimoji="1" lang="ja-JP" altLang="en-US"/>
-          </a:p>
-        </p:txBody>
-      </p:sp>
-      <p:sp>
-        <p:nvSpPr>
-          <p:cNvPr id="9" name="スライド番号プレースホルダー 8">
-            <a:extLst>
-              <a:ext uri="{FF2B5EF4-FFF2-40B4-BE49-F238E27FC236}">
-                <a16:creationId xmlns:a16="http://schemas.microsoft.com/office/drawing/2014/main" id="{17B98315-9348-832F-A5E8-FD9911C5054E}"/>
-              </a:ext>
-            </a:extLst>
-          </p:cNvPr>
-          <p:cNvSpPr>
-            <a:spLocks noGrp="1"/>
-          </p:cNvSpPr>
-          <p:nvPr>
-            <p:ph type="sldNum" sz="quarter" idx="12"/>
-          </p:nvPr>
-        </p:nvSpPr>
-        <p:spPr/>
-        <p:txBody>
-          <a:bodyPr/>
-          <a:lstStyle/>
-          <a:p>
-            <a:fld id="{4A39AF54-13FC-4832-9337-370E1C3382B0}" type="slidenum">
-              <a:rPr kumimoji="1" lang="ja-JP" altLang="en-US" smtClean="0"/>
-              <a:t>‹#›</a:t>
-            </a:fld>
-            <a:endParaRPr kumimoji="1" lang="ja-JP" altLang="en-US"/>
-          </a:p>
-        </p:txBody>
-      </p:sp>
-    </p:spTree>
-    <p:extLst>
-      <p:ext uri="{BB962C8B-B14F-4D97-AF65-F5344CB8AC3E}">
-        <p14:creationId xmlns:p14="http://schemas.microsoft.com/office/powerpoint/2010/main" val="964637805"/>
-      </p:ext>
-    </p:extLst>
-  </p:cSld>
-  <p:clrMapOvr>
-    <a:masterClrMapping/>
-  </p:clrMapOvr>
-</p:sldLayout>
-</file>
-
-<file path=ppt/slideLayouts/slideLayout6.xml><?xml version="1.0" encoding="utf-8"?>
-<p:sldLayout xmlns:a="http://schemas.openxmlformats.org/drawingml/2006/main" xmlns:r="http://schemas.openxmlformats.org/officeDocument/2006/relationships" xmlns:p="http://schemas.openxmlformats.org/presentationml/2006/main" type="titleOnly" preserve="1">
-  <p:cSld name="タイトルのみ">
-    <p:spTree>
-      <p:nvGrpSpPr>
-        <p:cNvPr id="1" name=""/>
-        <p:cNvGrpSpPr/>
-        <p:nvPr/>
-      </p:nvGrpSpPr>
-      <p:grpSpPr>
-        <a:xfrm>
-          <a:off x="0" y="0"/>
-          <a:ext cx="0" cy="0"/>
-          <a:chOff x="0" y="0"/>
-          <a:chExt cx="0" cy="0"/>
-        </a:xfrm>
-      </p:grpSpPr>
-      <p:sp>
-        <p:nvSpPr>
-          <p:cNvPr id="2" name="タイトル 1">
-            <a:extLst>
-              <a:ext uri="{FF2B5EF4-FFF2-40B4-BE49-F238E27FC236}">
-                <a16:creationId xmlns:a16="http://schemas.microsoft.com/office/drawing/2014/main" id="{6901DF8F-DFEE-0D5B-3701-B147BBA893C7}"/>
-              </a:ext>
-            </a:extLst>
-          </p:cNvPr>
-          <p:cNvSpPr>
-            <a:spLocks noGrp="1"/>
-          </p:cNvSpPr>
-          <p:nvPr>
-            <p:ph type="title"/>
-          </p:nvPr>
-        </p:nvSpPr>
-        <p:spPr/>
-        <p:txBody>
-          <a:bodyPr/>
-          <a:lstStyle/>
-          <a:p>
-            <a:r>
-              <a:rPr kumimoji="1" lang="ja-JP" altLang="en-US"/>
-              <a:t>マスター タイトルの書式設定</a:t>
-            </a:r>
-          </a:p>
-        </p:txBody>
-      </p:sp>
-      <p:sp>
-        <p:nvSpPr>
-          <p:cNvPr id="3" name="日付プレースホルダー 2">
-            <a:extLst>
-              <a:ext uri="{FF2B5EF4-FFF2-40B4-BE49-F238E27FC236}">
-                <a16:creationId xmlns:a16="http://schemas.microsoft.com/office/drawing/2014/main" id="{54F7564C-47E9-CFF8-59CF-0A105A81FACA}"/>
-              </a:ext>
-            </a:extLst>
-          </p:cNvPr>
-          <p:cNvSpPr>
-            <a:spLocks noGrp="1"/>
-          </p:cNvSpPr>
-          <p:nvPr>
-            <p:ph type="dt" sz="half" idx="10"/>
-          </p:nvPr>
-        </p:nvSpPr>
-        <p:spPr/>
-        <p:txBody>
-          <a:bodyPr/>
-          <a:lstStyle/>
-          <a:p>
-            <a:fld id="{91F07EAE-C093-4CCA-B3C0-4B8D0B679D15}" type="datetimeFigureOut">
-              <a:rPr kumimoji="1" lang="ja-JP" altLang="en-US" smtClean="0"/>
-              <a:t>2025/11/20</a:t>
-            </a:fld>
-            <a:endParaRPr kumimoji="1" lang="ja-JP" altLang="en-US"/>
-          </a:p>
-        </p:txBody>
-      </p:sp>
-      <p:sp>
-        <p:nvSpPr>
-          <p:cNvPr id="4" name="フッター プレースホルダー 3">
-            <a:extLst>
-              <a:ext uri="{FF2B5EF4-FFF2-40B4-BE49-F238E27FC236}">
-                <a16:creationId xmlns:a16="http://schemas.microsoft.com/office/drawing/2014/main" id="{CE2C1CC1-CDF0-AB37-BC80-FE571BB6899E}"/>
-              </a:ext>
-            </a:extLst>
-          </p:cNvPr>
-          <p:cNvSpPr>
-            <a:spLocks noGrp="1"/>
-          </p:cNvSpPr>
-          <p:nvPr>
-            <p:ph type="ftr" sz="quarter" idx="11"/>
-          </p:nvPr>
-        </p:nvSpPr>
-        <p:spPr/>
-        <p:txBody>
-          <a:bodyPr/>
-          <a:lstStyle/>
-          <a:p>
-            <a:endParaRPr kumimoji="1" lang="ja-JP" altLang="en-US"/>
-          </a:p>
-        </p:txBody>
-      </p:sp>
-      <p:sp>
-        <p:nvSpPr>
-          <p:cNvPr id="5" name="スライド番号プレースホルダー 4">
-            <a:extLst>
-              <a:ext uri="{FF2B5EF4-FFF2-40B4-BE49-F238E27FC236}">
-                <a16:creationId xmlns:a16="http://schemas.microsoft.com/office/drawing/2014/main" id="{B372B5AE-C037-326A-9889-95B15ED2631E}"/>
-              </a:ext>
-            </a:extLst>
-          </p:cNvPr>
-          <p:cNvSpPr>
-            <a:spLocks noGrp="1"/>
-          </p:cNvSpPr>
-          <p:nvPr>
-            <p:ph type="sldNum" sz="quarter" idx="12"/>
-          </p:nvPr>
-        </p:nvSpPr>
-        <p:spPr/>
-        <p:txBody>
-          <a:bodyPr/>
-          <a:lstStyle/>
-          <a:p>
-            <a:fld id="{4A39AF54-13FC-4832-9337-370E1C3382B0}" type="slidenum">
-              <a:rPr kumimoji="1" lang="ja-JP" altLang="en-US" smtClean="0"/>
-              <a:t>‹#›</a:t>
-            </a:fld>
-            <a:endParaRPr kumimoji="1" lang="ja-JP" altLang="en-US"/>
-          </a:p>
-        </p:txBody>
-      </p:sp>
-    </p:spTree>
-    <p:extLst>
-      <p:ext uri="{BB962C8B-B14F-4D97-AF65-F5344CB8AC3E}">
-        <p14:creationId xmlns:p14="http://schemas.microsoft.com/office/powerpoint/2010/main" val="1582056573"/>
-      </p:ext>
-    </p:extLst>
-  </p:cSld>
-  <p:clrMapOvr>
-    <a:masterClrMapping/>
-  </p:clrMapOvr>
-</p:sldLayout>
-</file>
-
-<file path=ppt/slideLayouts/slideLayout7.xml><?xml version="1.0" encoding="utf-8"?>
-<p:sldLayout xmlns:a="http://schemas.openxmlformats.org/drawingml/2006/main" xmlns:r="http://schemas.openxmlformats.org/officeDocument/2006/relationships" xmlns:p="http://schemas.openxmlformats.org/presentationml/2006/main" type="blank" preserve="1">
-  <p:cSld name="白紙">
-    <p:spTree>
-      <p:nvGrpSpPr>
-        <p:cNvPr id="1" name=""/>
-        <p:cNvGrpSpPr/>
-        <p:nvPr/>
-      </p:nvGrpSpPr>
-      <p:grpSpPr>
-        <a:xfrm>
-          <a:off x="0" y="0"/>
-          <a:ext cx="0" cy="0"/>
-          <a:chOff x="0" y="0"/>
-          <a:chExt cx="0" cy="0"/>
-        </a:xfrm>
-      </p:grpSpPr>
-      <p:sp>
-        <p:nvSpPr>
-          <p:cNvPr id="2" name="日付プレースホルダー 1">
-            <a:extLst>
-              <a:ext uri="{FF2B5EF4-FFF2-40B4-BE49-F238E27FC236}">
-                <a16:creationId xmlns:a16="http://schemas.microsoft.com/office/drawing/2014/main" id="{7DD9ED58-C3F3-9F60-8AE8-754E0F4522C5}"/>
-              </a:ext>
-            </a:extLst>
-          </p:cNvPr>
-          <p:cNvSpPr>
-            <a:spLocks noGrp="1"/>
-          </p:cNvSpPr>
-          <p:nvPr>
-            <p:ph type="dt" sz="half" idx="10"/>
-          </p:nvPr>
-        </p:nvSpPr>
-        <p:spPr/>
-        <p:txBody>
-          <a:bodyPr/>
-          <a:lstStyle/>
-          <a:p>
-            <a:fld id="{91F07EAE-C093-4CCA-B3C0-4B8D0B679D15}" type="datetimeFigureOut">
-              <a:rPr kumimoji="1" lang="ja-JP" altLang="en-US" smtClean="0"/>
-              <a:t>2025/11/20</a:t>
-            </a:fld>
-            <a:endParaRPr kumimoji="1" lang="ja-JP" altLang="en-US"/>
-          </a:p>
-        </p:txBody>
-      </p:sp>
-      <p:sp>
-        <p:nvSpPr>
-          <p:cNvPr id="3" name="フッター プレースホルダー 2">
-            <a:extLst>
-              <a:ext uri="{FF2B5EF4-FFF2-40B4-BE49-F238E27FC236}">
-                <a16:creationId xmlns:a16="http://schemas.microsoft.com/office/drawing/2014/main" id="{A249B7D9-04A5-4029-50A1-C544B5A4B462}"/>
-              </a:ext>
-            </a:extLst>
-          </p:cNvPr>
-          <p:cNvSpPr>
-            <a:spLocks noGrp="1"/>
-          </p:cNvSpPr>
-          <p:nvPr>
-            <p:ph type="ftr" sz="quarter" idx="11"/>
-          </p:nvPr>
-        </p:nvSpPr>
-        <p:spPr/>
-        <p:txBody>
-          <a:bodyPr/>
-          <a:lstStyle/>
-          <a:p>
-            <a:endParaRPr kumimoji="1" lang="ja-JP" altLang="en-US"/>
-          </a:p>
-        </p:txBody>
-      </p:sp>
-      <p:sp>
-        <p:nvSpPr>
-          <p:cNvPr id="4" name="スライド番号プレースホルダー 3">
-            <a:extLst>
-              <a:ext uri="{FF2B5EF4-FFF2-40B4-BE49-F238E27FC236}">
-                <a16:creationId xmlns:a16="http://schemas.microsoft.com/office/drawing/2014/main" id="{CDA2292F-5548-7EB1-74C1-6304FC8CAB97}"/>
-              </a:ext>
-            </a:extLst>
-          </p:cNvPr>
-          <p:cNvSpPr>
-            <a:spLocks noGrp="1"/>
-          </p:cNvSpPr>
-          <p:nvPr>
-            <p:ph type="sldNum" sz="quarter" idx="12"/>
-          </p:nvPr>
-        </p:nvSpPr>
-        <p:spPr/>
-        <p:txBody>
-          <a:bodyPr/>
-          <a:lstStyle/>
-          <a:p>
-            <a:fld id="{4A39AF54-13FC-4832-9337-370E1C3382B0}" type="slidenum">
-              <a:rPr kumimoji="1" lang="ja-JP" altLang="en-US" smtClean="0"/>
-              <a:t>‹#›</a:t>
-            </a:fld>
-            <a:endParaRPr kumimoji="1" lang="ja-JP" altLang="en-US"/>
-          </a:p>
-        </p:txBody>
-      </p:sp>
-    </p:spTree>
-    <p:extLst>
-      <p:ext uri="{BB962C8B-B14F-4D97-AF65-F5344CB8AC3E}">
-        <p14:creationId xmlns:p14="http://schemas.microsoft.com/office/powerpoint/2010/main" val="3892291067"/>
-      </p:ext>
-    </p:extLst>
-  </p:cSld>
-  <p:clrMapOvr>
-    <a:masterClrMapping/>
-  </p:clrMapOvr>
-</p:sldLayout>
-</file>
-
-<file path=ppt/slideLayouts/slideLayout8.xml><?xml version="1.0" encoding="utf-8"?>
-<p:sldLayout xmlns:a="http://schemas.openxmlformats.org/drawingml/2006/main" xmlns:r="http://schemas.openxmlformats.org/officeDocument/2006/relationships" xmlns:p="http://schemas.openxmlformats.org/presentationml/2006/main" type="objTx" preserve="1">
-  <p:cSld name="タイトル付きのコンテンツ">
-    <p:spTree>
-      <p:nvGrpSpPr>
-        <p:cNvPr id="1" name=""/>
-        <p:cNvGrpSpPr/>
-        <p:nvPr/>
-      </p:nvGrpSpPr>
-      <p:grpSpPr>
-        <a:xfrm>
-          <a:off x="0" y="0"/>
-          <a:ext cx="0" cy="0"/>
-          <a:chOff x="0" y="0"/>
-          <a:chExt cx="0" cy="0"/>
-        </a:xfrm>
-      </p:grpSpPr>
-      <p:sp>
-        <p:nvSpPr>
-          <p:cNvPr id="2" name="タイトル 1">
-            <a:extLst>
-              <a:ext uri="{FF2B5EF4-FFF2-40B4-BE49-F238E27FC236}">
-                <a16:creationId xmlns:a16="http://schemas.microsoft.com/office/drawing/2014/main" id="{551B7733-A26E-D67A-3419-C565F678E572}"/>
-              </a:ext>
-            </a:extLst>
-          </p:cNvPr>
-          <p:cNvSpPr>
-            <a:spLocks noGrp="1"/>
-          </p:cNvSpPr>
-          <p:nvPr>
-            <p:ph type="title"/>
-          </p:nvPr>
-        </p:nvSpPr>
-        <p:spPr>
-          <a:xfrm>
-            <a:off x="839788" y="457200"/>
-            <a:ext cx="3932237" cy="1600200"/>
-          </a:xfrm>
-        </p:spPr>
-        <p:txBody>
-          <a:bodyPr anchor="b"/>
-          <a:lstStyle>
-            <a:lvl1pPr>
-              <a:defRPr sz="3200"/>
-            </a:lvl1pPr>
-          </a:lstStyle>
-          <a:p>
-            <a:r>
-              <a:rPr kumimoji="1" lang="ja-JP" altLang="en-US"/>
-              <a:t>マスター タイトルの書式設定</a:t>
-            </a:r>
-          </a:p>
-        </p:txBody>
-      </p:sp>
-      <p:sp>
-        <p:nvSpPr>
-          <p:cNvPr id="3" name="コンテンツ プレースホルダー 2">
-            <a:extLst>
-              <a:ext uri="{FF2B5EF4-FFF2-40B4-BE49-F238E27FC236}">
-                <a16:creationId xmlns:a16="http://schemas.microsoft.com/office/drawing/2014/main" id="{D08A90EB-9E36-2D57-1876-2687E2239917}"/>
-              </a:ext>
-            </a:extLst>
-          </p:cNvPr>
-          <p:cNvSpPr>
-            <a:spLocks noGrp="1"/>
-          </p:cNvSpPr>
-          <p:nvPr>
-            <p:ph idx="1"/>
-          </p:nvPr>
-        </p:nvSpPr>
-        <p:spPr>
-          <a:xfrm>
-            <a:off x="5183188" y="987425"/>
-            <a:ext cx="6172200" cy="4873625"/>
-          </a:xfrm>
+          <a:prstGeom prst="rect">
+            <a:avLst/>
+          </a:prstGeom>
         </p:spPr>
         <p:txBody>
           <a:bodyPr/>
           <a:lstStyle>
-            <a:lvl1pPr>
-              <a:defRPr sz="3200"/>
+            <a:lvl1pPr marL="342891" indent="-342891">
+              <a:spcBef>
+                <a:spcPts val="1800"/>
+              </a:spcBef>
+              <a:buClr>
+                <a:schemeClr val="accent1"/>
+              </a:buClr>
+              <a:buSzPct val="80000"/>
+              <a:buFont typeface="Wingdings" panose="05000000000000000000" pitchFamily="2" charset="2"/>
+              <a:buChar char="n"/>
+              <a:defRPr sz="2800">
+                <a:solidFill>
+                  <a:schemeClr val="tx1"/>
+                </a:solidFill>
+              </a:defRPr>
             </a:lvl1pPr>
             <a:lvl2pPr>
-              <a:defRPr sz="2800"/>
+              <a:buClr>
+                <a:schemeClr val="accent4"/>
+              </a:buClr>
+              <a:defRPr sz="2400">
+                <a:solidFill>
+                  <a:schemeClr val="tx1"/>
+                </a:solidFill>
+              </a:defRPr>
             </a:lvl2pPr>
             <a:lvl3pPr>
-              <a:defRPr sz="2400"/>
+              <a:defRPr sz="2000">
+                <a:solidFill>
+                  <a:schemeClr val="tx1"/>
+                </a:solidFill>
+              </a:defRPr>
             </a:lvl3pPr>
-            <a:lvl4pPr>
-              <a:defRPr sz="2000"/>
-            </a:lvl4pPr>
-            <a:lvl5pPr>
-              <a:defRPr sz="2000"/>
-            </a:lvl5pPr>
-            <a:lvl6pPr>
-              <a:defRPr sz="2000"/>
-            </a:lvl6pPr>
-            <a:lvl7pPr>
-              <a:defRPr sz="2000"/>
-            </a:lvl7pPr>
-            <a:lvl8pPr>
-              <a:defRPr sz="2000"/>
-            </a:lvl8pPr>
-            <a:lvl9pPr>
-              <a:defRPr sz="2000"/>
-            </a:lvl9pPr>
           </a:lstStyle>
           <a:p>
             <a:pPr lvl="0"/>
@@ -7551,208 +7716,92 @@
               <a:t>レベル</a:t>
             </a:r>
           </a:p>
-          <a:p>
-            <a:pPr lvl="3"/>
-            <a:r>
-              <a:rPr kumimoji="1" lang="ja-JP" altLang="en-US"/>
-              <a:t>第 </a:t>
-            </a:r>
-            <a:r>
-              <a:rPr kumimoji="1" lang="en-US" altLang="ja-JP"/>
-              <a:t>4 </a:t>
-            </a:r>
-            <a:r>
-              <a:rPr kumimoji="1" lang="ja-JP" altLang="en-US"/>
-              <a:t>レベル</a:t>
-            </a:r>
-          </a:p>
-          <a:p>
-            <a:pPr lvl="4"/>
-            <a:r>
-              <a:rPr kumimoji="1" lang="ja-JP" altLang="en-US"/>
-              <a:t>第 </a:t>
-            </a:r>
-            <a:r>
-              <a:rPr kumimoji="1" lang="en-US" altLang="ja-JP"/>
-              <a:t>5 </a:t>
-            </a:r>
-            <a:r>
-              <a:rPr kumimoji="1" lang="ja-JP" altLang="en-US"/>
-              <a:t>レベル</a:t>
-            </a:r>
-          </a:p>
         </p:txBody>
       </p:sp>
-      <p:sp>
-        <p:nvSpPr>
-          <p:cNvPr id="4" name="テキスト プレースホルダー 3">
+      <p:pic>
+        <p:nvPicPr>
+          <p:cNvPr id="10" name="Picture 2" descr="C:\Documents and Settings\yuji.miwa\My Documents\My Pictures\00_EXM\X_回転\10sec_small.gif">
             <a:extLst>
               <a:ext uri="{FF2B5EF4-FFF2-40B4-BE49-F238E27FC236}">
-                <a16:creationId xmlns:a16="http://schemas.microsoft.com/office/drawing/2014/main" id="{52AEDE12-B48A-E5EB-79CD-1C1D65F5B332}"/>
+                <a16:creationId xmlns:a16="http://schemas.microsoft.com/office/drawing/2014/main" id="{28B089E7-8D5E-4BEA-91CE-D70199DE6719}"/>
               </a:ext>
             </a:extLst>
           </p:cNvPr>
-          <p:cNvSpPr>
-            <a:spLocks noGrp="1"/>
-          </p:cNvSpPr>
-          <p:nvPr>
-            <p:ph type="body" sz="half" idx="2"/>
-          </p:nvPr>
-        </p:nvSpPr>
-        <p:spPr>
+          <p:cNvPicPr>
+            <a:picLocks noChangeAspect="1" noChangeArrowheads="1" noCrop="1"/>
+          </p:cNvPicPr>
+          <p:nvPr/>
+        </p:nvPicPr>
+        <p:blipFill>
+          <a:blip r:embed="rId2" cstate="print"/>
+          <a:srcRect/>
+          <a:stretch>
+            <a:fillRect/>
+          </a:stretch>
+        </p:blipFill>
+        <p:spPr bwMode="auto">
           <a:xfrm>
-            <a:off x="839788" y="2057400"/>
-            <a:ext cx="3932237" cy="3811588"/>
+            <a:off x="11507637" y="204686"/>
+            <a:ext cx="528719" cy="476250"/>
           </a:xfrm>
+          <a:prstGeom prst="rect">
+            <a:avLst/>
+          </a:prstGeom>
+          <a:noFill/>
         </p:spPr>
-        <p:txBody>
-          <a:bodyPr/>
-          <a:lstStyle>
-            <a:lvl1pPr marL="0" indent="0">
-              <a:buNone/>
-              <a:defRPr sz="1600"/>
-            </a:lvl1pPr>
-            <a:lvl2pPr marL="457200" indent="0">
-              <a:buNone/>
-              <a:defRPr sz="1400"/>
-            </a:lvl2pPr>
-            <a:lvl3pPr marL="914400" indent="0">
-              <a:buNone/>
-              <a:defRPr sz="1200"/>
-            </a:lvl3pPr>
-            <a:lvl4pPr marL="1371600" indent="0">
-              <a:buNone/>
-              <a:defRPr sz="1000"/>
-            </a:lvl4pPr>
-            <a:lvl5pPr marL="1828800" indent="0">
-              <a:buNone/>
-              <a:defRPr sz="1000"/>
-            </a:lvl5pPr>
-            <a:lvl6pPr marL="2286000" indent="0">
-              <a:buNone/>
-              <a:defRPr sz="1000"/>
-            </a:lvl6pPr>
-            <a:lvl7pPr marL="2743200" indent="0">
-              <a:buNone/>
-              <a:defRPr sz="1000"/>
-            </a:lvl7pPr>
-            <a:lvl8pPr marL="3200400" indent="0">
-              <a:buNone/>
-              <a:defRPr sz="1000"/>
-            </a:lvl8pPr>
-            <a:lvl9pPr marL="3657600" indent="0">
-              <a:buNone/>
-              <a:defRPr sz="1000"/>
-            </a:lvl9pPr>
-          </a:lstStyle>
-          <a:p>
-            <a:pPr lvl="0"/>
-            <a:r>
-              <a:rPr kumimoji="1" lang="ja-JP" altLang="en-US"/>
-              <a:t>マスター テキストの書式設定</a:t>
-            </a:r>
-          </a:p>
-        </p:txBody>
-      </p:sp>
-      <p:sp>
-        <p:nvSpPr>
-          <p:cNvPr id="5" name="日付プレースホルダー 4">
-            <a:extLst>
-              <a:ext uri="{FF2B5EF4-FFF2-40B4-BE49-F238E27FC236}">
-                <a16:creationId xmlns:a16="http://schemas.microsoft.com/office/drawing/2014/main" id="{8F4CB924-A0DD-25B4-F22C-2E8E03FCAC38}"/>
-              </a:ext>
-            </a:extLst>
-          </p:cNvPr>
-          <p:cNvSpPr>
-            <a:spLocks noGrp="1"/>
-          </p:cNvSpPr>
-          <p:nvPr>
-            <p:ph type="dt" sz="half" idx="10"/>
-          </p:nvPr>
-        </p:nvSpPr>
-        <p:spPr/>
-        <p:txBody>
-          <a:bodyPr/>
-          <a:lstStyle/>
-          <a:p>
-            <a:fld id="{91F07EAE-C093-4CCA-B3C0-4B8D0B679D15}" type="datetimeFigureOut">
-              <a:rPr kumimoji="1" lang="ja-JP" altLang="en-US" smtClean="0"/>
-              <a:t>2025/11/20</a:t>
-            </a:fld>
-            <a:endParaRPr kumimoji="1" lang="ja-JP" altLang="en-US"/>
-          </a:p>
-        </p:txBody>
-      </p:sp>
-      <p:sp>
-        <p:nvSpPr>
-          <p:cNvPr id="6" name="フッター プレースホルダー 5">
-            <a:extLst>
-              <a:ext uri="{FF2B5EF4-FFF2-40B4-BE49-F238E27FC236}">
-                <a16:creationId xmlns:a16="http://schemas.microsoft.com/office/drawing/2014/main" id="{E33AC578-8C26-C291-70A0-5236B760729A}"/>
-              </a:ext>
-            </a:extLst>
-          </p:cNvPr>
-          <p:cNvSpPr>
-            <a:spLocks noGrp="1"/>
-          </p:cNvSpPr>
-          <p:nvPr>
-            <p:ph type="ftr" sz="quarter" idx="11"/>
-          </p:nvPr>
-        </p:nvSpPr>
-        <p:spPr/>
-        <p:txBody>
-          <a:bodyPr/>
-          <a:lstStyle/>
-          <a:p>
-            <a:endParaRPr kumimoji="1" lang="ja-JP" altLang="en-US"/>
-          </a:p>
-        </p:txBody>
-      </p:sp>
-      <p:sp>
-        <p:nvSpPr>
-          <p:cNvPr id="7" name="スライド番号プレースホルダー 6">
-            <a:extLst>
-              <a:ext uri="{FF2B5EF4-FFF2-40B4-BE49-F238E27FC236}">
-                <a16:creationId xmlns:a16="http://schemas.microsoft.com/office/drawing/2014/main" id="{5174BBB0-84E6-3B2A-1480-26AB1029E96D}"/>
-              </a:ext>
-            </a:extLst>
-          </p:cNvPr>
-          <p:cNvSpPr>
-            <a:spLocks noGrp="1"/>
-          </p:cNvSpPr>
-          <p:nvPr>
-            <p:ph type="sldNum" sz="quarter" idx="12"/>
-          </p:nvPr>
-        </p:nvSpPr>
-        <p:spPr/>
-        <p:txBody>
-          <a:bodyPr/>
-          <a:lstStyle/>
-          <a:p>
-            <a:fld id="{4A39AF54-13FC-4832-9337-370E1C3382B0}" type="slidenum">
-              <a:rPr kumimoji="1" lang="ja-JP" altLang="en-US" smtClean="0"/>
-              <a:t>‹#›</a:t>
-            </a:fld>
-            <a:endParaRPr kumimoji="1" lang="ja-JP" altLang="en-US"/>
-          </a:p>
-        </p:txBody>
-      </p:sp>
+      </p:pic>
     </p:spTree>
     <p:extLst>
       <p:ext uri="{BB962C8B-B14F-4D97-AF65-F5344CB8AC3E}">
-        <p14:creationId xmlns:p14="http://schemas.microsoft.com/office/powerpoint/2010/main" val="3718553377"/>
+        <p14:creationId xmlns:p14="http://schemas.microsoft.com/office/powerpoint/2010/main" val="1540932361"/>
       </p:ext>
     </p:extLst>
   </p:cSld>
   <p:clrMapOvr>
     <a:masterClrMapping/>
   </p:clrMapOvr>
+  <p:extLst>
+    <p:ext uri="{DCECCB84-F9BA-43D5-87BE-67443E8EF086}">
+      <p15:sldGuideLst xmlns:p15="http://schemas.microsoft.com/office/powerpoint/2012/main">
+        <p15:guide id="1" pos="136">
+          <p15:clr>
+            <a:srgbClr val="FBAE40"/>
+          </p15:clr>
+        </p15:guide>
+        <p15:guide id="2" pos="5624">
+          <p15:clr>
+            <a:srgbClr val="FBAE40"/>
+          </p15:clr>
+        </p15:guide>
+        <p15:guide id="3" pos="272">
+          <p15:clr>
+            <a:srgbClr val="FBAE40"/>
+          </p15:clr>
+        </p15:guide>
+        <p15:guide id="4" pos="5488">
+          <p15:clr>
+            <a:srgbClr val="FBAE40"/>
+          </p15:clr>
+        </p15:guide>
+        <p15:guide id="5" orient="horz" pos="595">
+          <p15:clr>
+            <a:srgbClr val="FBAE40"/>
+          </p15:clr>
+        </p15:guide>
+        <p15:guide id="6" orient="horz" pos="709">
+          <p15:clr>
+            <a:srgbClr val="FBAE40"/>
+          </p15:clr>
+        </p15:guide>
+      </p15:sldGuideLst>
+    </p:ext>
+  </p:extLst>
 </p:sldLayout>
 </file>
 
-<file path=ppt/slideLayouts/slideLayout9.xml><?xml version="1.0" encoding="utf-8"?>
-<p:sldLayout xmlns:a="http://schemas.openxmlformats.org/drawingml/2006/main" xmlns:r="http://schemas.openxmlformats.org/officeDocument/2006/relationships" xmlns:p="http://schemas.openxmlformats.org/presentationml/2006/main" type="picTx" preserve="1">
-  <p:cSld name="タイトル付きの図">
+<file path=ppt/slideLayouts/slideLayout5.xml><?xml version="1.0" encoding="utf-8"?>
+<p:sldLayout xmlns:a="http://schemas.openxmlformats.org/drawingml/2006/main" xmlns:r="http://schemas.openxmlformats.org/officeDocument/2006/relationships" xmlns:p="http://schemas.openxmlformats.org/presentationml/2006/main" preserve="1">
+  <p:cSld name="5_タイトルとコンテンツ">
     <p:spTree>
       <p:nvGrpSpPr>
         <p:cNvPr id="1" name=""/>
@@ -7769,10 +7818,406 @@
       </p:grpSpPr>
       <p:sp>
         <p:nvSpPr>
-          <p:cNvPr id="2" name="タイトル 1">
+          <p:cNvPr id="2" name="タイトル 1"/>
+          <p:cNvSpPr>
+            <a:spLocks noGrp="1"/>
+          </p:cNvSpPr>
+          <p:nvPr>
+            <p:ph type="title" hasCustomPrompt="1"/>
+          </p:nvPr>
+        </p:nvSpPr>
+        <p:spPr>
+          <a:xfrm>
+            <a:off x="311648" y="218819"/>
+            <a:ext cx="11620581" cy="483310"/>
+          </a:xfrm>
+          <a:prstGeom prst="rect">
+            <a:avLst/>
+          </a:prstGeom>
+        </p:spPr>
+        <p:txBody>
+          <a:bodyPr lIns="180000" tIns="108000">
+            <a:noAutofit/>
+          </a:bodyPr>
+          <a:lstStyle>
+            <a:lvl1pPr algn="l">
+              <a:defRPr sz="2800" b="1">
+                <a:solidFill>
+                  <a:srgbClr val="1E1E1E"/>
+                </a:solidFill>
+                <a:latin typeface="+mj-ea"/>
+                <a:ea typeface="+mj-ea"/>
+              </a:defRPr>
+            </a:lvl1pPr>
+          </a:lstStyle>
+          <a:p>
+            <a:r>
+              <a:rPr kumimoji="1" lang="ja-JP" altLang="en-US" dirty="0"/>
+              <a:t>マスタ タイトルの書式設定</a:t>
+            </a:r>
+          </a:p>
+        </p:txBody>
+      </p:sp>
+      <p:sp>
+        <p:nvSpPr>
+          <p:cNvPr id="6" name="テキスト ボックス 5">
             <a:extLst>
               <a:ext uri="{FF2B5EF4-FFF2-40B4-BE49-F238E27FC236}">
-                <a16:creationId xmlns:a16="http://schemas.microsoft.com/office/drawing/2014/main" id="{88763F11-ADDC-B548-D402-0EBD9880AA9F}"/>
+                <a16:creationId xmlns:a16="http://schemas.microsoft.com/office/drawing/2014/main" id="{78FEB836-1D44-4E6D-91A9-0100FF7663F1}"/>
+              </a:ext>
+            </a:extLst>
+          </p:cNvPr>
+          <p:cNvSpPr txBox="1"/>
+          <p:nvPr/>
+        </p:nvSpPr>
+        <p:spPr>
+          <a:xfrm>
+            <a:off x="11517551" y="6632480"/>
+            <a:ext cx="576000" cy="230832"/>
+          </a:xfrm>
+          <a:prstGeom prst="rect">
+            <a:avLst/>
+          </a:prstGeom>
+          <a:noFill/>
+        </p:spPr>
+        <p:txBody>
+          <a:bodyPr wrap="square" rtlCol="0">
+            <a:spAutoFit/>
+          </a:bodyPr>
+          <a:lstStyle/>
+          <a:p>
+            <a:pPr algn="ctr"/>
+            <a:fld id="{FCBA7EC3-AB9E-46E6-85D8-3FAAF4CF299E}" type="slidenum">
+              <a:rPr kumimoji="1" lang="ja-JP" altLang="en-US" sz="900" smtClean="0"/>
+              <a:pPr algn="ctr"/>
+              <a:t>‹#›</a:t>
+            </a:fld>
+            <a:endParaRPr kumimoji="1" lang="ja-JP" altLang="en-US" sz="900"/>
+          </a:p>
+        </p:txBody>
+      </p:sp>
+      <p:cxnSp>
+        <p:nvCxnSpPr>
+          <p:cNvPr id="8" name="直線コネクタ 7">
+            <a:extLst>
+              <a:ext uri="{FF2B5EF4-FFF2-40B4-BE49-F238E27FC236}">
+                <a16:creationId xmlns:a16="http://schemas.microsoft.com/office/drawing/2014/main" id="{E9A3C70C-CA5C-4B50-9A1D-EE521BC63546}"/>
+              </a:ext>
+            </a:extLst>
+          </p:cNvPr>
+          <p:cNvCxnSpPr>
+            <a:cxnSpLocks/>
+          </p:cNvCxnSpPr>
+          <p:nvPr/>
+        </p:nvCxnSpPr>
+        <p:spPr>
+          <a:xfrm>
+            <a:off x="575735" y="846640"/>
+            <a:ext cx="11040532" cy="0"/>
+          </a:xfrm>
+          <a:prstGeom prst="line">
+            <a:avLst/>
+          </a:prstGeom>
+          <a:ln>
+            <a:solidFill>
+              <a:schemeClr val="tx1"/>
+            </a:solidFill>
+          </a:ln>
+        </p:spPr>
+        <p:style>
+          <a:lnRef idx="1">
+            <a:schemeClr val="accent1"/>
+          </a:lnRef>
+          <a:fillRef idx="0">
+            <a:schemeClr val="accent1"/>
+          </a:fillRef>
+          <a:effectRef idx="0">
+            <a:schemeClr val="accent1"/>
+          </a:effectRef>
+          <a:fontRef idx="minor">
+            <a:schemeClr val="tx1"/>
+          </a:fontRef>
+        </p:style>
+      </p:cxnSp>
+      <p:sp>
+        <p:nvSpPr>
+          <p:cNvPr id="7" name="正方形/長方形 6">
+            <a:extLst>
+              <a:ext uri="{FF2B5EF4-FFF2-40B4-BE49-F238E27FC236}">
+                <a16:creationId xmlns:a16="http://schemas.microsoft.com/office/drawing/2014/main" id="{A82822EB-F108-4262-B639-AA663F0D4FE6}"/>
+              </a:ext>
+            </a:extLst>
+          </p:cNvPr>
+          <p:cNvSpPr/>
+          <p:nvPr/>
+        </p:nvSpPr>
+        <p:spPr>
+          <a:xfrm>
+            <a:off x="298318" y="252919"/>
+            <a:ext cx="60959" cy="449210"/>
+          </a:xfrm>
+          <a:prstGeom prst="rect">
+            <a:avLst/>
+          </a:prstGeom>
+          <a:solidFill>
+            <a:srgbClr val="1E1E1E"/>
+          </a:solidFill>
+          <a:ln w="19050">
+            <a:solidFill>
+              <a:srgbClr val="000000"/>
+            </a:solidFill>
+          </a:ln>
+        </p:spPr>
+        <p:style>
+          <a:lnRef idx="2">
+            <a:schemeClr val="accent1">
+              <a:shade val="50000"/>
+            </a:schemeClr>
+          </a:lnRef>
+          <a:fillRef idx="1">
+            <a:schemeClr val="accent1"/>
+          </a:fillRef>
+          <a:effectRef idx="0">
+            <a:schemeClr val="accent1"/>
+          </a:effectRef>
+          <a:fontRef idx="minor">
+            <a:schemeClr val="lt1"/>
+          </a:fontRef>
+        </p:style>
+        <p:txBody>
+          <a:bodyPr rtlCol="0" anchor="ctr"/>
+          <a:lstStyle/>
+          <a:p>
+            <a:pPr algn="ctr"/>
+            <a:endParaRPr kumimoji="1" lang="ja-JP" altLang="en-US" sz="1800"/>
+          </a:p>
+        </p:txBody>
+      </p:sp>
+      <p:pic>
+        <p:nvPicPr>
+          <p:cNvPr id="9" name="Picture 2" descr="C:\Documents and Settings\yuji.miwa\My Documents\My Pictures\00_EXM\X_回転\10sec_small.gif">
+            <a:extLst>
+              <a:ext uri="{FF2B5EF4-FFF2-40B4-BE49-F238E27FC236}">
+                <a16:creationId xmlns:a16="http://schemas.microsoft.com/office/drawing/2014/main" id="{1463176F-BF85-47A5-B852-D6F01EA7157A}"/>
+              </a:ext>
+            </a:extLst>
+          </p:cNvPr>
+          <p:cNvPicPr>
+            <a:picLocks noChangeAspect="1" noChangeArrowheads="1" noCrop="1"/>
+          </p:cNvPicPr>
+          <p:nvPr/>
+        </p:nvPicPr>
+        <p:blipFill>
+          <a:blip r:embed="rId2" cstate="print"/>
+          <a:srcRect/>
+          <a:stretch>
+            <a:fillRect/>
+          </a:stretch>
+        </p:blipFill>
+        <p:spPr bwMode="auto">
+          <a:xfrm>
+            <a:off x="11507637" y="204686"/>
+            <a:ext cx="528719" cy="476250"/>
+          </a:xfrm>
+          <a:prstGeom prst="rect">
+            <a:avLst/>
+          </a:prstGeom>
+          <a:noFill/>
+        </p:spPr>
+      </p:pic>
+    </p:spTree>
+    <p:extLst>
+      <p:ext uri="{BB962C8B-B14F-4D97-AF65-F5344CB8AC3E}">
+        <p14:creationId xmlns:p14="http://schemas.microsoft.com/office/powerpoint/2010/main" val="2238273856"/>
+      </p:ext>
+    </p:extLst>
+  </p:cSld>
+  <p:clrMapOvr>
+    <a:masterClrMapping/>
+  </p:clrMapOvr>
+  <p:extLst>
+    <p:ext uri="{DCECCB84-F9BA-43D5-87BE-67443E8EF086}">
+      <p15:sldGuideLst xmlns:p15="http://schemas.microsoft.com/office/powerpoint/2012/main">
+        <p15:guide id="1" pos="136">
+          <p15:clr>
+            <a:srgbClr val="FBAE40"/>
+          </p15:clr>
+        </p15:guide>
+        <p15:guide id="2" pos="5624">
+          <p15:clr>
+            <a:srgbClr val="FBAE40"/>
+          </p15:clr>
+        </p15:guide>
+        <p15:guide id="3" pos="272">
+          <p15:clr>
+            <a:srgbClr val="FBAE40"/>
+          </p15:clr>
+        </p15:guide>
+        <p15:guide id="4" pos="5488">
+          <p15:clr>
+            <a:srgbClr val="FBAE40"/>
+          </p15:clr>
+        </p15:guide>
+        <p15:guide id="5" orient="horz" pos="595">
+          <p15:clr>
+            <a:srgbClr val="FBAE40"/>
+          </p15:clr>
+        </p15:guide>
+        <p15:guide id="6" orient="horz" pos="709">
+          <p15:clr>
+            <a:srgbClr val="FBAE40"/>
+          </p15:clr>
+        </p15:guide>
+      </p15:sldGuideLst>
+    </p:ext>
+  </p:extLst>
+</p:sldLayout>
+</file>
+
+<file path=ppt/slideLayouts/slideLayout6.xml><?xml version="1.0" encoding="utf-8"?>
+<p:sldLayout xmlns:a="http://schemas.openxmlformats.org/drawingml/2006/main" xmlns:r="http://schemas.openxmlformats.org/officeDocument/2006/relationships" xmlns:p="http://schemas.openxmlformats.org/presentationml/2006/main" preserve="1">
+  <p:cSld name="6_コンテンツ横2分割（テキスト）">
+    <p:spTree>
+      <p:nvGrpSpPr>
+        <p:cNvPr id="1" name=""/>
+        <p:cNvGrpSpPr/>
+        <p:nvPr/>
+      </p:nvGrpSpPr>
+      <p:grpSpPr>
+        <a:xfrm>
+          <a:off x="0" y="0"/>
+          <a:ext cx="0" cy="0"/>
+          <a:chOff x="0" y="0"/>
+          <a:chExt cx="0" cy="0"/>
+        </a:xfrm>
+      </p:grpSpPr>
+      <p:sp>
+        <p:nvSpPr>
+          <p:cNvPr id="2" name="タイトル 1"/>
+          <p:cNvSpPr>
+            <a:spLocks noGrp="1"/>
+          </p:cNvSpPr>
+          <p:nvPr>
+            <p:ph type="title" hasCustomPrompt="1"/>
+          </p:nvPr>
+        </p:nvSpPr>
+        <p:spPr>
+          <a:xfrm>
+            <a:off x="311648" y="218819"/>
+            <a:ext cx="11620581" cy="483310"/>
+          </a:xfrm>
+          <a:prstGeom prst="rect">
+            <a:avLst/>
+          </a:prstGeom>
+        </p:spPr>
+        <p:txBody>
+          <a:bodyPr lIns="180000" tIns="108000">
+            <a:noAutofit/>
+          </a:bodyPr>
+          <a:lstStyle>
+            <a:lvl1pPr algn="l">
+              <a:defRPr sz="2800" b="1">
+                <a:solidFill>
+                  <a:srgbClr val="1E1E1E"/>
+                </a:solidFill>
+                <a:latin typeface="+mj-ea"/>
+                <a:ea typeface="+mj-ea"/>
+              </a:defRPr>
+            </a:lvl1pPr>
+          </a:lstStyle>
+          <a:p>
+            <a:r>
+              <a:rPr kumimoji="1" lang="ja-JP" altLang="en-US" dirty="0"/>
+              <a:t>マスタ タイトルの書式設定</a:t>
+            </a:r>
+          </a:p>
+        </p:txBody>
+      </p:sp>
+      <p:sp>
+        <p:nvSpPr>
+          <p:cNvPr id="6" name="テキスト ボックス 5">
+            <a:extLst>
+              <a:ext uri="{FF2B5EF4-FFF2-40B4-BE49-F238E27FC236}">
+                <a16:creationId xmlns:a16="http://schemas.microsoft.com/office/drawing/2014/main" id="{78FEB836-1D44-4E6D-91A9-0100FF7663F1}"/>
+              </a:ext>
+            </a:extLst>
+          </p:cNvPr>
+          <p:cNvSpPr txBox="1"/>
+          <p:nvPr/>
+        </p:nvSpPr>
+        <p:spPr>
+          <a:xfrm>
+            <a:off x="11517551" y="6632480"/>
+            <a:ext cx="576000" cy="230832"/>
+          </a:xfrm>
+          <a:prstGeom prst="rect">
+            <a:avLst/>
+          </a:prstGeom>
+          <a:noFill/>
+        </p:spPr>
+        <p:txBody>
+          <a:bodyPr wrap="square" rtlCol="0">
+            <a:spAutoFit/>
+          </a:bodyPr>
+          <a:lstStyle/>
+          <a:p>
+            <a:pPr algn="ctr"/>
+            <a:fld id="{FCBA7EC3-AB9E-46E6-85D8-3FAAF4CF299E}" type="slidenum">
+              <a:rPr kumimoji="1" lang="ja-JP" altLang="en-US" sz="900" smtClean="0"/>
+              <a:pPr algn="ctr"/>
+              <a:t>‹#›</a:t>
+            </a:fld>
+            <a:endParaRPr kumimoji="1" lang="ja-JP" altLang="en-US" sz="900"/>
+          </a:p>
+        </p:txBody>
+      </p:sp>
+      <p:cxnSp>
+        <p:nvCxnSpPr>
+          <p:cNvPr id="8" name="直線コネクタ 7">
+            <a:extLst>
+              <a:ext uri="{FF2B5EF4-FFF2-40B4-BE49-F238E27FC236}">
+                <a16:creationId xmlns:a16="http://schemas.microsoft.com/office/drawing/2014/main" id="{E9A3C70C-CA5C-4B50-9A1D-EE521BC63546}"/>
+              </a:ext>
+            </a:extLst>
+          </p:cNvPr>
+          <p:cNvCxnSpPr/>
+          <p:nvPr/>
+        </p:nvCxnSpPr>
+        <p:spPr>
+          <a:xfrm>
+            <a:off x="1446665" y="3505315"/>
+            <a:ext cx="9298675" cy="0"/>
+          </a:xfrm>
+          <a:prstGeom prst="line">
+            <a:avLst/>
+          </a:prstGeom>
+          <a:ln>
+            <a:solidFill>
+              <a:schemeClr val="tx1"/>
+            </a:solidFill>
+          </a:ln>
+        </p:spPr>
+        <p:style>
+          <a:lnRef idx="1">
+            <a:schemeClr val="accent1"/>
+          </a:lnRef>
+          <a:fillRef idx="0">
+            <a:schemeClr val="accent1"/>
+          </a:fillRef>
+          <a:effectRef idx="0">
+            <a:schemeClr val="accent1"/>
+          </a:effectRef>
+          <a:fontRef idx="minor">
+            <a:schemeClr val="tx1"/>
+          </a:fontRef>
+        </p:style>
+      </p:cxnSp>
+      <p:sp>
+        <p:nvSpPr>
+          <p:cNvPr id="4" name="テキスト プレースホルダー 3">
+            <a:extLst>
+              <a:ext uri="{FF2B5EF4-FFF2-40B4-BE49-F238E27FC236}">
+                <a16:creationId xmlns:a16="http://schemas.microsoft.com/office/drawing/2014/main" id="{3318187E-9321-4B28-96CD-CB4839ED491A}"/>
               </a:ext>
             </a:extLst>
           </p:cNvPr>
@@ -7780,158 +8225,41 @@
             <a:spLocks noGrp="1"/>
           </p:cNvSpPr>
           <p:nvPr>
-            <p:ph type="title"/>
+            <p:ph type="body" sz="quarter" idx="10"/>
           </p:nvPr>
         </p:nvSpPr>
         <p:spPr>
           <a:xfrm>
-            <a:off x="839788" y="457200"/>
-            <a:ext cx="3932237" cy="1600200"/>
+            <a:off x="575735" y="1125538"/>
+            <a:ext cx="11040532" cy="2247900"/>
           </a:xfrm>
+          <a:prstGeom prst="rect">
+            <a:avLst/>
+          </a:prstGeom>
         </p:spPr>
         <p:txBody>
-          <a:bodyPr anchor="b"/>
+          <a:bodyPr anchor="ctr"/>
           <a:lstStyle>
-            <a:lvl1pPr>
-              <a:defRPr sz="3200"/>
+            <a:lvl1pPr marL="0" indent="0" algn="ctr">
+              <a:buNone/>
+              <a:defRPr/>
             </a:lvl1pPr>
-          </a:lstStyle>
-          <a:p>
-            <a:r>
-              <a:rPr kumimoji="1" lang="ja-JP" altLang="en-US"/>
-              <a:t>マスター タイトルの書式設定</a:t>
-            </a:r>
-          </a:p>
-        </p:txBody>
-      </p:sp>
-      <p:sp>
-        <p:nvSpPr>
-          <p:cNvPr id="3" name="図プレースホルダー 2">
-            <a:extLst>
-              <a:ext uri="{FF2B5EF4-FFF2-40B4-BE49-F238E27FC236}">
-                <a16:creationId xmlns:a16="http://schemas.microsoft.com/office/drawing/2014/main" id="{B2F4A242-831D-EEC9-8674-5BCEE6919F30}"/>
-              </a:ext>
-            </a:extLst>
-          </p:cNvPr>
-          <p:cNvSpPr>
-            <a:spLocks noGrp="1"/>
-          </p:cNvSpPr>
-          <p:nvPr>
-            <p:ph type="pic" idx="1"/>
-          </p:nvPr>
-        </p:nvSpPr>
-        <p:spPr>
-          <a:xfrm>
-            <a:off x="5183188" y="987425"/>
-            <a:ext cx="6172200" cy="4873625"/>
-          </a:xfrm>
-        </p:spPr>
-        <p:txBody>
-          <a:bodyPr/>
-          <a:lstStyle>
-            <a:lvl1pPr marL="0" indent="0">
+            <a:lvl2pPr marL="457189" indent="0">
               <a:buNone/>
-              <a:defRPr sz="3200"/>
-            </a:lvl1pPr>
-            <a:lvl2pPr marL="457200" indent="0">
+              <a:defRPr/>
+            </a:lvl2pPr>
+            <a:lvl3pPr marL="914377" indent="0">
               <a:buNone/>
-              <a:defRPr sz="2800"/>
-            </a:lvl2pPr>
-            <a:lvl3pPr marL="914400" indent="0">
+              <a:defRPr/>
+            </a:lvl3pPr>
+            <a:lvl4pPr marL="1371566" indent="0">
               <a:buNone/>
-              <a:defRPr sz="2400"/>
-            </a:lvl3pPr>
-            <a:lvl4pPr marL="1371600" indent="0">
+              <a:defRPr/>
+            </a:lvl4pPr>
+            <a:lvl5pPr marL="1828754" indent="0">
               <a:buNone/>
-              <a:defRPr sz="2000"/>
-            </a:lvl4pPr>
-            <a:lvl5pPr marL="1828800" indent="0">
-              <a:buNone/>
-              <a:defRPr sz="2000"/>
+              <a:defRPr/>
             </a:lvl5pPr>
-            <a:lvl6pPr marL="2286000" indent="0">
-              <a:buNone/>
-              <a:defRPr sz="2000"/>
-            </a:lvl6pPr>
-            <a:lvl7pPr marL="2743200" indent="0">
-              <a:buNone/>
-              <a:defRPr sz="2000"/>
-            </a:lvl7pPr>
-            <a:lvl8pPr marL="3200400" indent="0">
-              <a:buNone/>
-              <a:defRPr sz="2000"/>
-            </a:lvl8pPr>
-            <a:lvl9pPr marL="3657600" indent="0">
-              <a:buNone/>
-              <a:defRPr sz="2000"/>
-            </a:lvl9pPr>
-          </a:lstStyle>
-          <a:p>
-            <a:endParaRPr kumimoji="1" lang="ja-JP" altLang="en-US"/>
-          </a:p>
-        </p:txBody>
-      </p:sp>
-      <p:sp>
-        <p:nvSpPr>
-          <p:cNvPr id="4" name="テキスト プレースホルダー 3">
-            <a:extLst>
-              <a:ext uri="{FF2B5EF4-FFF2-40B4-BE49-F238E27FC236}">
-                <a16:creationId xmlns:a16="http://schemas.microsoft.com/office/drawing/2014/main" id="{3E2BE9A3-727C-034C-C70E-AC835A607263}"/>
-              </a:ext>
-            </a:extLst>
-          </p:cNvPr>
-          <p:cNvSpPr>
-            <a:spLocks noGrp="1"/>
-          </p:cNvSpPr>
-          <p:nvPr>
-            <p:ph type="body" sz="half" idx="2"/>
-          </p:nvPr>
-        </p:nvSpPr>
-        <p:spPr>
-          <a:xfrm>
-            <a:off x="839788" y="2057400"/>
-            <a:ext cx="3932237" cy="3811588"/>
-          </a:xfrm>
-        </p:spPr>
-        <p:txBody>
-          <a:bodyPr/>
-          <a:lstStyle>
-            <a:lvl1pPr marL="0" indent="0">
-              <a:buNone/>
-              <a:defRPr sz="1600"/>
-            </a:lvl1pPr>
-            <a:lvl2pPr marL="457200" indent="0">
-              <a:buNone/>
-              <a:defRPr sz="1400"/>
-            </a:lvl2pPr>
-            <a:lvl3pPr marL="914400" indent="0">
-              <a:buNone/>
-              <a:defRPr sz="1200"/>
-            </a:lvl3pPr>
-            <a:lvl4pPr marL="1371600" indent="0">
-              <a:buNone/>
-              <a:defRPr sz="1000"/>
-            </a:lvl4pPr>
-            <a:lvl5pPr marL="1828800" indent="0">
-              <a:buNone/>
-              <a:defRPr sz="1000"/>
-            </a:lvl5pPr>
-            <a:lvl6pPr marL="2286000" indent="0">
-              <a:buNone/>
-              <a:defRPr sz="1000"/>
-            </a:lvl6pPr>
-            <a:lvl7pPr marL="2743200" indent="0">
-              <a:buNone/>
-              <a:defRPr sz="1000"/>
-            </a:lvl7pPr>
-            <a:lvl8pPr marL="3200400" indent="0">
-              <a:buNone/>
-              <a:defRPr sz="1000"/>
-            </a:lvl8pPr>
-            <a:lvl9pPr marL="3657600" indent="0">
-              <a:buNone/>
-              <a:defRPr sz="1000"/>
-            </a:lvl9pPr>
           </a:lstStyle>
           <a:p>
             <a:pPr lvl="0"/>
@@ -7944,10 +8272,10 @@
       </p:sp>
       <p:sp>
         <p:nvSpPr>
-          <p:cNvPr id="5" name="日付プレースホルダー 4">
+          <p:cNvPr id="11" name="テキスト プレースホルダー 10">
             <a:extLst>
               <a:ext uri="{FF2B5EF4-FFF2-40B4-BE49-F238E27FC236}">
-                <a16:creationId xmlns:a16="http://schemas.microsoft.com/office/drawing/2014/main" id="{F0CC9C88-4FCB-2A0C-83E3-E8D1CC297F5F}"/>
+                <a16:creationId xmlns:a16="http://schemas.microsoft.com/office/drawing/2014/main" id="{5E1A2B51-D0BB-4D9F-9707-689B399F1F86}"/>
               </a:ext>
             </a:extLst>
           </p:cNvPr>
@@ -7955,28 +8283,374 @@
             <a:spLocks noGrp="1"/>
           </p:cNvSpPr>
           <p:nvPr>
-            <p:ph type="dt" sz="half" idx="10"/>
+            <p:ph type="body" sz="quarter" idx="11"/>
           </p:nvPr>
         </p:nvSpPr>
-        <p:spPr/>
+        <p:spPr>
+          <a:xfrm>
+            <a:off x="575736" y="3626875"/>
+            <a:ext cx="11040533" cy="2889814"/>
+          </a:xfrm>
+          <a:prstGeom prst="rect">
+            <a:avLst/>
+          </a:prstGeom>
+        </p:spPr>
         <p:txBody>
           <a:bodyPr/>
-          <a:lstStyle/>
+          <a:lstStyle>
+            <a:lvl1pPr marL="0" indent="0" algn="ctr">
+              <a:buNone/>
+              <a:defRPr sz="2000"/>
+            </a:lvl1pPr>
+          </a:lstStyle>
           <a:p>
-            <a:fld id="{91F07EAE-C093-4CCA-B3C0-4B8D0B679D15}" type="datetimeFigureOut">
-              <a:rPr kumimoji="1" lang="ja-JP" altLang="en-US" smtClean="0"/>
-              <a:t>2025/11/20</a:t>
-            </a:fld>
-            <a:endParaRPr kumimoji="1" lang="ja-JP" altLang="en-US"/>
+            <a:pPr lvl="0"/>
+            <a:r>
+              <a:rPr kumimoji="1" lang="ja-JP" altLang="en-US"/>
+              <a:t>マスター テキストの書式設定</a:t>
+            </a:r>
           </a:p>
         </p:txBody>
       </p:sp>
       <p:sp>
         <p:nvSpPr>
-          <p:cNvPr id="6" name="フッター プレースホルダー 5">
+          <p:cNvPr id="9" name="正方形/長方形 8">
             <a:extLst>
               <a:ext uri="{FF2B5EF4-FFF2-40B4-BE49-F238E27FC236}">
-                <a16:creationId xmlns:a16="http://schemas.microsoft.com/office/drawing/2014/main" id="{D25F6091-39E1-4D5C-0A47-8BA4309DACC7}"/>
+                <a16:creationId xmlns:a16="http://schemas.microsoft.com/office/drawing/2014/main" id="{C31B6C91-0188-4C79-93BF-5BE6B7BF8859}"/>
+              </a:ext>
+            </a:extLst>
+          </p:cNvPr>
+          <p:cNvSpPr/>
+          <p:nvPr/>
+        </p:nvSpPr>
+        <p:spPr>
+          <a:xfrm>
+            <a:off x="298318" y="252919"/>
+            <a:ext cx="60959" cy="449210"/>
+          </a:xfrm>
+          <a:prstGeom prst="rect">
+            <a:avLst/>
+          </a:prstGeom>
+          <a:solidFill>
+            <a:srgbClr val="1E1E1E"/>
+          </a:solidFill>
+          <a:ln w="19050">
+            <a:solidFill>
+              <a:srgbClr val="000000"/>
+            </a:solidFill>
+          </a:ln>
+        </p:spPr>
+        <p:style>
+          <a:lnRef idx="2">
+            <a:schemeClr val="accent1">
+              <a:shade val="50000"/>
+            </a:schemeClr>
+          </a:lnRef>
+          <a:fillRef idx="1">
+            <a:schemeClr val="accent1"/>
+          </a:fillRef>
+          <a:effectRef idx="0">
+            <a:schemeClr val="accent1"/>
+          </a:effectRef>
+          <a:fontRef idx="minor">
+            <a:schemeClr val="lt1"/>
+          </a:fontRef>
+        </p:style>
+        <p:txBody>
+          <a:bodyPr rtlCol="0" anchor="ctr"/>
+          <a:lstStyle/>
+          <a:p>
+            <a:pPr algn="ctr"/>
+            <a:endParaRPr kumimoji="1" lang="ja-JP" altLang="en-US" sz="1800"/>
+          </a:p>
+        </p:txBody>
+      </p:sp>
+      <p:pic>
+        <p:nvPicPr>
+          <p:cNvPr id="10" name="Picture 2" descr="C:\Documents and Settings\yuji.miwa\My Documents\My Pictures\00_EXM\X_回転\10sec_small.gif">
+            <a:extLst>
+              <a:ext uri="{FF2B5EF4-FFF2-40B4-BE49-F238E27FC236}">
+                <a16:creationId xmlns:a16="http://schemas.microsoft.com/office/drawing/2014/main" id="{0DD036F0-4980-4E4C-916D-843862F2B25C}"/>
+              </a:ext>
+            </a:extLst>
+          </p:cNvPr>
+          <p:cNvPicPr>
+            <a:picLocks noChangeAspect="1" noChangeArrowheads="1" noCrop="1"/>
+          </p:cNvPicPr>
+          <p:nvPr/>
+        </p:nvPicPr>
+        <p:blipFill>
+          <a:blip r:embed="rId2" cstate="print"/>
+          <a:srcRect/>
+          <a:stretch>
+            <a:fillRect/>
+          </a:stretch>
+        </p:blipFill>
+        <p:spPr bwMode="auto">
+          <a:xfrm>
+            <a:off x="11507637" y="204686"/>
+            <a:ext cx="528719" cy="476250"/>
+          </a:xfrm>
+          <a:prstGeom prst="rect">
+            <a:avLst/>
+          </a:prstGeom>
+          <a:noFill/>
+        </p:spPr>
+      </p:pic>
+    </p:spTree>
+    <p:extLst>
+      <p:ext uri="{BB962C8B-B14F-4D97-AF65-F5344CB8AC3E}">
+        <p14:creationId xmlns:p14="http://schemas.microsoft.com/office/powerpoint/2010/main" val="1944507995"/>
+      </p:ext>
+    </p:extLst>
+  </p:cSld>
+  <p:clrMapOvr>
+    <a:masterClrMapping/>
+  </p:clrMapOvr>
+  <p:extLst>
+    <p:ext uri="{DCECCB84-F9BA-43D5-87BE-67443E8EF086}">
+      <p15:sldGuideLst xmlns:p15="http://schemas.microsoft.com/office/powerpoint/2012/main">
+        <p15:guide id="1" pos="136">
+          <p15:clr>
+            <a:srgbClr val="FBAE40"/>
+          </p15:clr>
+        </p15:guide>
+        <p15:guide id="2" pos="5624">
+          <p15:clr>
+            <a:srgbClr val="FBAE40"/>
+          </p15:clr>
+        </p15:guide>
+        <p15:guide id="3" pos="272">
+          <p15:clr>
+            <a:srgbClr val="FBAE40"/>
+          </p15:clr>
+        </p15:guide>
+        <p15:guide id="4" pos="5488">
+          <p15:clr>
+            <a:srgbClr val="FBAE40"/>
+          </p15:clr>
+        </p15:guide>
+        <p15:guide id="5" orient="horz" pos="595">
+          <p15:clr>
+            <a:srgbClr val="FBAE40"/>
+          </p15:clr>
+        </p15:guide>
+        <p15:guide id="6" orient="horz" pos="709">
+          <p15:clr>
+            <a:srgbClr val="FBAE40"/>
+          </p15:clr>
+        </p15:guide>
+      </p15:sldGuideLst>
+    </p:ext>
+  </p:extLst>
+</p:sldLayout>
+</file>
+
+<file path=ppt/slideLayouts/slideLayout7.xml><?xml version="1.0" encoding="utf-8"?>
+<p:sldLayout xmlns:a="http://schemas.openxmlformats.org/drawingml/2006/main" xmlns:r="http://schemas.openxmlformats.org/officeDocument/2006/relationships" xmlns:p="http://schemas.openxmlformats.org/presentationml/2006/main" preserve="1">
+  <p:cSld name="7_コンテンツ2分割（図）">
+    <p:spTree>
+      <p:nvGrpSpPr>
+        <p:cNvPr id="1" name=""/>
+        <p:cNvGrpSpPr/>
+        <p:nvPr/>
+      </p:nvGrpSpPr>
+      <p:grpSpPr>
+        <a:xfrm>
+          <a:off x="0" y="0"/>
+          <a:ext cx="0" cy="0"/>
+          <a:chOff x="0" y="0"/>
+          <a:chExt cx="0" cy="0"/>
+        </a:xfrm>
+      </p:grpSpPr>
+      <p:sp>
+        <p:nvSpPr>
+          <p:cNvPr id="2" name="タイトル 1"/>
+          <p:cNvSpPr>
+            <a:spLocks noGrp="1"/>
+          </p:cNvSpPr>
+          <p:nvPr>
+            <p:ph type="title" hasCustomPrompt="1"/>
+          </p:nvPr>
+        </p:nvSpPr>
+        <p:spPr>
+          <a:xfrm>
+            <a:off x="311648" y="218819"/>
+            <a:ext cx="11620581" cy="483310"/>
+          </a:xfrm>
+          <a:prstGeom prst="rect">
+            <a:avLst/>
+          </a:prstGeom>
+        </p:spPr>
+        <p:txBody>
+          <a:bodyPr lIns="180000" tIns="108000">
+            <a:noAutofit/>
+          </a:bodyPr>
+          <a:lstStyle>
+            <a:lvl1pPr algn="l">
+              <a:defRPr sz="2800" b="1">
+                <a:solidFill>
+                  <a:srgbClr val="1E1E1E"/>
+                </a:solidFill>
+                <a:latin typeface="+mj-ea"/>
+                <a:ea typeface="+mj-ea"/>
+              </a:defRPr>
+            </a:lvl1pPr>
+          </a:lstStyle>
+          <a:p>
+            <a:r>
+              <a:rPr kumimoji="1" lang="ja-JP" altLang="en-US" dirty="0"/>
+              <a:t>マスタ タイトルの書式設定</a:t>
+            </a:r>
+          </a:p>
+        </p:txBody>
+      </p:sp>
+      <p:sp>
+        <p:nvSpPr>
+          <p:cNvPr id="16" name="フッター プレースホルダ 16">
+            <a:extLst>
+              <a:ext uri="{FF2B5EF4-FFF2-40B4-BE49-F238E27FC236}">
+                <a16:creationId xmlns:a16="http://schemas.microsoft.com/office/drawing/2014/main" id="{10877BAF-E54C-431A-AD75-0E20E2ACABF0}"/>
+              </a:ext>
+            </a:extLst>
+          </p:cNvPr>
+          <p:cNvSpPr txBox="1">
+            <a:spLocks/>
+          </p:cNvSpPr>
+          <p:nvPr/>
+        </p:nvSpPr>
+        <p:spPr>
+          <a:xfrm>
+            <a:off x="181586" y="6654284"/>
+            <a:ext cx="4971279" cy="203716"/>
+          </a:xfrm>
+          <a:prstGeom prst="rect">
+            <a:avLst/>
+          </a:prstGeom>
+        </p:spPr>
+        <p:txBody>
+          <a:bodyPr/>
+          <a:lstStyle>
+            <a:lvl1pPr algn="ctr">
+              <a:defRPr sz="1050" baseline="0">
+                <a:latin typeface="Verdana" pitchFamily="34" charset="0"/>
+              </a:defRPr>
+            </a:lvl1pPr>
+          </a:lstStyle>
+          <a:p>
+            <a:pPr marL="0" marR="0" lvl="0" indent="0" algn="l" defTabSz="914377" rtl="0" eaLnBrk="1" fontAlgn="auto" latinLnBrk="0" hangingPunct="1">
+              <a:lnSpc>
+                <a:spcPct val="100000"/>
+              </a:lnSpc>
+              <a:spcBef>
+                <a:spcPts val="0"/>
+              </a:spcBef>
+              <a:spcAft>
+                <a:spcPts val="0"/>
+              </a:spcAft>
+              <a:buClrTx/>
+              <a:buSzTx/>
+              <a:buFontTx/>
+              <a:buNone/>
+              <a:tabLst/>
+              <a:defRPr/>
+            </a:pPr>
+            <a:r>
+              <a:rPr kumimoji="1" lang="en-US" altLang="ja-JP" sz="800" b="0" i="0" u="none" strike="noStrike" kern="1200" cap="none" spc="0" normalizeH="0" baseline="0" noProof="0" dirty="0">
+                <a:ln>
+                  <a:noFill/>
+                </a:ln>
+                <a:solidFill>
+                  <a:schemeClr val="tx1"/>
+                </a:solidFill>
+                <a:effectLst/>
+                <a:uLnTx/>
+                <a:uFillTx/>
+                <a:latin typeface="+mn-ea"/>
+                <a:ea typeface="+mn-ea"/>
+                <a:cs typeface="+mn-cs"/>
+              </a:rPr>
+              <a:t>Copyright © 2018 eXmotion Co</a:t>
+            </a:r>
+            <a:r>
+              <a:rPr kumimoji="1" lang="en-US" altLang="ja-JP" sz="800" b="0" i="0" u="none" strike="noStrike" kern="1200" cap="none" spc="0" normalizeH="0" baseline="0" noProof="0">
+                <a:ln>
+                  <a:noFill/>
+                </a:ln>
+                <a:solidFill>
+                  <a:schemeClr val="tx1"/>
+                </a:solidFill>
+                <a:effectLst/>
+                <a:uLnTx/>
+                <a:uFillTx/>
+                <a:latin typeface="+mn-ea"/>
+                <a:ea typeface="+mn-ea"/>
+                <a:cs typeface="+mn-cs"/>
+              </a:rPr>
+              <a:t>., Ltd. All rights reserved.</a:t>
+            </a:r>
+            <a:endParaRPr kumimoji="1" lang="ja-JP" altLang="en-US" sz="800" b="0" i="0" u="none" strike="noStrike" kern="1200" cap="none" spc="0" normalizeH="0" baseline="0" noProof="0" dirty="0">
+              <a:ln>
+                <a:noFill/>
+              </a:ln>
+              <a:solidFill>
+                <a:schemeClr val="tx1"/>
+              </a:solidFill>
+              <a:effectLst/>
+              <a:uLnTx/>
+              <a:uFillTx/>
+              <a:latin typeface="+mn-ea"/>
+              <a:ea typeface="+mn-ea"/>
+              <a:cs typeface="+mn-cs"/>
+            </a:endParaRPr>
+          </a:p>
+        </p:txBody>
+      </p:sp>
+      <p:sp>
+        <p:nvSpPr>
+          <p:cNvPr id="6" name="テキスト ボックス 5">
+            <a:extLst>
+              <a:ext uri="{FF2B5EF4-FFF2-40B4-BE49-F238E27FC236}">
+                <a16:creationId xmlns:a16="http://schemas.microsoft.com/office/drawing/2014/main" id="{78FEB836-1D44-4E6D-91A9-0100FF7663F1}"/>
+              </a:ext>
+            </a:extLst>
+          </p:cNvPr>
+          <p:cNvSpPr txBox="1"/>
+          <p:nvPr/>
+        </p:nvSpPr>
+        <p:spPr>
+          <a:xfrm>
+            <a:off x="11517551" y="6632480"/>
+            <a:ext cx="576000" cy="230832"/>
+          </a:xfrm>
+          <a:prstGeom prst="rect">
+            <a:avLst/>
+          </a:prstGeom>
+          <a:noFill/>
+        </p:spPr>
+        <p:txBody>
+          <a:bodyPr wrap="square" rtlCol="0">
+            <a:spAutoFit/>
+          </a:bodyPr>
+          <a:lstStyle/>
+          <a:p>
+            <a:pPr algn="ctr"/>
+            <a:fld id="{FCBA7EC3-AB9E-46E6-85D8-3FAAF4CF299E}" type="slidenum">
+              <a:rPr kumimoji="1" lang="ja-JP" altLang="en-US" sz="900" smtClean="0"/>
+              <a:pPr algn="ctr"/>
+              <a:t>‹#›</a:t>
+            </a:fld>
+            <a:endParaRPr kumimoji="1" lang="ja-JP" altLang="en-US" sz="900"/>
+          </a:p>
+        </p:txBody>
+      </p:sp>
+      <p:sp>
+        <p:nvSpPr>
+          <p:cNvPr id="4" name="テキスト プレースホルダー 3">
+            <a:extLst>
+              <a:ext uri="{FF2B5EF4-FFF2-40B4-BE49-F238E27FC236}">
+                <a16:creationId xmlns:a16="http://schemas.microsoft.com/office/drawing/2014/main" id="{3318187E-9321-4B28-96CD-CB4839ED491A}"/>
               </a:ext>
             </a:extLst>
           </p:cNvPr>
@@ -7984,24 +8658,98 @@
             <a:spLocks noGrp="1"/>
           </p:cNvSpPr>
           <p:nvPr>
-            <p:ph type="ftr" sz="quarter" idx="11"/>
+            <p:ph type="body" sz="quarter" idx="10"/>
           </p:nvPr>
         </p:nvSpPr>
-        <p:spPr/>
+        <p:spPr>
+          <a:xfrm>
+            <a:off x="575735" y="944574"/>
+            <a:ext cx="11040532" cy="981125"/>
+          </a:xfrm>
+          <a:prstGeom prst="rect">
+            <a:avLst/>
+          </a:prstGeom>
+        </p:spPr>
         <p:txBody>
-          <a:bodyPr/>
-          <a:lstStyle/>
+          <a:bodyPr anchor="ctr"/>
+          <a:lstStyle>
+            <a:lvl1pPr marL="0" indent="0" algn="ctr">
+              <a:buNone/>
+              <a:defRPr sz="2000"/>
+            </a:lvl1pPr>
+            <a:lvl2pPr marL="457189" indent="0">
+              <a:buNone/>
+              <a:defRPr/>
+            </a:lvl2pPr>
+            <a:lvl3pPr marL="914377" indent="0">
+              <a:buNone/>
+              <a:defRPr/>
+            </a:lvl3pPr>
+            <a:lvl4pPr marL="1371566" indent="0">
+              <a:buNone/>
+              <a:defRPr/>
+            </a:lvl4pPr>
+            <a:lvl5pPr marL="1828754" indent="0">
+              <a:buNone/>
+              <a:defRPr/>
+            </a:lvl5pPr>
+          </a:lstStyle>
           <a:p>
-            <a:endParaRPr kumimoji="1" lang="ja-JP" altLang="en-US"/>
+            <a:pPr lvl="0"/>
+            <a:r>
+              <a:rPr kumimoji="1" lang="ja-JP" altLang="en-US"/>
+              <a:t>マスター テキストの書式設定</a:t>
+            </a:r>
           </a:p>
         </p:txBody>
       </p:sp>
+      <p:cxnSp>
+        <p:nvCxnSpPr>
+          <p:cNvPr id="10" name="直線コネクタ 9">
+            <a:extLst>
+              <a:ext uri="{FF2B5EF4-FFF2-40B4-BE49-F238E27FC236}">
+                <a16:creationId xmlns:a16="http://schemas.microsoft.com/office/drawing/2014/main" id="{3BABE2E1-0A5C-4FD9-8763-459C96595E92}"/>
+              </a:ext>
+            </a:extLst>
+          </p:cNvPr>
+          <p:cNvCxnSpPr/>
+          <p:nvPr/>
+        </p:nvCxnSpPr>
+        <p:spPr>
+          <a:xfrm>
+            <a:off x="1446665" y="1985311"/>
+            <a:ext cx="9298675" cy="0"/>
+          </a:xfrm>
+          <a:prstGeom prst="line">
+            <a:avLst/>
+          </a:prstGeom>
+          <a:ln>
+            <a:solidFill>
+              <a:schemeClr val="tx1"/>
+            </a:solidFill>
+          </a:ln>
+        </p:spPr>
+        <p:style>
+          <a:lnRef idx="1">
+            <a:schemeClr val="accent1"/>
+          </a:lnRef>
+          <a:fillRef idx="0">
+            <a:schemeClr val="accent1"/>
+          </a:fillRef>
+          <a:effectRef idx="0">
+            <a:schemeClr val="accent1"/>
+          </a:effectRef>
+          <a:fontRef idx="minor">
+            <a:schemeClr val="tx1"/>
+          </a:fontRef>
+        </p:style>
+      </p:cxnSp>
       <p:sp>
         <p:nvSpPr>
-          <p:cNvPr id="7" name="スライド番号プレースホルダー 6">
+          <p:cNvPr id="12" name="図プレースホルダー 11">
             <a:extLst>
               <a:ext uri="{FF2B5EF4-FFF2-40B4-BE49-F238E27FC236}">
-                <a16:creationId xmlns:a16="http://schemas.microsoft.com/office/drawing/2014/main" id="{5CDA43E1-0462-8E0D-DD85-E97A0A3E3DA5}"/>
+                <a16:creationId xmlns:a16="http://schemas.microsoft.com/office/drawing/2014/main" id="{DEE5D10B-AD74-4E46-9601-D826ECD06C88}"/>
               </a:ext>
             </a:extLst>
           </p:cNvPr>
@@ -8009,32 +8757,733 @@
             <a:spLocks noGrp="1"/>
           </p:cNvSpPr>
           <p:nvPr>
-            <p:ph type="sldNum" sz="quarter" idx="12"/>
+            <p:ph type="pic" sz="quarter" idx="11"/>
           </p:nvPr>
         </p:nvSpPr>
-        <p:spPr/>
+        <p:spPr>
+          <a:xfrm>
+            <a:off x="575736" y="2036768"/>
+            <a:ext cx="11040533" cy="4575175"/>
+          </a:xfrm>
+          <a:prstGeom prst="rect">
+            <a:avLst/>
+          </a:prstGeom>
+        </p:spPr>
         <p:txBody>
           <a:bodyPr/>
           <a:lstStyle/>
           <a:p>
-            <a:fld id="{4A39AF54-13FC-4832-9337-370E1C3382B0}" type="slidenum">
-              <a:rPr kumimoji="1" lang="ja-JP" altLang="en-US" smtClean="0"/>
-              <a:t>‹#›</a:t>
-            </a:fld>
-            <a:endParaRPr kumimoji="1" lang="ja-JP" altLang="en-US"/>
+            <a:r>
+              <a:rPr kumimoji="1" lang="ja-JP" altLang="en-US"/>
+              <a:t>アイコンをクリックして図を追加</a:t>
+            </a:r>
           </a:p>
         </p:txBody>
       </p:sp>
+      <p:sp>
+        <p:nvSpPr>
+          <p:cNvPr id="11" name="正方形/長方形 10">
+            <a:extLst>
+              <a:ext uri="{FF2B5EF4-FFF2-40B4-BE49-F238E27FC236}">
+                <a16:creationId xmlns:a16="http://schemas.microsoft.com/office/drawing/2014/main" id="{C5E313F3-DCCC-4D98-9A9E-EBE71A49ABC8}"/>
+              </a:ext>
+            </a:extLst>
+          </p:cNvPr>
+          <p:cNvSpPr/>
+          <p:nvPr/>
+        </p:nvSpPr>
+        <p:spPr>
+          <a:xfrm>
+            <a:off x="298318" y="252919"/>
+            <a:ext cx="60959" cy="449210"/>
+          </a:xfrm>
+          <a:prstGeom prst="rect">
+            <a:avLst/>
+          </a:prstGeom>
+          <a:solidFill>
+            <a:srgbClr val="1E1E1E"/>
+          </a:solidFill>
+          <a:ln w="19050">
+            <a:solidFill>
+              <a:srgbClr val="000000"/>
+            </a:solidFill>
+          </a:ln>
+        </p:spPr>
+        <p:style>
+          <a:lnRef idx="2">
+            <a:schemeClr val="accent1">
+              <a:shade val="50000"/>
+            </a:schemeClr>
+          </a:lnRef>
+          <a:fillRef idx="1">
+            <a:schemeClr val="accent1"/>
+          </a:fillRef>
+          <a:effectRef idx="0">
+            <a:schemeClr val="accent1"/>
+          </a:effectRef>
+          <a:fontRef idx="minor">
+            <a:schemeClr val="lt1"/>
+          </a:fontRef>
+        </p:style>
+        <p:txBody>
+          <a:bodyPr rtlCol="0" anchor="ctr"/>
+          <a:lstStyle/>
+          <a:p>
+            <a:pPr algn="ctr"/>
+            <a:endParaRPr kumimoji="1" lang="ja-JP" altLang="en-US" sz="1800"/>
+          </a:p>
+        </p:txBody>
+      </p:sp>
+      <p:pic>
+        <p:nvPicPr>
+          <p:cNvPr id="13" name="Picture 2" descr="C:\Documents and Settings\yuji.miwa\My Documents\My Pictures\00_EXM\X_回転\10sec_small.gif">
+            <a:extLst>
+              <a:ext uri="{FF2B5EF4-FFF2-40B4-BE49-F238E27FC236}">
+                <a16:creationId xmlns:a16="http://schemas.microsoft.com/office/drawing/2014/main" id="{7EACC8CD-07DA-404F-A8C6-12D5344CA652}"/>
+              </a:ext>
+            </a:extLst>
+          </p:cNvPr>
+          <p:cNvPicPr>
+            <a:picLocks noChangeAspect="1" noChangeArrowheads="1" noCrop="1"/>
+          </p:cNvPicPr>
+          <p:nvPr/>
+        </p:nvPicPr>
+        <p:blipFill>
+          <a:blip r:embed="rId2" cstate="print"/>
+          <a:srcRect/>
+          <a:stretch>
+            <a:fillRect/>
+          </a:stretch>
+        </p:blipFill>
+        <p:spPr bwMode="auto">
+          <a:xfrm>
+            <a:off x="11507637" y="204686"/>
+            <a:ext cx="528719" cy="476250"/>
+          </a:xfrm>
+          <a:prstGeom prst="rect">
+            <a:avLst/>
+          </a:prstGeom>
+          <a:noFill/>
+        </p:spPr>
+      </p:pic>
     </p:spTree>
     <p:extLst>
       <p:ext uri="{BB962C8B-B14F-4D97-AF65-F5344CB8AC3E}">
-        <p14:creationId xmlns:p14="http://schemas.microsoft.com/office/powerpoint/2010/main" val="3545294391"/>
+        <p14:creationId xmlns:p14="http://schemas.microsoft.com/office/powerpoint/2010/main" val="1667037113"/>
       </p:ext>
     </p:extLst>
   </p:cSld>
   <p:clrMapOvr>
     <a:masterClrMapping/>
   </p:clrMapOvr>
+  <p:extLst>
+    <p:ext uri="{DCECCB84-F9BA-43D5-87BE-67443E8EF086}">
+      <p15:sldGuideLst xmlns:p15="http://schemas.microsoft.com/office/powerpoint/2012/main">
+        <p15:guide id="1" pos="136">
+          <p15:clr>
+            <a:srgbClr val="FBAE40"/>
+          </p15:clr>
+        </p15:guide>
+        <p15:guide id="2" pos="5624">
+          <p15:clr>
+            <a:srgbClr val="FBAE40"/>
+          </p15:clr>
+        </p15:guide>
+        <p15:guide id="3" pos="272">
+          <p15:clr>
+            <a:srgbClr val="FBAE40"/>
+          </p15:clr>
+        </p15:guide>
+        <p15:guide id="4" pos="5488">
+          <p15:clr>
+            <a:srgbClr val="FBAE40"/>
+          </p15:clr>
+        </p15:guide>
+        <p15:guide id="5" orient="horz" pos="595">
+          <p15:clr>
+            <a:srgbClr val="FBAE40"/>
+          </p15:clr>
+        </p15:guide>
+        <p15:guide id="6" orient="horz" pos="709">
+          <p15:clr>
+            <a:srgbClr val="FBAE40"/>
+          </p15:clr>
+        </p15:guide>
+      </p15:sldGuideLst>
+    </p:ext>
+  </p:extLst>
+</p:sldLayout>
+</file>
+
+<file path=ppt/slideLayouts/slideLayout8.xml><?xml version="1.0" encoding="utf-8"?>
+<p:sldLayout xmlns:a="http://schemas.openxmlformats.org/drawingml/2006/main" xmlns:r="http://schemas.openxmlformats.org/officeDocument/2006/relationships" xmlns:p="http://schemas.openxmlformats.org/presentationml/2006/main" preserve="1">
+  <p:cSld name="8_コンテンツ縦2分割">
+    <p:spTree>
+      <p:nvGrpSpPr>
+        <p:cNvPr id="1" name=""/>
+        <p:cNvGrpSpPr/>
+        <p:nvPr/>
+      </p:nvGrpSpPr>
+      <p:grpSpPr>
+        <a:xfrm>
+          <a:off x="0" y="0"/>
+          <a:ext cx="0" cy="0"/>
+          <a:chOff x="0" y="0"/>
+          <a:chExt cx="0" cy="0"/>
+        </a:xfrm>
+      </p:grpSpPr>
+      <p:sp>
+        <p:nvSpPr>
+          <p:cNvPr id="9" name="タイトル 1">
+            <a:extLst>
+              <a:ext uri="{FF2B5EF4-FFF2-40B4-BE49-F238E27FC236}">
+                <a16:creationId xmlns:a16="http://schemas.microsoft.com/office/drawing/2014/main" id="{83F04BC7-B35D-4363-BC23-8E2B453911CB}"/>
+              </a:ext>
+            </a:extLst>
+          </p:cNvPr>
+          <p:cNvSpPr>
+            <a:spLocks noGrp="1"/>
+          </p:cNvSpPr>
+          <p:nvPr>
+            <p:ph type="title" hasCustomPrompt="1"/>
+          </p:nvPr>
+        </p:nvSpPr>
+        <p:spPr>
+          <a:xfrm>
+            <a:off x="311648" y="218819"/>
+            <a:ext cx="11620581" cy="483310"/>
+          </a:xfrm>
+          <a:prstGeom prst="rect">
+            <a:avLst/>
+          </a:prstGeom>
+        </p:spPr>
+        <p:txBody>
+          <a:bodyPr lIns="180000" tIns="108000">
+            <a:noAutofit/>
+          </a:bodyPr>
+          <a:lstStyle>
+            <a:lvl1pPr algn="l">
+              <a:defRPr sz="2800" b="1">
+                <a:solidFill>
+                  <a:srgbClr val="1E1E1E"/>
+                </a:solidFill>
+                <a:latin typeface="+mj-ea"/>
+                <a:ea typeface="+mj-ea"/>
+              </a:defRPr>
+            </a:lvl1pPr>
+          </a:lstStyle>
+          <a:p>
+            <a:r>
+              <a:rPr kumimoji="1" lang="ja-JP" altLang="en-US" dirty="0"/>
+              <a:t>マスタ タイトルの書式設定</a:t>
+            </a:r>
+          </a:p>
+        </p:txBody>
+      </p:sp>
+      <p:sp>
+        <p:nvSpPr>
+          <p:cNvPr id="12" name="テキスト プレースホルダー 11">
+            <a:extLst>
+              <a:ext uri="{FF2B5EF4-FFF2-40B4-BE49-F238E27FC236}">
+                <a16:creationId xmlns:a16="http://schemas.microsoft.com/office/drawing/2014/main" id="{6D26E8FB-FB85-4D5D-B51A-C4BD9553E7D9}"/>
+              </a:ext>
+            </a:extLst>
+          </p:cNvPr>
+          <p:cNvSpPr>
+            <a:spLocks noGrp="1"/>
+          </p:cNvSpPr>
+          <p:nvPr>
+            <p:ph type="body" sz="quarter" idx="10"/>
+          </p:nvPr>
+        </p:nvSpPr>
+        <p:spPr>
+          <a:xfrm>
+            <a:off x="575733" y="1128677"/>
+            <a:ext cx="5195765" cy="504825"/>
+          </a:xfrm>
+          <a:prstGeom prst="rect">
+            <a:avLst/>
+          </a:prstGeom>
+        </p:spPr>
+        <p:txBody>
+          <a:bodyPr anchor="ctr"/>
+          <a:lstStyle>
+            <a:lvl1pPr marL="0" indent="0" algn="ctr">
+              <a:buNone/>
+              <a:defRPr sz="2000" b="1">
+                <a:solidFill>
+                  <a:schemeClr val="accent1"/>
+                </a:solidFill>
+              </a:defRPr>
+            </a:lvl1pPr>
+            <a:lvl2pPr marL="457189" indent="0">
+              <a:buNone/>
+              <a:defRPr/>
+            </a:lvl2pPr>
+            <a:lvl3pPr marL="914377" indent="0">
+              <a:buNone/>
+              <a:defRPr/>
+            </a:lvl3pPr>
+            <a:lvl4pPr marL="1371566" indent="0">
+              <a:buNone/>
+              <a:defRPr/>
+            </a:lvl4pPr>
+            <a:lvl5pPr marL="1828754" indent="0">
+              <a:buNone/>
+              <a:defRPr/>
+            </a:lvl5pPr>
+          </a:lstStyle>
+          <a:p>
+            <a:pPr lvl="0"/>
+            <a:r>
+              <a:rPr kumimoji="1" lang="ja-JP" altLang="en-US"/>
+              <a:t>マスター テキストの書式設定</a:t>
+            </a:r>
+          </a:p>
+        </p:txBody>
+      </p:sp>
+      <p:sp>
+        <p:nvSpPr>
+          <p:cNvPr id="14" name="テキスト プレースホルダー 11">
+            <a:extLst>
+              <a:ext uri="{FF2B5EF4-FFF2-40B4-BE49-F238E27FC236}">
+                <a16:creationId xmlns:a16="http://schemas.microsoft.com/office/drawing/2014/main" id="{8CF13E12-A5BD-4253-ACFA-429E96938317}"/>
+              </a:ext>
+            </a:extLst>
+          </p:cNvPr>
+          <p:cNvSpPr>
+            <a:spLocks noGrp="1"/>
+          </p:cNvSpPr>
+          <p:nvPr>
+            <p:ph type="body" sz="quarter" idx="11"/>
+          </p:nvPr>
+        </p:nvSpPr>
+        <p:spPr>
+          <a:xfrm>
+            <a:off x="6420505" y="1128676"/>
+            <a:ext cx="5195763" cy="504825"/>
+          </a:xfrm>
+          <a:prstGeom prst="rect">
+            <a:avLst/>
+          </a:prstGeom>
+        </p:spPr>
+        <p:txBody>
+          <a:bodyPr anchor="ctr"/>
+          <a:lstStyle>
+            <a:lvl1pPr marL="0" indent="0" algn="ctr">
+              <a:buNone/>
+              <a:defRPr sz="2000" b="1">
+                <a:solidFill>
+                  <a:schemeClr val="accent1"/>
+                </a:solidFill>
+              </a:defRPr>
+            </a:lvl1pPr>
+            <a:lvl2pPr marL="457189" indent="0">
+              <a:buNone/>
+              <a:defRPr/>
+            </a:lvl2pPr>
+            <a:lvl3pPr marL="914377" indent="0">
+              <a:buNone/>
+              <a:defRPr/>
+            </a:lvl3pPr>
+            <a:lvl4pPr marL="1371566" indent="0">
+              <a:buNone/>
+              <a:defRPr/>
+            </a:lvl4pPr>
+            <a:lvl5pPr marL="1828754" indent="0">
+              <a:buNone/>
+              <a:defRPr/>
+            </a:lvl5pPr>
+          </a:lstStyle>
+          <a:p>
+            <a:pPr lvl="0"/>
+            <a:r>
+              <a:rPr kumimoji="1" lang="ja-JP" altLang="en-US"/>
+              <a:t>マスター テキストの書式設定</a:t>
+            </a:r>
+          </a:p>
+        </p:txBody>
+      </p:sp>
+      <p:cxnSp>
+        <p:nvCxnSpPr>
+          <p:cNvPr id="15" name="直線コネクタ 14">
+            <a:extLst>
+              <a:ext uri="{FF2B5EF4-FFF2-40B4-BE49-F238E27FC236}">
+                <a16:creationId xmlns:a16="http://schemas.microsoft.com/office/drawing/2014/main" id="{577767EB-7F4A-4E5C-B632-FEE98C863016}"/>
+              </a:ext>
+            </a:extLst>
+          </p:cNvPr>
+          <p:cNvCxnSpPr>
+            <a:cxnSpLocks/>
+          </p:cNvCxnSpPr>
+          <p:nvPr/>
+        </p:nvCxnSpPr>
+        <p:spPr>
+          <a:xfrm>
+            <a:off x="575733" y="1724427"/>
+            <a:ext cx="5195765" cy="0"/>
+          </a:xfrm>
+          <a:prstGeom prst="line">
+            <a:avLst/>
+          </a:prstGeom>
+          <a:ln>
+            <a:solidFill>
+              <a:schemeClr val="tx1"/>
+            </a:solidFill>
+          </a:ln>
+        </p:spPr>
+        <p:style>
+          <a:lnRef idx="1">
+            <a:schemeClr val="accent1"/>
+          </a:lnRef>
+          <a:fillRef idx="0">
+            <a:schemeClr val="accent1"/>
+          </a:fillRef>
+          <a:effectRef idx="0">
+            <a:schemeClr val="accent1"/>
+          </a:effectRef>
+          <a:fontRef idx="minor">
+            <a:schemeClr val="tx1"/>
+          </a:fontRef>
+        </p:style>
+      </p:cxnSp>
+      <p:cxnSp>
+        <p:nvCxnSpPr>
+          <p:cNvPr id="16" name="直線コネクタ 15">
+            <a:extLst>
+              <a:ext uri="{FF2B5EF4-FFF2-40B4-BE49-F238E27FC236}">
+                <a16:creationId xmlns:a16="http://schemas.microsoft.com/office/drawing/2014/main" id="{91B72DE1-54F6-4D8B-B7EA-B066DD99CF31}"/>
+              </a:ext>
+            </a:extLst>
+          </p:cNvPr>
+          <p:cNvCxnSpPr>
+            <a:cxnSpLocks/>
+          </p:cNvCxnSpPr>
+          <p:nvPr/>
+        </p:nvCxnSpPr>
+        <p:spPr>
+          <a:xfrm>
+            <a:off x="6420505" y="1724427"/>
+            <a:ext cx="5195763" cy="0"/>
+          </a:xfrm>
+          <a:prstGeom prst="line">
+            <a:avLst/>
+          </a:prstGeom>
+          <a:ln>
+            <a:solidFill>
+              <a:schemeClr val="tx1"/>
+            </a:solidFill>
+          </a:ln>
+        </p:spPr>
+        <p:style>
+          <a:lnRef idx="1">
+            <a:schemeClr val="accent1"/>
+          </a:lnRef>
+          <a:fillRef idx="0">
+            <a:schemeClr val="accent1"/>
+          </a:fillRef>
+          <a:effectRef idx="0">
+            <a:schemeClr val="accent1"/>
+          </a:effectRef>
+          <a:fontRef idx="minor">
+            <a:schemeClr val="tx1"/>
+          </a:fontRef>
+        </p:style>
+      </p:cxnSp>
+      <p:sp>
+        <p:nvSpPr>
+          <p:cNvPr id="21" name="コンテンツ プレースホルダー 20">
+            <a:extLst>
+              <a:ext uri="{FF2B5EF4-FFF2-40B4-BE49-F238E27FC236}">
+                <a16:creationId xmlns:a16="http://schemas.microsoft.com/office/drawing/2014/main" id="{91FF9050-C926-4CE1-BD33-BFB6CB31EA54}"/>
+              </a:ext>
+            </a:extLst>
+          </p:cNvPr>
+          <p:cNvSpPr>
+            <a:spLocks noGrp="1"/>
+          </p:cNvSpPr>
+          <p:nvPr>
+            <p:ph sz="quarter" idx="12"/>
+          </p:nvPr>
+        </p:nvSpPr>
+        <p:spPr>
+          <a:xfrm>
+            <a:off x="575737" y="1866905"/>
+            <a:ext cx="5196417" cy="4633913"/>
+          </a:xfrm>
+          <a:prstGeom prst="rect">
+            <a:avLst/>
+          </a:prstGeom>
+        </p:spPr>
+        <p:txBody>
+          <a:bodyPr lIns="180000" tIns="108000" rIns="180000" bIns="108000"/>
+          <a:lstStyle>
+            <a:lvl1pPr marL="0" indent="0">
+              <a:buNone/>
+              <a:defRPr sz="2000"/>
+            </a:lvl1pPr>
+          </a:lstStyle>
+          <a:p>
+            <a:pPr lvl="0"/>
+            <a:r>
+              <a:rPr kumimoji="1" lang="ja-JP" altLang="en-US"/>
+              <a:t>マスター テキストの書式設定</a:t>
+            </a:r>
+          </a:p>
+        </p:txBody>
+      </p:sp>
+      <p:sp>
+        <p:nvSpPr>
+          <p:cNvPr id="22" name="コンテンツ プレースホルダー 20">
+            <a:extLst>
+              <a:ext uri="{FF2B5EF4-FFF2-40B4-BE49-F238E27FC236}">
+                <a16:creationId xmlns:a16="http://schemas.microsoft.com/office/drawing/2014/main" id="{96EC9F5D-9DAA-4472-8412-5C21710DC804}"/>
+              </a:ext>
+            </a:extLst>
+          </p:cNvPr>
+          <p:cNvSpPr>
+            <a:spLocks noGrp="1"/>
+          </p:cNvSpPr>
+          <p:nvPr>
+            <p:ph sz="quarter" idx="13"/>
+          </p:nvPr>
+        </p:nvSpPr>
+        <p:spPr>
+          <a:xfrm>
+            <a:off x="6426658" y="1866905"/>
+            <a:ext cx="5196417" cy="4633913"/>
+          </a:xfrm>
+          <a:prstGeom prst="rect">
+            <a:avLst/>
+          </a:prstGeom>
+        </p:spPr>
+        <p:txBody>
+          <a:bodyPr lIns="180000" tIns="108000" rIns="180000" bIns="108000"/>
+          <a:lstStyle>
+            <a:lvl1pPr marL="0" indent="0">
+              <a:buNone/>
+              <a:defRPr sz="2000"/>
+            </a:lvl1pPr>
+          </a:lstStyle>
+          <a:p>
+            <a:pPr lvl="0"/>
+            <a:r>
+              <a:rPr kumimoji="1" lang="ja-JP" altLang="en-US"/>
+              <a:t>マスター テキストの書式設定</a:t>
+            </a:r>
+          </a:p>
+        </p:txBody>
+      </p:sp>
+      <p:sp>
+        <p:nvSpPr>
+          <p:cNvPr id="13" name="正方形/長方形 12">
+            <a:extLst>
+              <a:ext uri="{FF2B5EF4-FFF2-40B4-BE49-F238E27FC236}">
+                <a16:creationId xmlns:a16="http://schemas.microsoft.com/office/drawing/2014/main" id="{684A4A85-B0D2-4282-82C5-6EB91C24B8A0}"/>
+              </a:ext>
+            </a:extLst>
+          </p:cNvPr>
+          <p:cNvSpPr/>
+          <p:nvPr/>
+        </p:nvSpPr>
+        <p:spPr>
+          <a:xfrm>
+            <a:off x="298318" y="252919"/>
+            <a:ext cx="60959" cy="449210"/>
+          </a:xfrm>
+          <a:prstGeom prst="rect">
+            <a:avLst/>
+          </a:prstGeom>
+          <a:solidFill>
+            <a:srgbClr val="1E1E1E"/>
+          </a:solidFill>
+          <a:ln w="19050">
+            <a:solidFill>
+              <a:srgbClr val="000000"/>
+            </a:solidFill>
+          </a:ln>
+        </p:spPr>
+        <p:style>
+          <a:lnRef idx="2">
+            <a:schemeClr val="accent1">
+              <a:shade val="50000"/>
+            </a:schemeClr>
+          </a:lnRef>
+          <a:fillRef idx="1">
+            <a:schemeClr val="accent1"/>
+          </a:fillRef>
+          <a:effectRef idx="0">
+            <a:schemeClr val="accent1"/>
+          </a:effectRef>
+          <a:fontRef idx="minor">
+            <a:schemeClr val="lt1"/>
+          </a:fontRef>
+        </p:style>
+        <p:txBody>
+          <a:bodyPr rtlCol="0" anchor="ctr"/>
+          <a:lstStyle/>
+          <a:p>
+            <a:pPr algn="ctr"/>
+            <a:endParaRPr kumimoji="1" lang="ja-JP" altLang="en-US" sz="1800"/>
+          </a:p>
+        </p:txBody>
+      </p:sp>
+      <p:pic>
+        <p:nvPicPr>
+          <p:cNvPr id="11" name="Picture 2" descr="C:\Documents and Settings\yuji.miwa\My Documents\My Pictures\00_EXM\X_回転\10sec_small.gif">
+            <a:extLst>
+              <a:ext uri="{FF2B5EF4-FFF2-40B4-BE49-F238E27FC236}">
+                <a16:creationId xmlns:a16="http://schemas.microsoft.com/office/drawing/2014/main" id="{65BC99F6-6013-459C-A7EA-320A83BBABD3}"/>
+              </a:ext>
+            </a:extLst>
+          </p:cNvPr>
+          <p:cNvPicPr>
+            <a:picLocks noChangeAspect="1" noChangeArrowheads="1" noCrop="1"/>
+          </p:cNvPicPr>
+          <p:nvPr/>
+        </p:nvPicPr>
+        <p:blipFill>
+          <a:blip r:embed="rId2" cstate="print"/>
+          <a:srcRect/>
+          <a:stretch>
+            <a:fillRect/>
+          </a:stretch>
+        </p:blipFill>
+        <p:spPr bwMode="auto">
+          <a:xfrm>
+            <a:off x="11507637" y="204686"/>
+            <a:ext cx="528719" cy="476250"/>
+          </a:xfrm>
+          <a:prstGeom prst="rect">
+            <a:avLst/>
+          </a:prstGeom>
+          <a:noFill/>
+        </p:spPr>
+      </p:pic>
+    </p:spTree>
+    <p:extLst>
+      <p:ext uri="{BB962C8B-B14F-4D97-AF65-F5344CB8AC3E}">
+        <p14:creationId xmlns:p14="http://schemas.microsoft.com/office/powerpoint/2010/main" val="452228256"/>
+      </p:ext>
+    </p:extLst>
+  </p:cSld>
+  <p:clrMapOvr>
+    <a:masterClrMapping/>
+  </p:clrMapOvr>
+  <p:extLst>
+    <p:ext uri="{DCECCB84-F9BA-43D5-87BE-67443E8EF086}">
+      <p15:sldGuideLst xmlns:p15="http://schemas.microsoft.com/office/powerpoint/2012/main">
+        <p15:guide id="1" pos="136">
+          <p15:clr>
+            <a:srgbClr val="FBAE40"/>
+          </p15:clr>
+        </p15:guide>
+        <p15:guide id="2" pos="5624">
+          <p15:clr>
+            <a:srgbClr val="FBAE40"/>
+          </p15:clr>
+        </p15:guide>
+        <p15:guide id="3" pos="272">
+          <p15:clr>
+            <a:srgbClr val="FBAE40"/>
+          </p15:clr>
+        </p15:guide>
+        <p15:guide id="4" pos="5488">
+          <p15:clr>
+            <a:srgbClr val="FBAE40"/>
+          </p15:clr>
+        </p15:guide>
+      </p15:sldGuideLst>
+    </p:ext>
+  </p:extLst>
+</p:sldLayout>
+</file>
+
+<file path=ppt/slideLayouts/slideLayout9.xml><?xml version="1.0" encoding="utf-8"?>
+<p:sldLayout xmlns:a="http://schemas.openxmlformats.org/drawingml/2006/main" xmlns:r="http://schemas.openxmlformats.org/officeDocument/2006/relationships" xmlns:p="http://schemas.openxmlformats.org/presentationml/2006/main" preserve="1">
+  <p:cSld name="9_白紙">
+    <p:spTree>
+      <p:nvGrpSpPr>
+        <p:cNvPr id="1" name=""/>
+        <p:cNvGrpSpPr/>
+        <p:nvPr/>
+      </p:nvGrpSpPr>
+      <p:grpSpPr>
+        <a:xfrm>
+          <a:off x="0" y="0"/>
+          <a:ext cx="0" cy="0"/>
+          <a:chOff x="0" y="0"/>
+          <a:chExt cx="0" cy="0"/>
+        </a:xfrm>
+      </p:grpSpPr>
+      <p:pic>
+        <p:nvPicPr>
+          <p:cNvPr id="3" name="Picture 2" descr="C:\Documents and Settings\yuji.miwa\My Documents\My Pictures\00_EXM\X_回転\10sec_small.gif">
+            <a:extLst>
+              <a:ext uri="{FF2B5EF4-FFF2-40B4-BE49-F238E27FC236}">
+                <a16:creationId xmlns:a16="http://schemas.microsoft.com/office/drawing/2014/main" id="{09DD0D1E-6927-4063-9968-8E88441E5B87}"/>
+              </a:ext>
+            </a:extLst>
+          </p:cNvPr>
+          <p:cNvPicPr>
+            <a:picLocks noChangeAspect="1" noChangeArrowheads="1" noCrop="1"/>
+          </p:cNvPicPr>
+          <p:nvPr/>
+        </p:nvPicPr>
+        <p:blipFill>
+          <a:blip r:embed="rId2" cstate="print"/>
+          <a:srcRect/>
+          <a:stretch>
+            <a:fillRect/>
+          </a:stretch>
+        </p:blipFill>
+        <p:spPr bwMode="auto">
+          <a:xfrm>
+            <a:off x="11507637" y="204686"/>
+            <a:ext cx="528719" cy="476250"/>
+          </a:xfrm>
+          <a:prstGeom prst="rect">
+            <a:avLst/>
+          </a:prstGeom>
+          <a:noFill/>
+        </p:spPr>
+      </p:pic>
+    </p:spTree>
+    <p:extLst>
+      <p:ext uri="{BB962C8B-B14F-4D97-AF65-F5344CB8AC3E}">
+        <p14:creationId xmlns:p14="http://schemas.microsoft.com/office/powerpoint/2010/main" val="1274017623"/>
+      </p:ext>
+    </p:extLst>
+  </p:cSld>
+  <p:clrMapOvr>
+    <a:masterClrMapping/>
+  </p:clrMapOvr>
+  <p:extLst>
+    <p:ext uri="{DCECCB84-F9BA-43D5-87BE-67443E8EF086}">
+      <p15:sldGuideLst xmlns:p15="http://schemas.microsoft.com/office/powerpoint/2012/main">
+        <p15:guide id="1" pos="136">
+          <p15:clr>
+            <a:srgbClr val="FBAE40"/>
+          </p15:clr>
+        </p15:guide>
+        <p15:guide id="2" pos="5624">
+          <p15:clr>
+            <a:srgbClr val="FBAE40"/>
+          </p15:clr>
+        </p15:guide>
+        <p15:guide id="3" pos="272">
+          <p15:clr>
+            <a:srgbClr val="FBAE40"/>
+          </p15:clr>
+        </p15:guide>
+        <p15:guide id="4" pos="5488">
+          <p15:clr>
+            <a:srgbClr val="FBAE40"/>
+          </p15:clr>
+        </p15:guide>
+      </p15:sldGuideLst>
+    </p:ext>
+  </p:extLst>
 </p:sldLayout>
 </file>
 
@@ -8062,305 +9511,112 @@
       </p:grpSpPr>
       <p:sp>
         <p:nvSpPr>
-          <p:cNvPr id="2" name="タイトル プレースホルダー 1">
+          <p:cNvPr id="2" name="フッター プレースホルダ 16">
             <a:extLst>
               <a:ext uri="{FF2B5EF4-FFF2-40B4-BE49-F238E27FC236}">
-                <a16:creationId xmlns:a16="http://schemas.microsoft.com/office/drawing/2014/main" id="{3050E757-EB89-809F-7C58-BBD1FBCA04B5}"/>
+                <a16:creationId xmlns:a16="http://schemas.microsoft.com/office/drawing/2014/main" id="{46AFBF65-511E-4E7B-B07D-C452240A7E8B}"/>
               </a:ext>
             </a:extLst>
           </p:cNvPr>
-          <p:cNvSpPr>
-            <a:spLocks noGrp="1"/>
+          <p:cNvSpPr txBox="1">
+            <a:spLocks/>
           </p:cNvSpPr>
-          <p:nvPr>
-            <p:ph type="title"/>
-          </p:nvPr>
+          <p:nvPr/>
         </p:nvSpPr>
         <p:spPr>
           <a:xfrm>
-            <a:off x="838200" y="365125"/>
-            <a:ext cx="10515600" cy="1325563"/>
+            <a:off x="181586" y="6654284"/>
+            <a:ext cx="4971279" cy="203716"/>
           </a:xfrm>
           <a:prstGeom prst="rect">
             <a:avLst/>
           </a:prstGeom>
         </p:spPr>
         <p:txBody>
-          <a:bodyPr vert="horz" lIns="91440" tIns="45720" rIns="91440" bIns="45720" rtlCol="0" anchor="ctr">
-            <a:normAutofit/>
-          </a:bodyPr>
-          <a:lstStyle/>
-          <a:p>
-            <a:r>
-              <a:rPr kumimoji="1" lang="ja-JP" altLang="en-US"/>
-              <a:t>マスター タイトルの書式設定</a:t>
-            </a:r>
-          </a:p>
-        </p:txBody>
-      </p:sp>
-      <p:sp>
-        <p:nvSpPr>
-          <p:cNvPr id="3" name="テキスト プレースホルダー 2">
-            <a:extLst>
-              <a:ext uri="{FF2B5EF4-FFF2-40B4-BE49-F238E27FC236}">
-                <a16:creationId xmlns:a16="http://schemas.microsoft.com/office/drawing/2014/main" id="{38D45DE8-30BA-3A18-1DC5-3B42BB370ED3}"/>
-              </a:ext>
-            </a:extLst>
-          </p:cNvPr>
-          <p:cNvSpPr>
-            <a:spLocks noGrp="1"/>
-          </p:cNvSpPr>
-          <p:nvPr>
-            <p:ph type="body" idx="1"/>
-          </p:nvPr>
-        </p:nvSpPr>
-        <p:spPr>
-          <a:xfrm>
-            <a:off x="838200" y="1825625"/>
-            <a:ext cx="10515600" cy="4351338"/>
-          </a:xfrm>
-          <a:prstGeom prst="rect">
-            <a:avLst/>
-          </a:prstGeom>
-        </p:spPr>
-        <p:txBody>
-          <a:bodyPr vert="horz" lIns="91440" tIns="45720" rIns="91440" bIns="45720" rtlCol="0">
-            <a:normAutofit/>
-          </a:bodyPr>
-          <a:lstStyle/>
-          <a:p>
-            <a:pPr lvl="0"/>
-            <a:r>
-              <a:rPr kumimoji="1" lang="ja-JP" altLang="en-US"/>
-              <a:t>マスター テキストの書式設定</a:t>
-            </a:r>
-          </a:p>
-          <a:p>
-            <a:pPr lvl="1"/>
-            <a:r>
-              <a:rPr kumimoji="1" lang="ja-JP" altLang="en-US"/>
-              <a:t>第 </a:t>
-            </a:r>
-            <a:r>
-              <a:rPr kumimoji="1" lang="en-US" altLang="ja-JP"/>
-              <a:t>2 </a:t>
-            </a:r>
-            <a:r>
-              <a:rPr kumimoji="1" lang="ja-JP" altLang="en-US"/>
-              <a:t>レベル</a:t>
-            </a:r>
-          </a:p>
-          <a:p>
-            <a:pPr lvl="2"/>
-            <a:r>
-              <a:rPr kumimoji="1" lang="ja-JP" altLang="en-US"/>
-              <a:t>第 </a:t>
-            </a:r>
-            <a:r>
-              <a:rPr kumimoji="1" lang="en-US" altLang="ja-JP"/>
-              <a:t>3 </a:t>
-            </a:r>
-            <a:r>
-              <a:rPr kumimoji="1" lang="ja-JP" altLang="en-US"/>
-              <a:t>レベル</a:t>
-            </a:r>
-          </a:p>
-          <a:p>
-            <a:pPr lvl="3"/>
-            <a:r>
-              <a:rPr kumimoji="1" lang="ja-JP" altLang="en-US"/>
-              <a:t>第 </a:t>
-            </a:r>
-            <a:r>
-              <a:rPr kumimoji="1" lang="en-US" altLang="ja-JP"/>
-              <a:t>4 </a:t>
-            </a:r>
-            <a:r>
-              <a:rPr kumimoji="1" lang="ja-JP" altLang="en-US"/>
-              <a:t>レベル</a:t>
-            </a:r>
-          </a:p>
-          <a:p>
-            <a:pPr lvl="4"/>
-            <a:r>
-              <a:rPr kumimoji="1" lang="ja-JP" altLang="en-US"/>
-              <a:t>第 </a:t>
-            </a:r>
-            <a:r>
-              <a:rPr kumimoji="1" lang="en-US" altLang="ja-JP"/>
-              <a:t>5 </a:t>
-            </a:r>
-            <a:r>
-              <a:rPr kumimoji="1" lang="ja-JP" altLang="en-US"/>
-              <a:t>レベル</a:t>
-            </a:r>
-          </a:p>
-        </p:txBody>
-      </p:sp>
-      <p:sp>
-        <p:nvSpPr>
-          <p:cNvPr id="4" name="日付プレースホルダー 3">
-            <a:extLst>
-              <a:ext uri="{FF2B5EF4-FFF2-40B4-BE49-F238E27FC236}">
-                <a16:creationId xmlns:a16="http://schemas.microsoft.com/office/drawing/2014/main" id="{53B015D3-43E6-8CA4-92E1-6C46E73BC49A}"/>
-              </a:ext>
-            </a:extLst>
-          </p:cNvPr>
-          <p:cNvSpPr>
-            <a:spLocks noGrp="1"/>
-          </p:cNvSpPr>
-          <p:nvPr>
-            <p:ph type="dt" sz="half" idx="2"/>
-          </p:nvPr>
-        </p:nvSpPr>
-        <p:spPr>
-          <a:xfrm>
-            <a:off x="838200" y="6356350"/>
-            <a:ext cx="2743200" cy="365125"/>
-          </a:xfrm>
-          <a:prstGeom prst="rect">
-            <a:avLst/>
-          </a:prstGeom>
-        </p:spPr>
-        <p:txBody>
-          <a:bodyPr vert="horz" lIns="91440" tIns="45720" rIns="91440" bIns="45720" rtlCol="0" anchor="ctr"/>
+          <a:bodyPr/>
           <a:lstStyle>
-            <a:lvl1pPr algn="l">
-              <a:defRPr sz="1200">
-                <a:solidFill>
-                  <a:schemeClr val="tx1">
-                    <a:tint val="82000"/>
-                  </a:schemeClr>
-                </a:solidFill>
+            <a:lvl1pPr algn="ctr">
+              <a:defRPr sz="1050" baseline="0">
+                <a:latin typeface="Verdana" pitchFamily="34" charset="0"/>
               </a:defRPr>
             </a:lvl1pPr>
           </a:lstStyle>
           <a:p>
-            <a:fld id="{91F07EAE-C093-4CCA-B3C0-4B8D0B679D15}" type="datetimeFigureOut">
-              <a:rPr kumimoji="1" lang="ja-JP" altLang="en-US" smtClean="0"/>
-              <a:t>2025/11/20</a:t>
-            </a:fld>
-            <a:endParaRPr kumimoji="1" lang="ja-JP" altLang="en-US"/>
-          </a:p>
-        </p:txBody>
-      </p:sp>
-      <p:sp>
-        <p:nvSpPr>
-          <p:cNvPr id="5" name="フッター プレースホルダー 4">
-            <a:extLst>
-              <a:ext uri="{FF2B5EF4-FFF2-40B4-BE49-F238E27FC236}">
-                <a16:creationId xmlns:a16="http://schemas.microsoft.com/office/drawing/2014/main" id="{EB055DDA-6D8A-6ADA-49D9-47037C3917AA}"/>
-              </a:ext>
-            </a:extLst>
-          </p:cNvPr>
-          <p:cNvSpPr>
-            <a:spLocks noGrp="1"/>
-          </p:cNvSpPr>
-          <p:nvPr>
-            <p:ph type="ftr" sz="quarter" idx="3"/>
-          </p:nvPr>
-        </p:nvSpPr>
-        <p:spPr>
-          <a:xfrm>
-            <a:off x="4038600" y="6356350"/>
-            <a:ext cx="4114800" cy="365125"/>
-          </a:xfrm>
-          <a:prstGeom prst="rect">
-            <a:avLst/>
-          </a:prstGeom>
-        </p:spPr>
-        <p:txBody>
-          <a:bodyPr vert="horz" lIns="91440" tIns="45720" rIns="91440" bIns="45720" rtlCol="0" anchor="ctr"/>
-          <a:lstStyle>
-            <a:lvl1pPr algn="ctr">
-              <a:defRPr sz="1200">
+            <a:pPr marL="0" marR="0" lvl="0" indent="0" algn="l" defTabSz="914377" rtl="0" eaLnBrk="1" fontAlgn="auto" latinLnBrk="0" hangingPunct="1">
+              <a:lnSpc>
+                <a:spcPct val="100000"/>
+              </a:lnSpc>
+              <a:spcBef>
+                <a:spcPts val="0"/>
+              </a:spcBef>
+              <a:spcAft>
+                <a:spcPts val="0"/>
+              </a:spcAft>
+              <a:buClrTx/>
+              <a:buSzTx/>
+              <a:buFontTx/>
+              <a:buNone/>
+              <a:tabLst/>
+              <a:defRPr/>
+            </a:pPr>
+            <a:r>
+              <a:rPr kumimoji="1" lang="en-US" altLang="ja-JP" sz="800" b="0" i="0" u="none" strike="noStrike" kern="1200" cap="none" spc="0" normalizeH="0" baseline="0" noProof="0" dirty="0">
+                <a:ln>
+                  <a:noFill/>
+                </a:ln>
                 <a:solidFill>
-                  <a:schemeClr val="tx1">
-                    <a:tint val="82000"/>
-                  </a:schemeClr>
+                  <a:schemeClr val="tx1"/>
                 </a:solidFill>
-              </a:defRPr>
-            </a:lvl1pPr>
-          </a:lstStyle>
-          <a:p>
-            <a:endParaRPr kumimoji="1" lang="ja-JP" altLang="en-US"/>
-          </a:p>
-        </p:txBody>
-      </p:sp>
-      <p:sp>
-        <p:nvSpPr>
-          <p:cNvPr id="6" name="スライド番号プレースホルダー 5">
-            <a:extLst>
-              <a:ext uri="{FF2B5EF4-FFF2-40B4-BE49-F238E27FC236}">
-                <a16:creationId xmlns:a16="http://schemas.microsoft.com/office/drawing/2014/main" id="{0B90544E-9F24-2531-B73F-27F36000BBBE}"/>
-              </a:ext>
-            </a:extLst>
-          </p:cNvPr>
-          <p:cNvSpPr>
-            <a:spLocks noGrp="1"/>
-          </p:cNvSpPr>
-          <p:nvPr>
-            <p:ph type="sldNum" sz="quarter" idx="4"/>
-          </p:nvPr>
-        </p:nvSpPr>
-        <p:spPr>
-          <a:xfrm>
-            <a:off x="8610600" y="6356350"/>
-            <a:ext cx="2743200" cy="365125"/>
-          </a:xfrm>
-          <a:prstGeom prst="rect">
-            <a:avLst/>
-          </a:prstGeom>
-        </p:spPr>
-        <p:txBody>
-          <a:bodyPr vert="horz" lIns="91440" tIns="45720" rIns="91440" bIns="45720" rtlCol="0" anchor="ctr"/>
-          <a:lstStyle>
-            <a:lvl1pPr algn="r">
-              <a:defRPr sz="1200">
-                <a:solidFill>
-                  <a:schemeClr val="tx1">
-                    <a:tint val="82000"/>
-                  </a:schemeClr>
-                </a:solidFill>
-              </a:defRPr>
-            </a:lvl1pPr>
-          </a:lstStyle>
-          <a:p>
-            <a:fld id="{4A39AF54-13FC-4832-9337-370E1C3382B0}" type="slidenum">
-              <a:rPr kumimoji="1" lang="ja-JP" altLang="en-US" smtClean="0"/>
-              <a:t>‹#›</a:t>
-            </a:fld>
-            <a:endParaRPr kumimoji="1" lang="ja-JP" altLang="en-US"/>
+                <a:effectLst/>
+                <a:uLnTx/>
+                <a:uFillTx/>
+                <a:latin typeface="+mn-ea"/>
+                <a:ea typeface="+mn-ea"/>
+                <a:cs typeface="+mn-cs"/>
+              </a:rPr>
+              <a:t>Copyright © 2018 eXmotion Co., Ltd. All rights reserved.</a:t>
+            </a:r>
+            <a:endParaRPr kumimoji="1" lang="ja-JP" altLang="en-US" sz="800" b="0" i="0" u="none" strike="noStrike" kern="1200" cap="none" spc="0" normalizeH="0" baseline="0" noProof="0" dirty="0">
+              <a:ln>
+                <a:noFill/>
+              </a:ln>
+              <a:solidFill>
+                <a:schemeClr val="tx1"/>
+              </a:solidFill>
+              <a:effectLst/>
+              <a:uLnTx/>
+              <a:uFillTx/>
+              <a:latin typeface="+mn-ea"/>
+              <a:ea typeface="+mn-ea"/>
+              <a:cs typeface="+mn-cs"/>
+            </a:endParaRPr>
           </a:p>
         </p:txBody>
       </p:sp>
     </p:spTree>
     <p:extLst>
       <p:ext uri="{BB962C8B-B14F-4D97-AF65-F5344CB8AC3E}">
-        <p14:creationId xmlns:p14="http://schemas.microsoft.com/office/powerpoint/2010/main" val="3825232649"/>
+        <p14:creationId xmlns:p14="http://schemas.microsoft.com/office/powerpoint/2010/main" val="1893548425"/>
       </p:ext>
     </p:extLst>
   </p:cSld>
   <p:clrMap bg1="lt1" tx1="dk1" bg2="lt2" tx2="dk2" accent1="accent1" accent2="accent2" accent3="accent3" accent4="accent4" accent5="accent5" accent6="accent6" hlink="hlink" folHlink="folHlink"/>
   <p:sldLayoutIdLst>
-    <p:sldLayoutId id="2147483649" r:id="rId1"/>
-    <p:sldLayoutId id="2147483650" r:id="rId2"/>
-    <p:sldLayoutId id="2147483651" r:id="rId3"/>
-    <p:sldLayoutId id="2147483652" r:id="rId4"/>
-    <p:sldLayoutId id="2147483653" r:id="rId5"/>
-    <p:sldLayoutId id="2147483654" r:id="rId6"/>
-    <p:sldLayoutId id="2147483655" r:id="rId7"/>
-    <p:sldLayoutId id="2147483656" r:id="rId8"/>
-    <p:sldLayoutId id="2147483657" r:id="rId9"/>
-    <p:sldLayoutId id="2147483658" r:id="rId10"/>
-    <p:sldLayoutId id="2147483659" r:id="rId11"/>
+    <p:sldLayoutId id="2147483661" r:id="rId1"/>
+    <p:sldLayoutId id="2147483662" r:id="rId2"/>
+    <p:sldLayoutId id="2147483663" r:id="rId3"/>
+    <p:sldLayoutId id="2147483664" r:id="rId4"/>
+    <p:sldLayoutId id="2147483665" r:id="rId5"/>
+    <p:sldLayoutId id="2147483666" r:id="rId6"/>
+    <p:sldLayoutId id="2147483667" r:id="rId7"/>
+    <p:sldLayoutId id="2147483668" r:id="rId8"/>
+    <p:sldLayoutId id="2147483669" r:id="rId9"/>
+    <p:sldLayoutId id="2147483670" r:id="rId10"/>
+    <p:sldLayoutId id="2147483671" r:id="rId11"/>
   </p:sldLayoutIdLst>
   <p:txStyles>
     <p:titleStyle>
-      <a:lvl1pPr algn="l" defTabSz="914400" rtl="0" eaLnBrk="1" latinLnBrk="0" hangingPunct="1">
-        <a:lnSpc>
-          <a:spcPct val="90000"/>
-        </a:lnSpc>
+      <a:lvl1pPr algn="ctr" defTabSz="914377" rtl="0" eaLnBrk="1" latinLnBrk="0" hangingPunct="1">
         <a:spcBef>
           <a:spcPct val="0"/>
         </a:spcBef>
@@ -8376,15 +9632,27 @@
       </a:lvl1pPr>
     </p:titleStyle>
     <p:bodyStyle>
-      <a:lvl1pPr marL="228600" indent="-228600" algn="l" defTabSz="914400" rtl="0" eaLnBrk="1" latinLnBrk="0" hangingPunct="1">
-        <a:lnSpc>
-          <a:spcPct val="90000"/>
-        </a:lnSpc>
+      <a:lvl1pPr marL="342891" indent="-342891" algn="l" defTabSz="914377" rtl="0" eaLnBrk="1" latinLnBrk="0" hangingPunct="1">
         <a:spcBef>
-          <a:spcPts val="1000"/>
+          <a:spcPct val="20000"/>
         </a:spcBef>
-        <a:buFont typeface="Arial" panose="020B0604020202020204" pitchFamily="34" charset="0"/>
+        <a:buFont typeface="Arial" pitchFamily="34" charset="0"/>
         <a:buChar char="•"/>
+        <a:defRPr kumimoji="1" sz="3200" kern="1200">
+          <a:solidFill>
+            <a:schemeClr val="tx1"/>
+          </a:solidFill>
+          <a:latin typeface="+mn-lt"/>
+          <a:ea typeface="+mn-ea"/>
+          <a:cs typeface="+mn-cs"/>
+        </a:defRPr>
+      </a:lvl1pPr>
+      <a:lvl2pPr marL="742932" indent="-285744" algn="l" defTabSz="914377" rtl="0" eaLnBrk="1" latinLnBrk="0" hangingPunct="1">
+        <a:spcBef>
+          <a:spcPct val="20000"/>
+        </a:spcBef>
+        <a:buFont typeface="Arial" pitchFamily="34" charset="0"/>
+        <a:buChar char="–"/>
         <a:defRPr kumimoji="1" sz="2800" kern="1200">
           <a:solidFill>
             <a:schemeClr val="tx1"/>
@@ -8393,15 +9661,12 @@
           <a:ea typeface="+mn-ea"/>
           <a:cs typeface="+mn-cs"/>
         </a:defRPr>
-      </a:lvl1pPr>
-      <a:lvl2pPr marL="685800" indent="-228600" algn="l" defTabSz="914400" rtl="0" eaLnBrk="1" latinLnBrk="0" hangingPunct="1">
-        <a:lnSpc>
-          <a:spcPct val="90000"/>
-        </a:lnSpc>
+      </a:lvl2pPr>
+      <a:lvl3pPr marL="1142971" indent="-228594" algn="l" defTabSz="914377" rtl="0" eaLnBrk="1" latinLnBrk="0" hangingPunct="1">
         <a:spcBef>
-          <a:spcPts val="500"/>
+          <a:spcPct val="20000"/>
         </a:spcBef>
-        <a:buFont typeface="Arial" panose="020B0604020202020204" pitchFamily="34" charset="0"/>
+        <a:buFont typeface="Arial" pitchFamily="34" charset="0"/>
         <a:buChar char="•"/>
         <a:defRPr kumimoji="1" sz="2400" kern="1200">
           <a:solidFill>
@@ -8411,15 +9676,42 @@
           <a:ea typeface="+mn-ea"/>
           <a:cs typeface="+mn-cs"/>
         </a:defRPr>
-      </a:lvl2pPr>
-      <a:lvl3pPr marL="1143000" indent="-228600" algn="l" defTabSz="914400" rtl="0" eaLnBrk="1" latinLnBrk="0" hangingPunct="1">
-        <a:lnSpc>
-          <a:spcPct val="90000"/>
-        </a:lnSpc>
+      </a:lvl3pPr>
+      <a:lvl4pPr marL="1600160" indent="-228594" algn="l" defTabSz="914377" rtl="0" eaLnBrk="1" latinLnBrk="0" hangingPunct="1">
         <a:spcBef>
-          <a:spcPts val="500"/>
+          <a:spcPct val="20000"/>
         </a:spcBef>
-        <a:buFont typeface="Arial" panose="020B0604020202020204" pitchFamily="34" charset="0"/>
+        <a:buFont typeface="Arial" pitchFamily="34" charset="0"/>
+        <a:buChar char="–"/>
+        <a:defRPr kumimoji="1" sz="2000" kern="1200">
+          <a:solidFill>
+            <a:schemeClr val="tx1"/>
+          </a:solidFill>
+          <a:latin typeface="+mn-lt"/>
+          <a:ea typeface="+mn-ea"/>
+          <a:cs typeface="+mn-cs"/>
+        </a:defRPr>
+      </a:lvl4pPr>
+      <a:lvl5pPr marL="2057349" indent="-228594" algn="l" defTabSz="914377" rtl="0" eaLnBrk="1" latinLnBrk="0" hangingPunct="1">
+        <a:spcBef>
+          <a:spcPct val="20000"/>
+        </a:spcBef>
+        <a:buFont typeface="Arial" pitchFamily="34" charset="0"/>
+        <a:buChar char="»"/>
+        <a:defRPr kumimoji="1" sz="2000" kern="1200">
+          <a:solidFill>
+            <a:schemeClr val="tx1"/>
+          </a:solidFill>
+          <a:latin typeface="+mn-lt"/>
+          <a:ea typeface="+mn-ea"/>
+          <a:cs typeface="+mn-cs"/>
+        </a:defRPr>
+      </a:lvl5pPr>
+      <a:lvl6pPr marL="2514537" indent="-228594" algn="l" defTabSz="914377" rtl="0" eaLnBrk="1" latinLnBrk="0" hangingPunct="1">
+        <a:spcBef>
+          <a:spcPct val="20000"/>
+        </a:spcBef>
+        <a:buFont typeface="Arial" pitchFamily="34" charset="0"/>
         <a:buChar char="•"/>
         <a:defRPr kumimoji="1" sz="2000" kern="1200">
           <a:solidFill>
@@ -8429,71 +9721,14 @@
           <a:ea typeface="+mn-ea"/>
           <a:cs typeface="+mn-cs"/>
         </a:defRPr>
-      </a:lvl3pPr>
-      <a:lvl4pPr marL="1600200" indent="-228600" algn="l" defTabSz="914400" rtl="0" eaLnBrk="1" latinLnBrk="0" hangingPunct="1">
-        <a:lnSpc>
-          <a:spcPct val="90000"/>
-        </a:lnSpc>
+      </a:lvl6pPr>
+      <a:lvl7pPr marL="2971726" indent="-228594" algn="l" defTabSz="914377" rtl="0" eaLnBrk="1" latinLnBrk="0" hangingPunct="1">
         <a:spcBef>
-          <a:spcPts val="500"/>
+          <a:spcPct val="20000"/>
         </a:spcBef>
-        <a:buFont typeface="Arial" panose="020B0604020202020204" pitchFamily="34" charset="0"/>
+        <a:buFont typeface="Arial" pitchFamily="34" charset="0"/>
         <a:buChar char="•"/>
-        <a:defRPr kumimoji="1" sz="1800" kern="1200">
-          <a:solidFill>
-            <a:schemeClr val="tx1"/>
-          </a:solidFill>
-          <a:latin typeface="+mn-lt"/>
-          <a:ea typeface="+mn-ea"/>
-          <a:cs typeface="+mn-cs"/>
-        </a:defRPr>
-      </a:lvl4pPr>
-      <a:lvl5pPr marL="2057400" indent="-228600" algn="l" defTabSz="914400" rtl="0" eaLnBrk="1" latinLnBrk="0" hangingPunct="1">
-        <a:lnSpc>
-          <a:spcPct val="90000"/>
-        </a:lnSpc>
-        <a:spcBef>
-          <a:spcPts val="500"/>
-        </a:spcBef>
-        <a:buFont typeface="Arial" panose="020B0604020202020204" pitchFamily="34" charset="0"/>
-        <a:buChar char="•"/>
-        <a:defRPr kumimoji="1" sz="1800" kern="1200">
-          <a:solidFill>
-            <a:schemeClr val="tx1"/>
-          </a:solidFill>
-          <a:latin typeface="+mn-lt"/>
-          <a:ea typeface="+mn-ea"/>
-          <a:cs typeface="+mn-cs"/>
-        </a:defRPr>
-      </a:lvl5pPr>
-      <a:lvl6pPr marL="2514600" indent="-228600" algn="l" defTabSz="914400" rtl="0" eaLnBrk="1" latinLnBrk="0" hangingPunct="1">
-        <a:lnSpc>
-          <a:spcPct val="90000"/>
-        </a:lnSpc>
-        <a:spcBef>
-          <a:spcPts val="500"/>
-        </a:spcBef>
-        <a:buFont typeface="Arial" panose="020B0604020202020204" pitchFamily="34" charset="0"/>
-        <a:buChar char="•"/>
-        <a:defRPr kumimoji="1" sz="1800" kern="1200">
-          <a:solidFill>
-            <a:schemeClr val="tx1"/>
-          </a:solidFill>
-          <a:latin typeface="+mn-lt"/>
-          <a:ea typeface="+mn-ea"/>
-          <a:cs typeface="+mn-cs"/>
-        </a:defRPr>
-      </a:lvl6pPr>
-      <a:lvl7pPr marL="2971800" indent="-228600" algn="l" defTabSz="914400" rtl="0" eaLnBrk="1" latinLnBrk="0" hangingPunct="1">
-        <a:lnSpc>
-          <a:spcPct val="90000"/>
-        </a:lnSpc>
-        <a:spcBef>
-          <a:spcPts val="500"/>
-        </a:spcBef>
-        <a:buFont typeface="Arial" panose="020B0604020202020204" pitchFamily="34" charset="0"/>
-        <a:buChar char="•"/>
-        <a:defRPr kumimoji="1" sz="1800" kern="1200">
+        <a:defRPr kumimoji="1" sz="2000" kern="1200">
           <a:solidFill>
             <a:schemeClr val="tx1"/>
           </a:solidFill>
@@ -8502,16 +9737,13 @@
           <a:cs typeface="+mn-cs"/>
         </a:defRPr>
       </a:lvl7pPr>
-      <a:lvl8pPr marL="3429000" indent="-228600" algn="l" defTabSz="914400" rtl="0" eaLnBrk="1" latinLnBrk="0" hangingPunct="1">
-        <a:lnSpc>
-          <a:spcPct val="90000"/>
-        </a:lnSpc>
+      <a:lvl8pPr marL="3428914" indent="-228594" algn="l" defTabSz="914377" rtl="0" eaLnBrk="1" latinLnBrk="0" hangingPunct="1">
         <a:spcBef>
-          <a:spcPts val="500"/>
+          <a:spcPct val="20000"/>
         </a:spcBef>
-        <a:buFont typeface="Arial" panose="020B0604020202020204" pitchFamily="34" charset="0"/>
+        <a:buFont typeface="Arial" pitchFamily="34" charset="0"/>
         <a:buChar char="•"/>
-        <a:defRPr kumimoji="1" sz="1800" kern="1200">
+        <a:defRPr kumimoji="1" sz="2000" kern="1200">
           <a:solidFill>
             <a:schemeClr val="tx1"/>
           </a:solidFill>
@@ -8520,16 +9752,13 @@
           <a:cs typeface="+mn-cs"/>
         </a:defRPr>
       </a:lvl8pPr>
-      <a:lvl9pPr marL="3886200" indent="-228600" algn="l" defTabSz="914400" rtl="0" eaLnBrk="1" latinLnBrk="0" hangingPunct="1">
-        <a:lnSpc>
-          <a:spcPct val="90000"/>
-        </a:lnSpc>
+      <a:lvl9pPr marL="3886103" indent="-228594" algn="l" defTabSz="914377" rtl="0" eaLnBrk="1" latinLnBrk="0" hangingPunct="1">
         <a:spcBef>
-          <a:spcPts val="500"/>
+          <a:spcPct val="20000"/>
         </a:spcBef>
-        <a:buFont typeface="Arial" panose="020B0604020202020204" pitchFamily="34" charset="0"/>
+        <a:buFont typeface="Arial" pitchFamily="34" charset="0"/>
         <a:buChar char="•"/>
-        <a:defRPr kumimoji="1" sz="1800" kern="1200">
+        <a:defRPr kumimoji="1" sz="2000" kern="1200">
           <a:solidFill>
             <a:schemeClr val="tx1"/>
           </a:solidFill>
@@ -8543,7 +9772,7 @@
       <a:defPPr>
         <a:defRPr lang="ja-JP"/>
       </a:defPPr>
-      <a:lvl1pPr marL="0" algn="l" defTabSz="914400" rtl="0" eaLnBrk="1" latinLnBrk="0" hangingPunct="1">
+      <a:lvl1pPr marL="0" algn="l" defTabSz="914377" rtl="0" eaLnBrk="1" latinLnBrk="0" hangingPunct="1">
         <a:defRPr kumimoji="1" sz="1800" kern="1200">
           <a:solidFill>
             <a:schemeClr val="tx1"/>
@@ -8553,7 +9782,7 @@
           <a:cs typeface="+mn-cs"/>
         </a:defRPr>
       </a:lvl1pPr>
-      <a:lvl2pPr marL="457200" algn="l" defTabSz="914400" rtl="0" eaLnBrk="1" latinLnBrk="0" hangingPunct="1">
+      <a:lvl2pPr marL="457189" algn="l" defTabSz="914377" rtl="0" eaLnBrk="1" latinLnBrk="0" hangingPunct="1">
         <a:defRPr kumimoji="1" sz="1800" kern="1200">
           <a:solidFill>
             <a:schemeClr val="tx1"/>
@@ -8563,7 +9792,7 @@
           <a:cs typeface="+mn-cs"/>
         </a:defRPr>
       </a:lvl2pPr>
-      <a:lvl3pPr marL="914400" algn="l" defTabSz="914400" rtl="0" eaLnBrk="1" latinLnBrk="0" hangingPunct="1">
+      <a:lvl3pPr marL="914377" algn="l" defTabSz="914377" rtl="0" eaLnBrk="1" latinLnBrk="0" hangingPunct="1">
         <a:defRPr kumimoji="1" sz="1800" kern="1200">
           <a:solidFill>
             <a:schemeClr val="tx1"/>
@@ -8573,7 +9802,7 @@
           <a:cs typeface="+mn-cs"/>
         </a:defRPr>
       </a:lvl3pPr>
-      <a:lvl4pPr marL="1371600" algn="l" defTabSz="914400" rtl="0" eaLnBrk="1" latinLnBrk="0" hangingPunct="1">
+      <a:lvl4pPr marL="1371566" algn="l" defTabSz="914377" rtl="0" eaLnBrk="1" latinLnBrk="0" hangingPunct="1">
         <a:defRPr kumimoji="1" sz="1800" kern="1200">
           <a:solidFill>
             <a:schemeClr val="tx1"/>
@@ -8583,7 +9812,7 @@
           <a:cs typeface="+mn-cs"/>
         </a:defRPr>
       </a:lvl4pPr>
-      <a:lvl5pPr marL="1828800" algn="l" defTabSz="914400" rtl="0" eaLnBrk="1" latinLnBrk="0" hangingPunct="1">
+      <a:lvl5pPr marL="1828754" algn="l" defTabSz="914377" rtl="0" eaLnBrk="1" latinLnBrk="0" hangingPunct="1">
         <a:defRPr kumimoji="1" sz="1800" kern="1200">
           <a:solidFill>
             <a:schemeClr val="tx1"/>
@@ -8593,7 +9822,7 @@
           <a:cs typeface="+mn-cs"/>
         </a:defRPr>
       </a:lvl5pPr>
-      <a:lvl6pPr marL="2286000" algn="l" defTabSz="914400" rtl="0" eaLnBrk="1" latinLnBrk="0" hangingPunct="1">
+      <a:lvl6pPr marL="2285943" algn="l" defTabSz="914377" rtl="0" eaLnBrk="1" latinLnBrk="0" hangingPunct="1">
         <a:defRPr kumimoji="1" sz="1800" kern="1200">
           <a:solidFill>
             <a:schemeClr val="tx1"/>
@@ -8603,7 +9832,7 @@
           <a:cs typeface="+mn-cs"/>
         </a:defRPr>
       </a:lvl6pPr>
-      <a:lvl7pPr marL="2743200" algn="l" defTabSz="914400" rtl="0" eaLnBrk="1" latinLnBrk="0" hangingPunct="1">
+      <a:lvl7pPr marL="2743131" algn="l" defTabSz="914377" rtl="0" eaLnBrk="1" latinLnBrk="0" hangingPunct="1">
         <a:defRPr kumimoji="1" sz="1800" kern="1200">
           <a:solidFill>
             <a:schemeClr val="tx1"/>
@@ -8613,7 +9842,7 @@
           <a:cs typeface="+mn-cs"/>
         </a:defRPr>
       </a:lvl7pPr>
-      <a:lvl8pPr marL="3200400" algn="l" defTabSz="914400" rtl="0" eaLnBrk="1" latinLnBrk="0" hangingPunct="1">
+      <a:lvl8pPr marL="3200320" algn="l" defTabSz="914377" rtl="0" eaLnBrk="1" latinLnBrk="0" hangingPunct="1">
         <a:defRPr kumimoji="1" sz="1800" kern="1200">
           <a:solidFill>
             <a:schemeClr val="tx1"/>
@@ -8623,7 +9852,7 @@
           <a:cs typeface="+mn-cs"/>
         </a:defRPr>
       </a:lvl8pPr>
-      <a:lvl9pPr marL="3657600" algn="l" defTabSz="914400" rtl="0" eaLnBrk="1" latinLnBrk="0" hangingPunct="1">
+      <a:lvl9pPr marL="3657509" algn="l" defTabSz="914377" rtl="0" eaLnBrk="1" latinLnBrk="0" hangingPunct="1">
         <a:defRPr kumimoji="1" sz="1800" kern="1200">
           <a:solidFill>
             <a:schemeClr val="tx1"/>
@@ -8754,12 +9983,7 @@
             <p:ph type="title"/>
           </p:nvPr>
         </p:nvSpPr>
-        <p:spPr>
-          <a:xfrm>
-            <a:off x="838200" y="365126"/>
-            <a:ext cx="10515600" cy="771344"/>
-          </a:xfrm>
-        </p:spPr>
+        <p:spPr/>
         <p:txBody>
           <a:bodyPr/>
           <a:lstStyle/>
@@ -8784,15 +10008,10 @@
             <a:spLocks noGrp="1"/>
           </p:cNvSpPr>
           <p:nvPr>
-            <p:ph idx="1"/>
+            <p:ph type="body" sz="quarter" idx="10"/>
           </p:nvPr>
         </p:nvSpPr>
-        <p:spPr>
-          <a:xfrm>
-            <a:off x="838200" y="1345474"/>
-            <a:ext cx="5118463" cy="5147400"/>
-          </a:xfrm>
-        </p:spPr>
+        <p:spPr/>
         <p:txBody>
           <a:bodyPr>
             <a:normAutofit/>
@@ -8934,7 +10153,7 @@
           <p:nvPr>
             <p:extLst>
               <p:ext uri="{D42A27DB-BD31-4B8C-83A1-F6EECF244321}">
-                <p14:modId xmlns:p14="http://schemas.microsoft.com/office/powerpoint/2010/main" val="4210005722"/>
+                <p14:modId xmlns:p14="http://schemas.microsoft.com/office/powerpoint/2010/main" val="168993081"/>
               </p:ext>
             </p:extLst>
           </p:nvPr>
@@ -8995,12 +10214,7 @@
             <p:ph type="title"/>
           </p:nvPr>
         </p:nvSpPr>
-        <p:spPr>
-          <a:xfrm>
-            <a:off x="838200" y="365125"/>
-            <a:ext cx="10515600" cy="732155"/>
-          </a:xfrm>
-        </p:spPr>
+        <p:spPr/>
         <p:txBody>
           <a:bodyPr/>
           <a:lstStyle/>
@@ -9025,15 +10239,10 @@
             <a:spLocks noGrp="1"/>
           </p:cNvSpPr>
           <p:nvPr>
-            <p:ph idx="1"/>
+            <p:ph type="body" sz="quarter" idx="10"/>
           </p:nvPr>
         </p:nvSpPr>
-        <p:spPr>
-          <a:xfrm>
-            <a:off x="838200" y="1195251"/>
-            <a:ext cx="10515600" cy="1881051"/>
-          </a:xfrm>
-        </p:spPr>
+        <p:spPr/>
         <p:txBody>
           <a:bodyPr>
             <a:normAutofit/>
@@ -9143,12 +10352,7 @@
             <p:ph type="title"/>
           </p:nvPr>
         </p:nvSpPr>
-        <p:spPr>
-          <a:xfrm>
-            <a:off x="838200" y="365125"/>
-            <a:ext cx="10515600" cy="732155"/>
-          </a:xfrm>
-        </p:spPr>
+        <p:spPr/>
         <p:txBody>
           <a:bodyPr/>
           <a:lstStyle/>
@@ -9177,15 +10381,10 @@
             <a:spLocks noGrp="1"/>
           </p:cNvSpPr>
           <p:nvPr>
-            <p:ph idx="1"/>
+            <p:ph type="body" sz="quarter" idx="10"/>
           </p:nvPr>
         </p:nvSpPr>
-        <p:spPr>
-          <a:xfrm>
-            <a:off x="838200" y="1201783"/>
-            <a:ext cx="10515600" cy="4792300"/>
-          </a:xfrm>
-        </p:spPr>
+        <p:spPr/>
         <p:txBody>
           <a:bodyPr>
             <a:normAutofit/>
@@ -9305,10 +10504,10 @@
           <a:lstStyle/>
           <a:p>
             <a:r>
-              <a:rPr lang="ja-JP" altLang="en-US" sz="4400" dirty="0"/>
+              <a:rPr lang="ja-JP" altLang="en-US" dirty="0"/>
               <a:t>開発案件管理システム</a:t>
             </a:r>
-            <a:endParaRPr kumimoji="1" lang="ja-JP" altLang="en-US" dirty="0"/>
+            <a:endParaRPr kumimoji="1" lang="ja-JP" altLang="en-US" sz="1600" dirty="0"/>
           </a:p>
         </p:txBody>
       </p:sp>
@@ -9325,7 +10524,7 @@
             <a:spLocks noGrp="1"/>
           </p:cNvSpPr>
           <p:nvPr>
-            <p:ph idx="1"/>
+            <p:ph type="body" sz="quarter" idx="10"/>
           </p:nvPr>
         </p:nvSpPr>
         <p:spPr/>
@@ -9424,9 +10623,9 @@
 </file>
 
 <file path=ppt/theme/theme1.xml><?xml version="1.0" encoding="utf-8"?>
-<a:theme xmlns:a="http://schemas.openxmlformats.org/drawingml/2006/main" name="Office テーマ">
+<a:theme xmlns:a="http://schemas.openxmlformats.org/drawingml/2006/main" name="eXm">
   <a:themeElements>
-    <a:clrScheme name="Office">
+    <a:clrScheme name="ユーザー定義 142">
       <a:dk1>
         <a:sysClr val="windowText" lastClr="000000"/>
       </a:dk1>
@@ -9434,140 +10633,46 @@
         <a:sysClr val="window" lastClr="FFFFFF"/>
       </a:lt1>
       <a:dk2>
-        <a:srgbClr val="0E2841"/>
+        <a:srgbClr val="1F497D"/>
       </a:dk2>
       <a:lt2>
-        <a:srgbClr val="E8E8E8"/>
+        <a:srgbClr val="EEECE1"/>
       </a:lt2>
       <a:accent1>
-        <a:srgbClr val="156082"/>
+        <a:srgbClr val="DB281F"/>
       </a:accent1>
       <a:accent2>
-        <a:srgbClr val="E97132"/>
+        <a:srgbClr val="FEE6E6"/>
       </a:accent2>
       <a:accent3>
-        <a:srgbClr val="196B24"/>
+        <a:srgbClr val="6B6B6B"/>
       </a:accent3>
       <a:accent4>
-        <a:srgbClr val="0F9ED5"/>
+        <a:srgbClr val="5A5A5A"/>
       </a:accent4>
       <a:accent5>
-        <a:srgbClr val="A02B93"/>
+        <a:srgbClr val="FFFFFF"/>
       </a:accent5>
       <a:accent6>
-        <a:srgbClr val="4EA72E"/>
+        <a:srgbClr val="FFFFFF"/>
       </a:accent6>
       <a:hlink>
-        <a:srgbClr val="467886"/>
+        <a:srgbClr val="0000FF"/>
       </a:hlink>
       <a:folHlink>
-        <a:srgbClr val="96607D"/>
+        <a:srgbClr val="800080"/>
       </a:folHlink>
     </a:clrScheme>
-    <a:fontScheme name="Office">
+    <a:fontScheme name="ユーザー定義 42">
       <a:majorFont>
-        <a:latin typeface="游ゴシック Light" panose="02110004020202020204"/>
-        <a:ea typeface=""/>
+        <a:latin typeface="游ゴシック"/>
+        <a:ea typeface="游ゴシック"/>
         <a:cs typeface=""/>
-        <a:font script="Jpan" typeface="游ゴシック Light"/>
-        <a:font script="Hang" typeface="맑은 고딕"/>
-        <a:font script="Hans" typeface="等线 Light"/>
-        <a:font script="Hant" typeface="新細明體"/>
-        <a:font script="Arab" typeface="Times New Roman"/>
-        <a:font script="Hebr" typeface="Times New Roman"/>
-        <a:font script="Thai" typeface="Angsana New"/>
-        <a:font script="Ethi" typeface="Nyala"/>
-        <a:font script="Beng" typeface="Vrinda"/>
-        <a:font script="Gujr" typeface="Shruti"/>
-        <a:font script="Khmr" typeface="MoolBoran"/>
-        <a:font script="Knda" typeface="Tunga"/>
-        <a:font script="Guru" typeface="Raavi"/>
-        <a:font script="Cans" typeface="Euphemia"/>
-        <a:font script="Cher" typeface="Plantagenet Cherokee"/>
-        <a:font script="Yiii" typeface="Microsoft Yi Baiti"/>
-        <a:font script="Tibt" typeface="Microsoft Himalaya"/>
-        <a:font script="Thaa" typeface="MV Boli"/>
-        <a:font script="Deva" typeface="Mangal"/>
-        <a:font script="Telu" typeface="Gautami"/>
-        <a:font script="Taml" typeface="Latha"/>
-        <a:font script="Syrc" typeface="Estrangelo Edessa"/>
-        <a:font script="Orya" typeface="Kalinga"/>
-        <a:font script="Mlym" typeface="Kartika"/>
-        <a:font script="Laoo" typeface="DokChampa"/>
-        <a:font script="Sinh" typeface="Iskoola Pota"/>
-        <a:font script="Mong" typeface="Mongolian Baiti"/>
-        <a:font script="Viet" typeface="Times New Roman"/>
-        <a:font script="Uigh" typeface="Microsoft Uighur"/>
-        <a:font script="Geor" typeface="Sylfaen"/>
-        <a:font script="Armn" typeface="Arial"/>
-        <a:font script="Bugi" typeface="Leelawadee UI"/>
-        <a:font script="Bopo" typeface="Microsoft JhengHei"/>
-        <a:font script="Java" typeface="Javanese Text"/>
-        <a:font script="Lisu" typeface="Segoe UI"/>
-        <a:font script="Mymr" typeface="Myanmar Text"/>
-        <a:font script="Nkoo" typeface="Ebrima"/>
-        <a:font script="Olck" typeface="Nirmala UI"/>
-        <a:font script="Osma" typeface="Ebrima"/>
-        <a:font script="Phag" typeface="Phagspa"/>
-        <a:font script="Syrn" typeface="Estrangelo Edessa"/>
-        <a:font script="Syrj" typeface="Estrangelo Edessa"/>
-        <a:font script="Syre" typeface="Estrangelo Edessa"/>
-        <a:font script="Sora" typeface="Nirmala UI"/>
-        <a:font script="Tale" typeface="Microsoft Tai Le"/>
-        <a:font script="Talu" typeface="Microsoft New Tai Lue"/>
-        <a:font script="Tfng" typeface="Ebrima"/>
       </a:majorFont>
       <a:minorFont>
-        <a:latin typeface="游ゴシック" panose="02110004020202020204"/>
-        <a:ea typeface=""/>
+        <a:latin typeface="游ゴシック"/>
+        <a:ea typeface="游ゴシック"/>
         <a:cs typeface=""/>
-        <a:font script="Jpan" typeface="游ゴシック"/>
-        <a:font script="Hang" typeface="맑은 고딕"/>
-        <a:font script="Hans" typeface="等线"/>
-        <a:font script="Hant" typeface="新細明體"/>
-        <a:font script="Arab" typeface="Arial"/>
-        <a:font script="Hebr" typeface="Arial"/>
-        <a:font script="Thai" typeface="Cordia New"/>
-        <a:font script="Ethi" typeface="Nyala"/>
-        <a:font script="Beng" typeface="Vrinda"/>
-        <a:font script="Gujr" typeface="Shruti"/>
-        <a:font script="Khmr" typeface="DaunPenh"/>
-        <a:font script="Knda" typeface="Tunga"/>
-        <a:font script="Guru" typeface="Raavi"/>
-        <a:font script="Cans" typeface="Euphemia"/>
-        <a:font script="Cher" typeface="Plantagenet Cherokee"/>
-        <a:font script="Yiii" typeface="Microsoft Yi Baiti"/>
-        <a:font script="Tibt" typeface="Microsoft Himalaya"/>
-        <a:font script="Thaa" typeface="MV Boli"/>
-        <a:font script="Deva" typeface="Mangal"/>
-        <a:font script="Telu" typeface="Gautami"/>
-        <a:font script="Taml" typeface="Latha"/>
-        <a:font script="Syrc" typeface="Estrangelo Edessa"/>
-        <a:font script="Orya" typeface="Kalinga"/>
-        <a:font script="Mlym" typeface="Kartika"/>
-        <a:font script="Laoo" typeface="DokChampa"/>
-        <a:font script="Sinh" typeface="Iskoola Pota"/>
-        <a:font script="Mong" typeface="Mongolian Baiti"/>
-        <a:font script="Viet" typeface="Arial"/>
-        <a:font script="Uigh" typeface="Microsoft Uighur"/>
-        <a:font script="Geor" typeface="Sylfaen"/>
-        <a:font script="Armn" typeface="Arial"/>
-        <a:font script="Bugi" typeface="Leelawadee UI"/>
-        <a:font script="Bopo" typeface="Microsoft JhengHei"/>
-        <a:font script="Java" typeface="Javanese Text"/>
-        <a:font script="Lisu" typeface="Segoe UI"/>
-        <a:font script="Mymr" typeface="Myanmar Text"/>
-        <a:font script="Nkoo" typeface="Ebrima"/>
-        <a:font script="Olck" typeface="Nirmala UI"/>
-        <a:font script="Osma" typeface="Ebrima"/>
-        <a:font script="Phag" typeface="Phagspa"/>
-        <a:font script="Syrn" typeface="Estrangelo Edessa"/>
-        <a:font script="Syrj" typeface="Estrangelo Edessa"/>
-        <a:font script="Syre" typeface="Estrangelo Edessa"/>
-        <a:font script="Sora" typeface="Nirmala UI"/>
-        <a:font script="Tale" typeface="Microsoft Tai Le"/>
-        <a:font script="Talu" typeface="Microsoft New Tai Lue"/>
-        <a:font script="Tfng" typeface="Ebrima"/>
       </a:minorFont>
     </a:fontScheme>
     <a:fmtScheme name="Office">
@@ -9579,149 +10684,214 @@
           <a:gsLst>
             <a:gs pos="0">
               <a:schemeClr val="phClr">
-                <a:lumMod val="110000"/>
-                <a:satMod val="105000"/>
-                <a:tint val="67000"/>
+                <a:tint val="50000"/>
+                <a:satMod val="300000"/>
               </a:schemeClr>
             </a:gs>
-            <a:gs pos="50000">
+            <a:gs pos="35000">
               <a:schemeClr val="phClr">
-                <a:lumMod val="105000"/>
-                <a:satMod val="103000"/>
-                <a:tint val="73000"/>
+                <a:tint val="37000"/>
+                <a:satMod val="300000"/>
               </a:schemeClr>
             </a:gs>
             <a:gs pos="100000">
               <a:schemeClr val="phClr">
-                <a:lumMod val="105000"/>
-                <a:satMod val="109000"/>
-                <a:tint val="81000"/>
+                <a:tint val="15000"/>
+                <a:satMod val="350000"/>
               </a:schemeClr>
             </a:gs>
           </a:gsLst>
-          <a:lin ang="5400000" scaled="0"/>
+          <a:lin ang="16200000" scaled="1"/>
         </a:gradFill>
         <a:gradFill rotWithShape="1">
           <a:gsLst>
             <a:gs pos="0">
               <a:schemeClr val="phClr">
-                <a:satMod val="103000"/>
-                <a:lumMod val="102000"/>
-                <a:tint val="94000"/>
+                <a:shade val="51000"/>
+                <a:satMod val="130000"/>
               </a:schemeClr>
             </a:gs>
-            <a:gs pos="50000">
+            <a:gs pos="80000">
               <a:schemeClr val="phClr">
-                <a:satMod val="110000"/>
-                <a:lumMod val="100000"/>
-                <a:shade val="100000"/>
+                <a:shade val="93000"/>
+                <a:satMod val="130000"/>
               </a:schemeClr>
             </a:gs>
             <a:gs pos="100000">
               <a:schemeClr val="phClr">
-                <a:lumMod val="99000"/>
-                <a:satMod val="120000"/>
-                <a:shade val="78000"/>
+                <a:shade val="94000"/>
+                <a:satMod val="135000"/>
               </a:schemeClr>
             </a:gs>
           </a:gsLst>
-          <a:lin ang="5400000" scaled="0"/>
+          <a:lin ang="16200000" scaled="0"/>
         </a:gradFill>
       </a:fillStyleLst>
       <a:lnStyleLst>
-        <a:ln w="12700" cap="flat" cmpd="sng" algn="ctr">
+        <a:ln w="9525" cap="flat" cmpd="sng" algn="ctr">
           <a:solidFill>
-            <a:schemeClr val="phClr"/>
+            <a:schemeClr val="phClr">
+              <a:shade val="95000"/>
+              <a:satMod val="105000"/>
+            </a:schemeClr>
           </a:solidFill>
           <a:prstDash val="solid"/>
-          <a:miter lim="800000"/>
-        </a:ln>
-        <a:ln w="19050" cap="flat" cmpd="sng" algn="ctr">
-          <a:solidFill>
-            <a:schemeClr val="phClr"/>
-          </a:solidFill>
-          <a:prstDash val="solid"/>
-          <a:miter lim="800000"/>
         </a:ln>
         <a:ln w="25400" cap="flat" cmpd="sng" algn="ctr">
           <a:solidFill>
             <a:schemeClr val="phClr"/>
           </a:solidFill>
           <a:prstDash val="solid"/>
-          <a:miter lim="800000"/>
+        </a:ln>
+        <a:ln w="38100" cap="flat" cmpd="sng" algn="ctr">
+          <a:solidFill>
+            <a:schemeClr val="phClr"/>
+          </a:solidFill>
+          <a:prstDash val="solid"/>
         </a:ln>
       </a:lnStyleLst>
       <a:effectStyleLst>
         <a:effectStyle>
-          <a:effectLst/>
-        </a:effectStyle>
-        <a:effectStyle>
-          <a:effectLst/>
+          <a:effectLst>
+            <a:outerShdw blurRad="40000" dist="20000" dir="5400000" rotWithShape="0">
+              <a:srgbClr val="000000">
+                <a:alpha val="38000"/>
+              </a:srgbClr>
+            </a:outerShdw>
+          </a:effectLst>
         </a:effectStyle>
         <a:effectStyle>
           <a:effectLst>
-            <a:outerShdw blurRad="57150" dist="19050" dir="5400000" algn="ctr" rotWithShape="0">
+            <a:outerShdw blurRad="40000" dist="23000" dir="5400000" rotWithShape="0">
               <a:srgbClr val="000000">
-                <a:alpha val="63000"/>
+                <a:alpha val="35000"/>
               </a:srgbClr>
             </a:outerShdw>
           </a:effectLst>
+        </a:effectStyle>
+        <a:effectStyle>
+          <a:effectLst>
+            <a:outerShdw blurRad="40000" dist="23000" dir="5400000" rotWithShape="0">
+              <a:srgbClr val="000000">
+                <a:alpha val="35000"/>
+              </a:srgbClr>
+            </a:outerShdw>
+          </a:effectLst>
+          <a:scene3d>
+            <a:camera prst="orthographicFront">
+              <a:rot lat="0" lon="0" rev="0"/>
+            </a:camera>
+            <a:lightRig rig="threePt" dir="t">
+              <a:rot lat="0" lon="0" rev="1200000"/>
+            </a:lightRig>
+          </a:scene3d>
+          <a:sp3d>
+            <a:bevelT w="63500" h="25400"/>
+          </a:sp3d>
         </a:effectStyle>
       </a:effectStyleLst>
       <a:bgFillStyleLst>
         <a:solidFill>
           <a:schemeClr val="phClr"/>
         </a:solidFill>
-        <a:solidFill>
-          <a:schemeClr val="phClr">
-            <a:tint val="95000"/>
-            <a:satMod val="170000"/>
-          </a:schemeClr>
-        </a:solidFill>
         <a:gradFill rotWithShape="1">
           <a:gsLst>
             <a:gs pos="0">
               <a:schemeClr val="phClr">
-                <a:tint val="93000"/>
-                <a:satMod val="150000"/>
-                <a:shade val="98000"/>
-                <a:lumMod val="102000"/>
+                <a:tint val="40000"/>
+                <a:satMod val="350000"/>
               </a:schemeClr>
             </a:gs>
-            <a:gs pos="50000">
+            <a:gs pos="40000">
               <a:schemeClr val="phClr">
-                <a:tint val="98000"/>
-                <a:satMod val="130000"/>
-                <a:shade val="90000"/>
-                <a:lumMod val="103000"/>
+                <a:tint val="45000"/>
+                <a:shade val="99000"/>
+                <a:satMod val="350000"/>
               </a:schemeClr>
             </a:gs>
             <a:gs pos="100000">
               <a:schemeClr val="phClr">
-                <a:shade val="63000"/>
-                <a:satMod val="120000"/>
+                <a:shade val="20000"/>
+                <a:satMod val="255000"/>
               </a:schemeClr>
             </a:gs>
           </a:gsLst>
-          <a:lin ang="5400000" scaled="0"/>
+          <a:path path="circle">
+            <a:fillToRect l="50000" t="-80000" r="50000" b="180000"/>
+          </a:path>
+        </a:gradFill>
+        <a:gradFill rotWithShape="1">
+          <a:gsLst>
+            <a:gs pos="0">
+              <a:schemeClr val="phClr">
+                <a:tint val="80000"/>
+                <a:satMod val="300000"/>
+              </a:schemeClr>
+            </a:gs>
+            <a:gs pos="100000">
+              <a:schemeClr val="phClr">
+                <a:shade val="30000"/>
+                <a:satMod val="200000"/>
+              </a:schemeClr>
+            </a:gs>
+          </a:gsLst>
+          <a:path path="circle">
+            <a:fillToRect l="50000" t="50000" r="50000" b="50000"/>
+          </a:path>
         </a:gradFill>
       </a:bgFillStyleLst>
     </a:fmtScheme>
   </a:themeElements>
   <a:objectDefaults>
+    <a:spDef>
+      <a:spPr>
+        <a:noFill/>
+        <a:ln>
+          <a:solidFill>
+            <a:srgbClr val="C00000"/>
+          </a:solidFill>
+        </a:ln>
+      </a:spPr>
+      <a:bodyPr rtlCol="0" anchor="ctr"/>
+      <a:lstStyle>
+        <a:defPPr algn="ctr">
+          <a:defRPr kumimoji="1"/>
+        </a:defPPr>
+      </a:lstStyle>
+      <a:style>
+        <a:lnRef idx="2">
+          <a:schemeClr val="accent1">
+            <a:shade val="50000"/>
+          </a:schemeClr>
+        </a:lnRef>
+        <a:fillRef idx="1">
+          <a:schemeClr val="accent1"/>
+        </a:fillRef>
+        <a:effectRef idx="0">
+          <a:schemeClr val="accent1"/>
+        </a:effectRef>
+        <a:fontRef idx="minor">
+          <a:schemeClr val="lt1"/>
+        </a:fontRef>
+      </a:style>
+    </a:spDef>
     <a:lnDef>
-      <a:spPr/>
+      <a:spPr>
+        <a:ln w="25400">
+          <a:tailEnd type="triangle"/>
+        </a:ln>
+      </a:spPr>
       <a:bodyPr/>
       <a:lstStyle/>
       <a:style>
-        <a:lnRef idx="2">
-          <a:schemeClr val="accent1"/>
+        <a:lnRef idx="1">
+          <a:schemeClr val="dk1"/>
         </a:lnRef>
         <a:fillRef idx="0">
-          <a:schemeClr val="accent1"/>
+          <a:schemeClr val="dk1"/>
         </a:fillRef>
-        <a:effectRef idx="1">
-          <a:schemeClr val="accent1"/>
+        <a:effectRef idx="0">
+          <a:schemeClr val="dk1"/>
         </a:effectRef>
         <a:fontRef idx="minor">
           <a:schemeClr val="tx1"/>
@@ -9732,7 +10902,7 @@
   <a:extraClrSchemeLst/>
   <a:extLst>
     <a:ext uri="{05A4C25C-085E-4340-85A3-A5531E510DB2}">
-      <thm15:themeFamily xmlns:thm15="http://schemas.microsoft.com/office/thememl/2012/main" name="Office Theme" id="{2E142A2C-CD16-42D6-873A-C26D2A0506FA}" vid="{1BDDFF52-6CD6-40A5-AB3C-68EB2F1E4D0A}"/>
+      <thm15:themeFamily xmlns:thm15="http://schemas.microsoft.com/office/thememl/2012/main" name="eXm" id="{115361A8-D6F5-4B82-88CD-794E95E4435D}" vid="{0151AB90-2418-46B4-882F-E157D6FFAB74}"/>
     </a:ext>
   </a:extLst>
 </a:theme>

--- a/改造シート_exmPC.pptx
+++ b/改造シート_exmPC.pptx
@@ -6,10 +6,14 @@
   </p:sldMasterIdLst>
   <p:sldIdLst>
     <p:sldId id="256" r:id="rId2"/>
-    <p:sldId id="257" r:id="rId3"/>
-    <p:sldId id="258" r:id="rId4"/>
-    <p:sldId id="259" r:id="rId5"/>
-    <p:sldId id="260" r:id="rId6"/>
+    <p:sldId id="261" r:id="rId3"/>
+    <p:sldId id="262" r:id="rId4"/>
+    <p:sldId id="263" r:id="rId5"/>
+    <p:sldId id="264" r:id="rId6"/>
+    <p:sldId id="257" r:id="rId7"/>
+    <p:sldId id="259" r:id="rId8"/>
+    <p:sldId id="265" r:id="rId9"/>
+    <p:sldId id="260" r:id="rId10"/>
   </p:sldIdLst>
   <p:sldSz cx="12192000" cy="6858000"/>
   <p:notesSz cx="6858000" cy="9144000"/>
@@ -7655,7 +7659,7 @@
               <a:buSzPct val="80000"/>
               <a:buFont typeface="Wingdings" panose="05000000000000000000" pitchFamily="2" charset="2"/>
               <a:buChar char="n"/>
-              <a:defRPr sz="2800">
+              <a:defRPr sz="1800">
                 <a:solidFill>
                   <a:schemeClr val="tx1"/>
                 </a:solidFill>
@@ -7665,14 +7669,14 @@
               <a:buClr>
                 <a:schemeClr val="accent4"/>
               </a:buClr>
-              <a:defRPr sz="2400">
+              <a:defRPr sz="1600">
                 <a:solidFill>
                   <a:schemeClr val="tx1"/>
                 </a:solidFill>
               </a:defRPr>
             </a:lvl2pPr>
             <a:lvl3pPr>
-              <a:defRPr sz="2000">
+              <a:defRPr sz="1400">
                 <a:solidFill>
                   <a:schemeClr val="tx1"/>
                 </a:solidFill>
@@ -7682,37 +7686,37 @@
           <a:p>
             <a:pPr lvl="0"/>
             <a:r>
-              <a:rPr kumimoji="1" lang="ja-JP" altLang="en-US"/>
+              <a:rPr kumimoji="1" lang="ja-JP" altLang="en-US" dirty="0"/>
               <a:t>マスター テキストの書式設定</a:t>
             </a:r>
           </a:p>
           <a:p>
             <a:pPr lvl="1"/>
             <a:r>
-              <a:rPr kumimoji="1" lang="ja-JP" altLang="en-US"/>
+              <a:rPr kumimoji="1" lang="ja-JP" altLang="en-US" dirty="0"/>
               <a:t>第 </a:t>
             </a:r>
             <a:r>
-              <a:rPr kumimoji="1" lang="en-US" altLang="ja-JP"/>
+              <a:rPr kumimoji="1" lang="en-US" altLang="ja-JP" dirty="0"/>
               <a:t>2 </a:t>
             </a:r>
             <a:r>
-              <a:rPr kumimoji="1" lang="ja-JP" altLang="en-US"/>
+              <a:rPr kumimoji="1" lang="ja-JP" altLang="en-US" dirty="0"/>
               <a:t>レベル</a:t>
             </a:r>
           </a:p>
           <a:p>
             <a:pPr lvl="2"/>
             <a:r>
-              <a:rPr kumimoji="1" lang="ja-JP" altLang="en-US"/>
+              <a:rPr kumimoji="1" lang="ja-JP" altLang="en-US" dirty="0"/>
               <a:t>第 </a:t>
             </a:r>
             <a:r>
-              <a:rPr kumimoji="1" lang="en-US" altLang="ja-JP"/>
+              <a:rPr kumimoji="1" lang="en-US" altLang="ja-JP" dirty="0"/>
               <a:t>3 </a:t>
             </a:r>
             <a:r>
-              <a:rPr kumimoji="1" lang="ja-JP" altLang="en-US"/>
+              <a:rPr kumimoji="1" lang="ja-JP" altLang="en-US" dirty="0"/>
               <a:t>レベル</a:t>
             </a:r>
           </a:p>
@@ -9907,7 +9911,7 @@
           <a:p>
             <a:r>
               <a:rPr kumimoji="1" lang="ja-JP" altLang="en-US" dirty="0"/>
-              <a:t>改造シート分析</a:t>
+              <a:t>改造シート調査</a:t>
             </a:r>
           </a:p>
         </p:txBody>
@@ -9969,6 +9973,1305 @@
       </p:grpSpPr>
       <p:sp>
         <p:nvSpPr>
+          <p:cNvPr id="7" name="タイトル 6">
+            <a:extLst>
+              <a:ext uri="{FF2B5EF4-FFF2-40B4-BE49-F238E27FC236}">
+                <a16:creationId xmlns:a16="http://schemas.microsoft.com/office/drawing/2014/main" id="{79B45572-4A06-1DC6-3EF6-7CB44FA0B2BF}"/>
+              </a:ext>
+            </a:extLst>
+          </p:cNvPr>
+          <p:cNvSpPr>
+            <a:spLocks noGrp="1"/>
+          </p:cNvSpPr>
+          <p:nvPr>
+            <p:ph type="title"/>
+          </p:nvPr>
+        </p:nvSpPr>
+        <p:spPr/>
+        <p:txBody>
+          <a:bodyPr/>
+          <a:lstStyle/>
+          <a:p>
+            <a:r>
+              <a:rPr lang="ja-JP" altLang="en-US" dirty="0"/>
+              <a:t>分析シート：フォーマット</a:t>
+            </a:r>
+          </a:p>
+        </p:txBody>
+      </p:sp>
+      <p:sp>
+        <p:nvSpPr>
+          <p:cNvPr id="8" name="テキスト プレースホルダー 7">
+            <a:extLst>
+              <a:ext uri="{FF2B5EF4-FFF2-40B4-BE49-F238E27FC236}">
+                <a16:creationId xmlns:a16="http://schemas.microsoft.com/office/drawing/2014/main" id="{1E5137B7-D925-B172-21A7-BD0D36C774AC}"/>
+              </a:ext>
+            </a:extLst>
+          </p:cNvPr>
+          <p:cNvSpPr>
+            <a:spLocks noGrp="1"/>
+          </p:cNvSpPr>
+          <p:nvPr>
+            <p:ph type="body" sz="quarter" idx="10"/>
+          </p:nvPr>
+        </p:nvSpPr>
+        <p:spPr>
+          <a:xfrm>
+            <a:off x="575736" y="944563"/>
+            <a:ext cx="11040533" cy="1047866"/>
+          </a:xfrm>
+        </p:spPr>
+        <p:txBody>
+          <a:bodyPr/>
+          <a:lstStyle/>
+          <a:p>
+            <a:r>
+              <a:rPr lang="ja-JP" altLang="en-US" dirty="0"/>
+              <a:t>規定フォーマットがある</a:t>
+            </a:r>
+            <a:endParaRPr lang="en-US" altLang="ja-JP" dirty="0"/>
+          </a:p>
+          <a:p>
+            <a:r>
+              <a:rPr lang="ja-JP" altLang="en-US" dirty="0"/>
+              <a:t>既存資料では</a:t>
+            </a:r>
+            <a:r>
+              <a:rPr lang="en-US" altLang="ja-JP" dirty="0"/>
+              <a:t>3</a:t>
+            </a:r>
+            <a:r>
+              <a:rPr lang="ja-JP" altLang="en-US" dirty="0"/>
+              <a:t>パターン</a:t>
+            </a:r>
+            <a:r>
+              <a:rPr lang="en-US" altLang="ja-JP" dirty="0"/>
+              <a:t>(?)</a:t>
+            </a:r>
+            <a:r>
+              <a:rPr lang="ja-JP" altLang="en-US" dirty="0"/>
+              <a:t>の書き方がある</a:t>
+            </a:r>
+          </a:p>
+        </p:txBody>
+      </p:sp>
+      <p:grpSp>
+        <p:nvGrpSpPr>
+          <p:cNvPr id="14" name="グループ化 13">
+            <a:extLst>
+              <a:ext uri="{FF2B5EF4-FFF2-40B4-BE49-F238E27FC236}">
+                <a16:creationId xmlns:a16="http://schemas.microsoft.com/office/drawing/2014/main" id="{B1604DF9-D184-BC92-11D9-6063941EB9EE}"/>
+              </a:ext>
+            </a:extLst>
+          </p:cNvPr>
+          <p:cNvGrpSpPr/>
+          <p:nvPr/>
+        </p:nvGrpSpPr>
+        <p:grpSpPr>
+          <a:xfrm>
+            <a:off x="2035113" y="2388678"/>
+            <a:ext cx="7321186" cy="3418881"/>
+            <a:chOff x="1216423" y="2359991"/>
+            <a:chExt cx="7321186" cy="3418881"/>
+          </a:xfrm>
+        </p:grpSpPr>
+        <p:pic>
+          <p:nvPicPr>
+            <p:cNvPr id="10" name="図 9">
+              <a:extLst>
+                <a:ext uri="{FF2B5EF4-FFF2-40B4-BE49-F238E27FC236}">
+                  <a16:creationId xmlns:a16="http://schemas.microsoft.com/office/drawing/2014/main" id="{A8D05DFD-2AD4-F30F-A004-82EABAE2108B}"/>
+                </a:ext>
+              </a:extLst>
+            </p:cNvPr>
+            <p:cNvPicPr>
+              <a:picLocks noChangeAspect="1"/>
+            </p:cNvPicPr>
+            <p:nvPr/>
+          </p:nvPicPr>
+          <p:blipFill>
+            <a:blip r:embed="rId2"/>
+            <a:stretch>
+              <a:fillRect/>
+            </a:stretch>
+          </p:blipFill>
+          <p:spPr>
+            <a:xfrm>
+              <a:off x="1216423" y="2359991"/>
+              <a:ext cx="7321186" cy="3123619"/>
+            </a:xfrm>
+            <a:prstGeom prst="rect">
+              <a:avLst/>
+            </a:prstGeom>
+          </p:spPr>
+        </p:pic>
+        <p:sp>
+          <p:nvSpPr>
+            <p:cNvPr id="11" name="テキスト ボックス 10">
+              <a:extLst>
+                <a:ext uri="{FF2B5EF4-FFF2-40B4-BE49-F238E27FC236}">
+                  <a16:creationId xmlns:a16="http://schemas.microsoft.com/office/drawing/2014/main" id="{27BD55A1-5078-390D-CFA8-BC7382EC8406}"/>
+                </a:ext>
+              </a:extLst>
+            </p:cNvPr>
+            <p:cNvSpPr txBox="1"/>
+            <p:nvPr/>
+          </p:nvSpPr>
+          <p:spPr>
+            <a:xfrm>
+              <a:off x="2111675" y="5501873"/>
+              <a:ext cx="5530681" cy="276999"/>
+            </a:xfrm>
+            <a:prstGeom prst="rect">
+              <a:avLst/>
+            </a:prstGeom>
+            <a:noFill/>
+          </p:spPr>
+          <p:txBody>
+            <a:bodyPr wrap="none" rtlCol="0">
+              <a:spAutoFit/>
+            </a:bodyPr>
+            <a:lstStyle/>
+            <a:p>
+              <a:r>
+                <a:rPr kumimoji="1" lang="en-US" altLang="ja-JP" sz="1200" dirty="0" err="1"/>
+                <a:t>iMCSX</a:t>
+              </a:r>
+              <a:r>
+                <a:rPr kumimoji="1" lang="en-US" altLang="ja-JP" sz="1200" dirty="0"/>
+                <a:t>—</a:t>
+              </a:r>
+              <a:r>
+                <a:rPr kumimoji="1" lang="ja-JP" altLang="en-US" sz="1200" dirty="0"/>
+                <a:t>改造シートフォーマット</a:t>
+              </a:r>
+              <a:r>
+                <a:rPr kumimoji="1" lang="en-US" altLang="ja-JP" sz="1200" dirty="0"/>
+                <a:t>(</a:t>
+              </a:r>
+              <a:r>
+                <a:rPr kumimoji="1" lang="ja-JP" altLang="en-US" sz="1200" dirty="0"/>
+                <a:t>機能リリース管理</a:t>
+              </a:r>
+              <a:r>
+                <a:rPr kumimoji="1" lang="en-US" altLang="ja-JP" sz="1200" dirty="0"/>
+                <a:t>\03 </a:t>
+              </a:r>
+              <a:r>
+                <a:rPr kumimoji="1" lang="ja-JP" altLang="en-US" sz="1200" dirty="0"/>
+                <a:t>改造シート</a:t>
+              </a:r>
+              <a:r>
+                <a:rPr kumimoji="1" lang="en-US" altLang="ja-JP" sz="1200" dirty="0"/>
+                <a:t>\Format)</a:t>
+              </a:r>
+              <a:endParaRPr kumimoji="1" lang="ja-JP" altLang="en-US" sz="1200" dirty="0"/>
+            </a:p>
+          </p:txBody>
+        </p:sp>
+      </p:grpSp>
+      <p:sp>
+        <p:nvSpPr>
+          <p:cNvPr id="12" name="吹き出し: 線 11">
+            <a:extLst>
+              <a:ext uri="{FF2B5EF4-FFF2-40B4-BE49-F238E27FC236}">
+                <a16:creationId xmlns:a16="http://schemas.microsoft.com/office/drawing/2014/main" id="{4A7668A6-DCB3-D2A0-2CD6-22893316EBCF}"/>
+              </a:ext>
+            </a:extLst>
+          </p:cNvPr>
+          <p:cNvSpPr/>
+          <p:nvPr/>
+        </p:nvSpPr>
+        <p:spPr>
+          <a:xfrm>
+            <a:off x="9721516" y="3197209"/>
+            <a:ext cx="2123865" cy="1288164"/>
+          </a:xfrm>
+          <a:prstGeom prst="borderCallout1">
+            <a:avLst>
+              <a:gd name="adj1" fmla="val 35057"/>
+              <a:gd name="adj2" fmla="val -3072"/>
+              <a:gd name="adj3" fmla="val 29448"/>
+              <a:gd name="adj4" fmla="val -26093"/>
+            </a:avLst>
+          </a:prstGeom>
+          <a:solidFill>
+            <a:schemeClr val="bg1"/>
+          </a:solidFill>
+          <a:ln w="12700">
+            <a:solidFill>
+              <a:srgbClr val="C00000"/>
+            </a:solidFill>
+          </a:ln>
+        </p:spPr>
+        <p:style>
+          <a:lnRef idx="2">
+            <a:schemeClr val="accent1">
+              <a:shade val="50000"/>
+            </a:schemeClr>
+          </a:lnRef>
+          <a:fillRef idx="1">
+            <a:schemeClr val="accent1"/>
+          </a:fillRef>
+          <a:effectRef idx="0">
+            <a:schemeClr val="accent1"/>
+          </a:effectRef>
+          <a:fontRef idx="minor">
+            <a:schemeClr val="lt1"/>
+          </a:fontRef>
+        </p:style>
+        <p:txBody>
+          <a:bodyPr rtlCol="0" anchor="ctr"/>
+          <a:lstStyle/>
+          <a:p>
+            <a:r>
+              <a:rPr kumimoji="1" lang="ja-JP" altLang="en-US" sz="1400" dirty="0">
+                <a:solidFill>
+                  <a:schemeClr val="tx1"/>
+                </a:solidFill>
+              </a:rPr>
+              <a:t>該当仕様書変更点の</a:t>
+            </a:r>
+            <a:br>
+              <a:rPr kumimoji="1" lang="en-US" altLang="ja-JP" sz="1400" dirty="0">
+                <a:solidFill>
+                  <a:schemeClr val="tx1"/>
+                </a:solidFill>
+              </a:rPr>
+            </a:br>
+            <a:r>
+              <a:rPr kumimoji="1" lang="ja-JP" altLang="en-US" sz="1400" dirty="0">
+                <a:solidFill>
+                  <a:schemeClr val="tx1"/>
+                </a:solidFill>
+              </a:rPr>
+              <a:t>・仕様書パス</a:t>
+            </a:r>
+            <a:endParaRPr kumimoji="1" lang="en-US" altLang="ja-JP" sz="1400" dirty="0">
+              <a:solidFill>
+                <a:schemeClr val="tx1"/>
+              </a:solidFill>
+            </a:endParaRPr>
+          </a:p>
+          <a:p>
+            <a:r>
+              <a:rPr kumimoji="1" lang="ja-JP" altLang="en-US" sz="1400" dirty="0">
+                <a:solidFill>
+                  <a:schemeClr val="tx1"/>
+                </a:solidFill>
+              </a:rPr>
+              <a:t>・バージョン</a:t>
+            </a:r>
+            <a:br>
+              <a:rPr kumimoji="1" lang="en-US" altLang="ja-JP" sz="1400" dirty="0">
+                <a:solidFill>
+                  <a:schemeClr val="tx1"/>
+                </a:solidFill>
+              </a:rPr>
+            </a:br>
+            <a:r>
+              <a:rPr kumimoji="1" lang="ja-JP" altLang="en-US" sz="1400" dirty="0">
+                <a:solidFill>
+                  <a:schemeClr val="tx1"/>
+                </a:solidFill>
+              </a:rPr>
+              <a:t>・シート名</a:t>
+            </a:r>
+            <a:br>
+              <a:rPr kumimoji="1" lang="en-US" altLang="ja-JP" sz="1400" dirty="0">
+                <a:solidFill>
+                  <a:schemeClr val="tx1"/>
+                </a:solidFill>
+              </a:rPr>
+            </a:br>
+            <a:r>
+              <a:rPr kumimoji="1" lang="ja-JP" altLang="en-US" sz="1400" dirty="0">
+                <a:solidFill>
+                  <a:schemeClr val="tx1"/>
+                </a:solidFill>
+              </a:rPr>
+              <a:t>・変更</a:t>
+            </a:r>
+            <a:r>
+              <a:rPr kumimoji="1" lang="en-US" altLang="ja-JP" sz="1400" dirty="0">
+                <a:solidFill>
+                  <a:schemeClr val="tx1"/>
+                </a:solidFill>
+              </a:rPr>
+              <a:t>/</a:t>
+            </a:r>
+            <a:r>
+              <a:rPr kumimoji="1" lang="ja-JP" altLang="en-US" sz="1400" dirty="0">
+                <a:solidFill>
+                  <a:schemeClr val="tx1"/>
+                </a:solidFill>
+              </a:rPr>
+              <a:t>処理内容</a:t>
+            </a:r>
+            <a:endParaRPr kumimoji="1" lang="en-US" altLang="ja-JP" sz="1400" dirty="0">
+              <a:solidFill>
+                <a:schemeClr val="tx1"/>
+              </a:solidFill>
+            </a:endParaRPr>
+          </a:p>
+        </p:txBody>
+      </p:sp>
+      <p:sp>
+        <p:nvSpPr>
+          <p:cNvPr id="13" name="吹き出し: 線 12">
+            <a:extLst>
+              <a:ext uri="{FF2B5EF4-FFF2-40B4-BE49-F238E27FC236}">
+                <a16:creationId xmlns:a16="http://schemas.microsoft.com/office/drawing/2014/main" id="{CF49C9CB-4E5C-A2CA-F082-660E4C2D85DE}"/>
+              </a:ext>
+            </a:extLst>
+          </p:cNvPr>
+          <p:cNvSpPr/>
+          <p:nvPr/>
+        </p:nvSpPr>
+        <p:spPr>
+          <a:xfrm>
+            <a:off x="9498679" y="1882245"/>
+            <a:ext cx="2346702" cy="1049153"/>
+          </a:xfrm>
+          <a:prstGeom prst="borderCallout1">
+            <a:avLst>
+              <a:gd name="adj1" fmla="val 66152"/>
+              <a:gd name="adj2" fmla="val -3623"/>
+              <a:gd name="adj3" fmla="val 82790"/>
+              <a:gd name="adj4" fmla="val -15650"/>
+            </a:avLst>
+          </a:prstGeom>
+          <a:solidFill>
+            <a:schemeClr val="bg1"/>
+          </a:solidFill>
+          <a:ln w="12700">
+            <a:solidFill>
+              <a:srgbClr val="C00000"/>
+            </a:solidFill>
+          </a:ln>
+        </p:spPr>
+        <p:style>
+          <a:lnRef idx="2">
+            <a:schemeClr val="accent1">
+              <a:shade val="50000"/>
+            </a:schemeClr>
+          </a:lnRef>
+          <a:fillRef idx="1">
+            <a:schemeClr val="accent1"/>
+          </a:fillRef>
+          <a:effectRef idx="0">
+            <a:schemeClr val="accent1"/>
+          </a:effectRef>
+          <a:fontRef idx="minor">
+            <a:schemeClr val="lt1"/>
+          </a:fontRef>
+        </p:style>
+        <p:txBody>
+          <a:bodyPr rtlCol="0" anchor="ctr"/>
+          <a:lstStyle/>
+          <a:p>
+            <a:r>
+              <a:rPr lang="ja-JP" altLang="en-US" sz="1400" dirty="0">
+                <a:solidFill>
+                  <a:schemeClr val="tx1"/>
+                </a:solidFill>
+              </a:rPr>
+              <a:t>目的・背景・概要</a:t>
+            </a:r>
+            <a:endParaRPr lang="en-US" altLang="ja-JP" sz="1400" dirty="0">
+              <a:solidFill>
+                <a:schemeClr val="tx1"/>
+              </a:solidFill>
+            </a:endParaRPr>
+          </a:p>
+          <a:p>
+            <a:r>
+              <a:rPr lang="ja-JP" altLang="en-US" sz="1400" dirty="0">
+                <a:solidFill>
+                  <a:schemeClr val="tx1"/>
+                </a:solidFill>
+              </a:rPr>
+              <a:t>（記述なし</a:t>
+            </a:r>
+            <a:r>
+              <a:rPr lang="en-US" altLang="ja-JP" sz="1400" dirty="0">
+                <a:solidFill>
+                  <a:schemeClr val="tx1"/>
+                </a:solidFill>
+              </a:rPr>
+              <a:t>/</a:t>
+            </a:r>
+            <a:r>
+              <a:rPr lang="ja-JP" altLang="en-US" sz="1400" dirty="0">
+                <a:solidFill>
+                  <a:schemeClr val="tx1"/>
+                </a:solidFill>
+              </a:rPr>
+              <a:t>欄無しあり）</a:t>
+            </a:r>
+            <a:endParaRPr lang="en-US" altLang="ja-JP" sz="1400" dirty="0">
+              <a:solidFill>
+                <a:schemeClr val="tx1"/>
+              </a:solidFill>
+            </a:endParaRPr>
+          </a:p>
+          <a:p>
+            <a:r>
+              <a:rPr lang="ja-JP" altLang="en-US" sz="1400" dirty="0">
+                <a:solidFill>
+                  <a:schemeClr val="tx1"/>
+                </a:solidFill>
+              </a:rPr>
+              <a:t>≒開発テーマ管理システムの対応内容記述</a:t>
+            </a:r>
+            <a:endParaRPr lang="en-US" altLang="ja-JP" sz="1400" dirty="0">
+              <a:solidFill>
+                <a:schemeClr val="tx1"/>
+              </a:solidFill>
+            </a:endParaRPr>
+          </a:p>
+        </p:txBody>
+      </p:sp>
+      <p:sp>
+        <p:nvSpPr>
+          <p:cNvPr id="15" name="左中かっこ 14">
+            <a:extLst>
+              <a:ext uri="{FF2B5EF4-FFF2-40B4-BE49-F238E27FC236}">
+                <a16:creationId xmlns:a16="http://schemas.microsoft.com/office/drawing/2014/main" id="{857742E7-A0D9-FAAA-59B3-AB9CF282E229}"/>
+              </a:ext>
+            </a:extLst>
+          </p:cNvPr>
+          <p:cNvSpPr/>
+          <p:nvPr/>
+        </p:nvSpPr>
+        <p:spPr>
+          <a:xfrm>
+            <a:off x="1864636" y="2345870"/>
+            <a:ext cx="138961" cy="585528"/>
+          </a:xfrm>
+          <a:prstGeom prst="leftBrace">
+            <a:avLst/>
+          </a:prstGeom>
+          <a:ln w="25400">
+            <a:solidFill>
+              <a:srgbClr val="C00000"/>
+            </a:solidFill>
+            <a:tailEnd type="none"/>
+          </a:ln>
+        </p:spPr>
+        <p:style>
+          <a:lnRef idx="1">
+            <a:schemeClr val="dk1"/>
+          </a:lnRef>
+          <a:fillRef idx="0">
+            <a:schemeClr val="dk1"/>
+          </a:fillRef>
+          <a:effectRef idx="0">
+            <a:schemeClr val="dk1"/>
+          </a:effectRef>
+          <a:fontRef idx="minor">
+            <a:schemeClr val="tx1"/>
+          </a:fontRef>
+        </p:style>
+        <p:txBody>
+          <a:bodyPr rtlCol="0" anchor="ctr"/>
+          <a:lstStyle/>
+          <a:p>
+            <a:pPr algn="ctr"/>
+            <a:endParaRPr kumimoji="1" lang="ja-JP" altLang="en-US"/>
+          </a:p>
+        </p:txBody>
+      </p:sp>
+      <p:sp>
+        <p:nvSpPr>
+          <p:cNvPr id="16" name="テキスト ボックス 15">
+            <a:extLst>
+              <a:ext uri="{FF2B5EF4-FFF2-40B4-BE49-F238E27FC236}">
+                <a16:creationId xmlns:a16="http://schemas.microsoft.com/office/drawing/2014/main" id="{06EF6F76-D955-8B3A-AAEA-7ECDAA10683C}"/>
+              </a:ext>
+            </a:extLst>
+          </p:cNvPr>
+          <p:cNvSpPr txBox="1"/>
+          <p:nvPr/>
+        </p:nvSpPr>
+        <p:spPr>
+          <a:xfrm>
+            <a:off x="602752" y="2500134"/>
+            <a:ext cx="1261884" cy="276999"/>
+          </a:xfrm>
+          <a:prstGeom prst="rect">
+            <a:avLst/>
+          </a:prstGeom>
+          <a:noFill/>
+        </p:spPr>
+        <p:txBody>
+          <a:bodyPr wrap="none" rtlCol="0">
+            <a:spAutoFit/>
+          </a:bodyPr>
+          <a:lstStyle/>
+          <a:p>
+            <a:r>
+              <a:rPr kumimoji="1" lang="ja-JP" altLang="en-US" sz="1200" dirty="0"/>
+              <a:t>開発テーマ情報</a:t>
+            </a:r>
+          </a:p>
+        </p:txBody>
+      </p:sp>
+      <p:sp>
+        <p:nvSpPr>
+          <p:cNvPr id="17" name="左中かっこ 16">
+            <a:extLst>
+              <a:ext uri="{FF2B5EF4-FFF2-40B4-BE49-F238E27FC236}">
+                <a16:creationId xmlns:a16="http://schemas.microsoft.com/office/drawing/2014/main" id="{0BD368D0-2051-2CDD-9894-8A3DB8FC260D}"/>
+              </a:ext>
+            </a:extLst>
+          </p:cNvPr>
+          <p:cNvSpPr/>
+          <p:nvPr/>
+        </p:nvSpPr>
+        <p:spPr>
+          <a:xfrm>
+            <a:off x="1850024" y="2993646"/>
+            <a:ext cx="138961" cy="952711"/>
+          </a:xfrm>
+          <a:prstGeom prst="leftBrace">
+            <a:avLst/>
+          </a:prstGeom>
+          <a:ln w="25400">
+            <a:solidFill>
+              <a:srgbClr val="C00000"/>
+            </a:solidFill>
+            <a:tailEnd type="none"/>
+          </a:ln>
+        </p:spPr>
+        <p:style>
+          <a:lnRef idx="1">
+            <a:schemeClr val="dk1"/>
+          </a:lnRef>
+          <a:fillRef idx="0">
+            <a:schemeClr val="dk1"/>
+          </a:fillRef>
+          <a:effectRef idx="0">
+            <a:schemeClr val="dk1"/>
+          </a:effectRef>
+          <a:fontRef idx="minor">
+            <a:schemeClr val="tx1"/>
+          </a:fontRef>
+        </p:style>
+        <p:txBody>
+          <a:bodyPr rtlCol="0" anchor="ctr"/>
+          <a:lstStyle/>
+          <a:p>
+            <a:pPr algn="ctr"/>
+            <a:endParaRPr kumimoji="1" lang="ja-JP" altLang="en-US"/>
+          </a:p>
+        </p:txBody>
+      </p:sp>
+      <p:sp>
+        <p:nvSpPr>
+          <p:cNvPr id="18" name="テキスト ボックス 17">
+            <a:extLst>
+              <a:ext uri="{FF2B5EF4-FFF2-40B4-BE49-F238E27FC236}">
+                <a16:creationId xmlns:a16="http://schemas.microsoft.com/office/drawing/2014/main" id="{0D740912-B87E-D574-E151-88C83E26D039}"/>
+              </a:ext>
+            </a:extLst>
+          </p:cNvPr>
+          <p:cNvSpPr txBox="1"/>
+          <p:nvPr/>
+        </p:nvSpPr>
+        <p:spPr>
+          <a:xfrm>
+            <a:off x="616560" y="3335153"/>
+            <a:ext cx="1261884" cy="276999"/>
+          </a:xfrm>
+          <a:prstGeom prst="rect">
+            <a:avLst/>
+          </a:prstGeom>
+          <a:noFill/>
+        </p:spPr>
+        <p:txBody>
+          <a:bodyPr wrap="none" rtlCol="0">
+            <a:spAutoFit/>
+          </a:bodyPr>
+          <a:lstStyle/>
+          <a:p>
+            <a:r>
+              <a:rPr kumimoji="1" lang="ja-JP" altLang="en-US" sz="1200" dirty="0"/>
+              <a:t>関連仕様書情報</a:t>
+            </a:r>
+          </a:p>
+        </p:txBody>
+      </p:sp>
+    </p:spTree>
+    <p:extLst>
+      <p:ext uri="{BB962C8B-B14F-4D97-AF65-F5344CB8AC3E}">
+        <p14:creationId xmlns:p14="http://schemas.microsoft.com/office/powerpoint/2010/main" val="1859773063"/>
+      </p:ext>
+    </p:extLst>
+  </p:cSld>
+  <p:clrMapOvr>
+    <a:masterClrMapping/>
+  </p:clrMapOvr>
+</p:sld>
+</file>
+
+<file path=ppt/slides/slide3.xml><?xml version="1.0" encoding="utf-8"?>
+<p:sld xmlns:a="http://schemas.openxmlformats.org/drawingml/2006/main" xmlns:r="http://schemas.openxmlformats.org/officeDocument/2006/relationships" xmlns:p="http://schemas.openxmlformats.org/presentationml/2006/main">
+  <p:cSld>
+    <p:spTree>
+      <p:nvGrpSpPr>
+        <p:cNvPr id="1" name=""/>
+        <p:cNvGrpSpPr/>
+        <p:nvPr/>
+      </p:nvGrpSpPr>
+      <p:grpSpPr>
+        <a:xfrm>
+          <a:off x="0" y="0"/>
+          <a:ext cx="0" cy="0"/>
+          <a:chOff x="0" y="0"/>
+          <a:chExt cx="0" cy="0"/>
+        </a:xfrm>
+      </p:grpSpPr>
+      <p:sp>
+        <p:nvSpPr>
+          <p:cNvPr id="2" name="タイトル 1">
+            <a:extLst>
+              <a:ext uri="{FF2B5EF4-FFF2-40B4-BE49-F238E27FC236}">
+                <a16:creationId xmlns:a16="http://schemas.microsoft.com/office/drawing/2014/main" id="{15B3544E-DCF5-8972-889D-016D0F654C0A}"/>
+              </a:ext>
+            </a:extLst>
+          </p:cNvPr>
+          <p:cNvSpPr>
+            <a:spLocks noGrp="1"/>
+          </p:cNvSpPr>
+          <p:nvPr>
+            <p:ph type="title"/>
+          </p:nvPr>
+        </p:nvSpPr>
+        <p:spPr/>
+        <p:txBody>
+          <a:bodyPr/>
+          <a:lstStyle/>
+          <a:p>
+            <a:r>
+              <a:rPr lang="ja-JP" altLang="en-US" dirty="0"/>
+              <a:t>分析シート：フォーマット　パターン①</a:t>
+            </a:r>
+            <a:endParaRPr kumimoji="1" lang="ja-JP" altLang="en-US" dirty="0"/>
+          </a:p>
+        </p:txBody>
+      </p:sp>
+      <p:pic>
+        <p:nvPicPr>
+          <p:cNvPr id="7" name="図 6">
+            <a:extLst>
+              <a:ext uri="{FF2B5EF4-FFF2-40B4-BE49-F238E27FC236}">
+                <a16:creationId xmlns:a16="http://schemas.microsoft.com/office/drawing/2014/main" id="{546C86B1-97CC-3C5A-8120-FAD987BAFCB2}"/>
+              </a:ext>
+            </a:extLst>
+          </p:cNvPr>
+          <p:cNvPicPr>
+            <a:picLocks noChangeAspect="1"/>
+          </p:cNvPicPr>
+          <p:nvPr/>
+        </p:nvPicPr>
+        <p:blipFill>
+          <a:blip r:embed="rId2"/>
+          <a:stretch>
+            <a:fillRect/>
+          </a:stretch>
+        </p:blipFill>
+        <p:spPr>
+          <a:xfrm>
+            <a:off x="721484" y="2795712"/>
+            <a:ext cx="6872850" cy="1613086"/>
+          </a:xfrm>
+          <a:prstGeom prst="rect">
+            <a:avLst/>
+          </a:prstGeom>
+          <a:ln>
+            <a:solidFill>
+              <a:schemeClr val="tx1"/>
+            </a:solidFill>
+          </a:ln>
+        </p:spPr>
+      </p:pic>
+      <p:pic>
+        <p:nvPicPr>
+          <p:cNvPr id="9" name="図 8">
+            <a:extLst>
+              <a:ext uri="{FF2B5EF4-FFF2-40B4-BE49-F238E27FC236}">
+                <a16:creationId xmlns:a16="http://schemas.microsoft.com/office/drawing/2014/main" id="{8182FC58-388D-FC7C-87A9-F31A709424E7}"/>
+              </a:ext>
+            </a:extLst>
+          </p:cNvPr>
+          <p:cNvPicPr>
+            <a:picLocks noChangeAspect="1"/>
+          </p:cNvPicPr>
+          <p:nvPr/>
+        </p:nvPicPr>
+        <p:blipFill>
+          <a:blip r:embed="rId3"/>
+          <a:stretch>
+            <a:fillRect/>
+          </a:stretch>
+        </p:blipFill>
+        <p:spPr>
+          <a:xfrm>
+            <a:off x="721484" y="1675748"/>
+            <a:ext cx="7710097" cy="650045"/>
+          </a:xfrm>
+          <a:prstGeom prst="rect">
+            <a:avLst/>
+          </a:prstGeom>
+          <a:ln>
+            <a:solidFill>
+              <a:schemeClr val="tx1"/>
+            </a:solidFill>
+          </a:ln>
+        </p:spPr>
+      </p:pic>
+      <p:sp>
+        <p:nvSpPr>
+          <p:cNvPr id="10" name="テキスト プレースホルダー 7">
+            <a:extLst>
+              <a:ext uri="{FF2B5EF4-FFF2-40B4-BE49-F238E27FC236}">
+                <a16:creationId xmlns:a16="http://schemas.microsoft.com/office/drawing/2014/main" id="{14C98383-4C89-55D5-E586-945A81AF0D88}"/>
+              </a:ext>
+            </a:extLst>
+          </p:cNvPr>
+          <p:cNvSpPr>
+            <a:spLocks noGrp="1"/>
+          </p:cNvSpPr>
+          <p:nvPr>
+            <p:ph type="body" sz="quarter" idx="10"/>
+          </p:nvPr>
+        </p:nvSpPr>
+        <p:spPr>
+          <a:xfrm>
+            <a:off x="575736" y="944563"/>
+            <a:ext cx="11040533" cy="402974"/>
+          </a:xfrm>
+        </p:spPr>
+        <p:txBody>
+          <a:bodyPr/>
+          <a:lstStyle/>
+          <a:p>
+            <a:r>
+              <a:rPr lang="ja-JP" altLang="en-US" dirty="0"/>
+              <a:t>規定フォーマットに倣ったパターン</a:t>
+            </a:r>
+            <a:endParaRPr lang="en-US" altLang="ja-JP" dirty="0"/>
+          </a:p>
+        </p:txBody>
+      </p:sp>
+      <p:sp>
+        <p:nvSpPr>
+          <p:cNvPr id="11" name="吹き出し: 線 10">
+            <a:extLst>
+              <a:ext uri="{FF2B5EF4-FFF2-40B4-BE49-F238E27FC236}">
+                <a16:creationId xmlns:a16="http://schemas.microsoft.com/office/drawing/2014/main" id="{49303928-D320-8A85-A45A-8B9E90E466E3}"/>
+              </a:ext>
+            </a:extLst>
+          </p:cNvPr>
+          <p:cNvSpPr/>
+          <p:nvPr/>
+        </p:nvSpPr>
+        <p:spPr>
+          <a:xfrm>
+            <a:off x="7950467" y="3429000"/>
+            <a:ext cx="3253339" cy="632861"/>
+          </a:xfrm>
+          <a:prstGeom prst="borderCallout1">
+            <a:avLst>
+              <a:gd name="adj1" fmla="val 35057"/>
+              <a:gd name="adj2" fmla="val -3072"/>
+              <a:gd name="adj3" fmla="val 61313"/>
+              <a:gd name="adj4" fmla="val -13195"/>
+            </a:avLst>
+          </a:prstGeom>
+          <a:solidFill>
+            <a:schemeClr val="bg1"/>
+          </a:solidFill>
+          <a:ln w="12700">
+            <a:solidFill>
+              <a:srgbClr val="C00000"/>
+            </a:solidFill>
+          </a:ln>
+        </p:spPr>
+        <p:style>
+          <a:lnRef idx="2">
+            <a:schemeClr val="accent1">
+              <a:shade val="50000"/>
+            </a:schemeClr>
+          </a:lnRef>
+          <a:fillRef idx="1">
+            <a:schemeClr val="accent1"/>
+          </a:fillRef>
+          <a:effectRef idx="0">
+            <a:schemeClr val="accent1"/>
+          </a:effectRef>
+          <a:fontRef idx="minor">
+            <a:schemeClr val="lt1"/>
+          </a:fontRef>
+        </p:style>
+        <p:txBody>
+          <a:bodyPr rtlCol="0" anchor="ctr"/>
+          <a:lstStyle/>
+          <a:p>
+            <a:r>
+              <a:rPr kumimoji="1" lang="ja-JP" altLang="en-US" sz="1400" dirty="0">
+                <a:solidFill>
+                  <a:schemeClr val="tx1"/>
+                </a:solidFill>
+              </a:rPr>
+              <a:t>・「処理内容」列なし</a:t>
+            </a:r>
+            <a:endParaRPr kumimoji="1" lang="en-US" altLang="ja-JP" sz="1400" dirty="0">
+              <a:solidFill>
+                <a:schemeClr val="tx1"/>
+              </a:solidFill>
+            </a:endParaRPr>
+          </a:p>
+          <a:p>
+            <a:r>
+              <a:rPr kumimoji="1" lang="ja-JP" altLang="en-US" sz="1400" dirty="0">
+                <a:solidFill>
+                  <a:schemeClr val="tx1"/>
+                </a:solidFill>
+              </a:rPr>
+              <a:t>・</a:t>
+            </a:r>
+            <a:r>
+              <a:rPr kumimoji="1" lang="en-US" altLang="ja-JP" sz="1400" dirty="0">
+                <a:solidFill>
+                  <a:schemeClr val="tx1"/>
+                </a:solidFill>
+              </a:rPr>
+              <a:t>1</a:t>
+            </a:r>
+            <a:r>
+              <a:rPr kumimoji="1" lang="ja-JP" altLang="en-US" sz="1400" dirty="0">
+                <a:solidFill>
+                  <a:schemeClr val="tx1"/>
+                </a:solidFill>
+              </a:rPr>
+              <a:t>仕様書対多バージョン</a:t>
+            </a:r>
+            <a:endParaRPr kumimoji="1" lang="en-US" altLang="ja-JP" sz="1400" dirty="0">
+              <a:solidFill>
+                <a:schemeClr val="tx1"/>
+              </a:solidFill>
+            </a:endParaRPr>
+          </a:p>
+        </p:txBody>
+      </p:sp>
+    </p:spTree>
+    <p:extLst>
+      <p:ext uri="{BB962C8B-B14F-4D97-AF65-F5344CB8AC3E}">
+        <p14:creationId xmlns:p14="http://schemas.microsoft.com/office/powerpoint/2010/main" val="3751706692"/>
+      </p:ext>
+    </p:extLst>
+  </p:cSld>
+  <p:clrMapOvr>
+    <a:masterClrMapping/>
+  </p:clrMapOvr>
+</p:sld>
+</file>
+
+<file path=ppt/slides/slide4.xml><?xml version="1.0" encoding="utf-8"?>
+<p:sld xmlns:a="http://schemas.openxmlformats.org/drawingml/2006/main" xmlns:r="http://schemas.openxmlformats.org/officeDocument/2006/relationships" xmlns:p="http://schemas.openxmlformats.org/presentationml/2006/main">
+  <p:cSld>
+    <p:spTree>
+      <p:nvGrpSpPr>
+        <p:cNvPr id="1" name=""/>
+        <p:cNvGrpSpPr/>
+        <p:nvPr/>
+      </p:nvGrpSpPr>
+      <p:grpSpPr>
+        <a:xfrm>
+          <a:off x="0" y="0"/>
+          <a:ext cx="0" cy="0"/>
+          <a:chOff x="0" y="0"/>
+          <a:chExt cx="0" cy="0"/>
+        </a:xfrm>
+      </p:grpSpPr>
+      <p:sp>
+        <p:nvSpPr>
+          <p:cNvPr id="2" name="タイトル 1">
+            <a:extLst>
+              <a:ext uri="{FF2B5EF4-FFF2-40B4-BE49-F238E27FC236}">
+                <a16:creationId xmlns:a16="http://schemas.microsoft.com/office/drawing/2014/main" id="{36351BA3-F9C0-8181-708F-4FBCDC4F9257}"/>
+              </a:ext>
+            </a:extLst>
+          </p:cNvPr>
+          <p:cNvSpPr>
+            <a:spLocks noGrp="1"/>
+          </p:cNvSpPr>
+          <p:nvPr>
+            <p:ph type="title"/>
+          </p:nvPr>
+        </p:nvSpPr>
+        <p:spPr/>
+        <p:txBody>
+          <a:bodyPr/>
+          <a:lstStyle/>
+          <a:p>
+            <a:r>
+              <a:rPr lang="ja-JP" altLang="en-US" dirty="0"/>
+              <a:t>分析シート：フォーマット　パターン②</a:t>
+            </a:r>
+            <a:endParaRPr kumimoji="1" lang="ja-JP" altLang="en-US" dirty="0"/>
+          </a:p>
+        </p:txBody>
+      </p:sp>
+      <p:sp>
+        <p:nvSpPr>
+          <p:cNvPr id="3" name="テキスト プレースホルダー 2">
+            <a:extLst>
+              <a:ext uri="{FF2B5EF4-FFF2-40B4-BE49-F238E27FC236}">
+                <a16:creationId xmlns:a16="http://schemas.microsoft.com/office/drawing/2014/main" id="{396FA025-69F8-622B-FDD2-2FF4B0456D18}"/>
+              </a:ext>
+            </a:extLst>
+          </p:cNvPr>
+          <p:cNvSpPr>
+            <a:spLocks noGrp="1"/>
+          </p:cNvSpPr>
+          <p:nvPr>
+            <p:ph type="body" sz="quarter" idx="10"/>
+          </p:nvPr>
+        </p:nvSpPr>
+        <p:spPr>
+          <a:xfrm>
+            <a:off x="575736" y="944563"/>
+            <a:ext cx="11040533" cy="483310"/>
+          </a:xfrm>
+        </p:spPr>
+        <p:txBody>
+          <a:bodyPr/>
+          <a:lstStyle/>
+          <a:p>
+            <a:r>
+              <a:rPr kumimoji="1" lang="ja-JP" altLang="en-US" dirty="0"/>
+              <a:t>仕様書フルパス列がない、行で管理されている</a:t>
+            </a:r>
+          </a:p>
+        </p:txBody>
+      </p:sp>
+      <p:pic>
+        <p:nvPicPr>
+          <p:cNvPr id="4" name="図 3">
+            <a:extLst>
+              <a:ext uri="{FF2B5EF4-FFF2-40B4-BE49-F238E27FC236}">
+                <a16:creationId xmlns:a16="http://schemas.microsoft.com/office/drawing/2014/main" id="{4BE53869-3C01-7C49-4A9D-4D33E3AC7201}"/>
+              </a:ext>
+            </a:extLst>
+          </p:cNvPr>
+          <p:cNvPicPr>
+            <a:picLocks noChangeAspect="1"/>
+          </p:cNvPicPr>
+          <p:nvPr/>
+        </p:nvPicPr>
+        <p:blipFill>
+          <a:blip r:embed="rId2"/>
+          <a:stretch>
+            <a:fillRect/>
+          </a:stretch>
+        </p:blipFill>
+        <p:spPr>
+          <a:xfrm>
+            <a:off x="711860" y="3429000"/>
+            <a:ext cx="6872850" cy="905936"/>
+          </a:xfrm>
+          <a:prstGeom prst="rect">
+            <a:avLst/>
+          </a:prstGeom>
+          <a:ln>
+            <a:solidFill>
+              <a:schemeClr val="tx1"/>
+            </a:solidFill>
+          </a:ln>
+        </p:spPr>
+      </p:pic>
+      <p:sp>
+        <p:nvSpPr>
+          <p:cNvPr id="5" name="吹き出し: 線 4">
+            <a:extLst>
+              <a:ext uri="{FF2B5EF4-FFF2-40B4-BE49-F238E27FC236}">
+                <a16:creationId xmlns:a16="http://schemas.microsoft.com/office/drawing/2014/main" id="{3745887C-9792-7FAC-0C9D-000903A067E1}"/>
+              </a:ext>
+            </a:extLst>
+          </p:cNvPr>
+          <p:cNvSpPr/>
+          <p:nvPr/>
+        </p:nvSpPr>
+        <p:spPr>
+          <a:xfrm>
+            <a:off x="7767586" y="3243714"/>
+            <a:ext cx="2098308" cy="613968"/>
+          </a:xfrm>
+          <a:prstGeom prst="borderCallout1">
+            <a:avLst>
+              <a:gd name="adj1" fmla="val 35057"/>
+              <a:gd name="adj2" fmla="val -3072"/>
+              <a:gd name="adj3" fmla="val 61313"/>
+              <a:gd name="adj4" fmla="val -13195"/>
+            </a:avLst>
+          </a:prstGeom>
+          <a:solidFill>
+            <a:schemeClr val="bg1"/>
+          </a:solidFill>
+          <a:ln w="12700">
+            <a:solidFill>
+              <a:srgbClr val="C00000"/>
+            </a:solidFill>
+          </a:ln>
+        </p:spPr>
+        <p:style>
+          <a:lnRef idx="2">
+            <a:schemeClr val="accent1">
+              <a:shade val="50000"/>
+            </a:schemeClr>
+          </a:lnRef>
+          <a:fillRef idx="1">
+            <a:schemeClr val="accent1"/>
+          </a:fillRef>
+          <a:effectRef idx="0">
+            <a:schemeClr val="accent1"/>
+          </a:effectRef>
+          <a:fontRef idx="minor">
+            <a:schemeClr val="lt1"/>
+          </a:fontRef>
+        </p:style>
+        <p:txBody>
+          <a:bodyPr rtlCol="0" anchor="ctr"/>
+          <a:lstStyle/>
+          <a:p>
+            <a:r>
+              <a:rPr kumimoji="1" lang="ja-JP" altLang="en-US" sz="1400" dirty="0">
+                <a:solidFill>
+                  <a:schemeClr val="tx1"/>
+                </a:solidFill>
+              </a:rPr>
+              <a:t>・開発テーマ情報なし</a:t>
+            </a:r>
+            <a:endParaRPr kumimoji="1" lang="en-US" altLang="ja-JP" sz="1400" dirty="0">
+              <a:solidFill>
+                <a:schemeClr val="tx1"/>
+              </a:solidFill>
+            </a:endParaRPr>
+          </a:p>
+          <a:p>
+            <a:r>
+              <a:rPr kumimoji="1" lang="ja-JP" altLang="en-US" sz="1400" dirty="0">
+                <a:solidFill>
+                  <a:schemeClr val="tx1"/>
+                </a:solidFill>
+              </a:rPr>
+              <a:t>・「処理内容」行なし</a:t>
+            </a:r>
+            <a:endParaRPr kumimoji="1" lang="en-US" altLang="ja-JP" sz="1400" dirty="0">
+              <a:solidFill>
+                <a:schemeClr val="tx1"/>
+              </a:solidFill>
+            </a:endParaRPr>
+          </a:p>
+        </p:txBody>
+      </p:sp>
+      <p:pic>
+        <p:nvPicPr>
+          <p:cNvPr id="7" name="図 6">
+            <a:extLst>
+              <a:ext uri="{FF2B5EF4-FFF2-40B4-BE49-F238E27FC236}">
+                <a16:creationId xmlns:a16="http://schemas.microsoft.com/office/drawing/2014/main" id="{5A96444F-BD99-07FC-DBD0-9F167F34B9CC}"/>
+              </a:ext>
+            </a:extLst>
+          </p:cNvPr>
+          <p:cNvPicPr>
+            <a:picLocks noChangeAspect="1"/>
+          </p:cNvPicPr>
+          <p:nvPr/>
+        </p:nvPicPr>
+        <p:blipFill>
+          <a:blip r:embed="rId3"/>
+          <a:stretch>
+            <a:fillRect/>
+          </a:stretch>
+        </p:blipFill>
+        <p:spPr>
+          <a:xfrm>
+            <a:off x="711860" y="1760262"/>
+            <a:ext cx="9221223" cy="814208"/>
+          </a:xfrm>
+          <a:prstGeom prst="rect">
+            <a:avLst/>
+          </a:prstGeom>
+          <a:ln>
+            <a:solidFill>
+              <a:schemeClr val="tx1"/>
+            </a:solidFill>
+          </a:ln>
+        </p:spPr>
+      </p:pic>
+    </p:spTree>
+    <p:extLst>
+      <p:ext uri="{BB962C8B-B14F-4D97-AF65-F5344CB8AC3E}">
+        <p14:creationId xmlns:p14="http://schemas.microsoft.com/office/powerpoint/2010/main" val="4099589627"/>
+      </p:ext>
+    </p:extLst>
+  </p:cSld>
+  <p:clrMapOvr>
+    <a:masterClrMapping/>
+  </p:clrMapOvr>
+</p:sld>
+</file>
+
+<file path=ppt/slides/slide5.xml><?xml version="1.0" encoding="utf-8"?>
+<p:sld xmlns:a="http://schemas.openxmlformats.org/drawingml/2006/main" xmlns:r="http://schemas.openxmlformats.org/officeDocument/2006/relationships" xmlns:p="http://schemas.openxmlformats.org/presentationml/2006/main">
+  <p:cSld>
+    <p:spTree>
+      <p:nvGrpSpPr>
+        <p:cNvPr id="1" name=""/>
+        <p:cNvGrpSpPr/>
+        <p:nvPr/>
+      </p:nvGrpSpPr>
+      <p:grpSpPr>
+        <a:xfrm>
+          <a:off x="0" y="0"/>
+          <a:ext cx="0" cy="0"/>
+          <a:chOff x="0" y="0"/>
+          <a:chExt cx="0" cy="0"/>
+        </a:xfrm>
+      </p:grpSpPr>
+      <p:sp>
+        <p:nvSpPr>
+          <p:cNvPr id="2" name="タイトル 1">
+            <a:extLst>
+              <a:ext uri="{FF2B5EF4-FFF2-40B4-BE49-F238E27FC236}">
+                <a16:creationId xmlns:a16="http://schemas.microsoft.com/office/drawing/2014/main" id="{E56CF531-261E-7613-7AC9-B8186D49F431}"/>
+              </a:ext>
+            </a:extLst>
+          </p:cNvPr>
+          <p:cNvSpPr>
+            <a:spLocks noGrp="1"/>
+          </p:cNvSpPr>
+          <p:nvPr>
+            <p:ph type="title"/>
+          </p:nvPr>
+        </p:nvSpPr>
+        <p:spPr/>
+        <p:txBody>
+          <a:bodyPr/>
+          <a:lstStyle/>
+          <a:p>
+            <a:r>
+              <a:rPr lang="ja-JP" altLang="en-US" dirty="0"/>
+              <a:t>分析シート：フォーマット　パターン③</a:t>
+            </a:r>
+            <a:endParaRPr kumimoji="1" lang="ja-JP" altLang="en-US" dirty="0"/>
+          </a:p>
+        </p:txBody>
+      </p:sp>
+      <p:sp>
+        <p:nvSpPr>
+          <p:cNvPr id="3" name="テキスト プレースホルダー 2">
+            <a:extLst>
+              <a:ext uri="{FF2B5EF4-FFF2-40B4-BE49-F238E27FC236}">
+                <a16:creationId xmlns:a16="http://schemas.microsoft.com/office/drawing/2014/main" id="{D1EC7502-5A60-4A15-8B34-07E4AECA9F89}"/>
+              </a:ext>
+            </a:extLst>
+          </p:cNvPr>
+          <p:cNvSpPr>
+            <a:spLocks noGrp="1"/>
+          </p:cNvSpPr>
+          <p:nvPr>
+            <p:ph type="body" sz="quarter" idx="10"/>
+          </p:nvPr>
+        </p:nvSpPr>
+        <p:spPr>
+          <a:xfrm>
+            <a:off x="575736" y="944563"/>
+            <a:ext cx="11040533" cy="483310"/>
+          </a:xfrm>
+        </p:spPr>
+        <p:txBody>
+          <a:bodyPr/>
+          <a:lstStyle/>
+          <a:p>
+            <a:r>
+              <a:rPr kumimoji="1" lang="ja-JP" altLang="en-US" dirty="0"/>
+              <a:t>メモ形式</a:t>
+            </a:r>
+          </a:p>
+        </p:txBody>
+      </p:sp>
+      <p:pic>
+        <p:nvPicPr>
+          <p:cNvPr id="5" name="図 4">
+            <a:extLst>
+              <a:ext uri="{FF2B5EF4-FFF2-40B4-BE49-F238E27FC236}">
+                <a16:creationId xmlns:a16="http://schemas.microsoft.com/office/drawing/2014/main" id="{563841D7-7C1B-D80A-62D2-A67447366FD8}"/>
+              </a:ext>
+            </a:extLst>
+          </p:cNvPr>
+          <p:cNvPicPr>
+            <a:picLocks noChangeAspect="1"/>
+          </p:cNvPicPr>
+          <p:nvPr/>
+        </p:nvPicPr>
+        <p:blipFill>
+          <a:blip r:embed="rId2"/>
+          <a:stretch>
+            <a:fillRect/>
+          </a:stretch>
+        </p:blipFill>
+        <p:spPr>
+          <a:xfrm>
+            <a:off x="1993319" y="1670307"/>
+            <a:ext cx="7395478" cy="3010902"/>
+          </a:xfrm>
+          <a:prstGeom prst="rect">
+            <a:avLst/>
+          </a:prstGeom>
+          <a:ln>
+            <a:solidFill>
+              <a:schemeClr val="tx1"/>
+            </a:solidFill>
+          </a:ln>
+        </p:spPr>
+      </p:pic>
+    </p:spTree>
+    <p:extLst>
+      <p:ext uri="{BB962C8B-B14F-4D97-AF65-F5344CB8AC3E}">
+        <p14:creationId xmlns:p14="http://schemas.microsoft.com/office/powerpoint/2010/main" val="3554987100"/>
+      </p:ext>
+    </p:extLst>
+  </p:cSld>
+  <p:clrMapOvr>
+    <a:masterClrMapping/>
+  </p:clrMapOvr>
+</p:sld>
+</file>
+
+<file path=ppt/slides/slide6.xml><?xml version="1.0" encoding="utf-8"?>
+<p:sld xmlns:a="http://schemas.openxmlformats.org/drawingml/2006/main" xmlns:r="http://schemas.openxmlformats.org/officeDocument/2006/relationships" xmlns:p="http://schemas.openxmlformats.org/presentationml/2006/main">
+  <p:cSld>
+    <p:spTree>
+      <p:nvGrpSpPr>
+        <p:cNvPr id="1" name=""/>
+        <p:cNvGrpSpPr/>
+        <p:nvPr/>
+      </p:nvGrpSpPr>
+      <p:grpSpPr>
+        <a:xfrm>
+          <a:off x="0" y="0"/>
+          <a:ext cx="0" cy="0"/>
+          <a:chOff x="0" y="0"/>
+          <a:chExt cx="0" cy="0"/>
+        </a:xfrm>
+      </p:grpSpPr>
+      <p:sp>
+        <p:nvSpPr>
           <p:cNvPr id="2" name="タイトル 1">
             <a:extLst>
               <a:ext uri="{FF2B5EF4-FFF2-40B4-BE49-F238E27FC236}">
@@ -9988,6 +11291,10 @@
           <a:bodyPr/>
           <a:lstStyle/>
           <a:p>
+            <a:r>
+              <a:rPr lang="ja-JP" altLang="en-US" dirty="0"/>
+              <a:t>分析シート：</a:t>
+            </a:r>
             <a:r>
               <a:rPr kumimoji="1" lang="ja-JP" altLang="en-US" dirty="0"/>
               <a:t>構成</a:t>
@@ -10011,7 +11318,12 @@
             <p:ph type="body" sz="quarter" idx="10"/>
           </p:nvPr>
         </p:nvSpPr>
-        <p:spPr/>
+        <p:spPr>
+          <a:xfrm>
+            <a:off x="575736" y="944563"/>
+            <a:ext cx="11040533" cy="4041323"/>
+          </a:xfrm>
+        </p:spPr>
         <p:txBody>
           <a:bodyPr>
             <a:normAutofit/>
@@ -10019,120 +11331,120 @@
           <a:lstStyle/>
           <a:p>
             <a:r>
-              <a:rPr kumimoji="1" lang="ja-JP" altLang="en-US" sz="2400" dirty="0"/>
+              <a:rPr kumimoji="1" lang="ja-JP" altLang="en-US" dirty="0"/>
               <a:t>開発テーマ情報</a:t>
             </a:r>
-            <a:endParaRPr kumimoji="1" lang="en-US" altLang="ja-JP" sz="2400" dirty="0"/>
+            <a:endParaRPr kumimoji="1" lang="en-US" altLang="ja-JP" dirty="0"/>
           </a:p>
           <a:p>
             <a:pPr lvl="1"/>
             <a:r>
-              <a:rPr lang="ja-JP" altLang="en-US" sz="2000" dirty="0"/>
+              <a:rPr lang="ja-JP" altLang="en-US" dirty="0"/>
               <a:t>開発テーマ</a:t>
             </a:r>
             <a:r>
-              <a:rPr lang="en-US" altLang="ja-JP" sz="2000" dirty="0"/>
+              <a:rPr lang="en-US" altLang="ja-JP" dirty="0"/>
               <a:t>ID</a:t>
             </a:r>
           </a:p>
           <a:p>
             <a:pPr lvl="1"/>
             <a:r>
-              <a:rPr kumimoji="1" lang="ja-JP" altLang="en-US" sz="2000" dirty="0"/>
+              <a:rPr kumimoji="1" lang="ja-JP" altLang="en-US" dirty="0"/>
               <a:t>開発テーマ名</a:t>
             </a:r>
             <a:r>
-              <a:rPr kumimoji="1" lang="en-US" altLang="ja-JP" sz="2000" dirty="0"/>
+              <a:rPr kumimoji="1" lang="en-US" altLang="ja-JP" dirty="0"/>
               <a:t>/</a:t>
             </a:r>
             <a:r>
-              <a:rPr kumimoji="1" lang="ja-JP" altLang="en-US" sz="2000" dirty="0"/>
+              <a:rPr kumimoji="1" lang="ja-JP" altLang="en-US" dirty="0"/>
               <a:t>開発名称</a:t>
             </a:r>
-            <a:endParaRPr kumimoji="1" lang="en-US" altLang="ja-JP" sz="2000" dirty="0"/>
+            <a:endParaRPr kumimoji="1" lang="en-US" altLang="ja-JP" dirty="0"/>
           </a:p>
           <a:p>
             <a:pPr lvl="1"/>
             <a:r>
-              <a:rPr lang="ja-JP" altLang="en-US" sz="2000" dirty="0"/>
+              <a:rPr lang="ja-JP" altLang="en-US" dirty="0"/>
               <a:t>目的</a:t>
             </a:r>
             <a:r>
-              <a:rPr lang="en-US" altLang="ja-JP" sz="2000" dirty="0"/>
+              <a:rPr lang="en-US" altLang="ja-JP" dirty="0"/>
               <a:t>/</a:t>
             </a:r>
             <a:r>
-              <a:rPr lang="ja-JP" altLang="en-US" sz="2000" dirty="0"/>
+              <a:rPr lang="ja-JP" altLang="en-US" dirty="0"/>
               <a:t>背景</a:t>
             </a:r>
             <a:r>
-              <a:rPr lang="en-US" altLang="ja-JP" sz="2000" dirty="0"/>
+              <a:rPr lang="en-US" altLang="ja-JP" dirty="0"/>
               <a:t>/</a:t>
             </a:r>
             <a:r>
-              <a:rPr lang="ja-JP" altLang="en-US" sz="2000" dirty="0"/>
+              <a:rPr lang="ja-JP" altLang="en-US" dirty="0"/>
               <a:t>概要（無いものもあり）</a:t>
             </a:r>
-            <a:endParaRPr lang="en-US" altLang="ja-JP" sz="2000" dirty="0"/>
+            <a:endParaRPr lang="en-US" altLang="ja-JP" dirty="0"/>
           </a:p>
           <a:p>
             <a:r>
-              <a:rPr kumimoji="1" lang="ja-JP" altLang="en-US" sz="2400" dirty="0"/>
+              <a:rPr kumimoji="1" lang="ja-JP" altLang="en-US" dirty="0"/>
               <a:t>関連機能仕様書情報</a:t>
             </a:r>
-            <a:endParaRPr lang="en-US" altLang="ja-JP" sz="2400" dirty="0"/>
+            <a:endParaRPr lang="en-US" altLang="ja-JP" dirty="0"/>
           </a:p>
           <a:p>
             <a:pPr lvl="1"/>
             <a:r>
-              <a:rPr lang="ja-JP" altLang="en-US" sz="2000" dirty="0"/>
+              <a:rPr lang="ja-JP" altLang="en-US" dirty="0"/>
               <a:t>機能仕様書名</a:t>
             </a:r>
-            <a:endParaRPr lang="en-US" altLang="ja-JP" sz="2000" dirty="0"/>
+            <a:endParaRPr lang="en-US" altLang="ja-JP" dirty="0"/>
           </a:p>
           <a:p>
             <a:pPr lvl="1"/>
             <a:r>
-              <a:rPr kumimoji="1" lang="ja-JP" altLang="en-US" sz="2000" dirty="0"/>
+              <a:rPr kumimoji="1" lang="ja-JP" altLang="en-US" dirty="0"/>
               <a:t>仕様フォルダパス</a:t>
             </a:r>
-            <a:endParaRPr kumimoji="1" lang="en-US" altLang="ja-JP" sz="2000" dirty="0"/>
+            <a:endParaRPr kumimoji="1" lang="en-US" altLang="ja-JP" dirty="0"/>
           </a:p>
           <a:p>
             <a:pPr lvl="1"/>
             <a:r>
-              <a:rPr kumimoji="1" lang="en-US" altLang="ja-JP" sz="2000" dirty="0"/>
+              <a:rPr kumimoji="1" lang="en-US" altLang="ja-JP" dirty="0"/>
               <a:t>Rev</a:t>
             </a:r>
             <a:r>
-              <a:rPr kumimoji="1" lang="ja-JP" altLang="en-US" sz="2000" dirty="0"/>
+              <a:rPr kumimoji="1" lang="ja-JP" altLang="en-US" dirty="0"/>
               <a:t>情報</a:t>
             </a:r>
-            <a:endParaRPr kumimoji="1" lang="en-US" altLang="ja-JP" sz="2000" dirty="0"/>
+            <a:endParaRPr kumimoji="1" lang="en-US" altLang="ja-JP" dirty="0"/>
           </a:p>
           <a:p>
             <a:pPr lvl="1"/>
             <a:r>
-              <a:rPr lang="ja-JP" altLang="en-US" sz="2000" dirty="0"/>
+              <a:rPr lang="ja-JP" altLang="en-US" dirty="0"/>
               <a:t>該当シート</a:t>
             </a:r>
-            <a:endParaRPr lang="en-US" altLang="ja-JP" sz="2000" dirty="0"/>
+            <a:endParaRPr lang="en-US" altLang="ja-JP" dirty="0"/>
           </a:p>
           <a:p>
             <a:pPr lvl="1"/>
             <a:r>
-              <a:rPr kumimoji="1" lang="ja-JP" altLang="en-US" sz="2000" dirty="0"/>
+              <a:rPr kumimoji="1" lang="ja-JP" altLang="en-US" dirty="0"/>
               <a:t>変更内容</a:t>
             </a:r>
-            <a:endParaRPr kumimoji="1" lang="en-US" altLang="ja-JP" sz="2000" dirty="0"/>
+            <a:endParaRPr kumimoji="1" lang="en-US" altLang="ja-JP" dirty="0"/>
           </a:p>
           <a:p>
             <a:pPr lvl="1"/>
             <a:r>
-              <a:rPr lang="ja-JP" altLang="en-US" sz="2000" dirty="0"/>
+              <a:rPr lang="ja-JP" altLang="en-US" dirty="0"/>
               <a:t>処理内容（無いものもあり）</a:t>
             </a:r>
-            <a:endParaRPr kumimoji="1" lang="en-US" altLang="ja-JP" sz="2000" dirty="0"/>
+            <a:endParaRPr kumimoji="1" lang="en-US" altLang="ja-JP" dirty="0"/>
           </a:p>
           <a:p>
             <a:pPr lvl="1"/>
@@ -10181,7 +11493,7 @@
 </p:sld>
 </file>
 
-<file path=ppt/slides/slide3.xml><?xml version="1.0" encoding="utf-8"?>
+<file path=ppt/slides/slide7.xml><?xml version="1.0" encoding="utf-8"?>
 <p:sld xmlns:a="http://schemas.openxmlformats.org/drawingml/2006/main" xmlns:r="http://schemas.openxmlformats.org/officeDocument/2006/relationships" xmlns:p="http://schemas.openxmlformats.org/presentationml/2006/main">
   <p:cSld>
     <p:spTree>
@@ -10221,95 +11533,1804 @@
           <a:p>
             <a:r>
               <a:rPr kumimoji="1" lang="ja-JP" altLang="en-US" dirty="0"/>
-              <a:t>開発テーマ情報</a:t>
+              <a:t>分析シート作成フロー</a:t>
+            </a:r>
+          </a:p>
+        </p:txBody>
+      </p:sp>
+      <p:grpSp>
+        <p:nvGrpSpPr>
+          <p:cNvPr id="25" name="グループ化 24">
+            <a:extLst>
+              <a:ext uri="{FF2B5EF4-FFF2-40B4-BE49-F238E27FC236}">
+                <a16:creationId xmlns:a16="http://schemas.microsoft.com/office/drawing/2014/main" id="{CE0B8B3C-6D4D-147B-3749-54F1E944A33C}"/>
+              </a:ext>
+            </a:extLst>
+          </p:cNvPr>
+          <p:cNvGrpSpPr/>
+          <p:nvPr/>
+        </p:nvGrpSpPr>
+        <p:grpSpPr>
+          <a:xfrm>
+            <a:off x="1160714" y="1876317"/>
+            <a:ext cx="1107996" cy="1157140"/>
+            <a:chOff x="741614" y="2189742"/>
+            <a:chExt cx="1107996" cy="1157140"/>
+          </a:xfrm>
+        </p:grpSpPr>
+        <p:pic>
+          <p:nvPicPr>
+            <p:cNvPr id="11" name="グラフィックス 10" descr="ドキュメント 枠線">
+              <a:extLst>
+                <a:ext uri="{FF2B5EF4-FFF2-40B4-BE49-F238E27FC236}">
+                  <a16:creationId xmlns:a16="http://schemas.microsoft.com/office/drawing/2014/main" id="{B0BF26BB-AB76-ECA8-D1B2-63A3BA4FA9AC}"/>
+                </a:ext>
+              </a:extLst>
+            </p:cNvPr>
+            <p:cNvPicPr>
+              <a:picLocks noChangeAspect="1"/>
+            </p:cNvPicPr>
+            <p:nvPr/>
+          </p:nvPicPr>
+          <p:blipFill>
+            <a:blip r:embed="rId2">
+              <a:extLst>
+                <a:ext uri="{96DAC541-7B7A-43D3-8B79-37D633B846F1}">
+                  <asvg:svgBlip xmlns:asvg="http://schemas.microsoft.com/office/drawing/2016/SVG/main" r:embed="rId3"/>
+                </a:ext>
+              </a:extLst>
+            </a:blip>
+            <a:stretch>
+              <a:fillRect/>
+            </a:stretch>
+          </p:blipFill>
+          <p:spPr>
+            <a:xfrm>
+              <a:off x="838412" y="2189742"/>
+              <a:ext cx="914400" cy="914400"/>
+            </a:xfrm>
+            <a:prstGeom prst="rect">
+              <a:avLst/>
+            </a:prstGeom>
+          </p:spPr>
+        </p:pic>
+        <p:sp>
+          <p:nvSpPr>
+            <p:cNvPr id="20" name="テキスト ボックス 19">
+              <a:extLst>
+                <a:ext uri="{FF2B5EF4-FFF2-40B4-BE49-F238E27FC236}">
+                  <a16:creationId xmlns:a16="http://schemas.microsoft.com/office/drawing/2014/main" id="{156979A3-9D2B-5A76-FE28-FEEF9B35F139}"/>
+                </a:ext>
+              </a:extLst>
+            </p:cNvPr>
+            <p:cNvSpPr txBox="1"/>
+            <p:nvPr/>
+          </p:nvSpPr>
+          <p:spPr>
+            <a:xfrm>
+              <a:off x="741614" y="3069883"/>
+              <a:ext cx="1107996" cy="276999"/>
+            </a:xfrm>
+            <a:prstGeom prst="rect">
+              <a:avLst/>
+            </a:prstGeom>
+            <a:noFill/>
+          </p:spPr>
+          <p:txBody>
+            <a:bodyPr wrap="none" rtlCol="0">
+              <a:spAutoFit/>
+            </a:bodyPr>
+            <a:lstStyle/>
+            <a:p>
+              <a:r>
+                <a:rPr kumimoji="1" lang="ja-JP" altLang="en-US" sz="1200" dirty="0"/>
+                <a:t>要件定義資料</a:t>
+              </a:r>
+            </a:p>
+          </p:txBody>
+        </p:sp>
+      </p:grpSp>
+      <p:grpSp>
+        <p:nvGrpSpPr>
+          <p:cNvPr id="24" name="グループ化 23">
+            <a:extLst>
+              <a:ext uri="{FF2B5EF4-FFF2-40B4-BE49-F238E27FC236}">
+                <a16:creationId xmlns:a16="http://schemas.microsoft.com/office/drawing/2014/main" id="{869FB702-F578-153B-2AFA-8E9BCC9A9E44}"/>
+              </a:ext>
+            </a:extLst>
+          </p:cNvPr>
+          <p:cNvGrpSpPr/>
+          <p:nvPr/>
+        </p:nvGrpSpPr>
+        <p:grpSpPr>
+          <a:xfrm>
+            <a:off x="3746925" y="1612128"/>
+            <a:ext cx="1031823" cy="1634570"/>
+            <a:chOff x="3534463" y="1896978"/>
+            <a:chExt cx="1031823" cy="1634570"/>
+          </a:xfrm>
+        </p:grpSpPr>
+        <p:grpSp>
+          <p:nvGrpSpPr>
+            <p:cNvPr id="17" name="グループ化 16">
+              <a:extLst>
+                <a:ext uri="{FF2B5EF4-FFF2-40B4-BE49-F238E27FC236}">
+                  <a16:creationId xmlns:a16="http://schemas.microsoft.com/office/drawing/2014/main" id="{E578E122-9B89-00A3-1B6F-21CD67C25599}"/>
+                </a:ext>
+              </a:extLst>
+            </p:cNvPr>
+            <p:cNvGrpSpPr/>
+            <p:nvPr/>
+          </p:nvGrpSpPr>
+          <p:grpSpPr>
+            <a:xfrm>
+              <a:off x="3586336" y="1896978"/>
+              <a:ext cx="979950" cy="1135781"/>
+              <a:chOff x="3691111" y="3064852"/>
+              <a:chExt cx="979950" cy="1135781"/>
+            </a:xfrm>
+          </p:grpSpPr>
+          <p:pic>
+            <p:nvPicPr>
+              <p:cNvPr id="12" name="グラフィックス 11" descr="ドキュメント 枠線">
+                <a:extLst>
+                  <a:ext uri="{FF2B5EF4-FFF2-40B4-BE49-F238E27FC236}">
+                    <a16:creationId xmlns:a16="http://schemas.microsoft.com/office/drawing/2014/main" id="{DA82947B-19AA-6953-49A9-8C3E0D7E4863}"/>
+                  </a:ext>
+                </a:extLst>
+              </p:cNvPr>
+              <p:cNvPicPr>
+                <a:picLocks noChangeAspect="1"/>
+              </p:cNvPicPr>
+              <p:nvPr/>
+            </p:nvPicPr>
+            <p:blipFill>
+              <a:blip r:embed="rId2">
+                <a:extLst>
+                  <a:ext uri="{96DAC541-7B7A-43D3-8B79-37D633B846F1}">
+                    <asvg:svgBlip xmlns:asvg="http://schemas.microsoft.com/office/drawing/2016/SVG/main" r:embed="rId4"/>
+                  </a:ext>
+                </a:extLst>
+              </a:blip>
+              <a:stretch>
+                <a:fillRect/>
+              </a:stretch>
+            </p:blipFill>
+            <p:spPr>
+              <a:xfrm>
+                <a:off x="3756661" y="3064852"/>
+                <a:ext cx="914400" cy="914400"/>
+              </a:xfrm>
+              <a:prstGeom prst="rect">
+                <a:avLst/>
+              </a:prstGeom>
+            </p:spPr>
+          </p:pic>
+          <p:pic>
+            <p:nvPicPr>
+              <p:cNvPr id="14" name="図 13">
+                <a:extLst>
+                  <a:ext uri="{FF2B5EF4-FFF2-40B4-BE49-F238E27FC236}">
+                    <a16:creationId xmlns:a16="http://schemas.microsoft.com/office/drawing/2014/main" id="{0F91123E-BF1A-083D-4B15-4C38BB553CBE}"/>
+                  </a:ext>
+                </a:extLst>
+              </p:cNvPr>
+              <p:cNvPicPr>
+                <a:picLocks noChangeAspect="1"/>
+              </p:cNvPicPr>
+              <p:nvPr/>
+            </p:nvPicPr>
+            <p:blipFill>
+              <a:blip r:embed="rId5"/>
+              <a:stretch>
+                <a:fillRect/>
+              </a:stretch>
+            </p:blipFill>
+            <p:spPr>
+              <a:xfrm>
+                <a:off x="3835266" y="3286233"/>
+                <a:ext cx="562053" cy="771633"/>
+              </a:xfrm>
+              <a:prstGeom prst="rect">
+                <a:avLst/>
+              </a:prstGeom>
+            </p:spPr>
+          </p:pic>
+          <p:pic>
+            <p:nvPicPr>
+              <p:cNvPr id="16" name="図 15">
+                <a:extLst>
+                  <a:ext uri="{FF2B5EF4-FFF2-40B4-BE49-F238E27FC236}">
+                    <a16:creationId xmlns:a16="http://schemas.microsoft.com/office/drawing/2014/main" id="{82379D61-F311-62E3-8971-44FA1E7364D1}"/>
+                  </a:ext>
+                </a:extLst>
+              </p:cNvPr>
+              <p:cNvPicPr>
+                <a:picLocks noChangeAspect="1"/>
+              </p:cNvPicPr>
+              <p:nvPr/>
+            </p:nvPicPr>
+            <p:blipFill>
+              <a:blip r:embed="rId5"/>
+              <a:stretch>
+                <a:fillRect/>
+              </a:stretch>
+            </p:blipFill>
+            <p:spPr>
+              <a:xfrm>
+                <a:off x="3691111" y="3429000"/>
+                <a:ext cx="562053" cy="771633"/>
+              </a:xfrm>
+              <a:prstGeom prst="rect">
+                <a:avLst/>
+              </a:prstGeom>
+            </p:spPr>
+          </p:pic>
+        </p:grpSp>
+        <p:sp>
+          <p:nvSpPr>
+            <p:cNvPr id="21" name="テキスト ボックス 20">
+              <a:extLst>
+                <a:ext uri="{FF2B5EF4-FFF2-40B4-BE49-F238E27FC236}">
+                  <a16:creationId xmlns:a16="http://schemas.microsoft.com/office/drawing/2014/main" id="{F70B1FA6-C073-42D7-1DD4-1473A8B47A06}"/>
+                </a:ext>
+              </a:extLst>
+            </p:cNvPr>
+            <p:cNvSpPr txBox="1"/>
+            <p:nvPr/>
+          </p:nvSpPr>
+          <p:spPr>
+            <a:xfrm>
+              <a:off x="3534463" y="3069883"/>
+              <a:ext cx="954107" cy="461665"/>
+            </a:xfrm>
+            <a:prstGeom prst="rect">
+              <a:avLst/>
+            </a:prstGeom>
+            <a:noFill/>
+          </p:spPr>
+          <p:txBody>
+            <a:bodyPr wrap="none" rtlCol="0">
+              <a:spAutoFit/>
+            </a:bodyPr>
+            <a:lstStyle/>
+            <a:p>
+              <a:pPr algn="ctr"/>
+              <a:r>
+                <a:rPr kumimoji="1" lang="ja-JP" altLang="en-US" sz="1200" dirty="0">
+                  <a:solidFill>
+                    <a:schemeClr val="tx1"/>
+                  </a:solidFill>
+                </a:rPr>
+                <a:t>変更対象</a:t>
+              </a:r>
+              <a:endParaRPr kumimoji="1" lang="en-US" altLang="ja-JP" sz="1200" dirty="0">
+                <a:solidFill>
+                  <a:schemeClr val="tx1"/>
+                </a:solidFill>
+              </a:endParaRPr>
+            </a:p>
+            <a:p>
+              <a:pPr algn="ctr"/>
+              <a:r>
+                <a:rPr kumimoji="1" lang="ja-JP" altLang="en-US" sz="1200" dirty="0">
+                  <a:solidFill>
+                    <a:schemeClr val="tx1"/>
+                  </a:solidFill>
+                </a:rPr>
+                <a:t>機能仕様書</a:t>
+              </a:r>
+              <a:endParaRPr kumimoji="1" lang="en-US" altLang="ja-JP" sz="1200" dirty="0">
+                <a:solidFill>
+                  <a:schemeClr val="tx1"/>
+                </a:solidFill>
+              </a:endParaRPr>
+            </a:p>
+          </p:txBody>
+        </p:sp>
+      </p:grpSp>
+      <p:sp>
+        <p:nvSpPr>
+          <p:cNvPr id="22" name="矢印: 右 21">
+            <a:extLst>
+              <a:ext uri="{FF2B5EF4-FFF2-40B4-BE49-F238E27FC236}">
+                <a16:creationId xmlns:a16="http://schemas.microsoft.com/office/drawing/2014/main" id="{E8CF81FB-4DE1-991B-1B06-23F481CF960E}"/>
+              </a:ext>
+            </a:extLst>
+          </p:cNvPr>
+          <p:cNvSpPr/>
+          <p:nvPr/>
+        </p:nvSpPr>
+        <p:spPr>
+          <a:xfrm>
+            <a:off x="2724653" y="2349560"/>
+            <a:ext cx="562053" cy="148393"/>
+          </a:xfrm>
+          <a:prstGeom prst="rightArrow">
+            <a:avLst/>
+          </a:prstGeom>
+          <a:solidFill>
+            <a:schemeClr val="tx1">
+              <a:lumMod val="50000"/>
+              <a:lumOff val="50000"/>
+            </a:schemeClr>
+          </a:solidFill>
+          <a:ln>
+            <a:noFill/>
+          </a:ln>
+        </p:spPr>
+        <p:style>
+          <a:lnRef idx="2">
+            <a:schemeClr val="accent1">
+              <a:shade val="50000"/>
+            </a:schemeClr>
+          </a:lnRef>
+          <a:fillRef idx="1">
+            <a:schemeClr val="accent1"/>
+          </a:fillRef>
+          <a:effectRef idx="0">
+            <a:schemeClr val="accent1"/>
+          </a:effectRef>
+          <a:fontRef idx="minor">
+            <a:schemeClr val="lt1"/>
+          </a:fontRef>
+        </p:style>
+        <p:txBody>
+          <a:bodyPr rtlCol="0" anchor="ctr"/>
+          <a:lstStyle/>
+          <a:p>
+            <a:pPr algn="ctr"/>
+            <a:endParaRPr kumimoji="1" lang="ja-JP" altLang="en-US"/>
+          </a:p>
+        </p:txBody>
+      </p:sp>
+      <p:sp>
+        <p:nvSpPr>
+          <p:cNvPr id="23" name="テキスト ボックス 22">
+            <a:extLst>
+              <a:ext uri="{FF2B5EF4-FFF2-40B4-BE49-F238E27FC236}">
+                <a16:creationId xmlns:a16="http://schemas.microsoft.com/office/drawing/2014/main" id="{AA45FD31-3EDD-A583-7560-8797CEA2CD1B}"/>
+              </a:ext>
+            </a:extLst>
+          </p:cNvPr>
+          <p:cNvSpPr txBox="1"/>
+          <p:nvPr/>
+        </p:nvSpPr>
+        <p:spPr>
+          <a:xfrm>
+            <a:off x="2483063" y="2072561"/>
+            <a:ext cx="1107997" cy="276999"/>
+          </a:xfrm>
+          <a:prstGeom prst="rect">
+            <a:avLst/>
+          </a:prstGeom>
+          <a:noFill/>
+        </p:spPr>
+        <p:txBody>
+          <a:bodyPr wrap="none" rtlCol="0">
+            <a:spAutoFit/>
+          </a:bodyPr>
+          <a:lstStyle/>
+          <a:p>
+            <a:pPr algn="ctr"/>
+            <a:r>
+              <a:rPr kumimoji="1" lang="ja-JP" altLang="en-US" sz="1200" dirty="0">
+                <a:solidFill>
+                  <a:schemeClr val="tx1"/>
+                </a:solidFill>
+              </a:rPr>
+              <a:t>影響範囲分析</a:t>
+            </a:r>
+          </a:p>
+        </p:txBody>
+      </p:sp>
+      <p:grpSp>
+        <p:nvGrpSpPr>
+          <p:cNvPr id="26" name="グループ化 25">
+            <a:extLst>
+              <a:ext uri="{FF2B5EF4-FFF2-40B4-BE49-F238E27FC236}">
+                <a16:creationId xmlns:a16="http://schemas.microsoft.com/office/drawing/2014/main" id="{2F5F4053-A93A-8F26-F791-A2629209513A}"/>
+              </a:ext>
+            </a:extLst>
+          </p:cNvPr>
+          <p:cNvGrpSpPr/>
+          <p:nvPr/>
+        </p:nvGrpSpPr>
+        <p:grpSpPr>
+          <a:xfrm>
+            <a:off x="6535742" y="1612128"/>
+            <a:ext cx="1031823" cy="1634570"/>
+            <a:chOff x="3534463" y="1896978"/>
+            <a:chExt cx="1031823" cy="1634570"/>
+          </a:xfrm>
+        </p:grpSpPr>
+        <p:grpSp>
+          <p:nvGrpSpPr>
+            <p:cNvPr id="27" name="グループ化 26">
+              <a:extLst>
+                <a:ext uri="{FF2B5EF4-FFF2-40B4-BE49-F238E27FC236}">
+                  <a16:creationId xmlns:a16="http://schemas.microsoft.com/office/drawing/2014/main" id="{C3A05CAB-85D6-0C2A-1CD6-48781C11D2A9}"/>
+                </a:ext>
+              </a:extLst>
+            </p:cNvPr>
+            <p:cNvGrpSpPr/>
+            <p:nvPr/>
+          </p:nvGrpSpPr>
+          <p:grpSpPr>
+            <a:xfrm>
+              <a:off x="3586336" y="1896978"/>
+              <a:ext cx="979950" cy="1135781"/>
+              <a:chOff x="3691111" y="3064852"/>
+              <a:chExt cx="979950" cy="1135781"/>
+            </a:xfrm>
+          </p:grpSpPr>
+          <p:pic>
+            <p:nvPicPr>
+              <p:cNvPr id="29" name="グラフィックス 28" descr="ドキュメント 枠線">
+                <a:extLst>
+                  <a:ext uri="{FF2B5EF4-FFF2-40B4-BE49-F238E27FC236}">
+                    <a16:creationId xmlns:a16="http://schemas.microsoft.com/office/drawing/2014/main" id="{564FA044-CC1F-6C62-184B-ACEF8E3E3EED}"/>
+                  </a:ext>
+                </a:extLst>
+              </p:cNvPr>
+              <p:cNvPicPr>
+                <a:picLocks noChangeAspect="1"/>
+              </p:cNvPicPr>
+              <p:nvPr/>
+            </p:nvPicPr>
+            <p:blipFill>
+              <a:blip r:embed="rId2">
+                <a:extLst>
+                  <a:ext uri="{96DAC541-7B7A-43D3-8B79-37D633B846F1}">
+                    <asvg:svgBlip xmlns:asvg="http://schemas.microsoft.com/office/drawing/2016/SVG/main" r:embed="rId4"/>
+                  </a:ext>
+                </a:extLst>
+              </a:blip>
+              <a:stretch>
+                <a:fillRect/>
+              </a:stretch>
+            </p:blipFill>
+            <p:spPr>
+              <a:xfrm>
+                <a:off x="3756661" y="3064852"/>
+                <a:ext cx="914400" cy="914400"/>
+              </a:xfrm>
+              <a:prstGeom prst="rect">
+                <a:avLst/>
+              </a:prstGeom>
+            </p:spPr>
+          </p:pic>
+          <p:pic>
+            <p:nvPicPr>
+              <p:cNvPr id="30" name="図 29">
+                <a:extLst>
+                  <a:ext uri="{FF2B5EF4-FFF2-40B4-BE49-F238E27FC236}">
+                    <a16:creationId xmlns:a16="http://schemas.microsoft.com/office/drawing/2014/main" id="{A89546E2-46E8-865A-AFAC-5BA94AD2B95D}"/>
+                  </a:ext>
+                </a:extLst>
+              </p:cNvPr>
+              <p:cNvPicPr>
+                <a:picLocks noChangeAspect="1"/>
+              </p:cNvPicPr>
+              <p:nvPr/>
+            </p:nvPicPr>
+            <p:blipFill>
+              <a:blip r:embed="rId5"/>
+              <a:stretch>
+                <a:fillRect/>
+              </a:stretch>
+            </p:blipFill>
+            <p:spPr>
+              <a:xfrm>
+                <a:off x="3835266" y="3286233"/>
+                <a:ext cx="562053" cy="771633"/>
+              </a:xfrm>
+              <a:prstGeom prst="rect">
+                <a:avLst/>
+              </a:prstGeom>
+            </p:spPr>
+          </p:pic>
+          <p:pic>
+            <p:nvPicPr>
+              <p:cNvPr id="31" name="図 30">
+                <a:extLst>
+                  <a:ext uri="{FF2B5EF4-FFF2-40B4-BE49-F238E27FC236}">
+                    <a16:creationId xmlns:a16="http://schemas.microsoft.com/office/drawing/2014/main" id="{0476E071-D928-FD74-51B0-97871073A8B2}"/>
+                  </a:ext>
+                </a:extLst>
+              </p:cNvPr>
+              <p:cNvPicPr>
+                <a:picLocks noChangeAspect="1"/>
+              </p:cNvPicPr>
+              <p:nvPr/>
+            </p:nvPicPr>
+            <p:blipFill>
+              <a:blip r:embed="rId5"/>
+              <a:stretch>
+                <a:fillRect/>
+              </a:stretch>
+            </p:blipFill>
+            <p:spPr>
+              <a:xfrm>
+                <a:off x="3691111" y="3429000"/>
+                <a:ext cx="562053" cy="771633"/>
+              </a:xfrm>
+              <a:prstGeom prst="rect">
+                <a:avLst/>
+              </a:prstGeom>
+            </p:spPr>
+          </p:pic>
+        </p:grpSp>
+        <p:sp>
+          <p:nvSpPr>
+            <p:cNvPr id="28" name="テキスト ボックス 27">
+              <a:extLst>
+                <a:ext uri="{FF2B5EF4-FFF2-40B4-BE49-F238E27FC236}">
+                  <a16:creationId xmlns:a16="http://schemas.microsoft.com/office/drawing/2014/main" id="{DDEBB4D6-893B-3D7B-E9CD-94F71B2362D6}"/>
+                </a:ext>
+              </a:extLst>
+            </p:cNvPr>
+            <p:cNvSpPr txBox="1"/>
+            <p:nvPr/>
+          </p:nvSpPr>
+          <p:spPr>
+            <a:xfrm>
+              <a:off x="3534463" y="3069883"/>
+              <a:ext cx="954107" cy="461665"/>
+            </a:xfrm>
+            <a:prstGeom prst="rect">
+              <a:avLst/>
+            </a:prstGeom>
+            <a:noFill/>
+          </p:spPr>
+          <p:txBody>
+            <a:bodyPr wrap="none" rtlCol="0">
+              <a:spAutoFit/>
+            </a:bodyPr>
+            <a:lstStyle/>
+            <a:p>
+              <a:pPr algn="ctr"/>
+              <a:r>
+                <a:rPr kumimoji="1" lang="ja-JP" altLang="en-US" sz="1200" dirty="0">
+                  <a:solidFill>
+                    <a:schemeClr val="tx1"/>
+                  </a:solidFill>
+                </a:rPr>
+                <a:t>更新済み</a:t>
+              </a:r>
+              <a:endParaRPr kumimoji="1" lang="en-US" altLang="ja-JP" sz="1200" dirty="0">
+                <a:solidFill>
+                  <a:schemeClr val="tx1"/>
+                </a:solidFill>
+              </a:endParaRPr>
+            </a:p>
+            <a:p>
+              <a:pPr algn="ctr"/>
+              <a:r>
+                <a:rPr kumimoji="1" lang="ja-JP" altLang="en-US" sz="1200" dirty="0">
+                  <a:solidFill>
+                    <a:schemeClr val="tx1"/>
+                  </a:solidFill>
+                </a:rPr>
+                <a:t>機能仕様書</a:t>
+              </a:r>
+              <a:endParaRPr kumimoji="1" lang="en-US" altLang="ja-JP" sz="1200" dirty="0">
+                <a:solidFill>
+                  <a:schemeClr val="tx1"/>
+                </a:solidFill>
+              </a:endParaRPr>
+            </a:p>
+          </p:txBody>
+        </p:sp>
+      </p:grpSp>
+      <p:sp>
+        <p:nvSpPr>
+          <p:cNvPr id="32" name="矢印: 右 31">
+            <a:extLst>
+              <a:ext uri="{FF2B5EF4-FFF2-40B4-BE49-F238E27FC236}">
+                <a16:creationId xmlns:a16="http://schemas.microsoft.com/office/drawing/2014/main" id="{9F2EB75E-49BA-CFE5-10DE-462861445BA6}"/>
+              </a:ext>
+            </a:extLst>
+          </p:cNvPr>
+          <p:cNvSpPr/>
+          <p:nvPr/>
+        </p:nvSpPr>
+        <p:spPr>
+          <a:xfrm>
+            <a:off x="5332495" y="2349560"/>
+            <a:ext cx="562053" cy="148393"/>
+          </a:xfrm>
+          <a:prstGeom prst="rightArrow">
+            <a:avLst/>
+          </a:prstGeom>
+          <a:solidFill>
+            <a:schemeClr val="tx1">
+              <a:lumMod val="50000"/>
+              <a:lumOff val="50000"/>
+            </a:schemeClr>
+          </a:solidFill>
+          <a:ln>
+            <a:noFill/>
+          </a:ln>
+        </p:spPr>
+        <p:style>
+          <a:lnRef idx="2">
+            <a:schemeClr val="accent1">
+              <a:shade val="50000"/>
+            </a:schemeClr>
+          </a:lnRef>
+          <a:fillRef idx="1">
+            <a:schemeClr val="accent1"/>
+          </a:fillRef>
+          <a:effectRef idx="0">
+            <a:schemeClr val="accent1"/>
+          </a:effectRef>
+          <a:fontRef idx="minor">
+            <a:schemeClr val="lt1"/>
+          </a:fontRef>
+        </p:style>
+        <p:txBody>
+          <a:bodyPr rtlCol="0" anchor="ctr"/>
+          <a:lstStyle/>
+          <a:p>
+            <a:pPr algn="ctr"/>
+            <a:endParaRPr kumimoji="1" lang="ja-JP" altLang="en-US"/>
+          </a:p>
+        </p:txBody>
+      </p:sp>
+      <p:sp>
+        <p:nvSpPr>
+          <p:cNvPr id="33" name="テキスト ボックス 32">
+            <a:extLst>
+              <a:ext uri="{FF2B5EF4-FFF2-40B4-BE49-F238E27FC236}">
+                <a16:creationId xmlns:a16="http://schemas.microsoft.com/office/drawing/2014/main" id="{609E707E-8976-6D8D-5C2C-9AF39C0748EE}"/>
+              </a:ext>
+            </a:extLst>
+          </p:cNvPr>
+          <p:cNvSpPr txBox="1"/>
+          <p:nvPr/>
+        </p:nvSpPr>
+        <p:spPr>
+          <a:xfrm>
+            <a:off x="5013963" y="2072561"/>
+            <a:ext cx="1261884" cy="276999"/>
+          </a:xfrm>
+          <a:prstGeom prst="rect">
+            <a:avLst/>
+          </a:prstGeom>
+          <a:noFill/>
+        </p:spPr>
+        <p:txBody>
+          <a:bodyPr wrap="none" rtlCol="0">
+            <a:spAutoFit/>
+          </a:bodyPr>
+          <a:lstStyle/>
+          <a:p>
+            <a:pPr algn="ctr"/>
+            <a:r>
+              <a:rPr kumimoji="1" lang="ja-JP" altLang="en-US" sz="1200" dirty="0"/>
+              <a:t>機能仕様書更新</a:t>
+            </a:r>
+            <a:endParaRPr kumimoji="1" lang="ja-JP" altLang="en-US" sz="1200" dirty="0">
+              <a:solidFill>
+                <a:schemeClr val="tx1"/>
+              </a:solidFill>
+            </a:endParaRPr>
+          </a:p>
+        </p:txBody>
+      </p:sp>
+      <p:sp>
+        <p:nvSpPr>
+          <p:cNvPr id="34" name="矢印: 右 33">
+            <a:extLst>
+              <a:ext uri="{FF2B5EF4-FFF2-40B4-BE49-F238E27FC236}">
+                <a16:creationId xmlns:a16="http://schemas.microsoft.com/office/drawing/2014/main" id="{AD9FC920-47E4-8CC8-C4AE-410D5FC4018C}"/>
+              </a:ext>
+            </a:extLst>
+          </p:cNvPr>
+          <p:cNvSpPr/>
+          <p:nvPr/>
+        </p:nvSpPr>
+        <p:spPr>
+          <a:xfrm>
+            <a:off x="8033390" y="2349560"/>
+            <a:ext cx="562053" cy="148393"/>
+          </a:xfrm>
+          <a:prstGeom prst="rightArrow">
+            <a:avLst/>
+          </a:prstGeom>
+          <a:solidFill>
+            <a:schemeClr val="tx1">
+              <a:lumMod val="50000"/>
+              <a:lumOff val="50000"/>
+            </a:schemeClr>
+          </a:solidFill>
+          <a:ln>
+            <a:noFill/>
+          </a:ln>
+        </p:spPr>
+        <p:style>
+          <a:lnRef idx="2">
+            <a:schemeClr val="accent1">
+              <a:shade val="50000"/>
+            </a:schemeClr>
+          </a:lnRef>
+          <a:fillRef idx="1">
+            <a:schemeClr val="accent1"/>
+          </a:fillRef>
+          <a:effectRef idx="0">
+            <a:schemeClr val="accent1"/>
+          </a:effectRef>
+          <a:fontRef idx="minor">
+            <a:schemeClr val="lt1"/>
+          </a:fontRef>
+        </p:style>
+        <p:txBody>
+          <a:bodyPr rtlCol="0" anchor="ctr"/>
+          <a:lstStyle/>
+          <a:p>
+            <a:pPr algn="ctr"/>
+            <a:endParaRPr kumimoji="1" lang="ja-JP" altLang="en-US"/>
+          </a:p>
+        </p:txBody>
+      </p:sp>
+      <p:sp>
+        <p:nvSpPr>
+          <p:cNvPr id="35" name="テキスト ボックス 34">
+            <a:extLst>
+              <a:ext uri="{FF2B5EF4-FFF2-40B4-BE49-F238E27FC236}">
+                <a16:creationId xmlns:a16="http://schemas.microsoft.com/office/drawing/2014/main" id="{E10FC3C1-A913-C3ED-1D07-F8383C8B6CB2}"/>
+              </a:ext>
+            </a:extLst>
+          </p:cNvPr>
+          <p:cNvSpPr txBox="1"/>
+          <p:nvPr/>
+        </p:nvSpPr>
+        <p:spPr>
+          <a:xfrm>
+            <a:off x="7714860" y="2072561"/>
+            <a:ext cx="1261884" cy="276999"/>
+          </a:xfrm>
+          <a:prstGeom prst="rect">
+            <a:avLst/>
+          </a:prstGeom>
+          <a:noFill/>
+        </p:spPr>
+        <p:txBody>
+          <a:bodyPr wrap="none" rtlCol="0">
+            <a:spAutoFit/>
+          </a:bodyPr>
+          <a:lstStyle/>
+          <a:p>
+            <a:pPr algn="ctr"/>
+            <a:r>
+              <a:rPr kumimoji="1" lang="ja-JP" altLang="en-US" sz="1200" dirty="0"/>
+              <a:t>改造</a:t>
+            </a:r>
+            <a:r>
+              <a:rPr kumimoji="1" lang="ja-JP" altLang="en-US" sz="1200" dirty="0">
+                <a:solidFill>
+                  <a:schemeClr val="tx1"/>
+                </a:solidFill>
+              </a:rPr>
+              <a:t>シート作成</a:t>
+            </a:r>
+          </a:p>
+        </p:txBody>
+      </p:sp>
+      <p:grpSp>
+        <p:nvGrpSpPr>
+          <p:cNvPr id="36" name="グループ化 35">
+            <a:extLst>
+              <a:ext uri="{FF2B5EF4-FFF2-40B4-BE49-F238E27FC236}">
+                <a16:creationId xmlns:a16="http://schemas.microsoft.com/office/drawing/2014/main" id="{626C96C7-C56E-0CBF-B322-F0334BF0ADC3}"/>
+              </a:ext>
+            </a:extLst>
+          </p:cNvPr>
+          <p:cNvGrpSpPr/>
+          <p:nvPr/>
+        </p:nvGrpSpPr>
+        <p:grpSpPr>
+          <a:xfrm>
+            <a:off x="9156518" y="1833509"/>
+            <a:ext cx="954107" cy="1139188"/>
+            <a:chOff x="798705" y="2189742"/>
+            <a:chExt cx="954107" cy="1139188"/>
+          </a:xfrm>
+        </p:grpSpPr>
+        <p:pic>
+          <p:nvPicPr>
+            <p:cNvPr id="37" name="グラフィックス 36" descr="ドキュメント 枠線">
+              <a:extLst>
+                <a:ext uri="{FF2B5EF4-FFF2-40B4-BE49-F238E27FC236}">
+                  <a16:creationId xmlns:a16="http://schemas.microsoft.com/office/drawing/2014/main" id="{F143DBB0-C64C-6C6B-45F4-71C5472F1502}"/>
+                </a:ext>
+              </a:extLst>
+            </p:cNvPr>
+            <p:cNvPicPr>
+              <a:picLocks noChangeAspect="1"/>
+            </p:cNvPicPr>
+            <p:nvPr/>
+          </p:nvPicPr>
+          <p:blipFill>
+            <a:blip r:embed="rId2">
+              <a:extLst>
+                <a:ext uri="{96DAC541-7B7A-43D3-8B79-37D633B846F1}">
+                  <asvg:svgBlip xmlns:asvg="http://schemas.microsoft.com/office/drawing/2016/SVG/main" r:embed="rId3"/>
+                </a:ext>
+              </a:extLst>
+            </a:blip>
+            <a:stretch>
+              <a:fillRect/>
+            </a:stretch>
+          </p:blipFill>
+          <p:spPr>
+            <a:xfrm>
+              <a:off x="838412" y="2189742"/>
+              <a:ext cx="914400" cy="914400"/>
+            </a:xfrm>
+            <a:prstGeom prst="rect">
+              <a:avLst/>
+            </a:prstGeom>
+          </p:spPr>
+        </p:pic>
+        <p:sp>
+          <p:nvSpPr>
+            <p:cNvPr id="38" name="テキスト ボックス 37">
+              <a:extLst>
+                <a:ext uri="{FF2B5EF4-FFF2-40B4-BE49-F238E27FC236}">
+                  <a16:creationId xmlns:a16="http://schemas.microsoft.com/office/drawing/2014/main" id="{0668A58B-E097-E74C-82F7-D3526642C91E}"/>
+                </a:ext>
+              </a:extLst>
+            </p:cNvPr>
+            <p:cNvSpPr txBox="1"/>
+            <p:nvPr/>
+          </p:nvSpPr>
+          <p:spPr>
+            <a:xfrm>
+              <a:off x="798705" y="3051931"/>
+              <a:ext cx="954107" cy="276999"/>
+            </a:xfrm>
+            <a:prstGeom prst="rect">
+              <a:avLst/>
+            </a:prstGeom>
+            <a:noFill/>
+          </p:spPr>
+          <p:txBody>
+            <a:bodyPr wrap="none" rtlCol="0">
+              <a:spAutoFit/>
+            </a:bodyPr>
+            <a:lstStyle/>
+            <a:p>
+              <a:r>
+                <a:rPr kumimoji="1" lang="ja-JP" altLang="en-US" sz="1200" dirty="0"/>
+                <a:t>改造シート</a:t>
+              </a:r>
+            </a:p>
+          </p:txBody>
+        </p:sp>
+      </p:grpSp>
+      <p:sp>
+        <p:nvSpPr>
+          <p:cNvPr id="39" name="四角形: 角を丸くする 38">
+            <a:extLst>
+              <a:ext uri="{FF2B5EF4-FFF2-40B4-BE49-F238E27FC236}">
+                <a16:creationId xmlns:a16="http://schemas.microsoft.com/office/drawing/2014/main" id="{D463107F-F52E-302D-8B3D-C3AAB20F6403}"/>
+              </a:ext>
+            </a:extLst>
+          </p:cNvPr>
+          <p:cNvSpPr/>
+          <p:nvPr/>
+        </p:nvSpPr>
+        <p:spPr>
+          <a:xfrm>
+            <a:off x="2483064" y="1034816"/>
+            <a:ext cx="2475892" cy="2471284"/>
+          </a:xfrm>
+          <a:prstGeom prst="roundRect">
+            <a:avLst>
+              <a:gd name="adj" fmla="val 8547"/>
+            </a:avLst>
+          </a:prstGeom>
+          <a:noFill/>
+          <a:ln w="19050">
+            <a:solidFill>
+              <a:srgbClr val="C00000"/>
+            </a:solidFill>
+            <a:prstDash val="dash"/>
+          </a:ln>
+        </p:spPr>
+        <p:style>
+          <a:lnRef idx="2">
+            <a:schemeClr val="accent1">
+              <a:shade val="50000"/>
+            </a:schemeClr>
+          </a:lnRef>
+          <a:fillRef idx="1">
+            <a:schemeClr val="accent1"/>
+          </a:fillRef>
+          <a:effectRef idx="0">
+            <a:schemeClr val="accent1"/>
+          </a:effectRef>
+          <a:fontRef idx="minor">
+            <a:schemeClr val="lt1"/>
+          </a:fontRef>
+        </p:style>
+        <p:txBody>
+          <a:bodyPr rtlCol="0" anchor="ctr"/>
+          <a:lstStyle/>
+          <a:p>
+            <a:pPr algn="ctr"/>
+            <a:endParaRPr kumimoji="1" lang="ja-JP" altLang="en-US"/>
+          </a:p>
+        </p:txBody>
+      </p:sp>
+      <p:sp>
+        <p:nvSpPr>
+          <p:cNvPr id="40" name="四角形: 角を丸くする 39">
+            <a:extLst>
+              <a:ext uri="{FF2B5EF4-FFF2-40B4-BE49-F238E27FC236}">
+                <a16:creationId xmlns:a16="http://schemas.microsoft.com/office/drawing/2014/main" id="{12E4947A-DFA5-3198-B834-9F3D92F5BB6B}"/>
+              </a:ext>
+            </a:extLst>
+          </p:cNvPr>
+          <p:cNvSpPr/>
+          <p:nvPr/>
+        </p:nvSpPr>
+        <p:spPr>
+          <a:xfrm>
+            <a:off x="6296925" y="1053866"/>
+            <a:ext cx="3961500" cy="2471284"/>
+          </a:xfrm>
+          <a:prstGeom prst="roundRect">
+            <a:avLst>
+              <a:gd name="adj" fmla="val 8547"/>
+            </a:avLst>
+          </a:prstGeom>
+          <a:noFill/>
+          <a:ln w="19050">
+            <a:solidFill>
+              <a:srgbClr val="C00000"/>
+            </a:solidFill>
+            <a:prstDash val="dash"/>
+          </a:ln>
+        </p:spPr>
+        <p:style>
+          <a:lnRef idx="2">
+            <a:schemeClr val="accent1">
+              <a:shade val="50000"/>
+            </a:schemeClr>
+          </a:lnRef>
+          <a:fillRef idx="1">
+            <a:schemeClr val="accent1"/>
+          </a:fillRef>
+          <a:effectRef idx="0">
+            <a:schemeClr val="accent1"/>
+          </a:effectRef>
+          <a:fontRef idx="minor">
+            <a:schemeClr val="lt1"/>
+          </a:fontRef>
+        </p:style>
+        <p:txBody>
+          <a:bodyPr rtlCol="0" anchor="ctr"/>
+          <a:lstStyle/>
+          <a:p>
+            <a:pPr algn="ctr"/>
+            <a:endParaRPr kumimoji="1" lang="ja-JP" altLang="en-US"/>
+          </a:p>
+        </p:txBody>
+      </p:sp>
+      <p:sp>
+        <p:nvSpPr>
+          <p:cNvPr id="41" name="テキスト ボックス 40">
+            <a:extLst>
+              <a:ext uri="{FF2B5EF4-FFF2-40B4-BE49-F238E27FC236}">
+                <a16:creationId xmlns:a16="http://schemas.microsoft.com/office/drawing/2014/main" id="{BFC194DB-81F4-C1B1-0C71-6E6EEB32ABB6}"/>
+              </a:ext>
+            </a:extLst>
+          </p:cNvPr>
+          <p:cNvSpPr txBox="1"/>
+          <p:nvPr/>
+        </p:nvSpPr>
+        <p:spPr>
+          <a:xfrm>
+            <a:off x="2798851" y="1071940"/>
+            <a:ext cx="1877437" cy="276999"/>
+          </a:xfrm>
+          <a:prstGeom prst="rect">
+            <a:avLst/>
+          </a:prstGeom>
+          <a:noFill/>
+        </p:spPr>
+        <p:txBody>
+          <a:bodyPr wrap="none" rtlCol="0">
+            <a:spAutoFit/>
+          </a:bodyPr>
+          <a:lstStyle/>
+          <a:p>
+            <a:r>
+              <a:rPr kumimoji="1" lang="ja-JP" altLang="en-US" sz="1200" dirty="0">
+                <a:solidFill>
+                  <a:srgbClr val="C00000"/>
+                </a:solidFill>
+              </a:rPr>
+              <a:t>更新対象を探すのが大変</a:t>
             </a:r>
           </a:p>
         </p:txBody>
       </p:sp>
       <p:sp>
         <p:nvSpPr>
-          <p:cNvPr id="3" name="コンテンツ プレースホルダー 2">
+          <p:cNvPr id="42" name="テキスト ボックス 41">
             <a:extLst>
               <a:ext uri="{FF2B5EF4-FFF2-40B4-BE49-F238E27FC236}">
-                <a16:creationId xmlns:a16="http://schemas.microsoft.com/office/drawing/2014/main" id="{DB1395F8-CC0E-3A4C-264C-CEC9CE560D78}"/>
+                <a16:creationId xmlns:a16="http://schemas.microsoft.com/office/drawing/2014/main" id="{D86E0E75-DC0E-174B-9727-43D94590878E}"/>
               </a:ext>
             </a:extLst>
           </p:cNvPr>
-          <p:cNvSpPr>
-            <a:spLocks noGrp="1"/>
-          </p:cNvSpPr>
-          <p:nvPr>
-            <p:ph type="body" sz="quarter" idx="10"/>
-          </p:nvPr>
+          <p:cNvSpPr txBox="1"/>
+          <p:nvPr/>
         </p:nvSpPr>
-        <p:spPr/>
+        <p:spPr>
+          <a:xfrm>
+            <a:off x="7405640" y="1071940"/>
+            <a:ext cx="1723549" cy="276999"/>
+          </a:xfrm>
+          <a:prstGeom prst="rect">
+            <a:avLst/>
+          </a:prstGeom>
+          <a:noFill/>
+        </p:spPr>
         <p:txBody>
-          <a:bodyPr>
-            <a:normAutofit/>
+          <a:bodyPr wrap="none" rtlCol="0">
+            <a:spAutoFit/>
           </a:bodyPr>
           <a:lstStyle/>
           <a:p>
             <a:r>
-              <a:rPr lang="ja-JP" altLang="en-US" sz="2000" dirty="0"/>
-              <a:t>開発テーマ</a:t>
+              <a:rPr kumimoji="1" lang="ja-JP" altLang="en-US" sz="1200" dirty="0">
+                <a:solidFill>
+                  <a:srgbClr val="C00000"/>
+                </a:solidFill>
+              </a:rPr>
+              <a:t>改造シート作成の手間</a:t>
+            </a:r>
+          </a:p>
+        </p:txBody>
+      </p:sp>
+      <p:pic>
+        <p:nvPicPr>
+          <p:cNvPr id="44" name="グラフィックス 43" descr="ユーザー 単色塗りつぶし">
+            <a:extLst>
+              <a:ext uri="{FF2B5EF4-FFF2-40B4-BE49-F238E27FC236}">
+                <a16:creationId xmlns:a16="http://schemas.microsoft.com/office/drawing/2014/main" id="{488F9603-5497-3F25-A03A-533D28238454}"/>
+              </a:ext>
+            </a:extLst>
+          </p:cNvPr>
+          <p:cNvPicPr>
+            <a:picLocks noChangeAspect="1"/>
+          </p:cNvPicPr>
+          <p:nvPr/>
+        </p:nvPicPr>
+        <p:blipFill>
+          <a:blip r:embed="rId6">
+            <a:extLst>
+              <a:ext uri="{96DAC541-7B7A-43D3-8B79-37D633B846F1}">
+                <asvg:svgBlip xmlns:asvg="http://schemas.microsoft.com/office/drawing/2016/SVG/main" r:embed="rId7"/>
+              </a:ext>
+            </a:extLst>
+          </a:blip>
+          <a:stretch>
+            <a:fillRect/>
+          </a:stretch>
+        </p:blipFill>
+        <p:spPr>
+          <a:xfrm>
+            <a:off x="10001126" y="4340755"/>
+            <a:ext cx="622031" cy="622031"/>
+          </a:xfrm>
+          <a:prstGeom prst="rect">
+            <a:avLst/>
+          </a:prstGeom>
+        </p:spPr>
+      </p:pic>
+      <p:sp>
+        <p:nvSpPr>
+          <p:cNvPr id="45" name="吹き出し: 角を丸めた四角形 44">
+            <a:extLst>
+              <a:ext uri="{FF2B5EF4-FFF2-40B4-BE49-F238E27FC236}">
+                <a16:creationId xmlns:a16="http://schemas.microsoft.com/office/drawing/2014/main" id="{57CD619D-BC10-0F59-2970-602D5EDC434D}"/>
+              </a:ext>
+            </a:extLst>
+          </p:cNvPr>
+          <p:cNvSpPr/>
+          <p:nvPr/>
+        </p:nvSpPr>
+        <p:spPr>
+          <a:xfrm>
+            <a:off x="6706716" y="3657015"/>
+            <a:ext cx="3432685" cy="817496"/>
+          </a:xfrm>
+          <a:prstGeom prst="wedgeRoundRectCallout">
+            <a:avLst>
+              <a:gd name="adj1" fmla="val 46137"/>
+              <a:gd name="adj2" fmla="val 66988"/>
+              <a:gd name="adj3" fmla="val 16667"/>
+            </a:avLst>
+          </a:prstGeom>
+          <a:noFill/>
+          <a:ln w="12700">
+            <a:solidFill>
+              <a:schemeClr val="tx1"/>
+            </a:solidFill>
+          </a:ln>
+        </p:spPr>
+        <p:style>
+          <a:lnRef idx="2">
+            <a:schemeClr val="accent1">
+              <a:shade val="50000"/>
+            </a:schemeClr>
+          </a:lnRef>
+          <a:fillRef idx="1">
+            <a:schemeClr val="accent1"/>
+          </a:fillRef>
+          <a:effectRef idx="0">
+            <a:schemeClr val="accent1"/>
+          </a:effectRef>
+          <a:fontRef idx="minor">
+            <a:schemeClr val="lt1"/>
+          </a:fontRef>
+        </p:style>
+        <p:txBody>
+          <a:bodyPr rtlCol="0" anchor="t"/>
+          <a:lstStyle/>
+          <a:p>
+            <a:r>
+              <a:rPr kumimoji="1" lang="ja-JP" altLang="en-US" sz="1200" dirty="0">
+                <a:solidFill>
+                  <a:schemeClr val="tx1"/>
+                </a:solidFill>
+              </a:rPr>
+              <a:t>「</a:t>
             </a:r>
             <a:r>
-              <a:rPr lang="en-US" altLang="ja-JP" sz="2000" dirty="0"/>
-              <a:t>ID</a:t>
+              <a:rPr kumimoji="1" lang="en-US" altLang="ja-JP" sz="1200" dirty="0">
+                <a:solidFill>
+                  <a:schemeClr val="tx1"/>
+                </a:solidFill>
+              </a:rPr>
+              <a:t>LB</a:t>
+            </a:r>
+            <a:r>
+              <a:rPr kumimoji="1" lang="ja-JP" altLang="en-US" sz="1200" dirty="0">
+                <a:solidFill>
+                  <a:schemeClr val="tx1"/>
+                </a:solidFill>
+              </a:rPr>
+              <a:t>、補正値ファイル、</a:t>
+            </a:r>
+            <a:r>
+              <a:rPr kumimoji="1" lang="en-US" altLang="ja-JP" sz="1200" dirty="0">
+                <a:solidFill>
+                  <a:schemeClr val="tx1"/>
+                </a:solidFill>
+              </a:rPr>
+              <a:t>…</a:t>
+            </a:r>
+            <a:r>
+              <a:rPr kumimoji="1" lang="ja-JP" altLang="en-US" sz="1200" dirty="0">
+                <a:solidFill>
+                  <a:schemeClr val="tx1"/>
+                </a:solidFill>
+              </a:rPr>
+              <a:t>」について記述のある機能仕様書の最新バージョンでの変更についてまとめて下さい。</a:t>
+            </a:r>
+          </a:p>
+        </p:txBody>
+      </p:sp>
+      <p:pic>
+        <p:nvPicPr>
+          <p:cNvPr id="47" name="グラフィックス 46" descr="人工知能 枠線">
+            <a:extLst>
+              <a:ext uri="{FF2B5EF4-FFF2-40B4-BE49-F238E27FC236}">
+                <a16:creationId xmlns:a16="http://schemas.microsoft.com/office/drawing/2014/main" id="{BF105C1F-6961-111E-7951-35F96B9DDF7F}"/>
+              </a:ext>
+            </a:extLst>
+          </p:cNvPr>
+          <p:cNvPicPr>
+            <a:picLocks noChangeAspect="1"/>
+          </p:cNvPicPr>
+          <p:nvPr/>
+        </p:nvPicPr>
+        <p:blipFill>
+          <a:blip r:embed="rId8">
+            <a:extLst>
+              <a:ext uri="{96DAC541-7B7A-43D3-8B79-37D633B846F1}">
+                <asvg:svgBlip xmlns:asvg="http://schemas.microsoft.com/office/drawing/2016/SVG/main" r:embed="rId9"/>
+              </a:ext>
+            </a:extLst>
+          </a:blip>
+          <a:stretch>
+            <a:fillRect/>
+          </a:stretch>
+        </p:blipFill>
+        <p:spPr>
+          <a:xfrm>
+            <a:off x="6296925" y="5788285"/>
+            <a:ext cx="545840" cy="545840"/>
+          </a:xfrm>
+          <a:prstGeom prst="rect">
+            <a:avLst/>
+          </a:prstGeom>
+        </p:spPr>
+      </p:pic>
+      <p:sp>
+        <p:nvSpPr>
+          <p:cNvPr id="48" name="吹き出し: 角を丸めた四角形 47">
+            <a:extLst>
+              <a:ext uri="{FF2B5EF4-FFF2-40B4-BE49-F238E27FC236}">
+                <a16:creationId xmlns:a16="http://schemas.microsoft.com/office/drawing/2014/main" id="{B5EEBC61-EE40-02BD-E2B5-987FBA66FF4E}"/>
+              </a:ext>
+            </a:extLst>
+          </p:cNvPr>
+          <p:cNvSpPr/>
+          <p:nvPr/>
+        </p:nvSpPr>
+        <p:spPr>
+          <a:xfrm>
+            <a:off x="6425690" y="4616248"/>
+            <a:ext cx="2423035" cy="1042491"/>
+          </a:xfrm>
+          <a:prstGeom prst="wedgeRoundRectCallout">
+            <a:avLst>
+              <a:gd name="adj1" fmla="val -40737"/>
+              <a:gd name="adj2" fmla="val 62327"/>
+              <a:gd name="adj3" fmla="val 16667"/>
+            </a:avLst>
+          </a:prstGeom>
+          <a:noFill/>
+          <a:ln w="12700">
+            <a:solidFill>
+              <a:schemeClr val="tx1"/>
+            </a:solidFill>
+          </a:ln>
+        </p:spPr>
+        <p:style>
+          <a:lnRef idx="2">
+            <a:schemeClr val="accent1">
+              <a:shade val="50000"/>
+            </a:schemeClr>
+          </a:lnRef>
+          <a:fillRef idx="1">
+            <a:schemeClr val="accent1"/>
+          </a:fillRef>
+          <a:effectRef idx="0">
+            <a:schemeClr val="accent1"/>
+          </a:effectRef>
+          <a:fontRef idx="minor">
+            <a:schemeClr val="lt1"/>
+          </a:fontRef>
+        </p:style>
+        <p:txBody>
+          <a:bodyPr rtlCol="0" anchor="t"/>
+          <a:lstStyle/>
+          <a:p>
+            <a:pPr marL="171450" indent="-171450">
+              <a:buFont typeface="Wingdings" panose="05000000000000000000" pitchFamily="2" charset="2"/>
+              <a:buChar char="l"/>
+            </a:pPr>
+            <a:r>
+              <a:rPr kumimoji="1" lang="en-US" altLang="ja-JP" sz="1200" dirty="0">
+                <a:solidFill>
+                  <a:schemeClr val="tx1"/>
+                </a:solidFill>
+              </a:rPr>
+              <a:t>XXX aaa.xlsx</a:t>
+            </a:r>
+          </a:p>
+          <a:p>
+            <a:pPr marL="628650" lvl="1" indent="-171450">
+              <a:buFont typeface="Arial" panose="020B0604020202020204" pitchFamily="34" charset="0"/>
+              <a:buChar char="•"/>
+            </a:pPr>
+            <a:r>
+              <a:rPr kumimoji="1" lang="ja-JP" altLang="en-US" sz="1200" dirty="0">
+                <a:solidFill>
+                  <a:schemeClr val="tx1"/>
+                </a:solidFill>
+              </a:rPr>
+              <a:t>仕様書ファイルパス</a:t>
+            </a:r>
+            <a:endParaRPr kumimoji="1" lang="en-US" altLang="ja-JP" sz="1200" dirty="0">
+              <a:solidFill>
+                <a:schemeClr val="tx1"/>
+              </a:solidFill>
+            </a:endParaRPr>
+          </a:p>
+          <a:p>
+            <a:pPr marL="628650" lvl="1" indent="-171450">
+              <a:buFont typeface="Arial" panose="020B0604020202020204" pitchFamily="34" charset="0"/>
+              <a:buChar char="•"/>
+            </a:pPr>
+            <a:r>
+              <a:rPr kumimoji="1" lang="ja-JP" altLang="en-US" sz="1200" dirty="0">
+                <a:solidFill>
+                  <a:schemeClr val="tx1"/>
+                </a:solidFill>
+              </a:rPr>
+              <a:t>バージョン</a:t>
+            </a:r>
+            <a:endParaRPr kumimoji="1" lang="en-US" altLang="ja-JP" sz="1200" dirty="0">
+              <a:solidFill>
+                <a:schemeClr val="tx1"/>
+              </a:solidFill>
+            </a:endParaRPr>
+          </a:p>
+          <a:p>
+            <a:pPr marL="628650" lvl="1" indent="-171450">
+              <a:buFont typeface="Arial" panose="020B0604020202020204" pitchFamily="34" charset="0"/>
+              <a:buChar char="•"/>
+            </a:pPr>
+            <a:r>
+              <a:rPr kumimoji="1" lang="ja-JP" altLang="en-US" sz="1200" dirty="0">
+                <a:solidFill>
+                  <a:schemeClr val="tx1"/>
+                </a:solidFill>
+              </a:rPr>
+              <a:t>変更シート</a:t>
+            </a:r>
+            <a:endParaRPr kumimoji="1" lang="en-US" altLang="ja-JP" sz="1200" dirty="0">
+              <a:solidFill>
+                <a:schemeClr val="tx1"/>
+              </a:solidFill>
+            </a:endParaRPr>
+          </a:p>
+          <a:p>
+            <a:pPr marL="628650" lvl="1" indent="-171450">
+              <a:buFont typeface="Arial" panose="020B0604020202020204" pitchFamily="34" charset="0"/>
+              <a:buChar char="•"/>
+            </a:pPr>
+            <a:r>
+              <a:rPr kumimoji="1" lang="ja-JP" altLang="en-US" sz="1200" dirty="0">
+                <a:solidFill>
+                  <a:schemeClr val="tx1"/>
+                </a:solidFill>
+              </a:rPr>
+              <a:t>変更内容</a:t>
+            </a:r>
+            <a:endParaRPr kumimoji="1" lang="en-US" altLang="ja-JP" sz="1200" dirty="0">
+              <a:solidFill>
+                <a:schemeClr val="tx1"/>
+              </a:solidFill>
+            </a:endParaRPr>
+          </a:p>
+        </p:txBody>
+      </p:sp>
+      <p:sp>
+        <p:nvSpPr>
+          <p:cNvPr id="49" name="テキスト ボックス 48">
+            <a:extLst>
+              <a:ext uri="{FF2B5EF4-FFF2-40B4-BE49-F238E27FC236}">
+                <a16:creationId xmlns:a16="http://schemas.microsoft.com/office/drawing/2014/main" id="{E45F6367-A7AE-794E-B85B-F32204F942AB}"/>
+              </a:ext>
+            </a:extLst>
+          </p:cNvPr>
+          <p:cNvSpPr txBox="1"/>
+          <p:nvPr/>
+        </p:nvSpPr>
+        <p:spPr>
+          <a:xfrm>
+            <a:off x="9988977" y="4889983"/>
+            <a:ext cx="646331" cy="276999"/>
+          </a:xfrm>
+          <a:prstGeom prst="rect">
+            <a:avLst/>
+          </a:prstGeom>
+          <a:noFill/>
+        </p:spPr>
+        <p:txBody>
+          <a:bodyPr wrap="none" rtlCol="0">
+            <a:spAutoFit/>
+          </a:bodyPr>
+          <a:lstStyle/>
+          <a:p>
+            <a:pPr algn="ctr"/>
+            <a:r>
+              <a:rPr kumimoji="1" lang="ja-JP" altLang="en-US" sz="1200" dirty="0">
+                <a:solidFill>
+                  <a:schemeClr val="tx1"/>
+                </a:solidFill>
+              </a:rPr>
+              <a:t>担当者</a:t>
+            </a:r>
+          </a:p>
+        </p:txBody>
+      </p:sp>
+      <p:sp>
+        <p:nvSpPr>
+          <p:cNvPr id="50" name="テキスト ボックス 49">
+            <a:extLst>
+              <a:ext uri="{FF2B5EF4-FFF2-40B4-BE49-F238E27FC236}">
+                <a16:creationId xmlns:a16="http://schemas.microsoft.com/office/drawing/2014/main" id="{EE91B825-6108-71C0-D69E-056F23BCFF0F}"/>
+              </a:ext>
+            </a:extLst>
+          </p:cNvPr>
+          <p:cNvSpPr txBox="1"/>
+          <p:nvPr/>
+        </p:nvSpPr>
+        <p:spPr>
+          <a:xfrm>
+            <a:off x="5943711" y="6325171"/>
+            <a:ext cx="1252267" cy="276999"/>
+          </a:xfrm>
+          <a:prstGeom prst="rect">
+            <a:avLst/>
+          </a:prstGeom>
+          <a:noFill/>
+        </p:spPr>
+        <p:txBody>
+          <a:bodyPr wrap="none" rtlCol="0">
+            <a:spAutoFit/>
+          </a:bodyPr>
+          <a:lstStyle/>
+          <a:p>
+            <a:pPr algn="ctr"/>
+            <a:r>
+              <a:rPr kumimoji="1" lang="en-US" altLang="ja-JP" sz="1200" dirty="0">
+                <a:solidFill>
+                  <a:schemeClr val="tx1"/>
+                </a:solidFill>
+              </a:rPr>
+              <a:t>AI</a:t>
+            </a:r>
+            <a:r>
+              <a:rPr kumimoji="1" lang="ja-JP" altLang="en-US" sz="1200" dirty="0">
+                <a:solidFill>
+                  <a:schemeClr val="tx1"/>
+                </a:solidFill>
+              </a:rPr>
+              <a:t>エージェント</a:t>
+            </a:r>
+          </a:p>
+        </p:txBody>
+      </p:sp>
+      <p:pic>
+        <p:nvPicPr>
+          <p:cNvPr id="53" name="グラフィックス 52" descr="ユーザー 単色塗りつぶし">
+            <a:extLst>
+              <a:ext uri="{FF2B5EF4-FFF2-40B4-BE49-F238E27FC236}">
+                <a16:creationId xmlns:a16="http://schemas.microsoft.com/office/drawing/2014/main" id="{D30282F9-84B7-2224-A7A0-32073EA1D171}"/>
+              </a:ext>
+            </a:extLst>
+          </p:cNvPr>
+          <p:cNvPicPr>
+            <a:picLocks noChangeAspect="1"/>
+          </p:cNvPicPr>
+          <p:nvPr/>
+        </p:nvPicPr>
+        <p:blipFill>
+          <a:blip r:embed="rId6">
+            <a:extLst>
+              <a:ext uri="{96DAC541-7B7A-43D3-8B79-37D633B846F1}">
+                <asvg:svgBlip xmlns:asvg="http://schemas.microsoft.com/office/drawing/2016/SVG/main" r:embed="rId7"/>
+              </a:ext>
+            </a:extLst>
+          </a:blip>
+          <a:stretch>
+            <a:fillRect/>
+          </a:stretch>
+        </p:blipFill>
+        <p:spPr>
+          <a:xfrm>
+            <a:off x="4692645" y="4305232"/>
+            <a:ext cx="622031" cy="622031"/>
+          </a:xfrm>
+          <a:prstGeom prst="rect">
+            <a:avLst/>
+          </a:prstGeom>
+        </p:spPr>
+      </p:pic>
+      <p:sp>
+        <p:nvSpPr>
+          <p:cNvPr id="54" name="吹き出し: 角を丸めた四角形 53">
+            <a:extLst>
+              <a:ext uri="{FF2B5EF4-FFF2-40B4-BE49-F238E27FC236}">
+                <a16:creationId xmlns:a16="http://schemas.microsoft.com/office/drawing/2014/main" id="{99FDAAB6-D5CA-A3E0-F047-C70AA8C7B8DD}"/>
+              </a:ext>
+            </a:extLst>
+          </p:cNvPr>
+          <p:cNvSpPr/>
+          <p:nvPr/>
+        </p:nvSpPr>
+        <p:spPr>
+          <a:xfrm>
+            <a:off x="2390190" y="3691028"/>
+            <a:ext cx="2694758" cy="492975"/>
+          </a:xfrm>
+          <a:prstGeom prst="wedgeRoundRectCallout">
+            <a:avLst>
+              <a:gd name="adj1" fmla="val 36947"/>
+              <a:gd name="adj2" fmla="val 63913"/>
+              <a:gd name="adj3" fmla="val 16667"/>
+            </a:avLst>
+          </a:prstGeom>
+          <a:noFill/>
+          <a:ln w="12700">
+            <a:solidFill>
+              <a:schemeClr val="tx1"/>
+            </a:solidFill>
+          </a:ln>
+        </p:spPr>
+        <p:style>
+          <a:lnRef idx="2">
+            <a:schemeClr val="accent1">
+              <a:shade val="50000"/>
+            </a:schemeClr>
+          </a:lnRef>
+          <a:fillRef idx="1">
+            <a:schemeClr val="accent1"/>
+          </a:fillRef>
+          <a:effectRef idx="0">
+            <a:schemeClr val="accent1"/>
+          </a:effectRef>
+          <a:fontRef idx="minor">
+            <a:schemeClr val="lt1"/>
+          </a:fontRef>
+        </p:style>
+        <p:txBody>
+          <a:bodyPr rtlCol="0" anchor="t"/>
+          <a:lstStyle/>
+          <a:p>
+            <a:r>
+              <a:rPr kumimoji="1" lang="ja-JP" altLang="en-US" sz="1200" dirty="0">
+                <a:solidFill>
+                  <a:schemeClr val="tx1"/>
+                </a:solidFill>
+              </a:rPr>
+              <a:t>要件に関連のありそうな機能仕様書を挙げてください。</a:t>
+            </a:r>
+          </a:p>
+        </p:txBody>
+      </p:sp>
+      <p:pic>
+        <p:nvPicPr>
+          <p:cNvPr id="55" name="グラフィックス 54" descr="人工知能 枠線">
+            <a:extLst>
+              <a:ext uri="{FF2B5EF4-FFF2-40B4-BE49-F238E27FC236}">
+                <a16:creationId xmlns:a16="http://schemas.microsoft.com/office/drawing/2014/main" id="{09D086A6-2A7A-B9A4-DF3B-9F8A7F1B3C1D}"/>
+              </a:ext>
+            </a:extLst>
+          </p:cNvPr>
+          <p:cNvPicPr>
+            <a:picLocks noChangeAspect="1"/>
+          </p:cNvPicPr>
+          <p:nvPr/>
+        </p:nvPicPr>
+        <p:blipFill>
+          <a:blip r:embed="rId8">
+            <a:extLst>
+              <a:ext uri="{96DAC541-7B7A-43D3-8B79-37D633B846F1}">
+                <asvg:svgBlip xmlns:asvg="http://schemas.microsoft.com/office/drawing/2016/SVG/main" r:embed="rId9"/>
+              </a:ext>
+            </a:extLst>
+          </a:blip>
+          <a:stretch>
+            <a:fillRect/>
+          </a:stretch>
+        </p:blipFill>
+        <p:spPr>
+          <a:xfrm>
+            <a:off x="2390190" y="5788285"/>
+            <a:ext cx="545840" cy="545840"/>
+          </a:xfrm>
+          <a:prstGeom prst="rect">
+            <a:avLst/>
+          </a:prstGeom>
+        </p:spPr>
+      </p:pic>
+      <p:sp>
+        <p:nvSpPr>
+          <p:cNvPr id="56" name="吹き出し: 角を丸めた四角形 55">
+            <a:extLst>
+              <a:ext uri="{FF2B5EF4-FFF2-40B4-BE49-F238E27FC236}">
+                <a16:creationId xmlns:a16="http://schemas.microsoft.com/office/drawing/2014/main" id="{4A992430-0DB3-DCD7-21CC-50DB97AA8ECD}"/>
+              </a:ext>
+            </a:extLst>
+          </p:cNvPr>
+          <p:cNvSpPr/>
+          <p:nvPr/>
+        </p:nvSpPr>
+        <p:spPr>
+          <a:xfrm>
+            <a:off x="2390190" y="4994119"/>
+            <a:ext cx="1807546" cy="720367"/>
+          </a:xfrm>
+          <a:prstGeom prst="wedgeRoundRectCallout">
+            <a:avLst>
+              <a:gd name="adj1" fmla="val -40737"/>
+              <a:gd name="adj2" fmla="val 62327"/>
+              <a:gd name="adj3" fmla="val 16667"/>
+            </a:avLst>
+          </a:prstGeom>
+          <a:noFill/>
+          <a:ln w="12700">
+            <a:solidFill>
+              <a:schemeClr val="tx1"/>
+            </a:solidFill>
+          </a:ln>
+        </p:spPr>
+        <p:style>
+          <a:lnRef idx="2">
+            <a:schemeClr val="accent1">
+              <a:shade val="50000"/>
+            </a:schemeClr>
+          </a:lnRef>
+          <a:fillRef idx="1">
+            <a:schemeClr val="accent1"/>
+          </a:fillRef>
+          <a:effectRef idx="0">
+            <a:schemeClr val="accent1"/>
+          </a:effectRef>
+          <a:fontRef idx="minor">
+            <a:schemeClr val="lt1"/>
+          </a:fontRef>
+        </p:style>
+        <p:txBody>
+          <a:bodyPr rtlCol="0" anchor="t"/>
+          <a:lstStyle/>
+          <a:p>
+            <a:pPr marL="171450" indent="-171450">
+              <a:buFont typeface="Wingdings" panose="05000000000000000000" pitchFamily="2" charset="2"/>
+              <a:buChar char="l"/>
+            </a:pPr>
+            <a:r>
+              <a:rPr kumimoji="1" lang="en-US" altLang="ja-JP" sz="1200" dirty="0">
+                <a:solidFill>
+                  <a:schemeClr val="tx1"/>
+                </a:solidFill>
+              </a:rPr>
+              <a:t>aaa.xlsx</a:t>
+            </a:r>
+          </a:p>
+          <a:p>
+            <a:pPr marL="171450" indent="-171450">
+              <a:buFont typeface="Wingdings" panose="05000000000000000000" pitchFamily="2" charset="2"/>
+              <a:buChar char="l"/>
+            </a:pPr>
+            <a:r>
+              <a:rPr kumimoji="1" lang="en-US" altLang="ja-JP" sz="1200" dirty="0">
+                <a:solidFill>
+                  <a:schemeClr val="tx1"/>
+                </a:solidFill>
+              </a:rPr>
+              <a:t>bbb.xlsx</a:t>
+            </a:r>
+            <a:r>
+              <a:rPr kumimoji="1" lang="ja-JP" altLang="en-US" sz="1200" dirty="0">
+                <a:solidFill>
+                  <a:schemeClr val="tx1"/>
+                </a:solidFill>
+              </a:rPr>
+              <a:t> </a:t>
+            </a:r>
+            <a:r>
+              <a:rPr kumimoji="1" lang="en-US" altLang="ja-JP" sz="1200" dirty="0">
+                <a:solidFill>
+                  <a:schemeClr val="tx1"/>
+                </a:solidFill>
+              </a:rPr>
+              <a:t>…</a:t>
             </a:r>
           </a:p>
           <a:p>
             <a:r>
-              <a:rPr kumimoji="1" lang="ja-JP" altLang="en-US" sz="2000" dirty="0"/>
-              <a:t>開発テーマ名</a:t>
+              <a:rPr kumimoji="1" lang="ja-JP" altLang="en-US" sz="1200" dirty="0">
+                <a:solidFill>
+                  <a:schemeClr val="tx1"/>
+                </a:solidFill>
+              </a:rPr>
+              <a:t>が関連ありそうです。</a:t>
+            </a:r>
+            <a:endParaRPr kumimoji="1" lang="en-US" altLang="ja-JP" sz="1200" dirty="0">
+              <a:solidFill>
+                <a:schemeClr val="tx1"/>
+              </a:solidFill>
+            </a:endParaRPr>
+          </a:p>
+        </p:txBody>
+      </p:sp>
+      <p:sp>
+        <p:nvSpPr>
+          <p:cNvPr id="57" name="テキスト ボックス 56">
+            <a:extLst>
+              <a:ext uri="{FF2B5EF4-FFF2-40B4-BE49-F238E27FC236}">
+                <a16:creationId xmlns:a16="http://schemas.microsoft.com/office/drawing/2014/main" id="{BB579133-16A9-C301-4AC6-EAF3AD4DED4E}"/>
+              </a:ext>
+            </a:extLst>
+          </p:cNvPr>
+          <p:cNvSpPr txBox="1"/>
+          <p:nvPr/>
+        </p:nvSpPr>
+        <p:spPr>
+          <a:xfrm>
+            <a:off x="4680496" y="4854460"/>
+            <a:ext cx="646331" cy="276999"/>
+          </a:xfrm>
+          <a:prstGeom prst="rect">
+            <a:avLst/>
+          </a:prstGeom>
+          <a:noFill/>
+        </p:spPr>
+        <p:txBody>
+          <a:bodyPr wrap="none" rtlCol="0">
+            <a:spAutoFit/>
+          </a:bodyPr>
+          <a:lstStyle/>
+          <a:p>
+            <a:pPr algn="ctr"/>
+            <a:r>
+              <a:rPr kumimoji="1" lang="ja-JP" altLang="en-US" sz="1200" dirty="0">
+                <a:solidFill>
+                  <a:schemeClr val="tx1"/>
+                </a:solidFill>
+              </a:rPr>
+              <a:t>担当者</a:t>
+            </a:r>
+          </a:p>
+        </p:txBody>
+      </p:sp>
+      <p:sp>
+        <p:nvSpPr>
+          <p:cNvPr id="58" name="テキスト ボックス 57">
+            <a:extLst>
+              <a:ext uri="{FF2B5EF4-FFF2-40B4-BE49-F238E27FC236}">
+                <a16:creationId xmlns:a16="http://schemas.microsoft.com/office/drawing/2014/main" id="{ADF0FC95-B2CC-3B68-5584-4BB1B1BF351A}"/>
+              </a:ext>
+            </a:extLst>
+          </p:cNvPr>
+          <p:cNvSpPr txBox="1"/>
+          <p:nvPr/>
+        </p:nvSpPr>
+        <p:spPr>
+          <a:xfrm>
+            <a:off x="2098519" y="6325170"/>
+            <a:ext cx="1252267" cy="276999"/>
+          </a:xfrm>
+          <a:prstGeom prst="rect">
+            <a:avLst/>
+          </a:prstGeom>
+          <a:noFill/>
+        </p:spPr>
+        <p:txBody>
+          <a:bodyPr wrap="none" rtlCol="0">
+            <a:spAutoFit/>
+          </a:bodyPr>
+          <a:lstStyle/>
+          <a:p>
+            <a:pPr algn="ctr"/>
+            <a:r>
+              <a:rPr kumimoji="1" lang="en-US" altLang="ja-JP" sz="1200" dirty="0">
+                <a:solidFill>
+                  <a:schemeClr val="tx1"/>
+                </a:solidFill>
+              </a:rPr>
+              <a:t>AI</a:t>
             </a:r>
             <a:r>
-              <a:rPr kumimoji="1" lang="en-US" altLang="ja-JP" sz="2000" dirty="0"/>
-              <a:t>/</a:t>
+              <a:rPr kumimoji="1" lang="ja-JP" altLang="en-US" sz="1200" dirty="0">
+                <a:solidFill>
+                  <a:schemeClr val="tx1"/>
+                </a:solidFill>
+              </a:rPr>
+              <a:t>エージェント</a:t>
             </a:r>
-            <a:r>
-              <a:rPr kumimoji="1" lang="ja-JP" altLang="en-US" sz="2000" dirty="0"/>
-              <a:t>開発名称</a:t>
-            </a:r>
-            <a:endParaRPr kumimoji="1" lang="en-US" altLang="ja-JP" sz="2000" dirty="0"/>
-          </a:p>
-          <a:p>
-            <a:r>
-              <a:rPr lang="ja-JP" altLang="en-US" sz="2000" dirty="0"/>
-              <a:t>目的</a:t>
-            </a:r>
-            <a:r>
-              <a:rPr lang="en-US" altLang="ja-JP" sz="2000" dirty="0"/>
-              <a:t>/</a:t>
-            </a:r>
-            <a:r>
-              <a:rPr lang="ja-JP" altLang="en-US" sz="2000" dirty="0"/>
-              <a:t>背景</a:t>
-            </a:r>
-            <a:r>
-              <a:rPr lang="en-US" altLang="ja-JP" sz="2000" dirty="0"/>
-              <a:t>/</a:t>
-            </a:r>
-            <a:r>
-              <a:rPr lang="ja-JP" altLang="en-US" sz="2000" dirty="0"/>
-              <a:t>概要（無いものもあり）</a:t>
-            </a:r>
-            <a:endParaRPr lang="en-US" altLang="ja-JP" sz="2000" dirty="0"/>
-          </a:p>
-          <a:p>
-            <a:pPr lvl="1"/>
-            <a:r>
-              <a:rPr lang="ja-JP" altLang="en-US" sz="1800" dirty="0"/>
-              <a:t>開発案件管理システムの記載内容が参考になっていそう</a:t>
-            </a:r>
-            <a:endParaRPr lang="en-US" altLang="ja-JP" sz="1800" dirty="0"/>
           </a:p>
         </p:txBody>
       </p:sp>
     </p:spTree>
     <p:extLst>
       <p:ext uri="{BB962C8B-B14F-4D97-AF65-F5344CB8AC3E}">
-        <p14:creationId xmlns:p14="http://schemas.microsoft.com/office/powerpoint/2010/main" val="1457216636"/>
+        <p14:creationId xmlns:p14="http://schemas.microsoft.com/office/powerpoint/2010/main" val="90654423"/>
       </p:ext>
     </p:extLst>
   </p:cSld>
@@ -10319,7 +13340,7 @@
 </p:sld>
 </file>
 
-<file path=ppt/slides/slide4.xml><?xml version="1.0" encoding="utf-8"?>
+<file path=ppt/slides/slide8.xml><?xml version="1.0" encoding="utf-8"?>
 <p:sld xmlns:a="http://schemas.openxmlformats.org/drawingml/2006/main" xmlns:r="http://schemas.openxmlformats.org/officeDocument/2006/relationships" xmlns:p="http://schemas.openxmlformats.org/presentationml/2006/main">
   <p:cSld>
     <p:spTree>
@@ -10359,12 +13380,9 @@
           <a:p>
             <a:r>
               <a:rPr lang="ja-JP" altLang="en-US" dirty="0"/>
-              <a:t>関連機能仕様書</a:t>
+              <a:t>機能仕様書について</a:t>
             </a:r>
-            <a:r>
-              <a:rPr kumimoji="1" lang="ja-JP" altLang="en-US" dirty="0"/>
-              <a:t>情報</a:t>
-            </a:r>
+            <a:endParaRPr kumimoji="1" lang="ja-JP" altLang="en-US" dirty="0"/>
           </a:p>
         </p:txBody>
       </p:sp>
@@ -10384,7 +13402,12 @@
             <p:ph type="body" sz="quarter" idx="10"/>
           </p:nvPr>
         </p:nvSpPr>
-        <p:spPr/>
+        <p:spPr>
+          <a:xfrm>
+            <a:off x="575736" y="944563"/>
+            <a:ext cx="11040533" cy="483310"/>
+          </a:xfrm>
+        </p:spPr>
         <p:txBody>
           <a:bodyPr>
             <a:normAutofit/>
@@ -10392,70 +13415,4343 @@
           <a:lstStyle/>
           <a:p>
             <a:r>
-              <a:rPr lang="ja-JP" altLang="en-US" sz="2400" dirty="0"/>
-              <a:t>機能仕様書名をどうやって引いているか</a:t>
-            </a:r>
-            <a:endParaRPr lang="en-US" altLang="ja-JP" sz="2400" dirty="0"/>
-          </a:p>
-          <a:p>
-            <a:pPr lvl="1"/>
-            <a:r>
-              <a:rPr lang="ja-JP" altLang="en-US" sz="1800" dirty="0"/>
-              <a:t>「</a:t>
+              <a:rPr lang="en-US" altLang="ja-JP" sz="1600" dirty="0"/>
+              <a:t>“</a:t>
             </a:r>
             <a:r>
-              <a:rPr lang="en-US" altLang="ja-JP" sz="1800" dirty="0"/>
-              <a:t>iMCSX-0204246 SONY LB </a:t>
-            </a:r>
-            <a:r>
-              <a:rPr lang="ja-JP" altLang="en-US" sz="1800" dirty="0"/>
-              <a:t>補正値ファイルの別サーバー出力」改造シート</a:t>
-            </a:r>
-            <a:endParaRPr lang="en-US" altLang="ja-JP" sz="1800" dirty="0"/>
-          </a:p>
-          <a:p>
-            <a:pPr lvl="2"/>
-            <a:r>
               <a:rPr lang="ja-JP" altLang="en-US" sz="1600" dirty="0"/>
-              <a:t>「</a:t>
+              <a:t>更新履歴</a:t>
             </a:r>
             <a:r>
               <a:rPr lang="en-US" altLang="ja-JP" sz="1600" dirty="0"/>
-              <a:t>LB</a:t>
+              <a:t>”</a:t>
             </a:r>
             <a:r>
               <a:rPr lang="ja-JP" altLang="en-US" sz="1600" dirty="0"/>
-              <a:t>＞補正値ファイル」で探索？</a:t>
+              <a:t>シートの内容が改造シートに記載されている</a:t>
             </a:r>
             <a:endParaRPr lang="en-US" altLang="ja-JP" sz="1600" dirty="0"/>
-          </a:p>
-          <a:p>
-            <a:pPr lvl="2"/>
-            <a:r>
-              <a:rPr lang="ja-JP" altLang="en-US" sz="1600" dirty="0">
-                <a:latin typeface="Meiryo UI" panose="020B0604030504040204" pitchFamily="50" charset="-128"/>
-                <a:ea typeface="Meiryo UI" panose="020B0604030504040204" pitchFamily="50" charset="-128"/>
-              </a:rPr>
-              <a:t>データ更新</a:t>
-            </a:r>
-            <a:endParaRPr lang="en-US" altLang="ja-JP" sz="1600" dirty="0">
-              <a:latin typeface="Meiryo UI" panose="020B0604030504040204" pitchFamily="50" charset="-128"/>
-              <a:ea typeface="Meiryo UI" panose="020B0604030504040204" pitchFamily="50" charset="-128"/>
-            </a:endParaRPr>
-          </a:p>
-          <a:p>
-            <a:pPr lvl="2"/>
-            <a:endParaRPr lang="en-US" altLang="ja-JP" sz="1200" dirty="0"/>
           </a:p>
           <a:p>
             <a:endParaRPr lang="en-US" altLang="ja-JP" sz="2000" dirty="0"/>
           </a:p>
         </p:txBody>
       </p:sp>
+      <p:graphicFrame>
+        <p:nvGraphicFramePr>
+          <p:cNvPr id="4" name="表 3">
+            <a:extLst>
+              <a:ext uri="{FF2B5EF4-FFF2-40B4-BE49-F238E27FC236}">
+                <a16:creationId xmlns:a16="http://schemas.microsoft.com/office/drawing/2014/main" id="{56BDE89A-0F2D-977A-E393-F584F8C213F0}"/>
+              </a:ext>
+            </a:extLst>
+          </p:cNvPr>
+          <p:cNvGraphicFramePr>
+            <a:graphicFrameLocks noGrp="1"/>
+          </p:cNvGraphicFramePr>
+          <p:nvPr>
+            <p:extLst>
+              <p:ext uri="{D42A27DB-BD31-4B8C-83A1-F6EECF244321}">
+                <p14:modId xmlns:p14="http://schemas.microsoft.com/office/powerpoint/2010/main" val="3656628271"/>
+              </p:ext>
+            </p:extLst>
+          </p:nvPr>
+        </p:nvGraphicFramePr>
+        <p:xfrm>
+          <a:off x="1090086" y="4275360"/>
+          <a:ext cx="9124950" cy="2014296"/>
+        </p:xfrm>
+        <a:graphic>
+          <a:graphicData uri="http://schemas.openxmlformats.org/drawingml/2006/table">
+            <a:tbl>
+              <a:tblPr>
+                <a:tableStyleId>{5C22544A-7EE6-4342-B048-85BDC9FD1C3A}</a:tableStyleId>
+              </a:tblPr>
+              <a:tblGrid>
+                <a:gridCol w="1717137">
+                  <a:extLst>
+                    <a:ext uri="{9D8B030D-6E8A-4147-A177-3AD203B41FA5}">
+                      <a16:colId xmlns:a16="http://schemas.microsoft.com/office/drawing/2014/main" val="1036824331"/>
+                    </a:ext>
+                  </a:extLst>
+                </a:gridCol>
+                <a:gridCol w="1397835">
+                  <a:extLst>
+                    <a:ext uri="{9D8B030D-6E8A-4147-A177-3AD203B41FA5}">
+                      <a16:colId xmlns:a16="http://schemas.microsoft.com/office/drawing/2014/main" val="1075214985"/>
+                    </a:ext>
+                  </a:extLst>
+                </a:gridCol>
+                <a:gridCol w="466428">
+                  <a:extLst>
+                    <a:ext uri="{9D8B030D-6E8A-4147-A177-3AD203B41FA5}">
+                      <a16:colId xmlns:a16="http://schemas.microsoft.com/office/drawing/2014/main" val="3715825184"/>
+                    </a:ext>
+                  </a:extLst>
+                </a:gridCol>
+                <a:gridCol w="2719499">
+                  <a:extLst>
+                    <a:ext uri="{9D8B030D-6E8A-4147-A177-3AD203B41FA5}">
+                      <a16:colId xmlns:a16="http://schemas.microsoft.com/office/drawing/2014/main" val="1017653349"/>
+                    </a:ext>
+                  </a:extLst>
+                </a:gridCol>
+                <a:gridCol w="2824051">
+                  <a:extLst>
+                    <a:ext uri="{9D8B030D-6E8A-4147-A177-3AD203B41FA5}">
+                      <a16:colId xmlns:a16="http://schemas.microsoft.com/office/drawing/2014/main" val="2641342854"/>
+                    </a:ext>
+                  </a:extLst>
+                </a:gridCol>
+              </a:tblGrid>
+              <a:tr h="252804">
+                <a:tc>
+                  <a:txBody>
+                    <a:bodyPr/>
+                    <a:lstStyle/>
+                    <a:p>
+                      <a:pPr algn="l" fontAlgn="ctr"/>
+                      <a:r>
+                        <a:rPr lang="zh-TW" altLang="en-US" sz="1000" u="none" strike="noStrike" dirty="0">
+                          <a:effectLst/>
+                        </a:rPr>
+                        <a:t>機能仕様書名</a:t>
+                      </a:r>
+                      <a:endParaRPr lang="zh-TW" altLang="en-US" sz="1000" b="0" i="0" u="none" strike="noStrike" dirty="0">
+                        <a:effectLst/>
+                        <a:latin typeface="Meiryo UI" panose="020B0604030504040204" pitchFamily="50" charset="-128"/>
+                        <a:ea typeface="Meiryo UI" panose="020B0604030504040204" pitchFamily="50" charset="-128"/>
+                      </a:endParaRPr>
+                    </a:p>
+                  </a:txBody>
+                  <a:tcPr marL="4728" marR="4728" marT="4728" marB="0" anchor="ctr">
+                    <a:lnL w="12700" cap="flat" cmpd="sng" algn="ctr">
+                      <a:solidFill>
+                        <a:schemeClr val="tx1"/>
+                      </a:solidFill>
+                      <a:prstDash val="solid"/>
+                      <a:round/>
+                      <a:headEnd type="none" w="med" len="med"/>
+                      <a:tailEnd type="none" w="med" len="med"/>
+                    </a:lnL>
+                    <a:lnR w="12700" cap="flat" cmpd="sng" algn="ctr">
+                      <a:solidFill>
+                        <a:schemeClr val="tx1"/>
+                      </a:solidFill>
+                      <a:prstDash val="solid"/>
+                      <a:round/>
+                      <a:headEnd type="none" w="med" len="med"/>
+                      <a:tailEnd type="none" w="med" len="med"/>
+                    </a:lnR>
+                    <a:lnT w="12700" cap="flat" cmpd="sng" algn="ctr">
+                      <a:solidFill>
+                        <a:schemeClr val="tx1"/>
+                      </a:solidFill>
+                      <a:prstDash val="solid"/>
+                      <a:round/>
+                      <a:headEnd type="none" w="med" len="med"/>
+                      <a:tailEnd type="none" w="med" len="med"/>
+                    </a:lnT>
+                    <a:lnB w="12700" cap="flat" cmpd="sng" algn="ctr">
+                      <a:solidFill>
+                        <a:schemeClr val="tx1"/>
+                      </a:solidFill>
+                      <a:prstDash val="solid"/>
+                      <a:round/>
+                      <a:headEnd type="none" w="med" len="med"/>
+                      <a:tailEnd type="none" w="med" len="med"/>
+                    </a:lnB>
+                    <a:solidFill>
+                      <a:schemeClr val="bg1"/>
+                    </a:solidFill>
+                  </a:tcPr>
+                </a:tc>
+                <a:tc>
+                  <a:txBody>
+                    <a:bodyPr/>
+                    <a:lstStyle/>
+                    <a:p>
+                      <a:pPr algn="l" fontAlgn="ctr"/>
+                      <a:r>
+                        <a:rPr lang="ja-JP" altLang="en-US" sz="1000" u="none" strike="noStrike" dirty="0">
+                          <a:effectLst/>
+                        </a:rPr>
+                        <a:t>仕様フォルダ</a:t>
+                      </a:r>
+                      <a:endParaRPr lang="ja-JP" altLang="en-US" sz="1000" b="0" i="0" u="none" strike="noStrike" dirty="0">
+                        <a:effectLst/>
+                        <a:latin typeface="Meiryo UI" panose="020B0604030504040204" pitchFamily="50" charset="-128"/>
+                        <a:ea typeface="Meiryo UI" panose="020B0604030504040204" pitchFamily="50" charset="-128"/>
+                      </a:endParaRPr>
+                    </a:p>
+                  </a:txBody>
+                  <a:tcPr marL="4728" marR="4728" marT="4728" marB="0" anchor="ctr">
+                    <a:lnL w="12700" cap="flat" cmpd="sng" algn="ctr">
+                      <a:solidFill>
+                        <a:schemeClr val="tx1"/>
+                      </a:solidFill>
+                      <a:prstDash val="solid"/>
+                      <a:round/>
+                      <a:headEnd type="none" w="med" len="med"/>
+                      <a:tailEnd type="none" w="med" len="med"/>
+                    </a:lnL>
+                    <a:lnR w="12700" cap="flat" cmpd="sng" algn="ctr">
+                      <a:solidFill>
+                        <a:schemeClr val="tx1"/>
+                      </a:solidFill>
+                      <a:prstDash val="solid"/>
+                      <a:round/>
+                      <a:headEnd type="none" w="med" len="med"/>
+                      <a:tailEnd type="none" w="med" len="med"/>
+                    </a:lnR>
+                    <a:lnT w="12700" cap="flat" cmpd="sng" algn="ctr">
+                      <a:solidFill>
+                        <a:schemeClr val="tx1"/>
+                      </a:solidFill>
+                      <a:prstDash val="solid"/>
+                      <a:round/>
+                      <a:headEnd type="none" w="med" len="med"/>
+                      <a:tailEnd type="none" w="med" len="med"/>
+                    </a:lnT>
+                    <a:lnB w="12700" cap="flat" cmpd="sng" algn="ctr">
+                      <a:solidFill>
+                        <a:schemeClr val="tx1"/>
+                      </a:solidFill>
+                      <a:prstDash val="solid"/>
+                      <a:round/>
+                      <a:headEnd type="none" w="med" len="med"/>
+                      <a:tailEnd type="none" w="med" len="med"/>
+                    </a:lnB>
+                    <a:solidFill>
+                      <a:schemeClr val="bg1"/>
+                    </a:solidFill>
+                  </a:tcPr>
+                </a:tc>
+                <a:tc>
+                  <a:txBody>
+                    <a:bodyPr/>
+                    <a:lstStyle/>
+                    <a:p>
+                      <a:pPr algn="l" fontAlgn="ctr"/>
+                      <a:r>
+                        <a:rPr lang="ja-JP" altLang="en-US" sz="1000" u="none" strike="noStrike" dirty="0">
+                          <a:effectLst/>
+                        </a:rPr>
+                        <a:t>該当版数</a:t>
+                      </a:r>
+                      <a:endParaRPr lang="ja-JP" altLang="en-US" sz="1000" b="0" i="0" u="none" strike="noStrike" dirty="0">
+                        <a:effectLst/>
+                        <a:latin typeface="Meiryo UI" panose="020B0604030504040204" pitchFamily="50" charset="-128"/>
+                        <a:ea typeface="Meiryo UI" panose="020B0604030504040204" pitchFamily="50" charset="-128"/>
+                      </a:endParaRPr>
+                    </a:p>
+                  </a:txBody>
+                  <a:tcPr marL="4728" marR="4728" marT="4728" marB="0" anchor="ctr">
+                    <a:lnL w="12700" cap="flat" cmpd="sng" algn="ctr">
+                      <a:solidFill>
+                        <a:schemeClr val="tx1"/>
+                      </a:solidFill>
+                      <a:prstDash val="solid"/>
+                      <a:round/>
+                      <a:headEnd type="none" w="med" len="med"/>
+                      <a:tailEnd type="none" w="med" len="med"/>
+                    </a:lnL>
+                    <a:lnR w="12700" cap="flat" cmpd="sng" algn="ctr">
+                      <a:solidFill>
+                        <a:schemeClr val="tx1"/>
+                      </a:solidFill>
+                      <a:prstDash val="solid"/>
+                      <a:round/>
+                      <a:headEnd type="none" w="med" len="med"/>
+                      <a:tailEnd type="none" w="med" len="med"/>
+                    </a:lnR>
+                    <a:lnT w="12700" cap="flat" cmpd="sng" algn="ctr">
+                      <a:solidFill>
+                        <a:schemeClr val="tx1"/>
+                      </a:solidFill>
+                      <a:prstDash val="solid"/>
+                      <a:round/>
+                      <a:headEnd type="none" w="med" len="med"/>
+                      <a:tailEnd type="none" w="med" len="med"/>
+                    </a:lnT>
+                    <a:lnB w="12700" cap="flat" cmpd="sng" algn="ctr">
+                      <a:solidFill>
+                        <a:schemeClr val="tx1"/>
+                      </a:solidFill>
+                      <a:prstDash val="solid"/>
+                      <a:round/>
+                      <a:headEnd type="none" w="med" len="med"/>
+                      <a:tailEnd type="none" w="med" len="med"/>
+                    </a:lnB>
+                    <a:solidFill>
+                      <a:schemeClr val="bg1"/>
+                    </a:solidFill>
+                  </a:tcPr>
+                </a:tc>
+                <a:tc>
+                  <a:txBody>
+                    <a:bodyPr/>
+                    <a:lstStyle/>
+                    <a:p>
+                      <a:pPr algn="l" fontAlgn="ctr"/>
+                      <a:r>
+                        <a:rPr lang="ja-JP" altLang="en-US" sz="1000" u="none" strike="noStrike" dirty="0">
+                          <a:effectLst/>
+                        </a:rPr>
+                        <a:t>該当</a:t>
+                      </a:r>
+                      <a:r>
+                        <a:rPr lang="en-US" sz="1000" u="none" strike="noStrike" dirty="0">
+                          <a:effectLst/>
+                        </a:rPr>
+                        <a:t>Sheet</a:t>
+                      </a:r>
+                      <a:endParaRPr lang="en-US" sz="1000" b="0" i="0" u="none" strike="noStrike" dirty="0">
+                        <a:effectLst/>
+                        <a:latin typeface="Meiryo UI" panose="020B0604030504040204" pitchFamily="50" charset="-128"/>
+                        <a:ea typeface="Meiryo UI" panose="020B0604030504040204" pitchFamily="50" charset="-128"/>
+                      </a:endParaRPr>
+                    </a:p>
+                  </a:txBody>
+                  <a:tcPr marL="4728" marR="4728" marT="4728" marB="0" anchor="ctr">
+                    <a:lnL w="12700" cap="flat" cmpd="sng" algn="ctr">
+                      <a:solidFill>
+                        <a:schemeClr val="tx1"/>
+                      </a:solidFill>
+                      <a:prstDash val="solid"/>
+                      <a:round/>
+                      <a:headEnd type="none" w="med" len="med"/>
+                      <a:tailEnd type="none" w="med" len="med"/>
+                    </a:lnL>
+                    <a:lnR w="12700" cap="flat" cmpd="sng" algn="ctr">
+                      <a:solidFill>
+                        <a:schemeClr val="tx1"/>
+                      </a:solidFill>
+                      <a:prstDash val="solid"/>
+                      <a:round/>
+                      <a:headEnd type="none" w="med" len="med"/>
+                      <a:tailEnd type="none" w="med" len="med"/>
+                    </a:lnR>
+                    <a:lnT w="12700" cap="flat" cmpd="sng" algn="ctr">
+                      <a:solidFill>
+                        <a:schemeClr val="tx1"/>
+                      </a:solidFill>
+                      <a:prstDash val="solid"/>
+                      <a:round/>
+                      <a:headEnd type="none" w="med" len="med"/>
+                      <a:tailEnd type="none" w="med" len="med"/>
+                    </a:lnT>
+                    <a:lnB w="12700" cap="flat" cmpd="sng" algn="ctr">
+                      <a:solidFill>
+                        <a:schemeClr val="tx1"/>
+                      </a:solidFill>
+                      <a:prstDash val="solid"/>
+                      <a:round/>
+                      <a:headEnd type="none" w="med" len="med"/>
+                      <a:tailEnd type="none" w="med" len="med"/>
+                    </a:lnB>
+                    <a:solidFill>
+                      <a:schemeClr val="bg1"/>
+                    </a:solidFill>
+                  </a:tcPr>
+                </a:tc>
+                <a:tc>
+                  <a:txBody>
+                    <a:bodyPr/>
+                    <a:lstStyle/>
+                    <a:p>
+                      <a:pPr algn="l" fontAlgn="ctr"/>
+                      <a:r>
+                        <a:rPr lang="ja-JP" altLang="en-US" sz="1000" u="none" strike="noStrike" dirty="0">
+                          <a:effectLst/>
+                        </a:rPr>
+                        <a:t>変更内容</a:t>
+                      </a:r>
+                      <a:endParaRPr lang="ja-JP" altLang="en-US" sz="1000" b="0" i="0" u="none" strike="noStrike" dirty="0">
+                        <a:effectLst/>
+                        <a:latin typeface="Meiryo UI" panose="020B0604030504040204" pitchFamily="50" charset="-128"/>
+                        <a:ea typeface="Meiryo UI" panose="020B0604030504040204" pitchFamily="50" charset="-128"/>
+                      </a:endParaRPr>
+                    </a:p>
+                  </a:txBody>
+                  <a:tcPr marL="4728" marR="4728" marT="4728" marB="0" anchor="ctr">
+                    <a:lnL w="12700" cap="flat" cmpd="sng" algn="ctr">
+                      <a:solidFill>
+                        <a:schemeClr val="tx1"/>
+                      </a:solidFill>
+                      <a:prstDash val="solid"/>
+                      <a:round/>
+                      <a:headEnd type="none" w="med" len="med"/>
+                      <a:tailEnd type="none" w="med" len="med"/>
+                    </a:lnL>
+                    <a:lnR w="12700" cap="flat" cmpd="sng" algn="ctr">
+                      <a:solidFill>
+                        <a:schemeClr val="tx1"/>
+                      </a:solidFill>
+                      <a:prstDash val="solid"/>
+                      <a:round/>
+                      <a:headEnd type="none" w="med" len="med"/>
+                      <a:tailEnd type="none" w="med" len="med"/>
+                    </a:lnR>
+                    <a:lnT w="12700" cap="flat" cmpd="sng" algn="ctr">
+                      <a:solidFill>
+                        <a:schemeClr val="tx1"/>
+                      </a:solidFill>
+                      <a:prstDash val="solid"/>
+                      <a:round/>
+                      <a:headEnd type="none" w="med" len="med"/>
+                      <a:tailEnd type="none" w="med" len="med"/>
+                    </a:lnT>
+                    <a:lnB w="12700" cap="flat" cmpd="sng" algn="ctr">
+                      <a:solidFill>
+                        <a:schemeClr val="tx1"/>
+                      </a:solidFill>
+                      <a:prstDash val="solid"/>
+                      <a:round/>
+                      <a:headEnd type="none" w="med" len="med"/>
+                      <a:tailEnd type="none" w="med" len="med"/>
+                    </a:lnB>
+                    <a:solidFill>
+                      <a:schemeClr val="bg1"/>
+                    </a:solidFill>
+                  </a:tcPr>
+                </a:tc>
+                <a:extLst>
+                  <a:ext uri="{0D108BD9-81ED-4DB2-BD59-A6C34878D82A}">
+                    <a16:rowId xmlns:a16="http://schemas.microsoft.com/office/drawing/2014/main" val="2702724634"/>
+                  </a:ext>
+                </a:extLst>
+              </a:tr>
+              <a:tr h="258443">
+                <a:tc rowSpan="6">
+                  <a:txBody>
+                    <a:bodyPr/>
+                    <a:lstStyle/>
+                    <a:p>
+                      <a:pPr algn="l" fontAlgn="ctr"/>
+                      <a:r>
+                        <a:rPr kumimoji="1" lang="en-US" altLang="ja-JP" sz="1000" dirty="0">
+                          <a:solidFill>
+                            <a:schemeClr val="tx1"/>
+                          </a:solidFill>
+                        </a:rPr>
+                        <a:t>aaa.xlsx</a:t>
+                      </a:r>
+                      <a:endParaRPr lang="en-US" altLang="ja-JP" sz="1000" b="0" i="0" u="none" strike="noStrike" dirty="0">
+                        <a:effectLst/>
+                        <a:latin typeface="Meiryo UI" panose="020B0604030504040204" pitchFamily="50" charset="-128"/>
+                        <a:ea typeface="Meiryo UI" panose="020B0604030504040204" pitchFamily="50" charset="-128"/>
+                      </a:endParaRPr>
+                    </a:p>
+                  </a:txBody>
+                  <a:tcPr marL="4728" marR="4728" marT="4728" marB="0" anchor="ctr">
+                    <a:lnL w="12700" cap="flat" cmpd="sng" algn="ctr">
+                      <a:solidFill>
+                        <a:schemeClr val="tx1"/>
+                      </a:solidFill>
+                      <a:prstDash val="solid"/>
+                      <a:round/>
+                      <a:headEnd type="none" w="med" len="med"/>
+                      <a:tailEnd type="none" w="med" len="med"/>
+                    </a:lnL>
+                    <a:lnR w="12700" cap="flat" cmpd="sng" algn="ctr">
+                      <a:solidFill>
+                        <a:schemeClr val="tx1"/>
+                      </a:solidFill>
+                      <a:prstDash val="solid"/>
+                      <a:round/>
+                      <a:headEnd type="none" w="med" len="med"/>
+                      <a:tailEnd type="none" w="med" len="med"/>
+                    </a:lnR>
+                    <a:lnT w="12700" cap="flat" cmpd="sng" algn="ctr">
+                      <a:solidFill>
+                        <a:schemeClr val="tx1"/>
+                      </a:solidFill>
+                      <a:prstDash val="solid"/>
+                      <a:round/>
+                      <a:headEnd type="none" w="med" len="med"/>
+                      <a:tailEnd type="none" w="med" len="med"/>
+                    </a:lnT>
+                    <a:lnB w="12700" cap="flat" cmpd="sng" algn="ctr">
+                      <a:solidFill>
+                        <a:schemeClr val="tx1"/>
+                      </a:solidFill>
+                      <a:prstDash val="solid"/>
+                      <a:round/>
+                      <a:headEnd type="none" w="med" len="med"/>
+                      <a:tailEnd type="none" w="med" len="med"/>
+                    </a:lnB>
+                    <a:solidFill>
+                      <a:schemeClr val="bg1"/>
+                    </a:solidFill>
+                  </a:tcPr>
+                </a:tc>
+                <a:tc rowSpan="6">
+                  <a:txBody>
+                    <a:bodyPr/>
+                    <a:lstStyle/>
+                    <a:p>
+                      <a:pPr algn="l" fontAlgn="ctr"/>
+                      <a:r>
+                        <a:rPr lang="en-US" altLang="ja-JP" sz="1000" b="0" i="0" u="sng" strike="noStrike" dirty="0">
+                          <a:solidFill>
+                            <a:srgbClr val="0000FF"/>
+                          </a:solidFill>
+                          <a:effectLst/>
+                          <a:latin typeface="ＭＳ Ｐゴシック" panose="020B0600070205080204" pitchFamily="50" charset="-128"/>
+                          <a:ea typeface="ＭＳ Ｐゴシック" panose="020B0600070205080204" pitchFamily="50" charset="-128"/>
+                        </a:rPr>
+                        <a:t>Full path</a:t>
+                      </a:r>
+                      <a:endParaRPr lang="ja-JP" altLang="en-US" sz="1000" b="0" i="0" u="sng" strike="noStrike" dirty="0">
+                        <a:solidFill>
+                          <a:srgbClr val="0000FF"/>
+                        </a:solidFill>
+                        <a:effectLst/>
+                        <a:latin typeface="ＭＳ Ｐゴシック" panose="020B0600070205080204" pitchFamily="50" charset="-128"/>
+                        <a:ea typeface="ＭＳ Ｐゴシック" panose="020B0600070205080204" pitchFamily="50" charset="-128"/>
+                      </a:endParaRPr>
+                    </a:p>
+                  </a:txBody>
+                  <a:tcPr marL="4728" marR="4728" marT="4728" marB="0" anchor="ctr">
+                    <a:lnL w="12700" cap="flat" cmpd="sng" algn="ctr">
+                      <a:solidFill>
+                        <a:schemeClr val="tx1"/>
+                      </a:solidFill>
+                      <a:prstDash val="solid"/>
+                      <a:round/>
+                      <a:headEnd type="none" w="med" len="med"/>
+                      <a:tailEnd type="none" w="med" len="med"/>
+                    </a:lnL>
+                    <a:lnR w="12700" cap="flat" cmpd="sng" algn="ctr">
+                      <a:solidFill>
+                        <a:schemeClr val="tx1"/>
+                      </a:solidFill>
+                      <a:prstDash val="solid"/>
+                      <a:round/>
+                      <a:headEnd type="none" w="med" len="med"/>
+                      <a:tailEnd type="none" w="med" len="med"/>
+                    </a:lnR>
+                    <a:lnT w="12700" cap="flat" cmpd="sng" algn="ctr">
+                      <a:solidFill>
+                        <a:schemeClr val="tx1"/>
+                      </a:solidFill>
+                      <a:prstDash val="solid"/>
+                      <a:round/>
+                      <a:headEnd type="none" w="med" len="med"/>
+                      <a:tailEnd type="none" w="med" len="med"/>
+                    </a:lnT>
+                    <a:lnB w="12700" cap="flat" cmpd="sng" algn="ctr">
+                      <a:solidFill>
+                        <a:schemeClr val="tx1"/>
+                      </a:solidFill>
+                      <a:prstDash val="solid"/>
+                      <a:round/>
+                      <a:headEnd type="none" w="med" len="med"/>
+                      <a:tailEnd type="none" w="med" len="med"/>
+                    </a:lnB>
+                    <a:solidFill>
+                      <a:schemeClr val="bg1"/>
+                    </a:solidFill>
+                  </a:tcPr>
+                </a:tc>
+                <a:tc rowSpan="4">
+                  <a:txBody>
+                    <a:bodyPr/>
+                    <a:lstStyle/>
+                    <a:p>
+                      <a:pPr algn="ctr" fontAlgn="ctr"/>
+                      <a:r>
+                        <a:rPr lang="en-US" altLang="ja-JP" sz="1000" u="none" strike="noStrike">
+                          <a:effectLst/>
+                        </a:rPr>
+                        <a:t>1004</a:t>
+                      </a:r>
+                      <a:endParaRPr lang="en-US" altLang="ja-JP" sz="1000" b="0" i="0" u="none" strike="noStrike">
+                        <a:effectLst/>
+                        <a:latin typeface="Meiryo UI" panose="020B0604030504040204" pitchFamily="50" charset="-128"/>
+                        <a:ea typeface="Meiryo UI" panose="020B0604030504040204" pitchFamily="50" charset="-128"/>
+                      </a:endParaRPr>
+                    </a:p>
+                  </a:txBody>
+                  <a:tcPr marL="4728" marR="4728" marT="4728" marB="0" anchor="ctr">
+                    <a:lnL w="12700" cap="flat" cmpd="sng" algn="ctr">
+                      <a:solidFill>
+                        <a:schemeClr val="tx1"/>
+                      </a:solidFill>
+                      <a:prstDash val="solid"/>
+                      <a:round/>
+                      <a:headEnd type="none" w="med" len="med"/>
+                      <a:tailEnd type="none" w="med" len="med"/>
+                    </a:lnL>
+                    <a:lnR w="12700" cap="flat" cmpd="sng" algn="ctr">
+                      <a:solidFill>
+                        <a:schemeClr val="tx1"/>
+                      </a:solidFill>
+                      <a:prstDash val="solid"/>
+                      <a:round/>
+                      <a:headEnd type="none" w="med" len="med"/>
+                      <a:tailEnd type="none" w="med" len="med"/>
+                    </a:lnR>
+                    <a:lnT w="12700" cap="flat" cmpd="sng" algn="ctr">
+                      <a:solidFill>
+                        <a:schemeClr val="tx1"/>
+                      </a:solidFill>
+                      <a:prstDash val="solid"/>
+                      <a:round/>
+                      <a:headEnd type="none" w="med" len="med"/>
+                      <a:tailEnd type="none" w="med" len="med"/>
+                    </a:lnT>
+                    <a:lnB w="12700" cap="flat" cmpd="sng" algn="ctr">
+                      <a:solidFill>
+                        <a:schemeClr val="tx1"/>
+                      </a:solidFill>
+                      <a:prstDash val="solid"/>
+                      <a:round/>
+                      <a:headEnd type="none" w="med" len="med"/>
+                      <a:tailEnd type="none" w="med" len="med"/>
+                    </a:lnB>
+                    <a:solidFill>
+                      <a:schemeClr val="bg1"/>
+                    </a:solidFill>
+                  </a:tcPr>
+                </a:tc>
+                <a:tc>
+                  <a:txBody>
+                    <a:bodyPr/>
+                    <a:lstStyle/>
+                    <a:p>
+                      <a:pPr algn="ctr" fontAlgn="ctr"/>
+                      <a:r>
+                        <a:rPr lang="en-US" altLang="zh-TW" sz="1000" u="none" strike="noStrike" dirty="0">
+                          <a:effectLst/>
+                        </a:rPr>
+                        <a:t>&lt;&lt;</a:t>
+                      </a:r>
+                      <a:r>
+                        <a:rPr lang="zh-TW" altLang="en-US" sz="1000" u="none" strike="noStrike" dirty="0">
+                          <a:effectLst/>
+                        </a:rPr>
+                        <a:t>仕様</a:t>
+                      </a:r>
+                      <a:r>
+                        <a:rPr lang="en-US" altLang="zh-TW" sz="1000" u="none" strike="noStrike" dirty="0">
+                          <a:effectLst/>
+                        </a:rPr>
+                        <a:t>&gt;&gt;</a:t>
+                      </a:r>
+                      <a:r>
+                        <a:rPr lang="zh-TW" altLang="en-US" sz="1000" u="none" strike="noStrike" dirty="0">
+                          <a:effectLst/>
+                        </a:rPr>
+                        <a:t>機能詳細</a:t>
+                      </a:r>
+                      <a:endParaRPr lang="zh-TW" altLang="en-US" sz="1000" b="0" i="0" u="none" strike="noStrike" dirty="0">
+                        <a:effectLst/>
+                        <a:latin typeface="Meiryo UI" panose="020B0604030504040204" pitchFamily="50" charset="-128"/>
+                        <a:ea typeface="Meiryo UI" panose="020B0604030504040204" pitchFamily="50" charset="-128"/>
+                      </a:endParaRPr>
+                    </a:p>
+                  </a:txBody>
+                  <a:tcPr marL="4728" marR="4728" marT="4728" marB="0" anchor="ctr">
+                    <a:lnL w="12700" cap="flat" cmpd="sng" algn="ctr">
+                      <a:solidFill>
+                        <a:schemeClr val="tx1"/>
+                      </a:solidFill>
+                      <a:prstDash val="solid"/>
+                      <a:round/>
+                      <a:headEnd type="none" w="med" len="med"/>
+                      <a:tailEnd type="none" w="med" len="med"/>
+                    </a:lnL>
+                    <a:lnR w="12700" cap="flat" cmpd="sng" algn="ctr">
+                      <a:solidFill>
+                        <a:schemeClr val="tx1"/>
+                      </a:solidFill>
+                      <a:prstDash val="solid"/>
+                      <a:round/>
+                      <a:headEnd type="none" w="med" len="med"/>
+                      <a:tailEnd type="none" w="med" len="med"/>
+                    </a:lnR>
+                    <a:lnT w="12700" cap="flat" cmpd="sng" algn="ctr">
+                      <a:solidFill>
+                        <a:schemeClr val="tx1"/>
+                      </a:solidFill>
+                      <a:prstDash val="solid"/>
+                      <a:round/>
+                      <a:headEnd type="none" w="med" len="med"/>
+                      <a:tailEnd type="none" w="med" len="med"/>
+                    </a:lnT>
+                    <a:lnB w="12700" cap="flat" cmpd="sng" algn="ctr">
+                      <a:solidFill>
+                        <a:schemeClr val="tx1"/>
+                      </a:solidFill>
+                      <a:prstDash val="solid"/>
+                      <a:round/>
+                      <a:headEnd type="none" w="med" len="med"/>
+                      <a:tailEnd type="none" w="med" len="med"/>
+                    </a:lnB>
+                    <a:solidFill>
+                      <a:srgbClr val="BCE292"/>
+                    </a:solidFill>
+                  </a:tcPr>
+                </a:tc>
+                <a:tc>
+                  <a:txBody>
+                    <a:bodyPr/>
+                    <a:lstStyle/>
+                    <a:p>
+                      <a:pPr algn="l" fontAlgn="t"/>
+                      <a:r>
+                        <a:rPr lang="ja-JP" altLang="en-US" sz="1000" u="none" strike="noStrike" dirty="0">
+                          <a:effectLst/>
+                        </a:rPr>
+                        <a:t>リブート準備シーケンスを削除</a:t>
+                      </a:r>
+                      <a:br>
+                        <a:rPr lang="ja-JP" altLang="en-US" sz="1000" u="none" strike="noStrike" dirty="0">
+                          <a:effectLst/>
+                        </a:rPr>
+                      </a:br>
+                      <a:r>
+                        <a:rPr lang="ja-JP" altLang="en-US" sz="1000" u="none" strike="noStrike" dirty="0">
+                          <a:effectLst/>
+                        </a:rPr>
+                        <a:t>リブート後処理シーケンスを削除</a:t>
+                      </a:r>
+                      <a:endParaRPr lang="ja-JP" altLang="en-US" sz="1000" b="0" i="0" u="none" strike="noStrike" dirty="0">
+                        <a:effectLst/>
+                        <a:latin typeface="Meiryo UI" panose="020B0604030504040204" pitchFamily="50" charset="-128"/>
+                        <a:ea typeface="Meiryo UI" panose="020B0604030504040204" pitchFamily="50" charset="-128"/>
+                      </a:endParaRPr>
+                    </a:p>
+                  </a:txBody>
+                  <a:tcPr marL="4728" marR="4728" marT="4728" marB="0">
+                    <a:lnL w="12700" cap="flat" cmpd="sng" algn="ctr">
+                      <a:solidFill>
+                        <a:schemeClr val="tx1"/>
+                      </a:solidFill>
+                      <a:prstDash val="solid"/>
+                      <a:round/>
+                      <a:headEnd type="none" w="med" len="med"/>
+                      <a:tailEnd type="none" w="med" len="med"/>
+                    </a:lnL>
+                    <a:lnR w="12700" cap="flat" cmpd="sng" algn="ctr">
+                      <a:solidFill>
+                        <a:schemeClr val="tx1"/>
+                      </a:solidFill>
+                      <a:prstDash val="solid"/>
+                      <a:round/>
+                      <a:headEnd type="none" w="med" len="med"/>
+                      <a:tailEnd type="none" w="med" len="med"/>
+                    </a:lnR>
+                    <a:lnT w="12700" cap="flat" cmpd="sng" algn="ctr">
+                      <a:solidFill>
+                        <a:schemeClr val="tx1"/>
+                      </a:solidFill>
+                      <a:prstDash val="solid"/>
+                      <a:round/>
+                      <a:headEnd type="none" w="med" len="med"/>
+                      <a:tailEnd type="none" w="med" len="med"/>
+                    </a:lnT>
+                    <a:lnB w="12700" cap="flat" cmpd="sng" algn="ctr">
+                      <a:solidFill>
+                        <a:schemeClr val="tx1"/>
+                      </a:solidFill>
+                      <a:prstDash val="solid"/>
+                      <a:round/>
+                      <a:headEnd type="none" w="med" len="med"/>
+                      <a:tailEnd type="none" w="med" len="med"/>
+                    </a:lnB>
+                    <a:solidFill>
+                      <a:schemeClr val="tx2">
+                        <a:lumMod val="20000"/>
+                        <a:lumOff val="80000"/>
+                      </a:schemeClr>
+                    </a:solidFill>
+                  </a:tcPr>
+                </a:tc>
+                <a:extLst>
+                  <a:ext uri="{0D108BD9-81ED-4DB2-BD59-A6C34878D82A}">
+                    <a16:rowId xmlns:a16="http://schemas.microsoft.com/office/drawing/2014/main" val="878665051"/>
+                  </a:ext>
+                </a:extLst>
+              </a:tr>
+              <a:tr h="380616">
+                <a:tc vMerge="1">
+                  <a:txBody>
+                    <a:bodyPr/>
+                    <a:lstStyle/>
+                    <a:p>
+                      <a:endParaRPr kumimoji="1" lang="ja-JP" altLang="en-US"/>
+                    </a:p>
+                  </a:txBody>
+                  <a:tcPr/>
+                </a:tc>
+                <a:tc vMerge="1">
+                  <a:txBody>
+                    <a:bodyPr/>
+                    <a:lstStyle/>
+                    <a:p>
+                      <a:endParaRPr kumimoji="1" lang="ja-JP" altLang="en-US"/>
+                    </a:p>
+                  </a:txBody>
+                  <a:tcPr/>
+                </a:tc>
+                <a:tc vMerge="1">
+                  <a:txBody>
+                    <a:bodyPr/>
+                    <a:lstStyle/>
+                    <a:p>
+                      <a:endParaRPr kumimoji="1" lang="ja-JP" altLang="en-US"/>
+                    </a:p>
+                  </a:txBody>
+                  <a:tcPr/>
+                </a:tc>
+                <a:tc>
+                  <a:txBody>
+                    <a:bodyPr/>
+                    <a:lstStyle/>
+                    <a:p>
+                      <a:pPr algn="ctr" fontAlgn="ctr"/>
+                      <a:r>
+                        <a:rPr lang="en-US" altLang="ja-JP" sz="1000" u="none" strike="noStrike" dirty="0">
+                          <a:effectLst/>
+                        </a:rPr>
+                        <a:t>&lt;&lt;</a:t>
+                      </a:r>
+                      <a:r>
+                        <a:rPr lang="ja-JP" altLang="en-US" sz="1000" u="none" strike="noStrike" dirty="0">
+                          <a:effectLst/>
+                        </a:rPr>
+                        <a:t>仕様</a:t>
+                      </a:r>
+                      <a:r>
+                        <a:rPr lang="en-US" altLang="ja-JP" sz="1000" u="none" strike="noStrike" dirty="0">
+                          <a:effectLst/>
+                        </a:rPr>
+                        <a:t>&gt;&gt;</a:t>
+                      </a:r>
+                      <a:r>
+                        <a:rPr lang="ja-JP" altLang="en-US" sz="1000" u="none" strike="noStrike" dirty="0">
+                          <a:effectLst/>
+                        </a:rPr>
+                        <a:t>リブート</a:t>
+                      </a:r>
+                      <a:r>
+                        <a:rPr lang="en-US" altLang="ja-JP" sz="1000" u="none" strike="noStrike" dirty="0">
+                          <a:effectLst/>
+                        </a:rPr>
+                        <a:t>Seq</a:t>
+                      </a:r>
+                      <a:endParaRPr lang="en-US" altLang="ja-JP" sz="1000" b="0" i="0" u="none" strike="noStrike" dirty="0">
+                        <a:effectLst/>
+                        <a:latin typeface="Meiryo UI" panose="020B0604030504040204" pitchFamily="50" charset="-128"/>
+                        <a:ea typeface="Meiryo UI" panose="020B0604030504040204" pitchFamily="50" charset="-128"/>
+                      </a:endParaRPr>
+                    </a:p>
+                  </a:txBody>
+                  <a:tcPr marL="4728" marR="4728" marT="4728" marB="0" anchor="ctr">
+                    <a:lnL w="12700" cap="flat" cmpd="sng" algn="ctr">
+                      <a:solidFill>
+                        <a:schemeClr val="tx1"/>
+                      </a:solidFill>
+                      <a:prstDash val="solid"/>
+                      <a:round/>
+                      <a:headEnd type="none" w="med" len="med"/>
+                      <a:tailEnd type="none" w="med" len="med"/>
+                    </a:lnL>
+                    <a:lnR w="12700" cap="flat" cmpd="sng" algn="ctr">
+                      <a:solidFill>
+                        <a:schemeClr val="tx1"/>
+                      </a:solidFill>
+                      <a:prstDash val="solid"/>
+                      <a:round/>
+                      <a:headEnd type="none" w="med" len="med"/>
+                      <a:tailEnd type="none" w="med" len="med"/>
+                    </a:lnR>
+                    <a:lnT w="12700" cap="flat" cmpd="sng" algn="ctr">
+                      <a:solidFill>
+                        <a:schemeClr val="tx1"/>
+                      </a:solidFill>
+                      <a:prstDash val="solid"/>
+                      <a:round/>
+                      <a:headEnd type="none" w="med" len="med"/>
+                      <a:tailEnd type="none" w="med" len="med"/>
+                    </a:lnT>
+                    <a:lnB w="12700" cap="flat" cmpd="sng" algn="ctr">
+                      <a:solidFill>
+                        <a:schemeClr val="tx1"/>
+                      </a:solidFill>
+                      <a:prstDash val="solid"/>
+                      <a:round/>
+                      <a:headEnd type="none" w="med" len="med"/>
+                      <a:tailEnd type="none" w="med" len="med"/>
+                    </a:lnB>
+                    <a:solidFill>
+                      <a:srgbClr val="BCE292"/>
+                    </a:solidFill>
+                  </a:tcPr>
+                </a:tc>
+                <a:tc>
+                  <a:txBody>
+                    <a:bodyPr/>
+                    <a:lstStyle/>
+                    <a:p>
+                      <a:pPr algn="l" fontAlgn="t"/>
+                      <a:r>
+                        <a:rPr lang="ja-JP" altLang="en-US" sz="1000" u="none" strike="noStrike" dirty="0">
+                          <a:effectLst/>
+                        </a:rPr>
+                        <a:t>リブート種別確認の追加</a:t>
+                      </a:r>
+                      <a:br>
+                        <a:rPr lang="ja-JP" altLang="en-US" sz="1000" u="none" strike="noStrike" dirty="0">
+                          <a:effectLst/>
+                        </a:rPr>
+                      </a:br>
+                      <a:r>
+                        <a:rPr lang="ja-JP" altLang="en-US" sz="1000" u="none" strike="noStrike" dirty="0">
+                          <a:effectLst/>
+                        </a:rPr>
+                        <a:t>リセット前処理：リセット前処理コマンドのパラメータ指定を変更</a:t>
+                      </a:r>
+                      <a:br>
+                        <a:rPr lang="ja-JP" altLang="en-US" sz="1000" u="none" strike="noStrike" dirty="0">
+                          <a:effectLst/>
+                        </a:rPr>
+                      </a:br>
+                      <a:r>
+                        <a:rPr lang="ja-JP" altLang="en-US" sz="1000" u="none" strike="noStrike" dirty="0">
+                          <a:effectLst/>
+                        </a:rPr>
+                        <a:t>リブート処理：リブートコマンドのパラメータ指定を変更</a:t>
+                      </a:r>
+                      <a:endParaRPr lang="ja-JP" altLang="en-US" sz="1000" b="0" i="0" u="none" strike="noStrike" dirty="0">
+                        <a:effectLst/>
+                        <a:latin typeface="Meiryo UI" panose="020B0604030504040204" pitchFamily="50" charset="-128"/>
+                        <a:ea typeface="Meiryo UI" panose="020B0604030504040204" pitchFamily="50" charset="-128"/>
+                      </a:endParaRPr>
+                    </a:p>
+                  </a:txBody>
+                  <a:tcPr marL="4728" marR="4728" marT="4728" marB="0">
+                    <a:lnL w="12700" cap="flat" cmpd="sng" algn="ctr">
+                      <a:solidFill>
+                        <a:schemeClr val="tx1"/>
+                      </a:solidFill>
+                      <a:prstDash val="solid"/>
+                      <a:round/>
+                      <a:headEnd type="none" w="med" len="med"/>
+                      <a:tailEnd type="none" w="med" len="med"/>
+                    </a:lnL>
+                    <a:lnR w="12700" cap="flat" cmpd="sng" algn="ctr">
+                      <a:solidFill>
+                        <a:schemeClr val="tx1"/>
+                      </a:solidFill>
+                      <a:prstDash val="solid"/>
+                      <a:round/>
+                      <a:headEnd type="none" w="med" len="med"/>
+                      <a:tailEnd type="none" w="med" len="med"/>
+                    </a:lnR>
+                    <a:lnT w="12700" cap="flat" cmpd="sng" algn="ctr">
+                      <a:solidFill>
+                        <a:schemeClr val="tx1"/>
+                      </a:solidFill>
+                      <a:prstDash val="solid"/>
+                      <a:round/>
+                      <a:headEnd type="none" w="med" len="med"/>
+                      <a:tailEnd type="none" w="med" len="med"/>
+                    </a:lnT>
+                    <a:lnB w="12700" cap="flat" cmpd="sng" algn="ctr">
+                      <a:solidFill>
+                        <a:schemeClr val="tx1"/>
+                      </a:solidFill>
+                      <a:prstDash val="solid"/>
+                      <a:round/>
+                      <a:headEnd type="none" w="med" len="med"/>
+                      <a:tailEnd type="none" w="med" len="med"/>
+                    </a:lnB>
+                    <a:solidFill>
+                      <a:schemeClr val="tx2">
+                        <a:lumMod val="20000"/>
+                        <a:lumOff val="80000"/>
+                      </a:schemeClr>
+                    </a:solidFill>
+                  </a:tcPr>
+                </a:tc>
+                <a:extLst>
+                  <a:ext uri="{0D108BD9-81ED-4DB2-BD59-A6C34878D82A}">
+                    <a16:rowId xmlns:a16="http://schemas.microsoft.com/office/drawing/2014/main" val="715652523"/>
+                  </a:ext>
+                </a:extLst>
+              </a:tr>
+              <a:tr h="140969">
+                <a:tc vMerge="1">
+                  <a:txBody>
+                    <a:bodyPr/>
+                    <a:lstStyle/>
+                    <a:p>
+                      <a:endParaRPr kumimoji="1" lang="ja-JP" altLang="en-US"/>
+                    </a:p>
+                  </a:txBody>
+                  <a:tcPr/>
+                </a:tc>
+                <a:tc vMerge="1">
+                  <a:txBody>
+                    <a:bodyPr/>
+                    <a:lstStyle/>
+                    <a:p>
+                      <a:endParaRPr kumimoji="1" lang="ja-JP" altLang="en-US"/>
+                    </a:p>
+                  </a:txBody>
+                  <a:tcPr/>
+                </a:tc>
+                <a:tc vMerge="1">
+                  <a:txBody>
+                    <a:bodyPr/>
+                    <a:lstStyle/>
+                    <a:p>
+                      <a:endParaRPr kumimoji="1" lang="ja-JP" altLang="en-US"/>
+                    </a:p>
+                  </a:txBody>
+                  <a:tcPr/>
+                </a:tc>
+                <a:tc>
+                  <a:txBody>
+                    <a:bodyPr/>
+                    <a:lstStyle/>
+                    <a:p>
+                      <a:pPr algn="ctr" fontAlgn="ctr"/>
+                      <a:r>
+                        <a:rPr lang="en-US" altLang="ja-JP" sz="1000" u="none" strike="noStrike" dirty="0">
+                          <a:effectLst/>
+                        </a:rPr>
+                        <a:t>&lt;&lt;</a:t>
+                      </a:r>
+                      <a:r>
+                        <a:rPr lang="ja-JP" altLang="en-US" sz="1000" u="none" strike="noStrike" dirty="0">
+                          <a:effectLst/>
+                        </a:rPr>
+                        <a:t>定義</a:t>
+                      </a:r>
+                      <a:r>
+                        <a:rPr lang="en-US" altLang="ja-JP" sz="1000" u="none" strike="noStrike" dirty="0">
+                          <a:effectLst/>
+                        </a:rPr>
+                        <a:t>&gt;&gt;</a:t>
+                      </a:r>
+                      <a:r>
+                        <a:rPr lang="en-US" sz="1000" u="none" strike="noStrike" dirty="0">
+                          <a:effectLst/>
+                        </a:rPr>
+                        <a:t>Message</a:t>
+                      </a:r>
+                      <a:endParaRPr lang="en-US" sz="1000" b="0" i="0" u="none" strike="noStrike" dirty="0">
+                        <a:effectLst/>
+                        <a:latin typeface="Meiryo UI" panose="020B0604030504040204" pitchFamily="50" charset="-128"/>
+                        <a:ea typeface="Meiryo UI" panose="020B0604030504040204" pitchFamily="50" charset="-128"/>
+                      </a:endParaRPr>
+                    </a:p>
+                  </a:txBody>
+                  <a:tcPr marL="4728" marR="4728" marT="4728" marB="0" anchor="ctr">
+                    <a:lnL w="12700" cap="flat" cmpd="sng" algn="ctr">
+                      <a:solidFill>
+                        <a:schemeClr val="tx1"/>
+                      </a:solidFill>
+                      <a:prstDash val="solid"/>
+                      <a:round/>
+                      <a:headEnd type="none" w="med" len="med"/>
+                      <a:tailEnd type="none" w="med" len="med"/>
+                    </a:lnL>
+                    <a:lnR w="12700" cap="flat" cmpd="sng" algn="ctr">
+                      <a:solidFill>
+                        <a:schemeClr val="tx1"/>
+                      </a:solidFill>
+                      <a:prstDash val="solid"/>
+                      <a:round/>
+                      <a:headEnd type="none" w="med" len="med"/>
+                      <a:tailEnd type="none" w="med" len="med"/>
+                    </a:lnR>
+                    <a:lnT w="12700" cap="flat" cmpd="sng" algn="ctr">
+                      <a:solidFill>
+                        <a:schemeClr val="tx1"/>
+                      </a:solidFill>
+                      <a:prstDash val="solid"/>
+                      <a:round/>
+                      <a:headEnd type="none" w="med" len="med"/>
+                      <a:tailEnd type="none" w="med" len="med"/>
+                    </a:lnT>
+                    <a:lnB w="12700" cap="flat" cmpd="sng" algn="ctr">
+                      <a:solidFill>
+                        <a:schemeClr val="tx1"/>
+                      </a:solidFill>
+                      <a:prstDash val="solid"/>
+                      <a:round/>
+                      <a:headEnd type="none" w="med" len="med"/>
+                      <a:tailEnd type="none" w="med" len="med"/>
+                    </a:lnB>
+                    <a:solidFill>
+                      <a:srgbClr val="BCE292"/>
+                    </a:solidFill>
+                  </a:tcPr>
+                </a:tc>
+                <a:tc>
+                  <a:txBody>
+                    <a:bodyPr/>
+                    <a:lstStyle/>
+                    <a:p>
+                      <a:pPr algn="l" fontAlgn="t"/>
+                      <a:r>
+                        <a:rPr lang="ja-JP" altLang="en-US" sz="1000" u="none" strike="noStrike" dirty="0">
+                          <a:effectLst/>
+                        </a:rPr>
+                        <a:t>誤字修正</a:t>
+                      </a:r>
+                      <a:endParaRPr lang="ja-JP" altLang="en-US" sz="1000" b="0" i="0" u="none" strike="noStrike" dirty="0">
+                        <a:effectLst/>
+                        <a:latin typeface="Meiryo UI" panose="020B0604030504040204" pitchFamily="50" charset="-128"/>
+                        <a:ea typeface="Meiryo UI" panose="020B0604030504040204" pitchFamily="50" charset="-128"/>
+                      </a:endParaRPr>
+                    </a:p>
+                  </a:txBody>
+                  <a:tcPr marL="4728" marR="4728" marT="4728" marB="0">
+                    <a:lnL w="12700" cap="flat" cmpd="sng" algn="ctr">
+                      <a:solidFill>
+                        <a:schemeClr val="tx1"/>
+                      </a:solidFill>
+                      <a:prstDash val="solid"/>
+                      <a:round/>
+                      <a:headEnd type="none" w="med" len="med"/>
+                      <a:tailEnd type="none" w="med" len="med"/>
+                    </a:lnL>
+                    <a:lnR w="12700" cap="flat" cmpd="sng" algn="ctr">
+                      <a:solidFill>
+                        <a:schemeClr val="tx1"/>
+                      </a:solidFill>
+                      <a:prstDash val="solid"/>
+                      <a:round/>
+                      <a:headEnd type="none" w="med" len="med"/>
+                      <a:tailEnd type="none" w="med" len="med"/>
+                    </a:lnR>
+                    <a:lnT w="12700" cap="flat" cmpd="sng" algn="ctr">
+                      <a:solidFill>
+                        <a:schemeClr val="tx1"/>
+                      </a:solidFill>
+                      <a:prstDash val="solid"/>
+                      <a:round/>
+                      <a:headEnd type="none" w="med" len="med"/>
+                      <a:tailEnd type="none" w="med" len="med"/>
+                    </a:lnT>
+                    <a:lnB w="12700" cap="flat" cmpd="sng" algn="ctr">
+                      <a:solidFill>
+                        <a:schemeClr val="tx1"/>
+                      </a:solidFill>
+                      <a:prstDash val="solid"/>
+                      <a:round/>
+                      <a:headEnd type="none" w="med" len="med"/>
+                      <a:tailEnd type="none" w="med" len="med"/>
+                    </a:lnB>
+                    <a:solidFill>
+                      <a:schemeClr val="tx2">
+                        <a:lumMod val="20000"/>
+                        <a:lumOff val="80000"/>
+                      </a:schemeClr>
+                    </a:solidFill>
+                  </a:tcPr>
+                </a:tc>
+                <a:extLst>
+                  <a:ext uri="{0D108BD9-81ED-4DB2-BD59-A6C34878D82A}">
+                    <a16:rowId xmlns:a16="http://schemas.microsoft.com/office/drawing/2014/main" val="2274004144"/>
+                  </a:ext>
+                </a:extLst>
+              </a:tr>
+              <a:tr h="140969">
+                <a:tc vMerge="1">
+                  <a:txBody>
+                    <a:bodyPr/>
+                    <a:lstStyle/>
+                    <a:p>
+                      <a:endParaRPr kumimoji="1" lang="ja-JP" altLang="en-US"/>
+                    </a:p>
+                  </a:txBody>
+                  <a:tcPr/>
+                </a:tc>
+                <a:tc vMerge="1">
+                  <a:txBody>
+                    <a:bodyPr/>
+                    <a:lstStyle/>
+                    <a:p>
+                      <a:endParaRPr kumimoji="1" lang="ja-JP" altLang="en-US"/>
+                    </a:p>
+                  </a:txBody>
+                  <a:tcPr/>
+                </a:tc>
+                <a:tc vMerge="1">
+                  <a:txBody>
+                    <a:bodyPr/>
+                    <a:lstStyle/>
+                    <a:p>
+                      <a:endParaRPr kumimoji="1" lang="ja-JP" altLang="en-US"/>
+                    </a:p>
+                  </a:txBody>
+                  <a:tcPr/>
+                </a:tc>
+                <a:tc>
+                  <a:txBody>
+                    <a:bodyPr/>
+                    <a:lstStyle/>
+                    <a:p>
+                      <a:pPr algn="ctr" fontAlgn="ctr"/>
+                      <a:r>
+                        <a:rPr lang="en-US" altLang="ja-JP" sz="1000" u="none" strike="noStrike" dirty="0">
+                          <a:effectLst/>
+                        </a:rPr>
+                        <a:t>&lt;&lt;</a:t>
+                      </a:r>
+                      <a:r>
+                        <a:rPr lang="ja-JP" altLang="en-US" sz="1000" u="none" strike="noStrike" dirty="0">
+                          <a:effectLst/>
+                        </a:rPr>
+                        <a:t>定義</a:t>
+                      </a:r>
+                      <a:r>
+                        <a:rPr lang="en-US" altLang="ja-JP" sz="1000" u="none" strike="noStrike" dirty="0">
+                          <a:effectLst/>
+                        </a:rPr>
+                        <a:t>&gt;&gt;</a:t>
+                      </a:r>
+                      <a:r>
+                        <a:rPr lang="en-US" sz="1000" u="none" strike="noStrike" dirty="0">
+                          <a:effectLst/>
+                        </a:rPr>
+                        <a:t>Command</a:t>
+                      </a:r>
+                      <a:endParaRPr lang="en-US" sz="1000" b="0" i="0" u="none" strike="noStrike" dirty="0">
+                        <a:effectLst/>
+                        <a:latin typeface="Meiryo UI" panose="020B0604030504040204" pitchFamily="50" charset="-128"/>
+                        <a:ea typeface="Meiryo UI" panose="020B0604030504040204" pitchFamily="50" charset="-128"/>
+                      </a:endParaRPr>
+                    </a:p>
+                  </a:txBody>
+                  <a:tcPr marL="4728" marR="4728" marT="4728" marB="0" anchor="ctr">
+                    <a:lnL w="12700" cap="flat" cmpd="sng" algn="ctr">
+                      <a:solidFill>
+                        <a:schemeClr val="tx1"/>
+                      </a:solidFill>
+                      <a:prstDash val="solid"/>
+                      <a:round/>
+                      <a:headEnd type="none" w="med" len="med"/>
+                      <a:tailEnd type="none" w="med" len="med"/>
+                    </a:lnL>
+                    <a:lnR w="12700" cap="flat" cmpd="sng" algn="ctr">
+                      <a:solidFill>
+                        <a:schemeClr val="tx1"/>
+                      </a:solidFill>
+                      <a:prstDash val="solid"/>
+                      <a:round/>
+                      <a:headEnd type="none" w="med" len="med"/>
+                      <a:tailEnd type="none" w="med" len="med"/>
+                    </a:lnR>
+                    <a:lnT w="12700" cap="flat" cmpd="sng" algn="ctr">
+                      <a:solidFill>
+                        <a:schemeClr val="tx1"/>
+                      </a:solidFill>
+                      <a:prstDash val="solid"/>
+                      <a:round/>
+                      <a:headEnd type="none" w="med" len="med"/>
+                      <a:tailEnd type="none" w="med" len="med"/>
+                    </a:lnT>
+                    <a:lnB w="12700" cap="flat" cmpd="sng" algn="ctr">
+                      <a:solidFill>
+                        <a:schemeClr val="tx1"/>
+                      </a:solidFill>
+                      <a:prstDash val="solid"/>
+                      <a:round/>
+                      <a:headEnd type="none" w="med" len="med"/>
+                      <a:tailEnd type="none" w="med" len="med"/>
+                    </a:lnB>
+                    <a:solidFill>
+                      <a:srgbClr val="BCE292"/>
+                    </a:solidFill>
+                  </a:tcPr>
+                </a:tc>
+                <a:tc>
+                  <a:txBody>
+                    <a:bodyPr/>
+                    <a:lstStyle/>
+                    <a:p>
+                      <a:pPr algn="l" fontAlgn="t"/>
+                      <a:r>
+                        <a:rPr lang="ja-JP" altLang="en-US" sz="1000" u="none" strike="noStrike" dirty="0">
+                          <a:effectLst/>
+                        </a:rPr>
+                        <a:t>使用するコマンドの追加</a:t>
+                      </a:r>
+                      <a:endParaRPr lang="ja-JP" altLang="en-US" sz="1000" b="0" i="0" u="none" strike="noStrike" dirty="0">
+                        <a:effectLst/>
+                        <a:latin typeface="Meiryo UI" panose="020B0604030504040204" pitchFamily="50" charset="-128"/>
+                        <a:ea typeface="Meiryo UI" panose="020B0604030504040204" pitchFamily="50" charset="-128"/>
+                      </a:endParaRPr>
+                    </a:p>
+                  </a:txBody>
+                  <a:tcPr marL="4728" marR="4728" marT="4728" marB="0">
+                    <a:lnL w="12700" cap="flat" cmpd="sng" algn="ctr">
+                      <a:solidFill>
+                        <a:schemeClr val="tx1"/>
+                      </a:solidFill>
+                      <a:prstDash val="solid"/>
+                      <a:round/>
+                      <a:headEnd type="none" w="med" len="med"/>
+                      <a:tailEnd type="none" w="med" len="med"/>
+                    </a:lnL>
+                    <a:lnR w="12700" cap="flat" cmpd="sng" algn="ctr">
+                      <a:solidFill>
+                        <a:schemeClr val="tx1"/>
+                      </a:solidFill>
+                      <a:prstDash val="solid"/>
+                      <a:round/>
+                      <a:headEnd type="none" w="med" len="med"/>
+                      <a:tailEnd type="none" w="med" len="med"/>
+                    </a:lnR>
+                    <a:lnT w="12700" cap="flat" cmpd="sng" algn="ctr">
+                      <a:solidFill>
+                        <a:schemeClr val="tx1"/>
+                      </a:solidFill>
+                      <a:prstDash val="solid"/>
+                      <a:round/>
+                      <a:headEnd type="none" w="med" len="med"/>
+                      <a:tailEnd type="none" w="med" len="med"/>
+                    </a:lnT>
+                    <a:lnB w="12700" cap="flat" cmpd="sng" algn="ctr">
+                      <a:solidFill>
+                        <a:schemeClr val="tx1"/>
+                      </a:solidFill>
+                      <a:prstDash val="solid"/>
+                      <a:round/>
+                      <a:headEnd type="none" w="med" len="med"/>
+                      <a:tailEnd type="none" w="med" len="med"/>
+                    </a:lnB>
+                    <a:solidFill>
+                      <a:schemeClr val="tx2">
+                        <a:lumMod val="20000"/>
+                        <a:lumOff val="80000"/>
+                      </a:schemeClr>
+                    </a:solidFill>
+                  </a:tcPr>
+                </a:tc>
+                <a:extLst>
+                  <a:ext uri="{0D108BD9-81ED-4DB2-BD59-A6C34878D82A}">
+                    <a16:rowId xmlns:a16="http://schemas.microsoft.com/office/drawing/2014/main" val="221505940"/>
+                  </a:ext>
+                </a:extLst>
+              </a:tr>
+              <a:tr h="140969">
+                <a:tc vMerge="1">
+                  <a:txBody>
+                    <a:bodyPr/>
+                    <a:lstStyle/>
+                    <a:p>
+                      <a:endParaRPr kumimoji="1" lang="ja-JP" altLang="en-US"/>
+                    </a:p>
+                  </a:txBody>
+                  <a:tcPr/>
+                </a:tc>
+                <a:tc vMerge="1">
+                  <a:txBody>
+                    <a:bodyPr/>
+                    <a:lstStyle/>
+                    <a:p>
+                      <a:endParaRPr kumimoji="1" lang="ja-JP" altLang="en-US"/>
+                    </a:p>
+                  </a:txBody>
+                  <a:tcPr/>
+                </a:tc>
+                <a:tc rowSpan="2">
+                  <a:txBody>
+                    <a:bodyPr/>
+                    <a:lstStyle/>
+                    <a:p>
+                      <a:pPr algn="ctr" fontAlgn="ctr"/>
+                      <a:r>
+                        <a:rPr lang="en-US" altLang="ja-JP" sz="1000" u="none" strike="noStrike">
+                          <a:effectLst/>
+                        </a:rPr>
+                        <a:t>1005</a:t>
+                      </a:r>
+                      <a:endParaRPr lang="en-US" altLang="ja-JP" sz="1000" b="0" i="0" u="none" strike="noStrike">
+                        <a:effectLst/>
+                        <a:latin typeface="Meiryo UI" panose="020B0604030504040204" pitchFamily="50" charset="-128"/>
+                        <a:ea typeface="Meiryo UI" panose="020B0604030504040204" pitchFamily="50" charset="-128"/>
+                      </a:endParaRPr>
+                    </a:p>
+                  </a:txBody>
+                  <a:tcPr marL="4728" marR="4728" marT="4728" marB="0" anchor="ctr">
+                    <a:lnL w="12700" cap="flat" cmpd="sng" algn="ctr">
+                      <a:solidFill>
+                        <a:schemeClr val="tx1"/>
+                      </a:solidFill>
+                      <a:prstDash val="solid"/>
+                      <a:round/>
+                      <a:headEnd type="none" w="med" len="med"/>
+                      <a:tailEnd type="none" w="med" len="med"/>
+                    </a:lnL>
+                    <a:lnR w="12700" cap="flat" cmpd="sng" algn="ctr">
+                      <a:solidFill>
+                        <a:schemeClr val="tx1"/>
+                      </a:solidFill>
+                      <a:prstDash val="solid"/>
+                      <a:round/>
+                      <a:headEnd type="none" w="med" len="med"/>
+                      <a:tailEnd type="none" w="med" len="med"/>
+                    </a:lnR>
+                    <a:lnT w="12700" cap="flat" cmpd="sng" algn="ctr">
+                      <a:solidFill>
+                        <a:schemeClr val="tx1"/>
+                      </a:solidFill>
+                      <a:prstDash val="solid"/>
+                      <a:round/>
+                      <a:headEnd type="none" w="med" len="med"/>
+                      <a:tailEnd type="none" w="med" len="med"/>
+                    </a:lnT>
+                    <a:lnB w="12700" cap="flat" cmpd="sng" algn="ctr">
+                      <a:solidFill>
+                        <a:schemeClr val="tx1"/>
+                      </a:solidFill>
+                      <a:prstDash val="solid"/>
+                      <a:round/>
+                      <a:headEnd type="none" w="med" len="med"/>
+                      <a:tailEnd type="none" w="med" len="med"/>
+                    </a:lnB>
+                    <a:solidFill>
+                      <a:schemeClr val="bg1"/>
+                    </a:solidFill>
+                  </a:tcPr>
+                </a:tc>
+                <a:tc>
+                  <a:txBody>
+                    <a:bodyPr/>
+                    <a:lstStyle/>
+                    <a:p>
+                      <a:pPr algn="ctr" fontAlgn="ctr"/>
+                      <a:r>
+                        <a:rPr lang="en-US" altLang="ja-JP" sz="1000" u="none" strike="noStrike" dirty="0">
+                          <a:effectLst/>
+                        </a:rPr>
+                        <a:t>&lt;&lt;</a:t>
+                      </a:r>
+                      <a:r>
+                        <a:rPr lang="ja-JP" altLang="en-US" sz="1000" u="none" strike="noStrike" dirty="0">
+                          <a:effectLst/>
+                        </a:rPr>
+                        <a:t>仕様</a:t>
+                      </a:r>
+                      <a:r>
+                        <a:rPr lang="en-US" altLang="ja-JP" sz="1000" u="none" strike="noStrike" dirty="0">
+                          <a:effectLst/>
+                        </a:rPr>
+                        <a:t>&gt;&gt;</a:t>
+                      </a:r>
+                      <a:r>
+                        <a:rPr lang="ja-JP" altLang="en-US" sz="1000" u="none" strike="noStrike" dirty="0">
+                          <a:effectLst/>
+                        </a:rPr>
+                        <a:t>リブート</a:t>
+                      </a:r>
+                      <a:r>
+                        <a:rPr lang="en-US" altLang="ja-JP" sz="1000" u="none" strike="noStrike" dirty="0">
+                          <a:effectLst/>
+                        </a:rPr>
+                        <a:t>Seq</a:t>
+                      </a:r>
+                      <a:endParaRPr lang="en-US" altLang="ja-JP" sz="1000" b="0" i="0" u="none" strike="noStrike" dirty="0">
+                        <a:effectLst/>
+                        <a:latin typeface="Meiryo UI" panose="020B0604030504040204" pitchFamily="50" charset="-128"/>
+                        <a:ea typeface="Meiryo UI" panose="020B0604030504040204" pitchFamily="50" charset="-128"/>
+                      </a:endParaRPr>
+                    </a:p>
+                  </a:txBody>
+                  <a:tcPr marL="4728" marR="4728" marT="4728" marB="0" anchor="ctr">
+                    <a:lnL w="12700" cap="flat" cmpd="sng" algn="ctr">
+                      <a:solidFill>
+                        <a:schemeClr val="tx1"/>
+                      </a:solidFill>
+                      <a:prstDash val="solid"/>
+                      <a:round/>
+                      <a:headEnd type="none" w="med" len="med"/>
+                      <a:tailEnd type="none" w="med" len="med"/>
+                    </a:lnL>
+                    <a:lnR w="12700" cap="flat" cmpd="sng" algn="ctr">
+                      <a:solidFill>
+                        <a:schemeClr val="tx1"/>
+                      </a:solidFill>
+                      <a:prstDash val="solid"/>
+                      <a:round/>
+                      <a:headEnd type="none" w="med" len="med"/>
+                      <a:tailEnd type="none" w="med" len="med"/>
+                    </a:lnR>
+                    <a:lnT w="12700" cap="flat" cmpd="sng" algn="ctr">
+                      <a:solidFill>
+                        <a:schemeClr val="tx1"/>
+                      </a:solidFill>
+                      <a:prstDash val="solid"/>
+                      <a:round/>
+                      <a:headEnd type="none" w="med" len="med"/>
+                      <a:tailEnd type="none" w="med" len="med"/>
+                    </a:lnT>
+                    <a:lnB w="12700" cap="flat" cmpd="sng" algn="ctr">
+                      <a:solidFill>
+                        <a:schemeClr val="tx1"/>
+                      </a:solidFill>
+                      <a:prstDash val="solid"/>
+                      <a:round/>
+                      <a:headEnd type="none" w="med" len="med"/>
+                      <a:tailEnd type="none" w="med" len="med"/>
+                    </a:lnB>
+                    <a:solidFill>
+                      <a:srgbClr val="BCE292"/>
+                    </a:solidFill>
+                  </a:tcPr>
+                </a:tc>
+                <a:tc>
+                  <a:txBody>
+                    <a:bodyPr/>
+                    <a:lstStyle/>
+                    <a:p>
+                      <a:pPr algn="l" fontAlgn="t"/>
+                      <a:r>
+                        <a:rPr lang="ja-JP" altLang="en-US" sz="1000" u="none" strike="noStrike" dirty="0">
+                          <a:effectLst/>
+                        </a:rPr>
+                        <a:t>アラームリセットの処理を追加</a:t>
+                      </a:r>
+                      <a:endParaRPr lang="ja-JP" altLang="en-US" sz="1000" b="0" i="0" u="none" strike="noStrike" dirty="0">
+                        <a:effectLst/>
+                        <a:latin typeface="Meiryo UI" panose="020B0604030504040204" pitchFamily="50" charset="-128"/>
+                        <a:ea typeface="Meiryo UI" panose="020B0604030504040204" pitchFamily="50" charset="-128"/>
+                      </a:endParaRPr>
+                    </a:p>
+                  </a:txBody>
+                  <a:tcPr marL="4728" marR="4728" marT="4728" marB="0">
+                    <a:lnL w="12700" cap="flat" cmpd="sng" algn="ctr">
+                      <a:solidFill>
+                        <a:schemeClr val="tx1"/>
+                      </a:solidFill>
+                      <a:prstDash val="solid"/>
+                      <a:round/>
+                      <a:headEnd type="none" w="med" len="med"/>
+                      <a:tailEnd type="none" w="med" len="med"/>
+                    </a:lnL>
+                    <a:lnR w="12700" cap="flat" cmpd="sng" algn="ctr">
+                      <a:solidFill>
+                        <a:schemeClr val="tx1"/>
+                      </a:solidFill>
+                      <a:prstDash val="solid"/>
+                      <a:round/>
+                      <a:headEnd type="none" w="med" len="med"/>
+                      <a:tailEnd type="none" w="med" len="med"/>
+                    </a:lnR>
+                    <a:lnT w="12700" cap="flat" cmpd="sng" algn="ctr">
+                      <a:solidFill>
+                        <a:schemeClr val="tx1"/>
+                      </a:solidFill>
+                      <a:prstDash val="solid"/>
+                      <a:round/>
+                      <a:headEnd type="none" w="med" len="med"/>
+                      <a:tailEnd type="none" w="med" len="med"/>
+                    </a:lnT>
+                    <a:lnB w="12700" cap="flat" cmpd="sng" algn="ctr">
+                      <a:solidFill>
+                        <a:schemeClr val="tx1"/>
+                      </a:solidFill>
+                      <a:prstDash val="solid"/>
+                      <a:round/>
+                      <a:headEnd type="none" w="med" len="med"/>
+                      <a:tailEnd type="none" w="med" len="med"/>
+                    </a:lnB>
+                    <a:solidFill>
+                      <a:schemeClr val="tx2">
+                        <a:lumMod val="20000"/>
+                        <a:lumOff val="80000"/>
+                      </a:schemeClr>
+                    </a:solidFill>
+                  </a:tcPr>
+                </a:tc>
+                <a:extLst>
+                  <a:ext uri="{0D108BD9-81ED-4DB2-BD59-A6C34878D82A}">
+                    <a16:rowId xmlns:a16="http://schemas.microsoft.com/office/drawing/2014/main" val="2555102743"/>
+                  </a:ext>
+                </a:extLst>
+              </a:tr>
+              <a:tr h="140969">
+                <a:tc vMerge="1">
+                  <a:txBody>
+                    <a:bodyPr/>
+                    <a:lstStyle/>
+                    <a:p>
+                      <a:endParaRPr kumimoji="1" lang="ja-JP" altLang="en-US"/>
+                    </a:p>
+                  </a:txBody>
+                  <a:tcPr/>
+                </a:tc>
+                <a:tc vMerge="1">
+                  <a:txBody>
+                    <a:bodyPr/>
+                    <a:lstStyle/>
+                    <a:p>
+                      <a:endParaRPr kumimoji="1" lang="ja-JP" altLang="en-US"/>
+                    </a:p>
+                  </a:txBody>
+                  <a:tcPr/>
+                </a:tc>
+                <a:tc vMerge="1">
+                  <a:txBody>
+                    <a:bodyPr/>
+                    <a:lstStyle/>
+                    <a:p>
+                      <a:endParaRPr kumimoji="1" lang="ja-JP" altLang="en-US"/>
+                    </a:p>
+                  </a:txBody>
+                  <a:tcPr/>
+                </a:tc>
+                <a:tc>
+                  <a:txBody>
+                    <a:bodyPr/>
+                    <a:lstStyle/>
+                    <a:p>
+                      <a:pPr algn="ctr" fontAlgn="ctr"/>
+                      <a:r>
+                        <a:rPr lang="en-US" altLang="ja-JP" sz="1000" u="none" strike="noStrike" dirty="0">
+                          <a:effectLst/>
+                        </a:rPr>
+                        <a:t>&lt;&lt;</a:t>
+                      </a:r>
+                      <a:r>
+                        <a:rPr lang="ja-JP" altLang="en-US" sz="1000" u="none" strike="noStrike" dirty="0">
+                          <a:effectLst/>
+                        </a:rPr>
+                        <a:t>定義</a:t>
+                      </a:r>
+                      <a:r>
+                        <a:rPr lang="en-US" altLang="ja-JP" sz="1000" u="none" strike="noStrike" dirty="0">
+                          <a:effectLst/>
+                        </a:rPr>
+                        <a:t>&gt;&gt;</a:t>
+                      </a:r>
+                      <a:r>
+                        <a:rPr lang="en-US" sz="1000" u="none" strike="noStrike" dirty="0">
+                          <a:effectLst/>
+                        </a:rPr>
+                        <a:t>Command</a:t>
+                      </a:r>
+                      <a:endParaRPr lang="en-US" sz="1000" b="0" i="0" u="none" strike="noStrike" dirty="0">
+                        <a:effectLst/>
+                        <a:latin typeface="Meiryo UI" panose="020B0604030504040204" pitchFamily="50" charset="-128"/>
+                        <a:ea typeface="Meiryo UI" panose="020B0604030504040204" pitchFamily="50" charset="-128"/>
+                      </a:endParaRPr>
+                    </a:p>
+                  </a:txBody>
+                  <a:tcPr marL="4728" marR="4728" marT="4728" marB="0" anchor="ctr">
+                    <a:lnL w="12700" cap="flat" cmpd="sng" algn="ctr">
+                      <a:solidFill>
+                        <a:schemeClr val="tx1"/>
+                      </a:solidFill>
+                      <a:prstDash val="solid"/>
+                      <a:round/>
+                      <a:headEnd type="none" w="med" len="med"/>
+                      <a:tailEnd type="none" w="med" len="med"/>
+                    </a:lnL>
+                    <a:lnR w="12700" cap="flat" cmpd="sng" algn="ctr">
+                      <a:solidFill>
+                        <a:schemeClr val="tx1"/>
+                      </a:solidFill>
+                      <a:prstDash val="solid"/>
+                      <a:round/>
+                      <a:headEnd type="none" w="med" len="med"/>
+                      <a:tailEnd type="none" w="med" len="med"/>
+                    </a:lnR>
+                    <a:lnT w="12700" cap="flat" cmpd="sng" algn="ctr">
+                      <a:solidFill>
+                        <a:schemeClr val="tx1"/>
+                      </a:solidFill>
+                      <a:prstDash val="solid"/>
+                      <a:round/>
+                      <a:headEnd type="none" w="med" len="med"/>
+                      <a:tailEnd type="none" w="med" len="med"/>
+                    </a:lnT>
+                    <a:lnB w="12700" cap="flat" cmpd="sng" algn="ctr">
+                      <a:solidFill>
+                        <a:schemeClr val="tx1"/>
+                      </a:solidFill>
+                      <a:prstDash val="solid"/>
+                      <a:round/>
+                      <a:headEnd type="none" w="med" len="med"/>
+                      <a:tailEnd type="none" w="med" len="med"/>
+                    </a:lnB>
+                    <a:solidFill>
+                      <a:srgbClr val="BCE292"/>
+                    </a:solidFill>
+                  </a:tcPr>
+                </a:tc>
+                <a:tc>
+                  <a:txBody>
+                    <a:bodyPr/>
+                    <a:lstStyle/>
+                    <a:p>
+                      <a:pPr algn="l" fontAlgn="t"/>
+                      <a:r>
+                        <a:rPr lang="ja-JP" altLang="en-US" sz="1000" u="none" strike="noStrike" dirty="0">
+                          <a:effectLst/>
+                        </a:rPr>
+                        <a:t>使用するコマンドの追加</a:t>
+                      </a:r>
+                      <a:endParaRPr lang="ja-JP" altLang="en-US" sz="1000" b="0" i="0" u="none" strike="noStrike" dirty="0">
+                        <a:effectLst/>
+                        <a:latin typeface="Meiryo UI" panose="020B0604030504040204" pitchFamily="50" charset="-128"/>
+                        <a:ea typeface="Meiryo UI" panose="020B0604030504040204" pitchFamily="50" charset="-128"/>
+                      </a:endParaRPr>
+                    </a:p>
+                  </a:txBody>
+                  <a:tcPr marL="4728" marR="4728" marT="4728" marB="0">
+                    <a:lnL w="12700" cap="flat" cmpd="sng" algn="ctr">
+                      <a:solidFill>
+                        <a:schemeClr val="tx1"/>
+                      </a:solidFill>
+                      <a:prstDash val="solid"/>
+                      <a:round/>
+                      <a:headEnd type="none" w="med" len="med"/>
+                      <a:tailEnd type="none" w="med" len="med"/>
+                    </a:lnL>
+                    <a:lnR w="12700" cap="flat" cmpd="sng" algn="ctr">
+                      <a:solidFill>
+                        <a:schemeClr val="tx1"/>
+                      </a:solidFill>
+                      <a:prstDash val="solid"/>
+                      <a:round/>
+                      <a:headEnd type="none" w="med" len="med"/>
+                      <a:tailEnd type="none" w="med" len="med"/>
+                    </a:lnR>
+                    <a:lnT w="12700" cap="flat" cmpd="sng" algn="ctr">
+                      <a:solidFill>
+                        <a:schemeClr val="tx1"/>
+                      </a:solidFill>
+                      <a:prstDash val="solid"/>
+                      <a:round/>
+                      <a:headEnd type="none" w="med" len="med"/>
+                      <a:tailEnd type="none" w="med" len="med"/>
+                    </a:lnT>
+                    <a:lnB w="12700" cap="flat" cmpd="sng" algn="ctr">
+                      <a:solidFill>
+                        <a:schemeClr val="tx1"/>
+                      </a:solidFill>
+                      <a:prstDash val="solid"/>
+                      <a:round/>
+                      <a:headEnd type="none" w="med" len="med"/>
+                      <a:tailEnd type="none" w="med" len="med"/>
+                    </a:lnB>
+                    <a:solidFill>
+                      <a:schemeClr val="tx2">
+                        <a:lumMod val="20000"/>
+                        <a:lumOff val="80000"/>
+                      </a:schemeClr>
+                    </a:solidFill>
+                  </a:tcPr>
+                </a:tc>
+                <a:extLst>
+                  <a:ext uri="{0D108BD9-81ED-4DB2-BD59-A6C34878D82A}">
+                    <a16:rowId xmlns:a16="http://schemas.microsoft.com/office/drawing/2014/main" val="760073714"/>
+                  </a:ext>
+                </a:extLst>
+              </a:tr>
+            </a:tbl>
+          </a:graphicData>
+        </a:graphic>
+      </p:graphicFrame>
+      <p:graphicFrame>
+        <p:nvGraphicFramePr>
+          <p:cNvPr id="6" name="表 5">
+            <a:extLst>
+              <a:ext uri="{FF2B5EF4-FFF2-40B4-BE49-F238E27FC236}">
+                <a16:creationId xmlns:a16="http://schemas.microsoft.com/office/drawing/2014/main" id="{2285FC57-F41B-A307-54C1-8718FA523E96}"/>
+              </a:ext>
+            </a:extLst>
+          </p:cNvPr>
+          <p:cNvGraphicFramePr>
+            <a:graphicFrameLocks noGrp="1"/>
+          </p:cNvGraphicFramePr>
+          <p:nvPr>
+            <p:extLst>
+              <p:ext uri="{D42A27DB-BD31-4B8C-83A1-F6EECF244321}">
+                <p14:modId xmlns:p14="http://schemas.microsoft.com/office/powerpoint/2010/main" val="2955821943"/>
+              </p:ext>
+            </p:extLst>
+          </p:nvPr>
+        </p:nvGraphicFramePr>
+        <p:xfrm>
+          <a:off x="1090086" y="1673739"/>
+          <a:ext cx="9124950" cy="1832688"/>
+        </p:xfrm>
+        <a:graphic>
+          <a:graphicData uri="http://schemas.openxmlformats.org/drawingml/2006/table">
+            <a:tbl>
+              <a:tblPr>
+                <a:tableStyleId>{5C22544A-7EE6-4342-B048-85BDC9FD1C3A}</a:tableStyleId>
+              </a:tblPr>
+              <a:tblGrid>
+                <a:gridCol w="346517">
+                  <a:extLst>
+                    <a:ext uri="{9D8B030D-6E8A-4147-A177-3AD203B41FA5}">
+                      <a16:colId xmlns:a16="http://schemas.microsoft.com/office/drawing/2014/main" val="4083839216"/>
+                    </a:ext>
+                  </a:extLst>
+                </a:gridCol>
+                <a:gridCol w="1016497">
+                  <a:extLst>
+                    <a:ext uri="{9D8B030D-6E8A-4147-A177-3AD203B41FA5}">
+                      <a16:colId xmlns:a16="http://schemas.microsoft.com/office/drawing/2014/main" val="2575359680"/>
+                    </a:ext>
+                  </a:extLst>
+                </a:gridCol>
+                <a:gridCol w="679318">
+                  <a:extLst>
+                    <a:ext uri="{9D8B030D-6E8A-4147-A177-3AD203B41FA5}">
+                      <a16:colId xmlns:a16="http://schemas.microsoft.com/office/drawing/2014/main" val="483634889"/>
+                    </a:ext>
+                  </a:extLst>
+                </a:gridCol>
+                <a:gridCol w="660501">
+                  <a:extLst>
+                    <a:ext uri="{9D8B030D-6E8A-4147-A177-3AD203B41FA5}">
+                      <a16:colId xmlns:a16="http://schemas.microsoft.com/office/drawing/2014/main" val="380606443"/>
+                    </a:ext>
+                  </a:extLst>
+                </a:gridCol>
+                <a:gridCol w="1830331">
+                  <a:extLst>
+                    <a:ext uri="{9D8B030D-6E8A-4147-A177-3AD203B41FA5}">
+                      <a16:colId xmlns:a16="http://schemas.microsoft.com/office/drawing/2014/main" val="2382853123"/>
+                    </a:ext>
+                  </a:extLst>
+                </a:gridCol>
+                <a:gridCol w="1407862">
+                  <a:extLst>
+                    <a:ext uri="{9D8B030D-6E8A-4147-A177-3AD203B41FA5}">
+                      <a16:colId xmlns:a16="http://schemas.microsoft.com/office/drawing/2014/main" val="2233817292"/>
+                    </a:ext>
+                  </a:extLst>
+                </a:gridCol>
+                <a:gridCol w="3183924">
+                  <a:extLst>
+                    <a:ext uri="{9D8B030D-6E8A-4147-A177-3AD203B41FA5}">
+                      <a16:colId xmlns:a16="http://schemas.microsoft.com/office/drawing/2014/main" val="2003177181"/>
+                    </a:ext>
+                  </a:extLst>
+                </a:gridCol>
+              </a:tblGrid>
+              <a:tr h="273786">
+                <a:tc>
+                  <a:txBody>
+                    <a:bodyPr/>
+                    <a:lstStyle/>
+                    <a:p>
+                      <a:pPr algn="l" fontAlgn="t"/>
+                      <a:r>
+                        <a:rPr lang="en-US" sz="900" u="none" strike="noStrike" dirty="0">
+                          <a:effectLst/>
+                          <a:latin typeface="+mn-lt"/>
+                        </a:rPr>
+                        <a:t>Rev</a:t>
+                      </a:r>
+                      <a:endParaRPr lang="en-US" sz="900" b="1" i="0" u="none" strike="noStrike" dirty="0">
+                        <a:effectLst/>
+                        <a:latin typeface="+mn-lt"/>
+                        <a:ea typeface="Meiryo UI" panose="020B0604030504040204" pitchFamily="50" charset="-128"/>
+                      </a:endParaRPr>
+                    </a:p>
+                  </a:txBody>
+                  <a:tcPr marL="5587" marR="5587" marT="5587" marB="0">
+                    <a:lnL w="12700" cap="flat" cmpd="sng" algn="ctr">
+                      <a:solidFill>
+                        <a:schemeClr val="tx1"/>
+                      </a:solidFill>
+                      <a:prstDash val="solid"/>
+                      <a:round/>
+                      <a:headEnd type="none" w="med" len="med"/>
+                      <a:tailEnd type="none" w="med" len="med"/>
+                    </a:lnL>
+                    <a:lnT w="12700" cap="flat" cmpd="sng" algn="ctr">
+                      <a:solidFill>
+                        <a:schemeClr val="tx1"/>
+                      </a:solidFill>
+                      <a:prstDash val="solid"/>
+                      <a:round/>
+                      <a:headEnd type="none" w="med" len="med"/>
+                      <a:tailEnd type="none" w="med" len="med"/>
+                    </a:lnT>
+                    <a:lnB w="12700" cap="flat" cmpd="sng" algn="ctr">
+                      <a:solidFill>
+                        <a:schemeClr val="tx1"/>
+                      </a:solidFill>
+                      <a:prstDash val="solid"/>
+                      <a:round/>
+                      <a:headEnd type="none" w="med" len="med"/>
+                      <a:tailEnd type="none" w="med" len="med"/>
+                    </a:lnB>
+                    <a:solidFill>
+                      <a:schemeClr val="tx2">
+                        <a:lumMod val="20000"/>
+                        <a:lumOff val="80000"/>
+                      </a:schemeClr>
+                    </a:solidFill>
+                  </a:tcPr>
+                </a:tc>
+                <a:tc>
+                  <a:txBody>
+                    <a:bodyPr/>
+                    <a:lstStyle/>
+                    <a:p>
+                      <a:pPr algn="l" fontAlgn="t"/>
+                      <a:r>
+                        <a:rPr lang="en-US" sz="900" u="none" strike="noStrike" dirty="0" err="1">
+                          <a:effectLst/>
+                          <a:latin typeface="+mn-lt"/>
+                        </a:rPr>
+                        <a:t>iMCSX</a:t>
+                      </a:r>
+                      <a:r>
+                        <a:rPr lang="ja-JP" altLang="en-US" sz="900" u="none" strike="noStrike" dirty="0">
+                          <a:effectLst/>
+                          <a:latin typeface="+mn-lt"/>
+                        </a:rPr>
+                        <a:t>バージョン</a:t>
+                      </a:r>
+                      <a:endParaRPr lang="ja-JP" altLang="en-US" sz="900" b="1" i="0" u="none" strike="noStrike" dirty="0">
+                        <a:effectLst/>
+                        <a:latin typeface="+mn-lt"/>
+                        <a:ea typeface="Meiryo UI" panose="020B0604030504040204" pitchFamily="50" charset="-128"/>
+                      </a:endParaRPr>
+                    </a:p>
+                  </a:txBody>
+                  <a:tcPr marL="5587" marR="5587" marT="5587" marB="0">
+                    <a:lnT w="12700" cap="flat" cmpd="sng" algn="ctr">
+                      <a:solidFill>
+                        <a:schemeClr val="tx1"/>
+                      </a:solidFill>
+                      <a:prstDash val="solid"/>
+                      <a:round/>
+                      <a:headEnd type="none" w="med" len="med"/>
+                      <a:tailEnd type="none" w="med" len="med"/>
+                    </a:lnT>
+                    <a:lnB w="12700" cap="flat" cmpd="sng" algn="ctr">
+                      <a:solidFill>
+                        <a:schemeClr val="tx1"/>
+                      </a:solidFill>
+                      <a:prstDash val="solid"/>
+                      <a:round/>
+                      <a:headEnd type="none" w="med" len="med"/>
+                      <a:tailEnd type="none" w="med" len="med"/>
+                    </a:lnB>
+                    <a:solidFill>
+                      <a:srgbClr val="BCE292"/>
+                    </a:solidFill>
+                  </a:tcPr>
+                </a:tc>
+                <a:tc>
+                  <a:txBody>
+                    <a:bodyPr/>
+                    <a:lstStyle/>
+                    <a:p>
+                      <a:pPr algn="l" fontAlgn="t"/>
+                      <a:r>
+                        <a:rPr lang="ja-JP" altLang="en-US" sz="900" u="none" strike="noStrike" dirty="0">
+                          <a:effectLst/>
+                          <a:latin typeface="+mn-lt"/>
+                        </a:rPr>
+                        <a:t>発行日</a:t>
+                      </a:r>
+                      <a:endParaRPr lang="ja-JP" altLang="en-US" sz="900" b="1" i="0" u="none" strike="noStrike" dirty="0">
+                        <a:effectLst/>
+                        <a:latin typeface="+mn-lt"/>
+                        <a:ea typeface="Meiryo UI" panose="020B0604030504040204" pitchFamily="50" charset="-128"/>
+                      </a:endParaRPr>
+                    </a:p>
+                  </a:txBody>
+                  <a:tcPr marL="5587" marR="5587" marT="5587" marB="0">
+                    <a:lnT w="12700" cap="flat" cmpd="sng" algn="ctr">
+                      <a:solidFill>
+                        <a:schemeClr val="tx1"/>
+                      </a:solidFill>
+                      <a:prstDash val="solid"/>
+                      <a:round/>
+                      <a:headEnd type="none" w="med" len="med"/>
+                      <a:tailEnd type="none" w="med" len="med"/>
+                    </a:lnT>
+                    <a:lnB w="12700" cap="flat" cmpd="sng" algn="ctr">
+                      <a:solidFill>
+                        <a:schemeClr val="tx1"/>
+                      </a:solidFill>
+                      <a:prstDash val="solid"/>
+                      <a:round/>
+                      <a:headEnd type="none" w="med" len="med"/>
+                      <a:tailEnd type="none" w="med" len="med"/>
+                    </a:lnB>
+                    <a:solidFill>
+                      <a:schemeClr val="tx2">
+                        <a:lumMod val="20000"/>
+                        <a:lumOff val="80000"/>
+                      </a:schemeClr>
+                    </a:solidFill>
+                  </a:tcPr>
+                </a:tc>
+                <a:tc>
+                  <a:txBody>
+                    <a:bodyPr/>
+                    <a:lstStyle/>
+                    <a:p>
+                      <a:pPr algn="l" fontAlgn="t"/>
+                      <a:r>
+                        <a:rPr lang="ja-JP" altLang="en-US" sz="900" u="none" strike="noStrike" dirty="0">
+                          <a:effectLst/>
+                          <a:latin typeface="+mn-lt"/>
+                        </a:rPr>
+                        <a:t>発行者</a:t>
+                      </a:r>
+                      <a:endParaRPr lang="ja-JP" altLang="en-US" sz="900" b="1" i="0" u="none" strike="noStrike" dirty="0">
+                        <a:effectLst/>
+                        <a:latin typeface="+mn-lt"/>
+                        <a:ea typeface="Meiryo UI" panose="020B0604030504040204" pitchFamily="50" charset="-128"/>
+                      </a:endParaRPr>
+                    </a:p>
+                  </a:txBody>
+                  <a:tcPr marL="5587" marR="5587" marT="5587" marB="0">
+                    <a:lnT w="12700" cap="flat" cmpd="sng" algn="ctr">
+                      <a:solidFill>
+                        <a:schemeClr val="tx1"/>
+                      </a:solidFill>
+                      <a:prstDash val="solid"/>
+                      <a:round/>
+                      <a:headEnd type="none" w="med" len="med"/>
+                      <a:tailEnd type="none" w="med" len="med"/>
+                    </a:lnT>
+                    <a:lnB w="12700" cap="flat" cmpd="sng" algn="ctr">
+                      <a:solidFill>
+                        <a:schemeClr val="tx1"/>
+                      </a:solidFill>
+                      <a:prstDash val="solid"/>
+                      <a:round/>
+                      <a:headEnd type="none" w="med" len="med"/>
+                      <a:tailEnd type="none" w="med" len="med"/>
+                    </a:lnB>
+                    <a:solidFill>
+                      <a:srgbClr val="BCE292"/>
+                    </a:solidFill>
+                  </a:tcPr>
+                </a:tc>
+                <a:tc>
+                  <a:txBody>
+                    <a:bodyPr/>
+                    <a:lstStyle/>
+                    <a:p>
+                      <a:pPr algn="l" fontAlgn="t"/>
+                      <a:r>
+                        <a:rPr lang="ja-JP" altLang="en-US" sz="900" u="none" strike="noStrike" dirty="0">
+                          <a:effectLst/>
+                          <a:latin typeface="+mn-lt"/>
+                        </a:rPr>
+                        <a:t>開発</a:t>
+                      </a:r>
+                      <a:r>
+                        <a:rPr lang="en-US" sz="900" u="none" strike="noStrike" dirty="0">
+                          <a:effectLst/>
+                          <a:latin typeface="+mn-lt"/>
+                        </a:rPr>
+                        <a:t>ID</a:t>
+                      </a:r>
+                      <a:r>
+                        <a:rPr lang="ja-JP" altLang="en-US" sz="900" u="none" strike="noStrike" dirty="0">
+                          <a:effectLst/>
+                          <a:latin typeface="+mn-lt"/>
+                        </a:rPr>
+                        <a:t>名</a:t>
+                      </a:r>
+                      <a:endParaRPr lang="ja-JP" altLang="en-US" sz="900" b="1" i="0" u="none" strike="noStrike" dirty="0">
+                        <a:effectLst/>
+                        <a:latin typeface="+mn-lt"/>
+                        <a:ea typeface="Meiryo UI" panose="020B0604030504040204" pitchFamily="50" charset="-128"/>
+                      </a:endParaRPr>
+                    </a:p>
+                  </a:txBody>
+                  <a:tcPr marL="5587" marR="5587" marT="5587" marB="0">
+                    <a:lnT w="12700" cap="flat" cmpd="sng" algn="ctr">
+                      <a:solidFill>
+                        <a:schemeClr val="tx1"/>
+                      </a:solidFill>
+                      <a:prstDash val="solid"/>
+                      <a:round/>
+                      <a:headEnd type="none" w="med" len="med"/>
+                      <a:tailEnd type="none" w="med" len="med"/>
+                    </a:lnT>
+                    <a:lnB w="12700" cap="flat" cmpd="sng" algn="ctr">
+                      <a:solidFill>
+                        <a:schemeClr val="tx1"/>
+                      </a:solidFill>
+                      <a:prstDash val="solid"/>
+                      <a:round/>
+                      <a:headEnd type="none" w="med" len="med"/>
+                      <a:tailEnd type="none" w="med" len="med"/>
+                    </a:lnB>
+                    <a:solidFill>
+                      <a:schemeClr val="tx2">
+                        <a:lumMod val="20000"/>
+                        <a:lumOff val="80000"/>
+                      </a:schemeClr>
+                    </a:solidFill>
+                  </a:tcPr>
+                </a:tc>
+                <a:tc>
+                  <a:txBody>
+                    <a:bodyPr/>
+                    <a:lstStyle/>
+                    <a:p>
+                      <a:pPr algn="l" fontAlgn="t"/>
+                      <a:r>
+                        <a:rPr lang="ja-JP" altLang="en-US" sz="900" u="none" strike="noStrike" dirty="0">
+                          <a:effectLst/>
+                          <a:latin typeface="+mn-lt"/>
+                        </a:rPr>
+                        <a:t>変更シート</a:t>
+                      </a:r>
+                      <a:endParaRPr lang="ja-JP" altLang="en-US" sz="900" b="1" i="0" u="none" strike="noStrike" dirty="0">
+                        <a:effectLst/>
+                        <a:latin typeface="+mn-lt"/>
+                        <a:ea typeface="Meiryo UI" panose="020B0604030504040204" pitchFamily="50" charset="-128"/>
+                      </a:endParaRPr>
+                    </a:p>
+                  </a:txBody>
+                  <a:tcPr marL="5587" marR="5587" marT="5587" marB="0">
+                    <a:lnT w="12700" cap="flat" cmpd="sng" algn="ctr">
+                      <a:solidFill>
+                        <a:schemeClr val="tx1"/>
+                      </a:solidFill>
+                      <a:prstDash val="solid"/>
+                      <a:round/>
+                      <a:headEnd type="none" w="med" len="med"/>
+                      <a:tailEnd type="none" w="med" len="med"/>
+                    </a:lnT>
+                    <a:lnB w="12700" cap="flat" cmpd="sng" algn="ctr">
+                      <a:solidFill>
+                        <a:schemeClr val="tx1"/>
+                      </a:solidFill>
+                      <a:prstDash val="solid"/>
+                      <a:round/>
+                      <a:headEnd type="none" w="med" len="med"/>
+                      <a:tailEnd type="none" w="med" len="med"/>
+                    </a:lnB>
+                    <a:solidFill>
+                      <a:srgbClr val="BCE292"/>
+                    </a:solidFill>
+                  </a:tcPr>
+                </a:tc>
+                <a:tc>
+                  <a:txBody>
+                    <a:bodyPr/>
+                    <a:lstStyle/>
+                    <a:p>
+                      <a:pPr algn="l" fontAlgn="t"/>
+                      <a:r>
+                        <a:rPr lang="ja-JP" altLang="en-US" sz="900" u="none" strike="noStrike" dirty="0">
+                          <a:effectLst/>
+                          <a:latin typeface="+mn-lt"/>
+                        </a:rPr>
+                        <a:t>主な変更内容</a:t>
+                      </a:r>
+                      <a:endParaRPr lang="ja-JP" altLang="en-US" sz="900" b="1" i="0" u="none" strike="noStrike" dirty="0">
+                        <a:effectLst/>
+                        <a:latin typeface="+mn-lt"/>
+                        <a:ea typeface="Meiryo UI" panose="020B0604030504040204" pitchFamily="50" charset="-128"/>
+                      </a:endParaRPr>
+                    </a:p>
+                  </a:txBody>
+                  <a:tcPr marL="5587" marR="5587" marT="5587" marB="0">
+                    <a:lnR w="12700" cap="flat" cmpd="sng" algn="ctr">
+                      <a:solidFill>
+                        <a:schemeClr val="tx1"/>
+                      </a:solidFill>
+                      <a:prstDash val="solid"/>
+                      <a:round/>
+                      <a:headEnd type="none" w="med" len="med"/>
+                      <a:tailEnd type="none" w="med" len="med"/>
+                    </a:lnR>
+                    <a:lnT w="12700" cap="flat" cmpd="sng" algn="ctr">
+                      <a:solidFill>
+                        <a:schemeClr val="tx1"/>
+                      </a:solidFill>
+                      <a:prstDash val="solid"/>
+                      <a:round/>
+                      <a:headEnd type="none" w="med" len="med"/>
+                      <a:tailEnd type="none" w="med" len="med"/>
+                    </a:lnT>
+                    <a:lnB w="12700" cap="flat" cmpd="sng" algn="ctr">
+                      <a:solidFill>
+                        <a:schemeClr val="tx1"/>
+                      </a:solidFill>
+                      <a:prstDash val="solid"/>
+                      <a:round/>
+                      <a:headEnd type="none" w="med" len="med"/>
+                      <a:tailEnd type="none" w="med" len="med"/>
+                    </a:lnB>
+                    <a:solidFill>
+                      <a:schemeClr val="tx2">
+                        <a:lumMod val="20000"/>
+                        <a:lumOff val="80000"/>
+                      </a:schemeClr>
+                    </a:solidFill>
+                  </a:tcPr>
+                </a:tc>
+                <a:extLst>
+                  <a:ext uri="{0D108BD9-81ED-4DB2-BD59-A6C34878D82A}">
+                    <a16:rowId xmlns:a16="http://schemas.microsoft.com/office/drawing/2014/main" val="606433559"/>
+                  </a:ext>
+                </a:extLst>
+              </a:tr>
+              <a:tr h="301723">
+                <a:tc>
+                  <a:txBody>
+                    <a:bodyPr/>
+                    <a:lstStyle/>
+                    <a:p>
+                      <a:pPr algn="ctr" fontAlgn="ctr"/>
+                      <a:r>
+                        <a:rPr lang="en-US" altLang="ja-JP" sz="900" u="none" strike="noStrike" dirty="0">
+                          <a:effectLst/>
+                          <a:latin typeface="+mn-lt"/>
+                        </a:rPr>
+                        <a:t>1004</a:t>
+                      </a:r>
+                      <a:endParaRPr lang="en-US" altLang="ja-JP" sz="900" b="0" i="0" u="none" strike="noStrike" dirty="0">
+                        <a:effectLst/>
+                        <a:latin typeface="+mn-lt"/>
+                        <a:ea typeface="Meiryo UI" panose="020B0604030504040204" pitchFamily="50" charset="-128"/>
+                      </a:endParaRPr>
+                    </a:p>
+                  </a:txBody>
+                  <a:tcPr marL="5587" marR="5587" marT="5587" marB="0" anchor="ctr">
+                    <a:lnL w="12700" cap="flat" cmpd="sng" algn="ctr">
+                      <a:solidFill>
+                        <a:schemeClr val="tx1"/>
+                      </a:solidFill>
+                      <a:prstDash val="solid"/>
+                      <a:round/>
+                      <a:headEnd type="none" w="med" len="med"/>
+                      <a:tailEnd type="none" w="med" len="med"/>
+                    </a:lnL>
+                    <a:lnT w="12700" cap="flat" cmpd="sng" algn="ctr">
+                      <a:solidFill>
+                        <a:schemeClr val="tx1"/>
+                      </a:solidFill>
+                      <a:prstDash val="solid"/>
+                      <a:round/>
+                      <a:headEnd type="none" w="med" len="med"/>
+                      <a:tailEnd type="none" w="med" len="med"/>
+                    </a:lnT>
+                    <a:solidFill>
+                      <a:schemeClr val="tx2">
+                        <a:lumMod val="20000"/>
+                        <a:lumOff val="80000"/>
+                      </a:schemeClr>
+                    </a:solidFill>
+                  </a:tcPr>
+                </a:tc>
+                <a:tc>
+                  <a:txBody>
+                    <a:bodyPr/>
+                    <a:lstStyle/>
+                    <a:p>
+                      <a:pPr algn="ctr" fontAlgn="ctr"/>
+                      <a:r>
+                        <a:rPr lang="en-US" altLang="ja-JP" sz="900" u="none" strike="noStrike" dirty="0">
+                          <a:effectLst/>
+                          <a:latin typeface="+mn-lt"/>
+                        </a:rPr>
+                        <a:t>1.85.00</a:t>
+                      </a:r>
+                      <a:endParaRPr lang="en-US" altLang="ja-JP" sz="900" b="0" i="0" u="none" strike="noStrike" dirty="0">
+                        <a:effectLst/>
+                        <a:latin typeface="+mn-lt"/>
+                        <a:ea typeface="Meiryo UI" panose="020B0604030504040204" pitchFamily="50" charset="-128"/>
+                      </a:endParaRPr>
+                    </a:p>
+                  </a:txBody>
+                  <a:tcPr marL="5587" marR="5587" marT="5587" marB="0" anchor="ctr">
+                    <a:lnT w="12700" cap="flat" cmpd="sng" algn="ctr">
+                      <a:solidFill>
+                        <a:schemeClr val="tx1"/>
+                      </a:solidFill>
+                      <a:prstDash val="solid"/>
+                      <a:round/>
+                      <a:headEnd type="none" w="med" len="med"/>
+                      <a:tailEnd type="none" w="med" len="med"/>
+                    </a:lnT>
+                    <a:solidFill>
+                      <a:srgbClr val="BCE292"/>
+                    </a:solidFill>
+                  </a:tcPr>
+                </a:tc>
+                <a:tc>
+                  <a:txBody>
+                    <a:bodyPr/>
+                    <a:lstStyle/>
+                    <a:p>
+                      <a:pPr algn="ctr" fontAlgn="ctr"/>
+                      <a:r>
+                        <a:rPr lang="en-US" altLang="ja-JP" sz="900" u="none" strike="noStrike" dirty="0">
+                          <a:effectLst/>
+                          <a:latin typeface="+mn-lt"/>
+                        </a:rPr>
+                        <a:t>2020/3/11</a:t>
+                      </a:r>
+                      <a:endParaRPr lang="en-US" altLang="ja-JP" sz="900" b="0" i="0" u="none" strike="noStrike" dirty="0">
+                        <a:effectLst/>
+                        <a:latin typeface="+mn-lt"/>
+                        <a:ea typeface="Meiryo UI" panose="020B0604030504040204" pitchFamily="50" charset="-128"/>
+                      </a:endParaRPr>
+                    </a:p>
+                  </a:txBody>
+                  <a:tcPr marL="5587" marR="5587" marT="5587" marB="0" anchor="ctr">
+                    <a:lnT w="12700" cap="flat" cmpd="sng" algn="ctr">
+                      <a:solidFill>
+                        <a:schemeClr val="tx1"/>
+                      </a:solidFill>
+                      <a:prstDash val="solid"/>
+                      <a:round/>
+                      <a:headEnd type="none" w="med" len="med"/>
+                      <a:tailEnd type="none" w="med" len="med"/>
+                    </a:lnT>
+                    <a:solidFill>
+                      <a:schemeClr val="tx2">
+                        <a:lumMod val="20000"/>
+                        <a:lumOff val="80000"/>
+                      </a:schemeClr>
+                    </a:solidFill>
+                  </a:tcPr>
+                </a:tc>
+                <a:tc>
+                  <a:txBody>
+                    <a:bodyPr/>
+                    <a:lstStyle/>
+                    <a:p>
+                      <a:pPr algn="ctr" fontAlgn="ctr"/>
+                      <a:r>
+                        <a:rPr lang="en-US" altLang="ja-JP" sz="900" b="0" i="0" u="none" strike="noStrike" dirty="0">
+                          <a:effectLst/>
+                          <a:latin typeface="+mn-lt"/>
+                          <a:ea typeface="Meiryo UI" panose="020B0604030504040204" pitchFamily="50" charset="-128"/>
+                        </a:rPr>
+                        <a:t>XXX</a:t>
+                      </a:r>
+                    </a:p>
+                  </a:txBody>
+                  <a:tcPr marL="5587" marR="5587" marT="5587" marB="0" anchor="ctr">
+                    <a:lnT w="12700" cap="flat" cmpd="sng" algn="ctr">
+                      <a:solidFill>
+                        <a:schemeClr val="tx1"/>
+                      </a:solidFill>
+                      <a:prstDash val="solid"/>
+                      <a:round/>
+                      <a:headEnd type="none" w="med" len="med"/>
+                      <a:tailEnd type="none" w="med" len="med"/>
+                    </a:lnT>
+                    <a:solidFill>
+                      <a:srgbClr val="BCE292"/>
+                    </a:solidFill>
+                  </a:tcPr>
+                </a:tc>
+                <a:tc>
+                  <a:txBody>
+                    <a:bodyPr/>
+                    <a:lstStyle/>
+                    <a:p>
+                      <a:pPr marL="0" marR="0" lvl="0" indent="0" algn="ctr" defTabSz="914377" rtl="0" eaLnBrk="1" fontAlgn="ctr" latinLnBrk="0" hangingPunct="1">
+                        <a:lnSpc>
+                          <a:spcPct val="100000"/>
+                        </a:lnSpc>
+                        <a:spcBef>
+                          <a:spcPts val="0"/>
+                        </a:spcBef>
+                        <a:spcAft>
+                          <a:spcPts val="0"/>
+                        </a:spcAft>
+                        <a:buClrTx/>
+                        <a:buSzTx/>
+                        <a:buFontTx/>
+                        <a:buNone/>
+                        <a:tabLst/>
+                        <a:defRPr/>
+                      </a:pPr>
+                      <a:r>
+                        <a:rPr lang="en-US" sz="900" u="none" strike="noStrike" dirty="0">
+                          <a:effectLst/>
+                          <a:latin typeface="+mn-lt"/>
+                        </a:rPr>
+                        <a:t>iMCSX-0201598</a:t>
+                      </a:r>
+                      <a:r>
+                        <a:rPr lang="ja-JP" altLang="en-US" sz="900" u="none" strike="noStrike" dirty="0">
+                          <a:effectLst/>
+                          <a:latin typeface="+mn-lt"/>
+                        </a:rPr>
+                        <a:t>　</a:t>
+                      </a:r>
+                      <a:r>
+                        <a:rPr lang="en-US" altLang="ja-JP" sz="900" u="none" strike="noStrike" dirty="0" err="1">
+                          <a:effectLst/>
+                          <a:latin typeface="+mn-lt"/>
+                        </a:rPr>
+                        <a:t>iHC</a:t>
+                      </a:r>
+                      <a:r>
+                        <a:rPr lang="en-US" altLang="ja-JP" sz="900" u="none" strike="noStrike" dirty="0">
+                          <a:effectLst/>
+                          <a:latin typeface="+mn-lt"/>
+                        </a:rPr>
+                        <a:t> Reset </a:t>
+                      </a:r>
+                      <a:r>
+                        <a:rPr lang="ja-JP" altLang="en-US" sz="900" u="none" strike="noStrike" dirty="0">
+                          <a:effectLst/>
+                          <a:latin typeface="+mn-lt"/>
+                        </a:rPr>
+                        <a:t>対応</a:t>
+                      </a:r>
+                      <a:endParaRPr lang="ja-JP" altLang="en-US" sz="900" b="0" i="0" u="none" strike="noStrike" dirty="0">
+                        <a:effectLst/>
+                        <a:latin typeface="+mn-lt"/>
+                        <a:ea typeface="Meiryo UI" panose="020B0604030504040204" pitchFamily="50" charset="-128"/>
+                      </a:endParaRPr>
+                    </a:p>
+                  </a:txBody>
+                  <a:tcPr marL="5587" marR="5587" marT="5587" marB="0" anchor="ctr">
+                    <a:lnT w="12700" cap="flat" cmpd="sng" algn="ctr">
+                      <a:solidFill>
+                        <a:schemeClr val="tx1"/>
+                      </a:solidFill>
+                      <a:prstDash val="solid"/>
+                      <a:round/>
+                      <a:headEnd type="none" w="med" len="med"/>
+                      <a:tailEnd type="none" w="med" len="med"/>
+                    </a:lnT>
+                    <a:solidFill>
+                      <a:schemeClr val="tx2">
+                        <a:lumMod val="20000"/>
+                        <a:lumOff val="80000"/>
+                      </a:schemeClr>
+                    </a:solidFill>
+                  </a:tcPr>
+                </a:tc>
+                <a:tc>
+                  <a:txBody>
+                    <a:bodyPr/>
+                    <a:lstStyle/>
+                    <a:p>
+                      <a:pPr algn="ctr" fontAlgn="ctr"/>
+                      <a:r>
+                        <a:rPr lang="en-US" altLang="zh-TW" sz="900" u="none" strike="noStrike" dirty="0">
+                          <a:effectLst/>
+                          <a:latin typeface="+mn-lt"/>
+                        </a:rPr>
+                        <a:t>&lt;&lt;</a:t>
+                      </a:r>
+                      <a:r>
+                        <a:rPr lang="zh-TW" altLang="en-US" sz="900" u="none" strike="noStrike" dirty="0">
+                          <a:effectLst/>
+                          <a:latin typeface="+mn-lt"/>
+                        </a:rPr>
+                        <a:t>仕様</a:t>
+                      </a:r>
+                      <a:r>
+                        <a:rPr lang="en-US" altLang="zh-TW" sz="900" u="none" strike="noStrike" dirty="0">
+                          <a:effectLst/>
+                          <a:latin typeface="+mn-lt"/>
+                        </a:rPr>
+                        <a:t>&gt;&gt;</a:t>
+                      </a:r>
+                      <a:r>
+                        <a:rPr lang="zh-TW" altLang="en-US" sz="900" u="none" strike="noStrike" dirty="0">
+                          <a:effectLst/>
+                          <a:latin typeface="+mn-lt"/>
+                        </a:rPr>
+                        <a:t>機能詳細</a:t>
+                      </a:r>
+                      <a:endParaRPr lang="zh-TW" altLang="en-US" sz="900" b="0" i="0" u="none" strike="noStrike" dirty="0">
+                        <a:effectLst/>
+                        <a:latin typeface="+mn-lt"/>
+                        <a:ea typeface="Meiryo UI" panose="020B0604030504040204" pitchFamily="50" charset="-128"/>
+                      </a:endParaRPr>
+                    </a:p>
+                  </a:txBody>
+                  <a:tcPr marL="5587" marR="5587" marT="5587" marB="0" anchor="ctr">
+                    <a:lnT w="12700" cap="flat" cmpd="sng" algn="ctr">
+                      <a:solidFill>
+                        <a:schemeClr val="tx1"/>
+                      </a:solidFill>
+                      <a:prstDash val="solid"/>
+                      <a:round/>
+                      <a:headEnd type="none" w="med" len="med"/>
+                      <a:tailEnd type="none" w="med" len="med"/>
+                    </a:lnT>
+                    <a:solidFill>
+                      <a:srgbClr val="BCE292"/>
+                    </a:solidFill>
+                  </a:tcPr>
+                </a:tc>
+                <a:tc>
+                  <a:txBody>
+                    <a:bodyPr/>
+                    <a:lstStyle/>
+                    <a:p>
+                      <a:pPr algn="l" fontAlgn="t"/>
+                      <a:r>
+                        <a:rPr lang="ja-JP" altLang="en-US" sz="900" u="none" strike="noStrike" dirty="0">
+                          <a:effectLst/>
+                          <a:latin typeface="+mn-lt"/>
+                        </a:rPr>
+                        <a:t>●リブート準備シーケンスを削除</a:t>
+                      </a:r>
+                      <a:br>
+                        <a:rPr lang="ja-JP" altLang="en-US" sz="900" u="none" strike="noStrike" dirty="0">
+                          <a:effectLst/>
+                          <a:latin typeface="+mn-lt"/>
+                        </a:rPr>
+                      </a:br>
+                      <a:r>
+                        <a:rPr lang="ja-JP" altLang="en-US" sz="900" u="none" strike="noStrike" dirty="0">
+                          <a:effectLst/>
+                          <a:latin typeface="+mn-lt"/>
+                        </a:rPr>
+                        <a:t>●リブート後処理シーケンスを削除</a:t>
+                      </a:r>
+                      <a:endParaRPr lang="ja-JP" altLang="en-US" sz="900" b="0" i="0" u="none" strike="noStrike" dirty="0">
+                        <a:effectLst/>
+                        <a:latin typeface="+mn-lt"/>
+                        <a:ea typeface="Meiryo UI" panose="020B0604030504040204" pitchFamily="50" charset="-128"/>
+                      </a:endParaRPr>
+                    </a:p>
+                  </a:txBody>
+                  <a:tcPr marL="5587" marR="5587" marT="5587" marB="0">
+                    <a:lnR w="12700" cap="flat" cmpd="sng" algn="ctr">
+                      <a:solidFill>
+                        <a:schemeClr val="tx1"/>
+                      </a:solidFill>
+                      <a:prstDash val="solid"/>
+                      <a:round/>
+                      <a:headEnd type="none" w="med" len="med"/>
+                      <a:tailEnd type="none" w="med" len="med"/>
+                    </a:lnR>
+                    <a:lnT w="12700" cap="flat" cmpd="sng" algn="ctr">
+                      <a:solidFill>
+                        <a:schemeClr val="tx1"/>
+                      </a:solidFill>
+                      <a:prstDash val="solid"/>
+                      <a:round/>
+                      <a:headEnd type="none" w="med" len="med"/>
+                      <a:tailEnd type="none" w="med" len="med"/>
+                    </a:lnT>
+                    <a:solidFill>
+                      <a:schemeClr val="tx2">
+                        <a:lumMod val="20000"/>
+                        <a:lumOff val="80000"/>
+                      </a:schemeClr>
+                    </a:solidFill>
+                  </a:tcPr>
+                </a:tc>
+                <a:extLst>
+                  <a:ext uri="{0D108BD9-81ED-4DB2-BD59-A6C34878D82A}">
+                    <a16:rowId xmlns:a16="http://schemas.microsoft.com/office/drawing/2014/main" val="2245097589"/>
+                  </a:ext>
+                </a:extLst>
+              </a:tr>
+              <a:tr h="452584">
+                <a:tc>
+                  <a:txBody>
+                    <a:bodyPr/>
+                    <a:lstStyle/>
+                    <a:p>
+                      <a:pPr algn="ctr" fontAlgn="ctr"/>
+                      <a:r>
+                        <a:rPr lang="ja-JP" altLang="en-US" sz="900" u="none" strike="noStrike" dirty="0">
+                          <a:effectLst/>
+                          <a:latin typeface="+mn-lt"/>
+                        </a:rPr>
+                        <a:t>　</a:t>
+                      </a:r>
+                      <a:endParaRPr lang="ja-JP" altLang="en-US" sz="900" b="0" i="0" u="none" strike="noStrike" dirty="0">
+                        <a:effectLst/>
+                        <a:latin typeface="+mn-lt"/>
+                        <a:ea typeface="Meiryo UI" panose="020B0604030504040204" pitchFamily="50" charset="-128"/>
+                      </a:endParaRPr>
+                    </a:p>
+                  </a:txBody>
+                  <a:tcPr marL="5587" marR="5587" marT="5587" marB="0" anchor="ctr">
+                    <a:lnL w="12700" cap="flat" cmpd="sng" algn="ctr">
+                      <a:solidFill>
+                        <a:schemeClr val="tx1"/>
+                      </a:solidFill>
+                      <a:prstDash val="solid"/>
+                      <a:round/>
+                      <a:headEnd type="none" w="med" len="med"/>
+                      <a:tailEnd type="none" w="med" len="med"/>
+                    </a:lnL>
+                    <a:solidFill>
+                      <a:schemeClr val="tx2">
+                        <a:lumMod val="20000"/>
+                        <a:lumOff val="80000"/>
+                      </a:schemeClr>
+                    </a:solidFill>
+                  </a:tcPr>
+                </a:tc>
+                <a:tc>
+                  <a:txBody>
+                    <a:bodyPr/>
+                    <a:lstStyle/>
+                    <a:p>
+                      <a:pPr algn="ctr" fontAlgn="ctr"/>
+                      <a:r>
+                        <a:rPr lang="ja-JP" altLang="en-US" sz="900" u="none" strike="noStrike" dirty="0">
+                          <a:effectLst/>
+                          <a:latin typeface="+mn-lt"/>
+                        </a:rPr>
+                        <a:t>　</a:t>
+                      </a:r>
+                      <a:endParaRPr lang="ja-JP" altLang="en-US" sz="900" b="0" i="0" u="none" strike="noStrike" dirty="0">
+                        <a:effectLst/>
+                        <a:latin typeface="+mn-lt"/>
+                        <a:ea typeface="Meiryo UI" panose="020B0604030504040204" pitchFamily="50" charset="-128"/>
+                      </a:endParaRPr>
+                    </a:p>
+                  </a:txBody>
+                  <a:tcPr marL="5587" marR="5587" marT="5587" marB="0" anchor="ctr">
+                    <a:solidFill>
+                      <a:srgbClr val="BCE292"/>
+                    </a:solidFill>
+                  </a:tcPr>
+                </a:tc>
+                <a:tc>
+                  <a:txBody>
+                    <a:bodyPr/>
+                    <a:lstStyle/>
+                    <a:p>
+                      <a:pPr algn="ctr" fontAlgn="ctr"/>
+                      <a:r>
+                        <a:rPr lang="ja-JP" altLang="en-US" sz="900" u="none" strike="noStrike" dirty="0">
+                          <a:effectLst/>
+                          <a:latin typeface="+mn-lt"/>
+                        </a:rPr>
+                        <a:t>　</a:t>
+                      </a:r>
+                      <a:endParaRPr lang="ja-JP" altLang="en-US" sz="900" b="0" i="0" u="none" strike="noStrike" dirty="0">
+                        <a:effectLst/>
+                        <a:latin typeface="+mn-lt"/>
+                        <a:ea typeface="Meiryo UI" panose="020B0604030504040204" pitchFamily="50" charset="-128"/>
+                      </a:endParaRPr>
+                    </a:p>
+                  </a:txBody>
+                  <a:tcPr marL="5587" marR="5587" marT="5587" marB="0" anchor="ctr">
+                    <a:solidFill>
+                      <a:schemeClr val="tx2">
+                        <a:lumMod val="20000"/>
+                        <a:lumOff val="80000"/>
+                      </a:schemeClr>
+                    </a:solidFill>
+                  </a:tcPr>
+                </a:tc>
+                <a:tc>
+                  <a:txBody>
+                    <a:bodyPr/>
+                    <a:lstStyle/>
+                    <a:p>
+                      <a:pPr algn="ctr" fontAlgn="ctr"/>
+                      <a:r>
+                        <a:rPr lang="ja-JP" altLang="en-US" sz="900" u="none" strike="noStrike" dirty="0">
+                          <a:effectLst/>
+                          <a:latin typeface="+mn-lt"/>
+                        </a:rPr>
+                        <a:t>　</a:t>
+                      </a:r>
+                      <a:endParaRPr lang="ja-JP" altLang="en-US" sz="900" b="0" i="0" u="none" strike="noStrike" dirty="0">
+                        <a:effectLst/>
+                        <a:latin typeface="+mn-lt"/>
+                        <a:ea typeface="Meiryo UI" panose="020B0604030504040204" pitchFamily="50" charset="-128"/>
+                      </a:endParaRPr>
+                    </a:p>
+                  </a:txBody>
+                  <a:tcPr marL="5587" marR="5587" marT="5587" marB="0" anchor="ctr">
+                    <a:solidFill>
+                      <a:srgbClr val="BCE292"/>
+                    </a:solidFill>
+                  </a:tcPr>
+                </a:tc>
+                <a:tc>
+                  <a:txBody>
+                    <a:bodyPr/>
+                    <a:lstStyle/>
+                    <a:p>
+                      <a:pPr algn="ctr" fontAlgn="ctr"/>
+                      <a:r>
+                        <a:rPr lang="ja-JP" altLang="en-US" sz="900" u="none" strike="noStrike" dirty="0">
+                          <a:effectLst/>
+                          <a:latin typeface="+mn-lt"/>
+                        </a:rPr>
+                        <a:t>　</a:t>
+                      </a:r>
+                      <a:endParaRPr lang="ja-JP" altLang="en-US" sz="900" b="0" i="0" u="none" strike="noStrike" dirty="0">
+                        <a:effectLst/>
+                        <a:latin typeface="+mn-lt"/>
+                        <a:ea typeface="Meiryo UI" panose="020B0604030504040204" pitchFamily="50" charset="-128"/>
+                      </a:endParaRPr>
+                    </a:p>
+                  </a:txBody>
+                  <a:tcPr marL="5587" marR="5587" marT="5587" marB="0" anchor="ctr">
+                    <a:solidFill>
+                      <a:schemeClr val="tx2">
+                        <a:lumMod val="20000"/>
+                        <a:lumOff val="80000"/>
+                      </a:schemeClr>
+                    </a:solidFill>
+                  </a:tcPr>
+                </a:tc>
+                <a:tc>
+                  <a:txBody>
+                    <a:bodyPr/>
+                    <a:lstStyle/>
+                    <a:p>
+                      <a:pPr algn="ctr" fontAlgn="ctr"/>
+                      <a:r>
+                        <a:rPr lang="en-US" altLang="ja-JP" sz="900" u="none" strike="noStrike" dirty="0">
+                          <a:effectLst/>
+                          <a:latin typeface="+mn-lt"/>
+                        </a:rPr>
+                        <a:t>&lt;&lt;</a:t>
+                      </a:r>
+                      <a:r>
+                        <a:rPr lang="ja-JP" altLang="en-US" sz="900" u="none" strike="noStrike" dirty="0">
+                          <a:effectLst/>
+                          <a:latin typeface="+mn-lt"/>
+                        </a:rPr>
+                        <a:t>仕様</a:t>
+                      </a:r>
+                      <a:r>
+                        <a:rPr lang="en-US" altLang="ja-JP" sz="900" u="none" strike="noStrike" dirty="0">
+                          <a:effectLst/>
+                          <a:latin typeface="+mn-lt"/>
+                        </a:rPr>
+                        <a:t>&gt;&gt;</a:t>
+                      </a:r>
+                      <a:r>
+                        <a:rPr lang="ja-JP" altLang="en-US" sz="900" u="none" strike="noStrike" dirty="0">
+                          <a:effectLst/>
+                          <a:latin typeface="+mn-lt"/>
+                        </a:rPr>
+                        <a:t>リブート</a:t>
+                      </a:r>
+                      <a:r>
+                        <a:rPr lang="en-US" altLang="ja-JP" sz="900" u="none" strike="noStrike" dirty="0">
+                          <a:effectLst/>
+                          <a:latin typeface="+mn-lt"/>
+                        </a:rPr>
+                        <a:t>Seq</a:t>
+                      </a:r>
+                      <a:endParaRPr lang="en-US" altLang="ja-JP" sz="900" b="0" i="0" u="none" strike="noStrike" dirty="0">
+                        <a:effectLst/>
+                        <a:latin typeface="+mn-lt"/>
+                        <a:ea typeface="Meiryo UI" panose="020B0604030504040204" pitchFamily="50" charset="-128"/>
+                      </a:endParaRPr>
+                    </a:p>
+                  </a:txBody>
+                  <a:tcPr marL="5587" marR="5587" marT="5587" marB="0" anchor="ctr">
+                    <a:solidFill>
+                      <a:srgbClr val="BCE292"/>
+                    </a:solidFill>
+                  </a:tcPr>
+                </a:tc>
+                <a:tc>
+                  <a:txBody>
+                    <a:bodyPr/>
+                    <a:lstStyle/>
+                    <a:p>
+                      <a:pPr algn="l" fontAlgn="t"/>
+                      <a:r>
+                        <a:rPr lang="ja-JP" altLang="en-US" sz="900" u="none" strike="noStrike" dirty="0">
+                          <a:effectLst/>
+                          <a:latin typeface="+mn-lt"/>
+                        </a:rPr>
+                        <a:t>リブート種別確認の追加</a:t>
+                      </a:r>
+                      <a:br>
+                        <a:rPr lang="ja-JP" altLang="en-US" sz="900" u="none" strike="noStrike" dirty="0">
+                          <a:effectLst/>
+                          <a:latin typeface="+mn-lt"/>
+                        </a:rPr>
+                      </a:br>
+                      <a:r>
+                        <a:rPr lang="ja-JP" altLang="en-US" sz="900" u="none" strike="noStrike" dirty="0">
+                          <a:effectLst/>
+                          <a:latin typeface="+mn-lt"/>
+                        </a:rPr>
+                        <a:t>リセット前処理コマンドのパラメータ指定を</a:t>
+                      </a:r>
+                      <a:r>
+                        <a:rPr lang="en-US" altLang="ja-JP" sz="900" u="none" strike="noStrike" dirty="0">
+                          <a:effectLst/>
+                          <a:latin typeface="+mn-lt"/>
+                        </a:rPr>
+                        <a:t>1</a:t>
+                      </a:r>
+                      <a:r>
+                        <a:rPr lang="ja-JP" altLang="en-US" sz="900" u="none" strike="noStrike" dirty="0">
+                          <a:effectLst/>
+                          <a:latin typeface="+mn-lt"/>
+                        </a:rPr>
+                        <a:t>に固定</a:t>
+                      </a:r>
+                      <a:br>
+                        <a:rPr lang="ja-JP" altLang="en-US" sz="900" u="none" strike="noStrike" dirty="0">
+                          <a:effectLst/>
+                          <a:latin typeface="+mn-lt"/>
+                        </a:rPr>
+                      </a:br>
+                      <a:r>
+                        <a:rPr lang="ja-JP" altLang="en-US" sz="900" u="none" strike="noStrike" dirty="0">
+                          <a:effectLst/>
+                          <a:latin typeface="+mn-lt"/>
+                        </a:rPr>
+                        <a:t>リブートコマンドの</a:t>
+                      </a:r>
+                      <a:r>
+                        <a:rPr lang="en-US" altLang="ja-JP" sz="900" u="none" strike="noStrike" dirty="0">
+                          <a:effectLst/>
+                          <a:latin typeface="+mn-lt"/>
+                        </a:rPr>
+                        <a:t>RSTDTIL</a:t>
+                      </a:r>
+                      <a:r>
+                        <a:rPr lang="ja-JP" altLang="en-US" sz="900" u="none" strike="noStrike" dirty="0">
+                          <a:effectLst/>
+                          <a:latin typeface="+mn-lt"/>
+                        </a:rPr>
+                        <a:t>を削除</a:t>
+                      </a:r>
+                      <a:endParaRPr lang="ja-JP" altLang="en-US" sz="900" b="0" i="0" u="none" strike="noStrike" dirty="0">
+                        <a:effectLst/>
+                        <a:latin typeface="+mn-lt"/>
+                        <a:ea typeface="Meiryo UI" panose="020B0604030504040204" pitchFamily="50" charset="-128"/>
+                      </a:endParaRPr>
+                    </a:p>
+                  </a:txBody>
+                  <a:tcPr marL="5587" marR="5587" marT="5587" marB="0">
+                    <a:lnR w="12700" cap="flat" cmpd="sng" algn="ctr">
+                      <a:solidFill>
+                        <a:schemeClr val="tx1"/>
+                      </a:solidFill>
+                      <a:prstDash val="solid"/>
+                      <a:round/>
+                      <a:headEnd type="none" w="med" len="med"/>
+                      <a:tailEnd type="none" w="med" len="med"/>
+                    </a:lnR>
+                    <a:solidFill>
+                      <a:schemeClr val="tx2">
+                        <a:lumMod val="20000"/>
+                        <a:lumOff val="80000"/>
+                      </a:schemeClr>
+                    </a:solidFill>
+                  </a:tcPr>
+                </a:tc>
+                <a:extLst>
+                  <a:ext uri="{0D108BD9-81ED-4DB2-BD59-A6C34878D82A}">
+                    <a16:rowId xmlns:a16="http://schemas.microsoft.com/office/drawing/2014/main" val="3613085454"/>
+                  </a:ext>
+                </a:extLst>
+              </a:tr>
+              <a:tr h="301723">
+                <a:tc>
+                  <a:txBody>
+                    <a:bodyPr/>
+                    <a:lstStyle/>
+                    <a:p>
+                      <a:pPr algn="ctr" fontAlgn="ctr"/>
+                      <a:r>
+                        <a:rPr lang="ja-JP" altLang="en-US" sz="900" u="none" strike="noStrike" dirty="0">
+                          <a:effectLst/>
+                          <a:latin typeface="+mn-lt"/>
+                        </a:rPr>
+                        <a:t>　</a:t>
+                      </a:r>
+                      <a:endParaRPr lang="ja-JP" altLang="en-US" sz="900" b="0" i="0" u="none" strike="noStrike" dirty="0">
+                        <a:effectLst/>
+                        <a:latin typeface="+mn-lt"/>
+                        <a:ea typeface="Meiryo UI" panose="020B0604030504040204" pitchFamily="50" charset="-128"/>
+                      </a:endParaRPr>
+                    </a:p>
+                  </a:txBody>
+                  <a:tcPr marL="5587" marR="5587" marT="5587" marB="0" anchor="ctr">
+                    <a:lnL w="12700" cap="flat" cmpd="sng" algn="ctr">
+                      <a:solidFill>
+                        <a:schemeClr val="tx1"/>
+                      </a:solidFill>
+                      <a:prstDash val="solid"/>
+                      <a:round/>
+                      <a:headEnd type="none" w="med" len="med"/>
+                      <a:tailEnd type="none" w="med" len="med"/>
+                    </a:lnL>
+                    <a:solidFill>
+                      <a:schemeClr val="tx2">
+                        <a:lumMod val="20000"/>
+                        <a:lumOff val="80000"/>
+                      </a:schemeClr>
+                    </a:solidFill>
+                  </a:tcPr>
+                </a:tc>
+                <a:tc>
+                  <a:txBody>
+                    <a:bodyPr/>
+                    <a:lstStyle/>
+                    <a:p>
+                      <a:pPr algn="ctr" fontAlgn="ctr"/>
+                      <a:r>
+                        <a:rPr lang="ja-JP" altLang="en-US" sz="900" u="none" strike="noStrike" dirty="0">
+                          <a:effectLst/>
+                          <a:latin typeface="+mn-lt"/>
+                        </a:rPr>
+                        <a:t>　</a:t>
+                      </a:r>
+                      <a:endParaRPr lang="ja-JP" altLang="en-US" sz="900" b="0" i="0" u="none" strike="noStrike" dirty="0">
+                        <a:effectLst/>
+                        <a:latin typeface="+mn-lt"/>
+                        <a:ea typeface="Meiryo UI" panose="020B0604030504040204" pitchFamily="50" charset="-128"/>
+                      </a:endParaRPr>
+                    </a:p>
+                  </a:txBody>
+                  <a:tcPr marL="5587" marR="5587" marT="5587" marB="0" anchor="ctr">
+                    <a:solidFill>
+                      <a:srgbClr val="BCE292"/>
+                    </a:solidFill>
+                  </a:tcPr>
+                </a:tc>
+                <a:tc>
+                  <a:txBody>
+                    <a:bodyPr/>
+                    <a:lstStyle/>
+                    <a:p>
+                      <a:pPr algn="ctr" fontAlgn="ctr"/>
+                      <a:r>
+                        <a:rPr lang="ja-JP" altLang="en-US" sz="900" u="none" strike="noStrike" dirty="0">
+                          <a:effectLst/>
+                          <a:latin typeface="+mn-lt"/>
+                        </a:rPr>
+                        <a:t>　</a:t>
+                      </a:r>
+                      <a:endParaRPr lang="ja-JP" altLang="en-US" sz="900" b="0" i="0" u="none" strike="noStrike" dirty="0">
+                        <a:effectLst/>
+                        <a:latin typeface="+mn-lt"/>
+                        <a:ea typeface="Meiryo UI" panose="020B0604030504040204" pitchFamily="50" charset="-128"/>
+                      </a:endParaRPr>
+                    </a:p>
+                  </a:txBody>
+                  <a:tcPr marL="5587" marR="5587" marT="5587" marB="0" anchor="ctr">
+                    <a:solidFill>
+                      <a:schemeClr val="tx2">
+                        <a:lumMod val="20000"/>
+                        <a:lumOff val="80000"/>
+                      </a:schemeClr>
+                    </a:solidFill>
+                  </a:tcPr>
+                </a:tc>
+                <a:tc>
+                  <a:txBody>
+                    <a:bodyPr/>
+                    <a:lstStyle/>
+                    <a:p>
+                      <a:pPr algn="ctr" fontAlgn="ctr"/>
+                      <a:r>
+                        <a:rPr lang="ja-JP" altLang="en-US" sz="900" u="none" strike="noStrike" dirty="0">
+                          <a:effectLst/>
+                          <a:latin typeface="+mn-lt"/>
+                        </a:rPr>
+                        <a:t>　</a:t>
+                      </a:r>
+                      <a:endParaRPr lang="ja-JP" altLang="en-US" sz="900" b="0" i="0" u="none" strike="noStrike" dirty="0">
+                        <a:effectLst/>
+                        <a:latin typeface="+mn-lt"/>
+                        <a:ea typeface="Meiryo UI" panose="020B0604030504040204" pitchFamily="50" charset="-128"/>
+                      </a:endParaRPr>
+                    </a:p>
+                  </a:txBody>
+                  <a:tcPr marL="5587" marR="5587" marT="5587" marB="0" anchor="ctr">
+                    <a:solidFill>
+                      <a:srgbClr val="BCE292"/>
+                    </a:solidFill>
+                  </a:tcPr>
+                </a:tc>
+                <a:tc>
+                  <a:txBody>
+                    <a:bodyPr/>
+                    <a:lstStyle/>
+                    <a:p>
+                      <a:pPr algn="ctr" fontAlgn="ctr"/>
+                      <a:r>
+                        <a:rPr lang="ja-JP" altLang="en-US" sz="900" u="none" strike="noStrike" dirty="0">
+                          <a:effectLst/>
+                          <a:latin typeface="+mn-lt"/>
+                        </a:rPr>
+                        <a:t>　</a:t>
+                      </a:r>
+                      <a:endParaRPr lang="ja-JP" altLang="en-US" sz="900" b="0" i="0" u="none" strike="noStrike" dirty="0">
+                        <a:effectLst/>
+                        <a:latin typeface="+mn-lt"/>
+                        <a:ea typeface="Meiryo UI" panose="020B0604030504040204" pitchFamily="50" charset="-128"/>
+                      </a:endParaRPr>
+                    </a:p>
+                  </a:txBody>
+                  <a:tcPr marL="5587" marR="5587" marT="5587" marB="0" anchor="ctr">
+                    <a:solidFill>
+                      <a:schemeClr val="tx2">
+                        <a:lumMod val="20000"/>
+                        <a:lumOff val="80000"/>
+                      </a:schemeClr>
+                    </a:solidFill>
+                  </a:tcPr>
+                </a:tc>
+                <a:tc>
+                  <a:txBody>
+                    <a:bodyPr/>
+                    <a:lstStyle/>
+                    <a:p>
+                      <a:pPr algn="ctr" fontAlgn="ctr"/>
+                      <a:r>
+                        <a:rPr lang="en-US" altLang="ja-JP" sz="900" u="none" strike="noStrike" dirty="0">
+                          <a:effectLst/>
+                          <a:latin typeface="+mn-lt"/>
+                        </a:rPr>
+                        <a:t>&lt;&lt;</a:t>
+                      </a:r>
+                      <a:r>
+                        <a:rPr lang="ja-JP" altLang="en-US" sz="900" u="none" strike="noStrike" dirty="0">
+                          <a:effectLst/>
+                          <a:latin typeface="+mn-lt"/>
+                        </a:rPr>
+                        <a:t>定義</a:t>
+                      </a:r>
+                      <a:r>
+                        <a:rPr lang="en-US" altLang="ja-JP" sz="900" u="none" strike="noStrike" dirty="0">
+                          <a:effectLst/>
+                          <a:latin typeface="+mn-lt"/>
+                        </a:rPr>
+                        <a:t>&gt;&gt;</a:t>
+                      </a:r>
+                      <a:r>
+                        <a:rPr lang="en-US" sz="900" u="none" strike="noStrike" dirty="0">
+                          <a:effectLst/>
+                          <a:latin typeface="+mn-lt"/>
+                        </a:rPr>
+                        <a:t>Message</a:t>
+                      </a:r>
+                      <a:endParaRPr lang="en-US" sz="900" b="0" i="0" u="none" strike="noStrike" dirty="0">
+                        <a:effectLst/>
+                        <a:latin typeface="+mn-lt"/>
+                        <a:ea typeface="Meiryo UI" panose="020B0604030504040204" pitchFamily="50" charset="-128"/>
+                      </a:endParaRPr>
+                    </a:p>
+                  </a:txBody>
+                  <a:tcPr marL="5587" marR="5587" marT="5587" marB="0" anchor="ctr">
+                    <a:solidFill>
+                      <a:srgbClr val="BCE292"/>
+                    </a:solidFill>
+                  </a:tcPr>
+                </a:tc>
+                <a:tc>
+                  <a:txBody>
+                    <a:bodyPr/>
+                    <a:lstStyle/>
+                    <a:p>
+                      <a:pPr algn="l" fontAlgn="t"/>
+                      <a:r>
+                        <a:rPr lang="ja-JP" altLang="en-US" sz="900" u="none" strike="noStrike" dirty="0">
+                          <a:effectLst/>
+                          <a:latin typeface="+mn-lt"/>
+                        </a:rPr>
+                        <a:t>リブート後処理開始</a:t>
+                      </a:r>
+                      <a:r>
+                        <a:rPr lang="en-US" altLang="ja-JP" sz="900" u="none" strike="noStrike" dirty="0">
+                          <a:effectLst/>
+                          <a:latin typeface="+mn-lt"/>
+                        </a:rPr>
+                        <a:t>/</a:t>
+                      </a:r>
+                      <a:r>
+                        <a:rPr lang="ja-JP" altLang="en-US" sz="900" u="none" strike="noStrike" dirty="0">
+                          <a:effectLst/>
+                          <a:latin typeface="+mn-lt"/>
+                        </a:rPr>
+                        <a:t>終了イベント</a:t>
+                      </a:r>
+                      <a:br>
+                        <a:rPr lang="ja-JP" altLang="en-US" sz="900" u="none" strike="noStrike" dirty="0">
+                          <a:effectLst/>
+                          <a:latin typeface="+mn-lt"/>
+                        </a:rPr>
+                      </a:br>
+                      <a:r>
+                        <a:rPr lang="en-US" altLang="ja-JP" sz="900" u="none" strike="noStrike" dirty="0" err="1">
+                          <a:effectLst/>
+                          <a:latin typeface="+mn-lt"/>
+                        </a:rPr>
+                        <a:t>Pre→Post</a:t>
+                      </a:r>
+                      <a:endParaRPr lang="en-US" altLang="ja-JP" sz="900" b="0" i="0" u="none" strike="noStrike" dirty="0">
+                        <a:effectLst/>
+                        <a:latin typeface="+mn-lt"/>
+                        <a:ea typeface="Meiryo UI" panose="020B0604030504040204" pitchFamily="50" charset="-128"/>
+                      </a:endParaRPr>
+                    </a:p>
+                  </a:txBody>
+                  <a:tcPr marL="5587" marR="5587" marT="5587" marB="0">
+                    <a:lnR w="12700" cap="flat" cmpd="sng" algn="ctr">
+                      <a:solidFill>
+                        <a:schemeClr val="tx1"/>
+                      </a:solidFill>
+                      <a:prstDash val="solid"/>
+                      <a:round/>
+                      <a:headEnd type="none" w="med" len="med"/>
+                      <a:tailEnd type="none" w="med" len="med"/>
+                    </a:lnR>
+                    <a:solidFill>
+                      <a:schemeClr val="tx2">
+                        <a:lumMod val="20000"/>
+                        <a:lumOff val="80000"/>
+                      </a:schemeClr>
+                    </a:solidFill>
+                  </a:tcPr>
+                </a:tc>
+                <a:extLst>
+                  <a:ext uri="{0D108BD9-81ED-4DB2-BD59-A6C34878D82A}">
+                    <a16:rowId xmlns:a16="http://schemas.microsoft.com/office/drawing/2014/main" val="3935527657"/>
+                  </a:ext>
+                </a:extLst>
+              </a:tr>
+              <a:tr h="167624">
+                <a:tc>
+                  <a:txBody>
+                    <a:bodyPr/>
+                    <a:lstStyle/>
+                    <a:p>
+                      <a:pPr algn="ctr" fontAlgn="ctr"/>
+                      <a:r>
+                        <a:rPr lang="ja-JP" altLang="en-US" sz="900" u="none" strike="noStrike" dirty="0">
+                          <a:effectLst/>
+                          <a:latin typeface="+mn-lt"/>
+                        </a:rPr>
+                        <a:t>　</a:t>
+                      </a:r>
+                      <a:endParaRPr lang="ja-JP" altLang="en-US" sz="900" b="0" i="0" u="none" strike="noStrike" dirty="0">
+                        <a:effectLst/>
+                        <a:latin typeface="+mn-lt"/>
+                        <a:ea typeface="Meiryo UI" panose="020B0604030504040204" pitchFamily="50" charset="-128"/>
+                      </a:endParaRPr>
+                    </a:p>
+                  </a:txBody>
+                  <a:tcPr marL="5587" marR="5587" marT="5587" marB="0" anchor="ctr">
+                    <a:lnL w="12700" cap="flat" cmpd="sng" algn="ctr">
+                      <a:solidFill>
+                        <a:schemeClr val="tx1"/>
+                      </a:solidFill>
+                      <a:prstDash val="solid"/>
+                      <a:round/>
+                      <a:headEnd type="none" w="med" len="med"/>
+                      <a:tailEnd type="none" w="med" len="med"/>
+                    </a:lnL>
+                    <a:lnB w="12700" cap="flat" cmpd="sng" algn="ctr">
+                      <a:solidFill>
+                        <a:schemeClr val="tx1"/>
+                      </a:solidFill>
+                      <a:prstDash val="solid"/>
+                      <a:round/>
+                      <a:headEnd type="none" w="med" len="med"/>
+                      <a:tailEnd type="none" w="med" len="med"/>
+                    </a:lnB>
+                    <a:solidFill>
+                      <a:schemeClr val="tx2">
+                        <a:lumMod val="20000"/>
+                        <a:lumOff val="80000"/>
+                      </a:schemeClr>
+                    </a:solidFill>
+                  </a:tcPr>
+                </a:tc>
+                <a:tc>
+                  <a:txBody>
+                    <a:bodyPr/>
+                    <a:lstStyle/>
+                    <a:p>
+                      <a:pPr algn="ctr" fontAlgn="ctr"/>
+                      <a:r>
+                        <a:rPr lang="ja-JP" altLang="en-US" sz="900" u="none" strike="noStrike" dirty="0">
+                          <a:effectLst/>
+                          <a:latin typeface="+mn-lt"/>
+                        </a:rPr>
+                        <a:t>　</a:t>
+                      </a:r>
+                      <a:endParaRPr lang="ja-JP" altLang="en-US" sz="900" b="0" i="0" u="none" strike="noStrike" dirty="0">
+                        <a:effectLst/>
+                        <a:latin typeface="+mn-lt"/>
+                        <a:ea typeface="Meiryo UI" panose="020B0604030504040204" pitchFamily="50" charset="-128"/>
+                      </a:endParaRPr>
+                    </a:p>
+                  </a:txBody>
+                  <a:tcPr marL="5587" marR="5587" marT="5587" marB="0" anchor="ctr">
+                    <a:lnB w="12700" cap="flat" cmpd="sng" algn="ctr">
+                      <a:solidFill>
+                        <a:schemeClr val="tx1"/>
+                      </a:solidFill>
+                      <a:prstDash val="solid"/>
+                      <a:round/>
+                      <a:headEnd type="none" w="med" len="med"/>
+                      <a:tailEnd type="none" w="med" len="med"/>
+                    </a:lnB>
+                    <a:solidFill>
+                      <a:srgbClr val="BCE292"/>
+                    </a:solidFill>
+                  </a:tcPr>
+                </a:tc>
+                <a:tc>
+                  <a:txBody>
+                    <a:bodyPr/>
+                    <a:lstStyle/>
+                    <a:p>
+                      <a:pPr algn="ctr" fontAlgn="ctr"/>
+                      <a:r>
+                        <a:rPr lang="ja-JP" altLang="en-US" sz="900" u="none" strike="noStrike" dirty="0">
+                          <a:effectLst/>
+                          <a:latin typeface="+mn-lt"/>
+                        </a:rPr>
+                        <a:t>　</a:t>
+                      </a:r>
+                      <a:endParaRPr lang="ja-JP" altLang="en-US" sz="900" b="0" i="0" u="none" strike="noStrike" dirty="0">
+                        <a:effectLst/>
+                        <a:latin typeface="+mn-lt"/>
+                        <a:ea typeface="Meiryo UI" panose="020B0604030504040204" pitchFamily="50" charset="-128"/>
+                      </a:endParaRPr>
+                    </a:p>
+                  </a:txBody>
+                  <a:tcPr marL="5587" marR="5587" marT="5587" marB="0" anchor="ctr">
+                    <a:lnB w="12700" cap="flat" cmpd="sng" algn="ctr">
+                      <a:solidFill>
+                        <a:schemeClr val="tx1"/>
+                      </a:solidFill>
+                      <a:prstDash val="solid"/>
+                      <a:round/>
+                      <a:headEnd type="none" w="med" len="med"/>
+                      <a:tailEnd type="none" w="med" len="med"/>
+                    </a:lnB>
+                    <a:solidFill>
+                      <a:schemeClr val="tx2">
+                        <a:lumMod val="20000"/>
+                        <a:lumOff val="80000"/>
+                      </a:schemeClr>
+                    </a:solidFill>
+                  </a:tcPr>
+                </a:tc>
+                <a:tc>
+                  <a:txBody>
+                    <a:bodyPr/>
+                    <a:lstStyle/>
+                    <a:p>
+                      <a:pPr algn="ctr" fontAlgn="ctr"/>
+                      <a:r>
+                        <a:rPr lang="ja-JP" altLang="en-US" sz="900" u="none" strike="noStrike" dirty="0">
+                          <a:effectLst/>
+                          <a:latin typeface="+mn-lt"/>
+                        </a:rPr>
+                        <a:t>　</a:t>
+                      </a:r>
+                      <a:endParaRPr lang="ja-JP" altLang="en-US" sz="900" b="0" i="0" u="none" strike="noStrike" dirty="0">
+                        <a:effectLst/>
+                        <a:latin typeface="+mn-lt"/>
+                        <a:ea typeface="Meiryo UI" panose="020B0604030504040204" pitchFamily="50" charset="-128"/>
+                      </a:endParaRPr>
+                    </a:p>
+                  </a:txBody>
+                  <a:tcPr marL="5587" marR="5587" marT="5587" marB="0" anchor="ctr">
+                    <a:lnB w="12700" cap="flat" cmpd="sng" algn="ctr">
+                      <a:solidFill>
+                        <a:schemeClr val="tx1"/>
+                      </a:solidFill>
+                      <a:prstDash val="solid"/>
+                      <a:round/>
+                      <a:headEnd type="none" w="med" len="med"/>
+                      <a:tailEnd type="none" w="med" len="med"/>
+                    </a:lnB>
+                    <a:solidFill>
+                      <a:srgbClr val="BCE292"/>
+                    </a:solidFill>
+                  </a:tcPr>
+                </a:tc>
+                <a:tc>
+                  <a:txBody>
+                    <a:bodyPr/>
+                    <a:lstStyle/>
+                    <a:p>
+                      <a:pPr algn="ctr" fontAlgn="ctr"/>
+                      <a:r>
+                        <a:rPr lang="ja-JP" altLang="en-US" sz="900" u="none" strike="noStrike" dirty="0">
+                          <a:effectLst/>
+                          <a:latin typeface="+mn-lt"/>
+                        </a:rPr>
+                        <a:t>　</a:t>
+                      </a:r>
+                      <a:endParaRPr lang="ja-JP" altLang="en-US" sz="900" b="0" i="0" u="none" strike="noStrike" dirty="0">
+                        <a:effectLst/>
+                        <a:latin typeface="+mn-lt"/>
+                        <a:ea typeface="Meiryo UI" panose="020B0604030504040204" pitchFamily="50" charset="-128"/>
+                      </a:endParaRPr>
+                    </a:p>
+                  </a:txBody>
+                  <a:tcPr marL="5587" marR="5587" marT="5587" marB="0" anchor="ctr">
+                    <a:lnB w="12700" cap="flat" cmpd="sng" algn="ctr">
+                      <a:solidFill>
+                        <a:schemeClr val="tx1"/>
+                      </a:solidFill>
+                      <a:prstDash val="solid"/>
+                      <a:round/>
+                      <a:headEnd type="none" w="med" len="med"/>
+                      <a:tailEnd type="none" w="med" len="med"/>
+                    </a:lnB>
+                    <a:solidFill>
+                      <a:schemeClr val="tx2">
+                        <a:lumMod val="20000"/>
+                        <a:lumOff val="80000"/>
+                      </a:schemeClr>
+                    </a:solidFill>
+                  </a:tcPr>
+                </a:tc>
+                <a:tc>
+                  <a:txBody>
+                    <a:bodyPr/>
+                    <a:lstStyle/>
+                    <a:p>
+                      <a:pPr algn="ctr" fontAlgn="ctr"/>
+                      <a:r>
+                        <a:rPr lang="en-US" altLang="ja-JP" sz="900" u="none" strike="noStrike" dirty="0">
+                          <a:effectLst/>
+                          <a:latin typeface="+mn-lt"/>
+                        </a:rPr>
+                        <a:t>&lt;&lt;</a:t>
+                      </a:r>
+                      <a:r>
+                        <a:rPr lang="ja-JP" altLang="en-US" sz="900" u="none" strike="noStrike" dirty="0">
+                          <a:effectLst/>
+                          <a:latin typeface="+mn-lt"/>
+                        </a:rPr>
+                        <a:t>定義</a:t>
+                      </a:r>
+                      <a:r>
+                        <a:rPr lang="en-US" altLang="ja-JP" sz="900" u="none" strike="noStrike" dirty="0">
+                          <a:effectLst/>
+                          <a:latin typeface="+mn-lt"/>
+                        </a:rPr>
+                        <a:t>&gt;&gt;</a:t>
+                      </a:r>
+                      <a:r>
+                        <a:rPr lang="en-US" sz="900" u="none" strike="noStrike" dirty="0">
+                          <a:effectLst/>
+                          <a:latin typeface="+mn-lt"/>
+                        </a:rPr>
+                        <a:t>Command</a:t>
+                      </a:r>
+                      <a:endParaRPr lang="en-US" sz="900" b="0" i="0" u="none" strike="noStrike" dirty="0">
+                        <a:effectLst/>
+                        <a:latin typeface="+mn-lt"/>
+                        <a:ea typeface="Meiryo UI" panose="020B0604030504040204" pitchFamily="50" charset="-128"/>
+                      </a:endParaRPr>
+                    </a:p>
+                  </a:txBody>
+                  <a:tcPr marL="5587" marR="5587" marT="5587" marB="0" anchor="ctr">
+                    <a:lnB w="12700" cap="flat" cmpd="sng" algn="ctr">
+                      <a:solidFill>
+                        <a:schemeClr val="tx1"/>
+                      </a:solidFill>
+                      <a:prstDash val="solid"/>
+                      <a:round/>
+                      <a:headEnd type="none" w="med" len="med"/>
+                      <a:tailEnd type="none" w="med" len="med"/>
+                    </a:lnB>
+                    <a:solidFill>
+                      <a:srgbClr val="BCE292"/>
+                    </a:solidFill>
+                  </a:tcPr>
+                </a:tc>
+                <a:tc>
+                  <a:txBody>
+                    <a:bodyPr/>
+                    <a:lstStyle/>
+                    <a:p>
+                      <a:pPr algn="l" fontAlgn="t"/>
+                      <a:r>
+                        <a:rPr lang="ja-JP" altLang="en-US" sz="900" u="none" strike="noStrike" dirty="0">
+                          <a:effectLst/>
+                          <a:latin typeface="+mn-lt"/>
+                        </a:rPr>
+                        <a:t>使用するコマンドの追加</a:t>
+                      </a:r>
+                      <a:endParaRPr lang="ja-JP" altLang="en-US" sz="900" b="0" i="0" u="none" strike="noStrike" dirty="0">
+                        <a:effectLst/>
+                        <a:latin typeface="+mn-lt"/>
+                        <a:ea typeface="Meiryo UI" panose="020B0604030504040204" pitchFamily="50" charset="-128"/>
+                      </a:endParaRPr>
+                    </a:p>
+                  </a:txBody>
+                  <a:tcPr marL="5587" marR="5587" marT="5587" marB="0">
+                    <a:lnR w="12700" cap="flat" cmpd="sng" algn="ctr">
+                      <a:solidFill>
+                        <a:schemeClr val="tx1"/>
+                      </a:solidFill>
+                      <a:prstDash val="solid"/>
+                      <a:round/>
+                      <a:headEnd type="none" w="med" len="med"/>
+                      <a:tailEnd type="none" w="med" len="med"/>
+                    </a:lnR>
+                    <a:lnB w="12700" cap="flat" cmpd="sng" algn="ctr">
+                      <a:solidFill>
+                        <a:schemeClr val="tx1"/>
+                      </a:solidFill>
+                      <a:prstDash val="solid"/>
+                      <a:round/>
+                      <a:headEnd type="none" w="med" len="med"/>
+                      <a:tailEnd type="none" w="med" len="med"/>
+                    </a:lnB>
+                    <a:solidFill>
+                      <a:schemeClr val="tx2">
+                        <a:lumMod val="20000"/>
+                        <a:lumOff val="80000"/>
+                      </a:schemeClr>
+                    </a:solidFill>
+                  </a:tcPr>
+                </a:tc>
+                <a:extLst>
+                  <a:ext uri="{0D108BD9-81ED-4DB2-BD59-A6C34878D82A}">
+                    <a16:rowId xmlns:a16="http://schemas.microsoft.com/office/drawing/2014/main" val="1783769478"/>
+                  </a:ext>
+                </a:extLst>
+              </a:tr>
+              <a:tr h="167624">
+                <a:tc>
+                  <a:txBody>
+                    <a:bodyPr/>
+                    <a:lstStyle/>
+                    <a:p>
+                      <a:pPr algn="ctr" fontAlgn="ctr"/>
+                      <a:r>
+                        <a:rPr lang="en-US" altLang="ja-JP" sz="900" b="0" i="0" u="none" strike="noStrike" dirty="0">
+                          <a:effectLst/>
+                          <a:latin typeface="+mn-lt"/>
+                          <a:ea typeface="Meiryo UI" panose="020B0604030504040204" pitchFamily="50" charset="-128"/>
+                        </a:rPr>
+                        <a:t>1005</a:t>
+                      </a:r>
+                    </a:p>
+                  </a:txBody>
+                  <a:tcPr marL="6350" marR="6350" marT="6350" marB="0" anchor="ctr">
+                    <a:lnL w="12700" cap="flat" cmpd="sng" algn="ctr">
+                      <a:solidFill>
+                        <a:schemeClr val="tx1"/>
+                      </a:solidFill>
+                      <a:prstDash val="solid"/>
+                      <a:round/>
+                      <a:headEnd type="none" w="med" len="med"/>
+                      <a:tailEnd type="none" w="med" len="med"/>
+                    </a:lnL>
+                    <a:lnT w="12700" cap="flat" cmpd="sng" algn="ctr">
+                      <a:solidFill>
+                        <a:schemeClr val="tx1"/>
+                      </a:solidFill>
+                      <a:prstDash val="solid"/>
+                      <a:round/>
+                      <a:headEnd type="none" w="med" len="med"/>
+                      <a:tailEnd type="none" w="med" len="med"/>
+                    </a:lnT>
+                    <a:solidFill>
+                      <a:schemeClr val="tx2">
+                        <a:lumMod val="20000"/>
+                        <a:lumOff val="80000"/>
+                      </a:schemeClr>
+                    </a:solidFill>
+                  </a:tcPr>
+                </a:tc>
+                <a:tc>
+                  <a:txBody>
+                    <a:bodyPr/>
+                    <a:lstStyle/>
+                    <a:p>
+                      <a:pPr algn="ctr" fontAlgn="ctr"/>
+                      <a:r>
+                        <a:rPr lang="en-US" altLang="ja-JP" sz="900" b="0" i="0" u="none" strike="noStrike">
+                          <a:effectLst/>
+                          <a:latin typeface="+mn-lt"/>
+                          <a:ea typeface="Meiryo UI" panose="020B0604030504040204" pitchFamily="50" charset="-128"/>
+                        </a:rPr>
+                        <a:t>1.85.00</a:t>
+                      </a:r>
+                    </a:p>
+                  </a:txBody>
+                  <a:tcPr marL="6350" marR="6350" marT="6350" marB="0" anchor="ctr">
+                    <a:lnT w="12700" cap="flat" cmpd="sng" algn="ctr">
+                      <a:solidFill>
+                        <a:schemeClr val="tx1"/>
+                      </a:solidFill>
+                      <a:prstDash val="solid"/>
+                      <a:round/>
+                      <a:headEnd type="none" w="med" len="med"/>
+                      <a:tailEnd type="none" w="med" len="med"/>
+                    </a:lnT>
+                    <a:solidFill>
+                      <a:srgbClr val="BCE292"/>
+                    </a:solidFill>
+                  </a:tcPr>
+                </a:tc>
+                <a:tc>
+                  <a:txBody>
+                    <a:bodyPr/>
+                    <a:lstStyle/>
+                    <a:p>
+                      <a:pPr algn="ctr" fontAlgn="ctr"/>
+                      <a:r>
+                        <a:rPr lang="en-US" altLang="ja-JP" sz="900" b="0" i="0" u="none" strike="noStrike">
+                          <a:effectLst/>
+                          <a:latin typeface="+mn-lt"/>
+                          <a:ea typeface="Meiryo UI" panose="020B0604030504040204" pitchFamily="50" charset="-128"/>
+                        </a:rPr>
+                        <a:t>2020/4/1</a:t>
+                      </a:r>
+                    </a:p>
+                  </a:txBody>
+                  <a:tcPr marL="6350" marR="6350" marT="6350" marB="0" anchor="ctr">
+                    <a:lnT w="12700" cap="flat" cmpd="sng" algn="ctr">
+                      <a:solidFill>
+                        <a:schemeClr val="tx1"/>
+                      </a:solidFill>
+                      <a:prstDash val="solid"/>
+                      <a:round/>
+                      <a:headEnd type="none" w="med" len="med"/>
+                      <a:tailEnd type="none" w="med" len="med"/>
+                    </a:lnT>
+                    <a:solidFill>
+                      <a:schemeClr val="tx2">
+                        <a:lumMod val="20000"/>
+                        <a:lumOff val="80000"/>
+                      </a:schemeClr>
+                    </a:solidFill>
+                  </a:tcPr>
+                </a:tc>
+                <a:tc>
+                  <a:txBody>
+                    <a:bodyPr/>
+                    <a:lstStyle/>
+                    <a:p>
+                      <a:pPr algn="ctr" fontAlgn="ctr"/>
+                      <a:r>
+                        <a:rPr lang="en-US" altLang="ja-JP" sz="900" b="0" i="0" u="none" strike="noStrike" dirty="0">
+                          <a:effectLst/>
+                          <a:latin typeface="+mn-lt"/>
+                          <a:ea typeface="Meiryo UI" panose="020B0604030504040204" pitchFamily="50" charset="-128"/>
+                        </a:rPr>
+                        <a:t>XXX</a:t>
+                      </a:r>
+                      <a:endParaRPr lang="ja-JP" altLang="en-US" sz="900" b="0" i="0" u="none" strike="noStrike" dirty="0">
+                        <a:effectLst/>
+                        <a:latin typeface="+mn-lt"/>
+                        <a:ea typeface="Meiryo UI" panose="020B0604030504040204" pitchFamily="50" charset="-128"/>
+                      </a:endParaRPr>
+                    </a:p>
+                  </a:txBody>
+                  <a:tcPr marL="6350" marR="6350" marT="6350" marB="0" anchor="ctr">
+                    <a:lnT w="12700" cap="flat" cmpd="sng" algn="ctr">
+                      <a:solidFill>
+                        <a:schemeClr val="tx1"/>
+                      </a:solidFill>
+                      <a:prstDash val="solid"/>
+                      <a:round/>
+                      <a:headEnd type="none" w="med" len="med"/>
+                      <a:tailEnd type="none" w="med" len="med"/>
+                    </a:lnT>
+                    <a:solidFill>
+                      <a:srgbClr val="BCE292"/>
+                    </a:solidFill>
+                  </a:tcPr>
+                </a:tc>
+                <a:tc>
+                  <a:txBody>
+                    <a:bodyPr/>
+                    <a:lstStyle/>
+                    <a:p>
+                      <a:pPr marL="0" marR="0" lvl="0" indent="0" algn="ctr" defTabSz="914377" rtl="0" eaLnBrk="1" fontAlgn="ctr" latinLnBrk="0" hangingPunct="1">
+                        <a:lnSpc>
+                          <a:spcPct val="100000"/>
+                        </a:lnSpc>
+                        <a:spcBef>
+                          <a:spcPts val="0"/>
+                        </a:spcBef>
+                        <a:spcAft>
+                          <a:spcPts val="0"/>
+                        </a:spcAft>
+                        <a:buClrTx/>
+                        <a:buSzTx/>
+                        <a:buFontTx/>
+                        <a:buNone/>
+                        <a:tabLst/>
+                        <a:defRPr/>
+                      </a:pPr>
+                      <a:r>
+                        <a:rPr lang="en-US" sz="900" b="0" i="0" u="none" strike="noStrike" dirty="0">
+                          <a:effectLst/>
+                          <a:latin typeface="+mn-lt"/>
+                          <a:ea typeface="Meiryo UI" panose="020B0604030504040204" pitchFamily="50" charset="-128"/>
+                        </a:rPr>
+                        <a:t>iMCSX-0201598 </a:t>
+                      </a:r>
+                      <a:r>
+                        <a:rPr lang="en-US" altLang="ja-JP" sz="900" b="0" i="0" u="none" strike="noStrike" dirty="0" err="1">
+                          <a:effectLst/>
+                          <a:latin typeface="+mn-lt"/>
+                          <a:ea typeface="Meiryo UI" panose="020B0604030504040204" pitchFamily="50" charset="-128"/>
+                        </a:rPr>
+                        <a:t>iHC</a:t>
+                      </a:r>
+                      <a:r>
+                        <a:rPr lang="en-US" altLang="ja-JP" sz="900" b="0" i="0" u="none" strike="noStrike" dirty="0">
+                          <a:effectLst/>
+                          <a:latin typeface="+mn-lt"/>
+                          <a:ea typeface="Meiryo UI" panose="020B0604030504040204" pitchFamily="50" charset="-128"/>
+                        </a:rPr>
+                        <a:t> Reset </a:t>
+                      </a:r>
+                      <a:r>
+                        <a:rPr lang="ja-JP" altLang="en-US" sz="900" b="0" i="0" u="none" strike="noStrike" dirty="0">
+                          <a:effectLst/>
+                          <a:latin typeface="+mn-lt"/>
+                          <a:ea typeface="Meiryo UI" panose="020B0604030504040204" pitchFamily="50" charset="-128"/>
+                        </a:rPr>
+                        <a:t>対応</a:t>
+                      </a:r>
+                    </a:p>
+                  </a:txBody>
+                  <a:tcPr marL="6350" marR="6350" marT="6350" marB="0" anchor="ctr">
+                    <a:lnT w="12700" cap="flat" cmpd="sng" algn="ctr">
+                      <a:solidFill>
+                        <a:schemeClr val="tx1"/>
+                      </a:solidFill>
+                      <a:prstDash val="solid"/>
+                      <a:round/>
+                      <a:headEnd type="none" w="med" len="med"/>
+                      <a:tailEnd type="none" w="med" len="med"/>
+                    </a:lnT>
+                    <a:solidFill>
+                      <a:schemeClr val="tx2">
+                        <a:lumMod val="20000"/>
+                        <a:lumOff val="80000"/>
+                      </a:schemeClr>
+                    </a:solidFill>
+                  </a:tcPr>
+                </a:tc>
+                <a:tc>
+                  <a:txBody>
+                    <a:bodyPr/>
+                    <a:lstStyle/>
+                    <a:p>
+                      <a:pPr marL="0" marR="0" lvl="0" indent="0" algn="ctr" defTabSz="914377" rtl="0" eaLnBrk="1" fontAlgn="ctr" latinLnBrk="0" hangingPunct="1">
+                        <a:lnSpc>
+                          <a:spcPct val="100000"/>
+                        </a:lnSpc>
+                        <a:spcBef>
+                          <a:spcPts val="0"/>
+                        </a:spcBef>
+                        <a:spcAft>
+                          <a:spcPts val="0"/>
+                        </a:spcAft>
+                        <a:buClrTx/>
+                        <a:buSzTx/>
+                        <a:buFontTx/>
+                        <a:buNone/>
+                        <a:tabLst/>
+                        <a:defRPr/>
+                      </a:pPr>
+                      <a:r>
+                        <a:rPr lang="en-US" altLang="ja-JP" sz="900" b="0" i="0" u="none" strike="noStrike" dirty="0">
+                          <a:effectLst/>
+                          <a:latin typeface="+mn-lt"/>
+                          <a:ea typeface="Meiryo UI" panose="020B0604030504040204" pitchFamily="50" charset="-128"/>
+                        </a:rPr>
+                        <a:t>&lt;&lt;</a:t>
+                      </a:r>
+                      <a:r>
+                        <a:rPr lang="ja-JP" altLang="en-US" sz="900" b="0" i="0" u="none" strike="noStrike" dirty="0">
+                          <a:effectLst/>
+                          <a:latin typeface="+mn-lt"/>
+                          <a:ea typeface="Meiryo UI" panose="020B0604030504040204" pitchFamily="50" charset="-128"/>
+                        </a:rPr>
+                        <a:t>仕様</a:t>
+                      </a:r>
+                      <a:r>
+                        <a:rPr lang="en-US" altLang="ja-JP" sz="900" b="0" i="0" u="none" strike="noStrike" dirty="0">
+                          <a:effectLst/>
+                          <a:latin typeface="+mn-lt"/>
+                          <a:ea typeface="Meiryo UI" panose="020B0604030504040204" pitchFamily="50" charset="-128"/>
+                        </a:rPr>
+                        <a:t>&gt;&gt;</a:t>
+                      </a:r>
+                      <a:r>
+                        <a:rPr lang="ja-JP" altLang="en-US" sz="900" b="0" i="0" u="none" strike="noStrike" dirty="0">
+                          <a:effectLst/>
+                          <a:latin typeface="+mn-lt"/>
+                          <a:ea typeface="Meiryo UI" panose="020B0604030504040204" pitchFamily="50" charset="-128"/>
+                        </a:rPr>
+                        <a:t>リブート</a:t>
+                      </a:r>
+                      <a:r>
+                        <a:rPr lang="en-US" altLang="ja-JP" sz="900" b="0" i="0" u="none" strike="noStrike" dirty="0">
+                          <a:effectLst/>
+                          <a:latin typeface="+mn-lt"/>
+                          <a:ea typeface="Meiryo UI" panose="020B0604030504040204" pitchFamily="50" charset="-128"/>
+                        </a:rPr>
+                        <a:t>Seq</a:t>
+                      </a:r>
+                    </a:p>
+                  </a:txBody>
+                  <a:tcPr marL="6350" marR="6350" marT="6350" marB="0" anchor="ctr">
+                    <a:lnT w="12700" cap="flat" cmpd="sng" algn="ctr">
+                      <a:solidFill>
+                        <a:schemeClr val="tx1"/>
+                      </a:solidFill>
+                      <a:prstDash val="solid"/>
+                      <a:round/>
+                      <a:headEnd type="none" w="med" len="med"/>
+                      <a:tailEnd type="none" w="med" len="med"/>
+                    </a:lnT>
+                    <a:solidFill>
+                      <a:srgbClr val="BCE292"/>
+                    </a:solidFill>
+                  </a:tcPr>
+                </a:tc>
+                <a:tc>
+                  <a:txBody>
+                    <a:bodyPr/>
+                    <a:lstStyle/>
+                    <a:p>
+                      <a:pPr algn="l" fontAlgn="t"/>
+                      <a:r>
+                        <a:rPr lang="ja-JP" altLang="en-US" sz="900" b="0" i="0" u="none" strike="noStrike" dirty="0">
+                          <a:effectLst/>
+                          <a:latin typeface="+mn-lt"/>
+                          <a:ea typeface="Meiryo UI" panose="020B0604030504040204" pitchFamily="50" charset="-128"/>
+                        </a:rPr>
+                        <a:t>アラームリセット処理を追加</a:t>
+                      </a:r>
+                    </a:p>
+                  </a:txBody>
+                  <a:tcPr marL="6350" marR="6350" marT="6350" marB="0">
+                    <a:lnR w="12700" cap="flat" cmpd="sng" algn="ctr">
+                      <a:solidFill>
+                        <a:schemeClr val="tx1"/>
+                      </a:solidFill>
+                      <a:prstDash val="solid"/>
+                      <a:round/>
+                      <a:headEnd type="none" w="med" len="med"/>
+                      <a:tailEnd type="none" w="med" len="med"/>
+                    </a:lnR>
+                    <a:lnT w="12700" cap="flat" cmpd="sng" algn="ctr">
+                      <a:solidFill>
+                        <a:schemeClr val="tx1"/>
+                      </a:solidFill>
+                      <a:prstDash val="solid"/>
+                      <a:round/>
+                      <a:headEnd type="none" w="med" len="med"/>
+                      <a:tailEnd type="none" w="med" len="med"/>
+                    </a:lnT>
+                    <a:solidFill>
+                      <a:schemeClr val="tx2">
+                        <a:lumMod val="20000"/>
+                        <a:lumOff val="80000"/>
+                      </a:schemeClr>
+                    </a:solidFill>
+                  </a:tcPr>
+                </a:tc>
+                <a:extLst>
+                  <a:ext uri="{0D108BD9-81ED-4DB2-BD59-A6C34878D82A}">
+                    <a16:rowId xmlns:a16="http://schemas.microsoft.com/office/drawing/2014/main" val="170418037"/>
+                  </a:ext>
+                </a:extLst>
+              </a:tr>
+              <a:tr h="167624">
+                <a:tc>
+                  <a:txBody>
+                    <a:bodyPr/>
+                    <a:lstStyle/>
+                    <a:p>
+                      <a:pPr algn="ctr" fontAlgn="ctr"/>
+                      <a:r>
+                        <a:rPr lang="ja-JP" altLang="en-US" sz="900" b="0" i="0" u="none" strike="noStrike">
+                          <a:effectLst/>
+                          <a:latin typeface="+mn-lt"/>
+                          <a:ea typeface="Meiryo UI" panose="020B0604030504040204" pitchFamily="50" charset="-128"/>
+                        </a:rPr>
+                        <a:t>　</a:t>
+                      </a:r>
+                    </a:p>
+                  </a:txBody>
+                  <a:tcPr marL="6350" marR="6350" marT="6350" marB="0" anchor="ctr">
+                    <a:lnL w="12700" cap="flat" cmpd="sng" algn="ctr">
+                      <a:solidFill>
+                        <a:schemeClr val="tx1"/>
+                      </a:solidFill>
+                      <a:prstDash val="solid"/>
+                      <a:round/>
+                      <a:headEnd type="none" w="med" len="med"/>
+                      <a:tailEnd type="none" w="med" len="med"/>
+                    </a:lnL>
+                    <a:lnB w="12700" cap="flat" cmpd="sng" algn="ctr">
+                      <a:solidFill>
+                        <a:schemeClr val="tx1"/>
+                      </a:solidFill>
+                      <a:prstDash val="solid"/>
+                      <a:round/>
+                      <a:headEnd type="none" w="med" len="med"/>
+                      <a:tailEnd type="none" w="med" len="med"/>
+                    </a:lnB>
+                    <a:solidFill>
+                      <a:schemeClr val="tx2">
+                        <a:lumMod val="20000"/>
+                        <a:lumOff val="80000"/>
+                      </a:schemeClr>
+                    </a:solidFill>
+                  </a:tcPr>
+                </a:tc>
+                <a:tc>
+                  <a:txBody>
+                    <a:bodyPr/>
+                    <a:lstStyle/>
+                    <a:p>
+                      <a:pPr algn="ctr" fontAlgn="ctr"/>
+                      <a:r>
+                        <a:rPr lang="ja-JP" altLang="en-US" sz="900" b="0" i="0" u="none" strike="noStrike">
+                          <a:effectLst/>
+                          <a:latin typeface="+mn-lt"/>
+                          <a:ea typeface="Meiryo UI" panose="020B0604030504040204" pitchFamily="50" charset="-128"/>
+                        </a:rPr>
+                        <a:t>　</a:t>
+                      </a:r>
+                    </a:p>
+                  </a:txBody>
+                  <a:tcPr marL="6350" marR="6350" marT="6350" marB="0" anchor="ctr">
+                    <a:lnB w="12700" cap="flat" cmpd="sng" algn="ctr">
+                      <a:solidFill>
+                        <a:schemeClr val="tx1"/>
+                      </a:solidFill>
+                      <a:prstDash val="solid"/>
+                      <a:round/>
+                      <a:headEnd type="none" w="med" len="med"/>
+                      <a:tailEnd type="none" w="med" len="med"/>
+                    </a:lnB>
+                    <a:solidFill>
+                      <a:srgbClr val="BCE292"/>
+                    </a:solidFill>
+                  </a:tcPr>
+                </a:tc>
+                <a:tc>
+                  <a:txBody>
+                    <a:bodyPr/>
+                    <a:lstStyle/>
+                    <a:p>
+                      <a:pPr algn="ctr" fontAlgn="ctr"/>
+                      <a:r>
+                        <a:rPr lang="ja-JP" altLang="en-US" sz="900" b="0" i="0" u="none" strike="noStrike">
+                          <a:effectLst/>
+                          <a:latin typeface="+mn-lt"/>
+                          <a:ea typeface="Meiryo UI" panose="020B0604030504040204" pitchFamily="50" charset="-128"/>
+                        </a:rPr>
+                        <a:t>　</a:t>
+                      </a:r>
+                    </a:p>
+                  </a:txBody>
+                  <a:tcPr marL="6350" marR="6350" marT="6350" marB="0" anchor="ctr">
+                    <a:lnB w="12700" cap="flat" cmpd="sng" algn="ctr">
+                      <a:solidFill>
+                        <a:schemeClr val="tx1"/>
+                      </a:solidFill>
+                      <a:prstDash val="solid"/>
+                      <a:round/>
+                      <a:headEnd type="none" w="med" len="med"/>
+                      <a:tailEnd type="none" w="med" len="med"/>
+                    </a:lnB>
+                    <a:solidFill>
+                      <a:schemeClr val="tx2">
+                        <a:lumMod val="20000"/>
+                        <a:lumOff val="80000"/>
+                      </a:schemeClr>
+                    </a:solidFill>
+                  </a:tcPr>
+                </a:tc>
+                <a:tc>
+                  <a:txBody>
+                    <a:bodyPr/>
+                    <a:lstStyle/>
+                    <a:p>
+                      <a:pPr algn="ctr" fontAlgn="ctr"/>
+                      <a:r>
+                        <a:rPr lang="ja-JP" altLang="en-US" sz="900" b="0" i="0" u="none" strike="noStrike" dirty="0">
+                          <a:effectLst/>
+                          <a:latin typeface="+mn-lt"/>
+                          <a:ea typeface="Meiryo UI" panose="020B0604030504040204" pitchFamily="50" charset="-128"/>
+                        </a:rPr>
+                        <a:t>　</a:t>
+                      </a:r>
+                    </a:p>
+                  </a:txBody>
+                  <a:tcPr marL="6350" marR="6350" marT="6350" marB="0" anchor="ctr">
+                    <a:lnB w="12700" cap="flat" cmpd="sng" algn="ctr">
+                      <a:solidFill>
+                        <a:schemeClr val="tx1"/>
+                      </a:solidFill>
+                      <a:prstDash val="solid"/>
+                      <a:round/>
+                      <a:headEnd type="none" w="med" len="med"/>
+                      <a:tailEnd type="none" w="med" len="med"/>
+                    </a:lnB>
+                    <a:solidFill>
+                      <a:srgbClr val="BCE292"/>
+                    </a:solidFill>
+                  </a:tcPr>
+                </a:tc>
+                <a:tc>
+                  <a:txBody>
+                    <a:bodyPr/>
+                    <a:lstStyle/>
+                    <a:p>
+                      <a:pPr algn="ctr" fontAlgn="ctr"/>
+                      <a:r>
+                        <a:rPr lang="ja-JP" altLang="en-US" sz="900" b="0" i="0" u="none" strike="noStrike">
+                          <a:effectLst/>
+                          <a:latin typeface="+mn-lt"/>
+                          <a:ea typeface="Meiryo UI" panose="020B0604030504040204" pitchFamily="50" charset="-128"/>
+                        </a:rPr>
+                        <a:t>　</a:t>
+                      </a:r>
+                    </a:p>
+                  </a:txBody>
+                  <a:tcPr marL="6350" marR="6350" marT="6350" marB="0" anchor="ctr">
+                    <a:lnB w="12700" cap="flat" cmpd="sng" algn="ctr">
+                      <a:solidFill>
+                        <a:schemeClr val="tx1"/>
+                      </a:solidFill>
+                      <a:prstDash val="solid"/>
+                      <a:round/>
+                      <a:headEnd type="none" w="med" len="med"/>
+                      <a:tailEnd type="none" w="med" len="med"/>
+                    </a:lnB>
+                    <a:solidFill>
+                      <a:schemeClr val="tx2">
+                        <a:lumMod val="20000"/>
+                        <a:lumOff val="80000"/>
+                      </a:schemeClr>
+                    </a:solidFill>
+                  </a:tcPr>
+                </a:tc>
+                <a:tc>
+                  <a:txBody>
+                    <a:bodyPr/>
+                    <a:lstStyle/>
+                    <a:p>
+                      <a:pPr marL="0" marR="0" lvl="0" indent="0" algn="ctr" defTabSz="914377" rtl="0" eaLnBrk="1" fontAlgn="ctr" latinLnBrk="0" hangingPunct="1">
+                        <a:lnSpc>
+                          <a:spcPct val="100000"/>
+                        </a:lnSpc>
+                        <a:spcBef>
+                          <a:spcPts val="0"/>
+                        </a:spcBef>
+                        <a:spcAft>
+                          <a:spcPts val="0"/>
+                        </a:spcAft>
+                        <a:buClrTx/>
+                        <a:buSzTx/>
+                        <a:buFontTx/>
+                        <a:buNone/>
+                        <a:tabLst/>
+                        <a:defRPr/>
+                      </a:pPr>
+                      <a:r>
+                        <a:rPr lang="ja-JP" altLang="en-US" sz="900" b="0" i="0" u="none" strike="noStrike" dirty="0">
+                          <a:effectLst/>
+                          <a:latin typeface="+mn-lt"/>
+                          <a:ea typeface="Meiryo UI" panose="020B0604030504040204" pitchFamily="50" charset="-128"/>
+                        </a:rPr>
+                        <a:t>　</a:t>
+                      </a:r>
+                      <a:r>
+                        <a:rPr lang="en-US" altLang="ja-JP" sz="900" b="0" i="0" u="none" strike="noStrike" dirty="0">
+                          <a:effectLst/>
+                          <a:latin typeface="+mn-lt"/>
+                          <a:ea typeface="Meiryo UI" panose="020B0604030504040204" pitchFamily="50" charset="-128"/>
+                        </a:rPr>
+                        <a:t>&lt;&lt;</a:t>
+                      </a:r>
+                      <a:r>
+                        <a:rPr lang="ja-JP" altLang="en-US" sz="900" b="0" i="0" u="none" strike="noStrike" dirty="0">
+                          <a:effectLst/>
+                          <a:latin typeface="+mn-lt"/>
+                          <a:ea typeface="Meiryo UI" panose="020B0604030504040204" pitchFamily="50" charset="-128"/>
+                        </a:rPr>
+                        <a:t>定義</a:t>
+                      </a:r>
+                      <a:r>
+                        <a:rPr lang="en-US" altLang="ja-JP" sz="900" b="0" i="0" u="none" strike="noStrike" dirty="0">
+                          <a:effectLst/>
+                          <a:latin typeface="+mn-lt"/>
+                          <a:ea typeface="Meiryo UI" panose="020B0604030504040204" pitchFamily="50" charset="-128"/>
+                        </a:rPr>
+                        <a:t>&gt;&gt;Command</a:t>
+                      </a:r>
+                    </a:p>
+                  </a:txBody>
+                  <a:tcPr marL="6350" marR="6350" marT="6350" marB="0" anchor="ctr">
+                    <a:lnB w="12700" cap="flat" cmpd="sng" algn="ctr">
+                      <a:solidFill>
+                        <a:schemeClr val="tx1"/>
+                      </a:solidFill>
+                      <a:prstDash val="solid"/>
+                      <a:round/>
+                      <a:headEnd type="none" w="med" len="med"/>
+                      <a:tailEnd type="none" w="med" len="med"/>
+                    </a:lnB>
+                    <a:solidFill>
+                      <a:srgbClr val="BCE292"/>
+                    </a:solidFill>
+                  </a:tcPr>
+                </a:tc>
+                <a:tc>
+                  <a:txBody>
+                    <a:bodyPr/>
+                    <a:lstStyle/>
+                    <a:p>
+                      <a:pPr algn="l" fontAlgn="t"/>
+                      <a:r>
+                        <a:rPr lang="ja-JP" altLang="en-US" sz="900" b="0" i="0" u="none" strike="noStrike" dirty="0">
+                          <a:effectLst/>
+                          <a:latin typeface="+mn-lt"/>
+                          <a:ea typeface="Meiryo UI" panose="020B0604030504040204" pitchFamily="50" charset="-128"/>
+                        </a:rPr>
+                        <a:t>使用するコマンドの追加</a:t>
+                      </a:r>
+                    </a:p>
+                  </a:txBody>
+                  <a:tcPr marL="6350" marR="6350" marT="6350" marB="0">
+                    <a:lnR w="12700" cap="flat" cmpd="sng" algn="ctr">
+                      <a:solidFill>
+                        <a:schemeClr val="tx1"/>
+                      </a:solidFill>
+                      <a:prstDash val="solid"/>
+                      <a:round/>
+                      <a:headEnd type="none" w="med" len="med"/>
+                      <a:tailEnd type="none" w="med" len="med"/>
+                    </a:lnR>
+                    <a:lnB w="12700" cap="flat" cmpd="sng" algn="ctr">
+                      <a:solidFill>
+                        <a:schemeClr val="tx1"/>
+                      </a:solidFill>
+                      <a:prstDash val="solid"/>
+                      <a:round/>
+                      <a:headEnd type="none" w="med" len="med"/>
+                      <a:tailEnd type="none" w="med" len="med"/>
+                    </a:lnB>
+                    <a:solidFill>
+                      <a:schemeClr val="tx2">
+                        <a:lumMod val="20000"/>
+                        <a:lumOff val="80000"/>
+                      </a:schemeClr>
+                    </a:solidFill>
+                  </a:tcPr>
+                </a:tc>
+                <a:extLst>
+                  <a:ext uri="{0D108BD9-81ED-4DB2-BD59-A6C34878D82A}">
+                    <a16:rowId xmlns:a16="http://schemas.microsoft.com/office/drawing/2014/main" val="3504949147"/>
+                  </a:ext>
+                </a:extLst>
+              </a:tr>
+            </a:tbl>
+          </a:graphicData>
+        </a:graphic>
+      </p:graphicFrame>
+      <p:sp>
+        <p:nvSpPr>
+          <p:cNvPr id="8" name="テキスト ボックス 7">
+            <a:extLst>
+              <a:ext uri="{FF2B5EF4-FFF2-40B4-BE49-F238E27FC236}">
+                <a16:creationId xmlns:a16="http://schemas.microsoft.com/office/drawing/2014/main" id="{9A7450B6-DFB9-F581-4C87-435D8DD9ED28}"/>
+              </a:ext>
+            </a:extLst>
+          </p:cNvPr>
+          <p:cNvSpPr txBox="1"/>
+          <p:nvPr/>
+        </p:nvSpPr>
+        <p:spPr>
+          <a:xfrm>
+            <a:off x="1115189" y="1391100"/>
+            <a:ext cx="3001143" cy="276999"/>
+          </a:xfrm>
+          <a:prstGeom prst="rect">
+            <a:avLst/>
+          </a:prstGeom>
+          <a:noFill/>
+        </p:spPr>
+        <p:txBody>
+          <a:bodyPr wrap="none" rtlCol="0">
+            <a:spAutoFit/>
+          </a:bodyPr>
+          <a:lstStyle/>
+          <a:p>
+            <a:pPr algn="ctr"/>
+            <a:r>
+              <a:rPr kumimoji="1" lang="ja-JP" altLang="en-US" sz="1200" dirty="0">
+                <a:solidFill>
+                  <a:schemeClr val="tx1"/>
+                </a:solidFill>
+              </a:rPr>
+              <a:t>機能仕様書</a:t>
+            </a:r>
+            <a:r>
+              <a:rPr kumimoji="1" lang="en-US" altLang="ja-JP" sz="1200" dirty="0">
+                <a:solidFill>
+                  <a:schemeClr val="tx1"/>
+                </a:solidFill>
+              </a:rPr>
+              <a:t>(aaa.xlsx)</a:t>
+            </a:r>
+            <a:r>
+              <a:rPr kumimoji="1" lang="ja-JP" altLang="en-US" sz="1200" dirty="0">
+                <a:solidFill>
+                  <a:schemeClr val="tx1"/>
+                </a:solidFill>
+              </a:rPr>
+              <a:t>　</a:t>
+            </a:r>
+            <a:r>
+              <a:rPr kumimoji="1" lang="en-US" altLang="ja-JP" sz="1200" dirty="0">
+                <a:solidFill>
+                  <a:schemeClr val="tx1"/>
+                </a:solidFill>
+              </a:rPr>
+              <a:t>“</a:t>
+            </a:r>
+            <a:r>
+              <a:rPr kumimoji="1" lang="ja-JP" altLang="en-US" sz="1200" dirty="0">
+                <a:solidFill>
+                  <a:schemeClr val="tx1"/>
+                </a:solidFill>
+              </a:rPr>
+              <a:t>更新履歴</a:t>
+            </a:r>
+            <a:r>
+              <a:rPr kumimoji="1" lang="en-US" altLang="ja-JP" sz="1200" dirty="0">
+                <a:solidFill>
+                  <a:schemeClr val="tx1"/>
+                </a:solidFill>
+              </a:rPr>
+              <a:t>”</a:t>
+            </a:r>
+            <a:r>
+              <a:rPr kumimoji="1" lang="ja-JP" altLang="en-US" sz="1200" dirty="0">
+                <a:solidFill>
+                  <a:schemeClr val="tx1"/>
+                </a:solidFill>
+              </a:rPr>
+              <a:t>シート</a:t>
+            </a:r>
+          </a:p>
+        </p:txBody>
+      </p:sp>
+      <p:sp>
+        <p:nvSpPr>
+          <p:cNvPr id="9" name="テキスト ボックス 8">
+            <a:extLst>
+              <a:ext uri="{FF2B5EF4-FFF2-40B4-BE49-F238E27FC236}">
+                <a16:creationId xmlns:a16="http://schemas.microsoft.com/office/drawing/2014/main" id="{3DBC24AE-34DF-8BAD-3810-F7230B1D6915}"/>
+              </a:ext>
+            </a:extLst>
+          </p:cNvPr>
+          <p:cNvSpPr txBox="1"/>
+          <p:nvPr/>
+        </p:nvSpPr>
+        <p:spPr>
+          <a:xfrm>
+            <a:off x="1115189" y="3993221"/>
+            <a:ext cx="1723549" cy="276999"/>
+          </a:xfrm>
+          <a:prstGeom prst="rect">
+            <a:avLst/>
+          </a:prstGeom>
+          <a:noFill/>
+        </p:spPr>
+        <p:txBody>
+          <a:bodyPr wrap="none" rtlCol="0">
+            <a:spAutoFit/>
+          </a:bodyPr>
+          <a:lstStyle/>
+          <a:p>
+            <a:pPr algn="ctr"/>
+            <a:r>
+              <a:rPr kumimoji="1" lang="ja-JP" altLang="en-US" sz="1200" dirty="0"/>
+              <a:t>分析シート対応欄記述</a:t>
+            </a:r>
+            <a:endParaRPr kumimoji="1" lang="ja-JP" altLang="en-US" sz="1200" dirty="0">
+              <a:solidFill>
+                <a:schemeClr val="tx1"/>
+              </a:solidFill>
+            </a:endParaRPr>
+          </a:p>
+        </p:txBody>
+      </p:sp>
+      <p:cxnSp>
+        <p:nvCxnSpPr>
+          <p:cNvPr id="11" name="直線矢印コネクタ 10">
+            <a:extLst>
+              <a:ext uri="{FF2B5EF4-FFF2-40B4-BE49-F238E27FC236}">
+                <a16:creationId xmlns:a16="http://schemas.microsoft.com/office/drawing/2014/main" id="{3638D0F7-B800-85F8-0402-A5846D9F8059}"/>
+              </a:ext>
+            </a:extLst>
+          </p:cNvPr>
+          <p:cNvCxnSpPr>
+            <a:cxnSpLocks/>
+          </p:cNvCxnSpPr>
+          <p:nvPr/>
+        </p:nvCxnSpPr>
+        <p:spPr>
+          <a:xfrm flipH="1">
+            <a:off x="6121938" y="3586387"/>
+            <a:ext cx="183612" cy="937988"/>
+          </a:xfrm>
+          <a:prstGeom prst="straightConnector1">
+            <a:avLst/>
+          </a:prstGeom>
+          <a:ln w="19050">
+            <a:solidFill>
+              <a:srgbClr val="C00000"/>
+            </a:solidFill>
+            <a:headEnd type="triangle"/>
+            <a:tailEnd type="triangle"/>
+          </a:ln>
+        </p:spPr>
+        <p:style>
+          <a:lnRef idx="1">
+            <a:schemeClr val="dk1"/>
+          </a:lnRef>
+          <a:fillRef idx="0">
+            <a:schemeClr val="dk1"/>
+          </a:fillRef>
+          <a:effectRef idx="0">
+            <a:schemeClr val="dk1"/>
+          </a:effectRef>
+          <a:fontRef idx="minor">
+            <a:schemeClr val="tx1"/>
+          </a:fontRef>
+        </p:style>
+      </p:cxnSp>
+      <p:cxnSp>
+        <p:nvCxnSpPr>
+          <p:cNvPr id="14" name="直線矢印コネクタ 13">
+            <a:extLst>
+              <a:ext uri="{FF2B5EF4-FFF2-40B4-BE49-F238E27FC236}">
+                <a16:creationId xmlns:a16="http://schemas.microsoft.com/office/drawing/2014/main" id="{B850965F-60BA-A765-AEDF-F477CE98B2EB}"/>
+              </a:ext>
+            </a:extLst>
+          </p:cNvPr>
+          <p:cNvCxnSpPr>
+            <a:cxnSpLocks/>
+          </p:cNvCxnSpPr>
+          <p:nvPr/>
+        </p:nvCxnSpPr>
+        <p:spPr>
+          <a:xfrm>
+            <a:off x="8420100" y="3586387"/>
+            <a:ext cx="159288" cy="879324"/>
+          </a:xfrm>
+          <a:prstGeom prst="straightConnector1">
+            <a:avLst/>
+          </a:prstGeom>
+          <a:ln w="19050">
+            <a:solidFill>
+              <a:srgbClr val="C00000"/>
+            </a:solidFill>
+            <a:headEnd type="triangle"/>
+            <a:tailEnd type="triangle"/>
+          </a:ln>
+        </p:spPr>
+        <p:style>
+          <a:lnRef idx="1">
+            <a:schemeClr val="dk1"/>
+          </a:lnRef>
+          <a:fillRef idx="0">
+            <a:schemeClr val="dk1"/>
+          </a:fillRef>
+          <a:effectRef idx="0">
+            <a:schemeClr val="dk1"/>
+          </a:effectRef>
+          <a:fontRef idx="minor">
+            <a:schemeClr val="tx1"/>
+          </a:fontRef>
+        </p:style>
+      </p:cxnSp>
+      <p:cxnSp>
+        <p:nvCxnSpPr>
+          <p:cNvPr id="16" name="直線矢印コネクタ 15">
+            <a:extLst>
+              <a:ext uri="{FF2B5EF4-FFF2-40B4-BE49-F238E27FC236}">
+                <a16:creationId xmlns:a16="http://schemas.microsoft.com/office/drawing/2014/main" id="{7FED7AE6-DE10-708A-42F6-AFA9801A319A}"/>
+              </a:ext>
+            </a:extLst>
+          </p:cNvPr>
+          <p:cNvCxnSpPr>
+            <a:cxnSpLocks/>
+          </p:cNvCxnSpPr>
+          <p:nvPr/>
+        </p:nvCxnSpPr>
+        <p:spPr>
+          <a:xfrm>
+            <a:off x="1438275" y="3466734"/>
+            <a:ext cx="2971800" cy="803486"/>
+          </a:xfrm>
+          <a:prstGeom prst="straightConnector1">
+            <a:avLst/>
+          </a:prstGeom>
+          <a:ln w="19050">
+            <a:solidFill>
+              <a:srgbClr val="C00000"/>
+            </a:solidFill>
+            <a:headEnd type="triangle"/>
+            <a:tailEnd type="triangle"/>
+          </a:ln>
+        </p:spPr>
+        <p:style>
+          <a:lnRef idx="1">
+            <a:schemeClr val="dk1"/>
+          </a:lnRef>
+          <a:fillRef idx="0">
+            <a:schemeClr val="dk1"/>
+          </a:fillRef>
+          <a:effectRef idx="0">
+            <a:schemeClr val="dk1"/>
+          </a:effectRef>
+          <a:fontRef idx="minor">
+            <a:schemeClr val="tx1"/>
+          </a:fontRef>
+        </p:style>
+      </p:cxnSp>
     </p:spTree>
     <p:extLst>
       <p:ext uri="{BB962C8B-B14F-4D97-AF65-F5344CB8AC3E}">
-        <p14:creationId xmlns:p14="http://schemas.microsoft.com/office/powerpoint/2010/main" val="90654423"/>
+        <p14:creationId xmlns:p14="http://schemas.microsoft.com/office/powerpoint/2010/main" val="2042915826"/>
       </p:ext>
     </p:extLst>
   </p:cSld>
@@ -10465,8 +17761,8 @@
 </p:sld>
 </file>
 
-<file path=ppt/slides/slide5.xml><?xml version="1.0" encoding="utf-8"?>
-<p:sld xmlns:a="http://schemas.openxmlformats.org/drawingml/2006/main" xmlns:r="http://schemas.openxmlformats.org/officeDocument/2006/relationships" xmlns:p="http://schemas.openxmlformats.org/presentationml/2006/main">
+<file path=ppt/slides/slide9.xml><?xml version="1.0" encoding="utf-8"?>
+<p:sld xmlns:a="http://schemas.openxmlformats.org/drawingml/2006/main" xmlns:r="http://schemas.openxmlformats.org/officeDocument/2006/relationships" xmlns:p="http://schemas.openxmlformats.org/presentationml/2006/main" show="0">
   <p:cSld>
     <p:spTree>
       <p:nvGrpSpPr>

--- a/改造シート_exmPC.pptx
+++ b/改造シート_exmPC.pptx
@@ -9994,7 +9994,7 @@
           <a:p>
             <a:r>
               <a:rPr lang="ja-JP" altLang="en-US" dirty="0"/>
-              <a:t>分析シート：フォーマット</a:t>
+              <a:t>改造シート：フォーマット</a:t>
             </a:r>
           </a:p>
         </p:txBody>
@@ -10655,7 +10655,7 @@
           <a:p>
             <a:r>
               <a:rPr lang="ja-JP" altLang="en-US" dirty="0"/>
-              <a:t>分析シート：フォーマット　パターン①</a:t>
+              <a:t>改造シート：フォーマット　パターン①</a:t>
             </a:r>
             <a:endParaRPr kumimoji="1" lang="ja-JP" altLang="en-US" dirty="0"/>
           </a:p>
@@ -10919,7 +10919,7 @@
           <a:p>
             <a:r>
               <a:rPr lang="ja-JP" altLang="en-US" dirty="0"/>
-              <a:t>分析シート：フォーマット　パターン②</a:t>
+              <a:t>改造シート：フォーマット　パターン②</a:t>
             </a:r>
             <a:endParaRPr kumimoji="1" lang="ja-JP" altLang="en-US" dirty="0"/>
           </a:p>
@@ -11166,7 +11166,7 @@
           <a:p>
             <a:r>
               <a:rPr lang="ja-JP" altLang="en-US" dirty="0"/>
-              <a:t>分析シート：フォーマット　パターン③</a:t>
+              <a:t>改造シート：フォーマット　パターン③</a:t>
             </a:r>
             <a:endParaRPr kumimoji="1" lang="ja-JP" altLang="en-US" dirty="0"/>
           </a:p>
@@ -11293,7 +11293,7 @@
           <a:p>
             <a:r>
               <a:rPr lang="ja-JP" altLang="en-US" dirty="0"/>
-              <a:t>分析シート：</a:t>
+              <a:t>改造シート：</a:t>
             </a:r>
             <a:r>
               <a:rPr kumimoji="1" lang="ja-JP" altLang="en-US" dirty="0"/>
@@ -11532,8 +11532,12 @@
           <a:lstStyle/>
           <a:p>
             <a:r>
+              <a:rPr lang="ja-JP" altLang="en-US" dirty="0"/>
+              <a:t>改造</a:t>
+            </a:r>
+            <a:r>
               <a:rPr kumimoji="1" lang="ja-JP" altLang="en-US" dirty="0"/>
-              <a:t>分析シート作成フロー</a:t>
+              <a:t>シート作成フロー</a:t>
             </a:r>
           </a:p>
         </p:txBody>
@@ -17603,7 +17607,7 @@
             <a:pPr algn="ctr"/>
             <a:r>
               <a:rPr kumimoji="1" lang="ja-JP" altLang="en-US" sz="1200" dirty="0"/>
-              <a:t>分析シート対応欄記述</a:t>
+              <a:t>改造シート対応欄記述</a:t>
             </a:r>
             <a:endParaRPr kumimoji="1" lang="ja-JP" altLang="en-US" sz="1200" dirty="0">
               <a:solidFill>
